--- a/flowable-demo/src/main/resources/devsupport/Flowable_Demo.pptx
+++ b/flowable-demo/src/main/resources/devsupport/Flowable_Demo.pptx
@@ -5,20 +5,21 @@
     <p:sldMasterId id="2147483648" r:id="rId1"/>
   </p:sldMasterIdLst>
   <p:notesMasterIdLst>
-    <p:notesMasterId r:id="rId13"/>
+    <p:notesMasterId r:id="rId14"/>
   </p:notesMasterIdLst>
   <p:sldIdLst>
     <p:sldId id="256" r:id="rId2"/>
-    <p:sldId id="258" r:id="rId3"/>
-    <p:sldId id="261" r:id="rId4"/>
-    <p:sldId id="263" r:id="rId5"/>
-    <p:sldId id="260" r:id="rId6"/>
-    <p:sldId id="265" r:id="rId7"/>
-    <p:sldId id="266" r:id="rId8"/>
-    <p:sldId id="259" r:id="rId9"/>
-    <p:sldId id="267" r:id="rId10"/>
-    <p:sldId id="264" r:id="rId11"/>
-    <p:sldId id="262" r:id="rId12"/>
+    <p:sldId id="261" r:id="rId3"/>
+    <p:sldId id="260" r:id="rId4"/>
+    <p:sldId id="265" r:id="rId5"/>
+    <p:sldId id="263" r:id="rId6"/>
+    <p:sldId id="270" r:id="rId7"/>
+    <p:sldId id="268" r:id="rId8"/>
+    <p:sldId id="272" r:id="rId9"/>
+    <p:sldId id="259" r:id="rId10"/>
+    <p:sldId id="267" r:id="rId11"/>
+    <p:sldId id="264" r:id="rId12"/>
+    <p:sldId id="262" r:id="rId13"/>
   </p:sldIdLst>
   <p:sldSz cx="12192000" cy="6858000"/>
   <p:notesSz cx="6858000" cy="9144000"/>
@@ -207,7 +208,7 @@
           <a:p>
             <a:fld id="{5833448F-D82A-4F91-8165-AEC9D03D7538}" type="datetimeFigureOut">
               <a:rPr lang="en-CH" smtClean="0"/>
-              <a:t>08/04/2022</a:t>
+              <a:t>04/20/2022</a:t>
             </a:fld>
             <a:endParaRPr lang="en-CH"/>
           </a:p>
@@ -519,64 +520,6 @@
           <a:bodyPr/>
           <a:lstStyle/>
           <a:p>
-            <a:r>
-              <a:rPr lang="en-US" dirty="0"/>
-              <a:t>The </a:t>
-            </a:r>
-            <a:r>
-              <a:rPr lang="en-US" dirty="0" err="1"/>
-              <a:t>processDefinitionKey</a:t>
-            </a:r>
-            <a:r>
-              <a:rPr lang="en-US" dirty="0"/>
-              <a:t> </a:t>
-            </a:r>
-            <a:r>
-              <a:rPr lang="en-US" dirty="0" err="1"/>
-              <a:t>referes</a:t>
-            </a:r>
-            <a:r>
-              <a:rPr lang="en-US" dirty="0"/>
-              <a:t> to the “id” attribute in the model xml. By starting a process via the </a:t>
-            </a:r>
-            <a:r>
-              <a:rPr lang="en-US" dirty="0" err="1"/>
-              <a:t>processDefinitionKey</a:t>
-            </a:r>
-            <a:r>
-              <a:rPr lang="en-US" dirty="0"/>
-              <a:t> the latest version of that model (process definition) will be started </a:t>
-            </a:r>
-            <a:r>
-              <a:rPr lang="en-US">
-                <a:sym typeface="Wingdings" panose="05000000000000000000" pitchFamily="2" charset="2"/>
-              </a:rPr>
-              <a:t> recommended!</a:t>
-            </a:r>
-            <a:endParaRPr lang="en-US" dirty="0"/>
-          </a:p>
-          <a:p>
-            <a:endParaRPr lang="en-US" dirty="0"/>
-          </a:p>
-          <a:p>
-            <a:r>
-              <a:rPr lang="en-US" dirty="0"/>
-              <a:t>The </a:t>
-            </a:r>
-            <a:r>
-              <a:rPr lang="en-US" dirty="0" err="1"/>
-              <a:t>processDefinitionId</a:t>
-            </a:r>
-            <a:r>
-              <a:rPr lang="en-US" dirty="0"/>
-              <a:t> refers to the DB id of a deployed model (process definition). In case there is a history of the process definitions the DB identifies them by a unique id! Using that a specific version of the model can be started </a:t>
-            </a:r>
-            <a:r>
-              <a:rPr lang="en-US" dirty="0">
-                <a:sym typeface="Wingdings" panose="05000000000000000000" pitchFamily="2" charset="2"/>
-              </a:rPr>
-              <a:t> not really recommended</a:t>
-            </a:r>
             <a:endParaRPr lang="en-US" dirty="0"/>
           </a:p>
         </p:txBody>
@@ -598,7 +541,7 @@
           <a:p>
             <a:fld id="{02945BD4-EE45-4032-9BDF-3B28D9BFA7D5}" type="slidenum">
               <a:rPr lang="en-CH" smtClean="0"/>
-              <a:t>6</a:t>
+              <a:t>4</a:t>
             </a:fld>
             <a:endParaRPr lang="en-CH"/>
           </a:p>
@@ -607,7 +550,7 @@
     </p:spTree>
     <p:extLst>
       <p:ext uri="{BB962C8B-B14F-4D97-AF65-F5344CB8AC3E}">
-        <p14:creationId xmlns:p14="http://schemas.microsoft.com/office/powerpoint/2010/main" val="2973576390"/>
+        <p14:creationId xmlns:p14="http://schemas.microsoft.com/office/powerpoint/2010/main" val="782439010"/>
       </p:ext>
     </p:extLst>
   </p:cSld>
@@ -661,6 +604,165 @@
           <a:bodyPr/>
           <a:lstStyle/>
           <a:p>
+            <a:pPr marL="0" marR="0" lvl="0" indent="0" algn="l" defTabSz="914400" rtl="0" eaLnBrk="1" fontAlgn="auto" latinLnBrk="0" hangingPunct="1">
+              <a:lnSpc>
+                <a:spcPct val="100000"/>
+              </a:lnSpc>
+              <a:spcBef>
+                <a:spcPts val="0"/>
+              </a:spcBef>
+              <a:spcAft>
+                <a:spcPts val="0"/>
+              </a:spcAft>
+              <a:buClrTx/>
+              <a:buSzTx/>
+              <a:buFontTx/>
+              <a:buNone/>
+              <a:tabLst/>
+              <a:defRPr/>
+            </a:pPr>
+            <a:r>
+              <a:rPr lang="en-US" dirty="0" err="1"/>
+              <a:t>businessKey</a:t>
+            </a:r>
+            <a:r>
+              <a:rPr lang="en-US" dirty="0"/>
+              <a:t> – a key that identifies the process instance and can be used to retrieve the process instance later via the query API.</a:t>
+            </a:r>
+          </a:p>
+          <a:p>
+            <a:pPr marL="0" marR="0" lvl="0" indent="0" algn="l" defTabSz="914400" rtl="0" eaLnBrk="1" fontAlgn="auto" latinLnBrk="0" hangingPunct="1">
+              <a:lnSpc>
+                <a:spcPct val="100000"/>
+              </a:lnSpc>
+              <a:spcBef>
+                <a:spcPts val="0"/>
+              </a:spcBef>
+              <a:spcAft>
+                <a:spcPts val="0"/>
+              </a:spcAft>
+              <a:buClrTx/>
+              <a:buSzTx/>
+              <a:buFontTx/>
+              <a:buNone/>
+              <a:tabLst/>
+              <a:defRPr/>
+            </a:pPr>
+            <a:endParaRPr lang="en-US" dirty="0"/>
+          </a:p>
+          <a:p>
+            <a:pPr marL="0" marR="0" lvl="0" indent="0" algn="l" defTabSz="914400" rtl="0" eaLnBrk="1" fontAlgn="auto" latinLnBrk="0" hangingPunct="1">
+              <a:lnSpc>
+                <a:spcPct val="100000"/>
+              </a:lnSpc>
+              <a:spcBef>
+                <a:spcPts val="0"/>
+              </a:spcBef>
+              <a:spcAft>
+                <a:spcPts val="0"/>
+              </a:spcAft>
+              <a:buClrTx/>
+              <a:buSzTx/>
+              <a:buFontTx/>
+              <a:buNone/>
+              <a:tabLst/>
+              <a:defRPr/>
+            </a:pPr>
+            <a:r>
+              <a:rPr lang="en-US" dirty="0"/>
+              <a:t>A business key can be provided to associate the process instance with a certain identifier that has a clear business meaning. For example in an order process, the business key could be an order id. This business key can then be used to easily look up that process instance , see </a:t>
+            </a:r>
+            <a:r>
+              <a:rPr lang="en-US" dirty="0" err="1"/>
+              <a:t>ProcessInstanceQuery.processInstanceBusinessKey</a:t>
+            </a:r>
+            <a:r>
+              <a:rPr lang="en-US" dirty="0"/>
+              <a:t>(String). Providing such a business key is definitely a best practice.</a:t>
+            </a:r>
+          </a:p>
+        </p:txBody>
+      </p:sp>
+      <p:sp>
+        <p:nvSpPr>
+          <p:cNvPr id="4" name="Slide Number Placeholder 3"/>
+          <p:cNvSpPr>
+            <a:spLocks noGrp="1"/>
+          </p:cNvSpPr>
+          <p:nvPr>
+            <p:ph type="sldNum" sz="quarter" idx="5"/>
+          </p:nvPr>
+        </p:nvSpPr>
+        <p:spPr/>
+        <p:txBody>
+          <a:bodyPr/>
+          <a:lstStyle/>
+          <a:p>
+            <a:fld id="{02945BD4-EE45-4032-9BDF-3B28D9BFA7D5}" type="slidenum">
+              <a:rPr lang="en-CH" smtClean="0"/>
+              <a:t>6</a:t>
+            </a:fld>
+            <a:endParaRPr lang="en-CH"/>
+          </a:p>
+        </p:txBody>
+      </p:sp>
+    </p:spTree>
+    <p:extLst>
+      <p:ext uri="{BB962C8B-B14F-4D97-AF65-F5344CB8AC3E}">
+        <p14:creationId xmlns:p14="http://schemas.microsoft.com/office/powerpoint/2010/main" val="1977936413"/>
+      </p:ext>
+    </p:extLst>
+  </p:cSld>
+  <p:clrMapOvr>
+    <a:masterClrMapping/>
+  </p:clrMapOvr>
+</p:notes>
+</file>
+
+<file path=ppt/notesSlides/notesSlide3.xml><?xml version="1.0" encoding="utf-8"?>
+<p:notes xmlns:a="http://schemas.openxmlformats.org/drawingml/2006/main" xmlns:r="http://schemas.openxmlformats.org/officeDocument/2006/relationships" xmlns:p="http://schemas.openxmlformats.org/presentationml/2006/main">
+  <p:cSld>
+    <p:spTree>
+      <p:nvGrpSpPr>
+        <p:cNvPr id="1" name=""/>
+        <p:cNvGrpSpPr/>
+        <p:nvPr/>
+      </p:nvGrpSpPr>
+      <p:grpSpPr>
+        <a:xfrm>
+          <a:off x="0" y="0"/>
+          <a:ext cx="0" cy="0"/>
+          <a:chOff x="0" y="0"/>
+          <a:chExt cx="0" cy="0"/>
+        </a:xfrm>
+      </p:grpSpPr>
+      <p:sp>
+        <p:nvSpPr>
+          <p:cNvPr id="2" name="Slide Image Placeholder 1"/>
+          <p:cNvSpPr>
+            <a:spLocks noGrp="1" noRot="1" noChangeAspect="1"/>
+          </p:cNvSpPr>
+          <p:nvPr>
+            <p:ph type="sldImg"/>
+          </p:nvPr>
+        </p:nvSpPr>
+        <p:spPr/>
+      </p:sp>
+      <p:sp>
+        <p:nvSpPr>
+          <p:cNvPr id="3" name="Notes Placeholder 2"/>
+          <p:cNvSpPr>
+            <a:spLocks noGrp="1"/>
+          </p:cNvSpPr>
+          <p:nvPr>
+            <p:ph type="body" idx="1"/>
+          </p:nvPr>
+        </p:nvSpPr>
+        <p:spPr/>
+        <p:txBody>
+          <a:bodyPr/>
+          <a:lstStyle/>
+          <a:p>
             <a:r>
               <a:rPr lang="en-US" dirty="0"/>
               <a:t>The </a:t>
@@ -671,15 +773,7 @@
             </a:r>
             <a:r>
               <a:rPr lang="en-US" dirty="0"/>
-              <a:t> </a:t>
-            </a:r>
-            <a:r>
-              <a:rPr lang="en-US" dirty="0" err="1"/>
-              <a:t>referes</a:t>
-            </a:r>
-            <a:r>
-              <a:rPr lang="en-US" dirty="0"/>
-              <a:t> to the “id” attribute in the model xml. By starting a process via the </a:t>
+              <a:t> refers to the “id” attribute in the model xml. By starting a process via the </a:t>
             </a:r>
             <a:r>
               <a:rPr lang="en-US" dirty="0" err="1"/>
@@ -690,7 +784,7 @@
               <a:t> the latest version of that model (process definition) will be started </a:t>
             </a:r>
             <a:r>
-              <a:rPr lang="en-US">
+              <a:rPr lang="en-US" dirty="0">
                 <a:sym typeface="Wingdings" panose="05000000000000000000" pitchFamily="2" charset="2"/>
               </a:rPr>
               <a:t> recommended!</a:t>
@@ -720,6 +814,9 @@
               <a:t> not really recommended</a:t>
             </a:r>
             <a:endParaRPr lang="en-US" dirty="0"/>
+          </a:p>
+          <a:p>
+            <a:endParaRPr lang="de-CH" dirty="0"/>
           </a:p>
         </p:txBody>
       </p:sp>
@@ -749,7 +846,7 @@
     </p:spTree>
     <p:extLst>
       <p:ext uri="{BB962C8B-B14F-4D97-AF65-F5344CB8AC3E}">
-        <p14:creationId xmlns:p14="http://schemas.microsoft.com/office/powerpoint/2010/main" val="931177134"/>
+        <p14:creationId xmlns:p14="http://schemas.microsoft.com/office/powerpoint/2010/main" val="418237395"/>
       </p:ext>
     </p:extLst>
   </p:cSld>
@@ -908,7 +1005,7 @@
           <a:p>
             <a:fld id="{1DE9D8DB-7996-4D53-BAF7-A90A1E48913A}" type="datetimeFigureOut">
               <a:rPr lang="en-CH" smtClean="0"/>
-              <a:t>08/04/2022</a:t>
+              <a:t>04/20/2022</a:t>
             </a:fld>
             <a:endParaRPr lang="en-CH"/>
           </a:p>
@@ -1108,7 +1205,7 @@
           <a:p>
             <a:fld id="{1DE9D8DB-7996-4D53-BAF7-A90A1E48913A}" type="datetimeFigureOut">
               <a:rPr lang="en-CH" smtClean="0"/>
-              <a:t>08/04/2022</a:t>
+              <a:t>04/20/2022</a:t>
             </a:fld>
             <a:endParaRPr lang="en-CH"/>
           </a:p>
@@ -1318,7 +1415,7 @@
           <a:p>
             <a:fld id="{1DE9D8DB-7996-4D53-BAF7-A90A1E48913A}" type="datetimeFigureOut">
               <a:rPr lang="en-CH" smtClean="0"/>
-              <a:t>08/04/2022</a:t>
+              <a:t>04/20/2022</a:t>
             </a:fld>
             <a:endParaRPr lang="en-CH"/>
           </a:p>
@@ -1518,7 +1615,7 @@
           <a:p>
             <a:fld id="{1DE9D8DB-7996-4D53-BAF7-A90A1E48913A}" type="datetimeFigureOut">
               <a:rPr lang="en-CH" smtClean="0"/>
-              <a:t>08/04/2022</a:t>
+              <a:t>04/20/2022</a:t>
             </a:fld>
             <a:endParaRPr lang="en-CH"/>
           </a:p>
@@ -1794,7 +1891,7 @@
           <a:p>
             <a:fld id="{1DE9D8DB-7996-4D53-BAF7-A90A1E48913A}" type="datetimeFigureOut">
               <a:rPr lang="en-CH" smtClean="0"/>
-              <a:t>08/04/2022</a:t>
+              <a:t>04/20/2022</a:t>
             </a:fld>
             <a:endParaRPr lang="en-CH"/>
           </a:p>
@@ -2062,7 +2159,7 @@
           <a:p>
             <a:fld id="{1DE9D8DB-7996-4D53-BAF7-A90A1E48913A}" type="datetimeFigureOut">
               <a:rPr lang="en-CH" smtClean="0"/>
-              <a:t>08/04/2022</a:t>
+              <a:t>04/20/2022</a:t>
             </a:fld>
             <a:endParaRPr lang="en-CH"/>
           </a:p>
@@ -2477,7 +2574,7 @@
           <a:p>
             <a:fld id="{1DE9D8DB-7996-4D53-BAF7-A90A1E48913A}" type="datetimeFigureOut">
               <a:rPr lang="en-CH" smtClean="0"/>
-              <a:t>08/04/2022</a:t>
+              <a:t>04/20/2022</a:t>
             </a:fld>
             <a:endParaRPr lang="en-CH"/>
           </a:p>
@@ -2619,7 +2716,7 @@
           <a:p>
             <a:fld id="{1DE9D8DB-7996-4D53-BAF7-A90A1E48913A}" type="datetimeFigureOut">
               <a:rPr lang="en-CH" smtClean="0"/>
-              <a:t>08/04/2022</a:t>
+              <a:t>04/20/2022</a:t>
             </a:fld>
             <a:endParaRPr lang="en-CH"/>
           </a:p>
@@ -2732,7 +2829,7 @@
           <a:p>
             <a:fld id="{1DE9D8DB-7996-4D53-BAF7-A90A1E48913A}" type="datetimeFigureOut">
               <a:rPr lang="en-CH" smtClean="0"/>
-              <a:t>08/04/2022</a:t>
+              <a:t>04/20/2022</a:t>
             </a:fld>
             <a:endParaRPr lang="en-CH"/>
           </a:p>
@@ -3045,7 +3142,7 @@
           <a:p>
             <a:fld id="{1DE9D8DB-7996-4D53-BAF7-A90A1E48913A}" type="datetimeFigureOut">
               <a:rPr lang="en-CH" smtClean="0"/>
-              <a:t>08/04/2022</a:t>
+              <a:t>04/20/2022</a:t>
             </a:fld>
             <a:endParaRPr lang="en-CH"/>
           </a:p>
@@ -3334,7 +3431,7 @@
           <a:p>
             <a:fld id="{1DE9D8DB-7996-4D53-BAF7-A90A1E48913A}" type="datetimeFigureOut">
               <a:rPr lang="en-CH" smtClean="0"/>
-              <a:t>08/04/2022</a:t>
+              <a:t>04/20/2022</a:t>
             </a:fld>
             <a:endParaRPr lang="en-CH"/>
           </a:p>
@@ -3577,7 +3674,7 @@
           <a:p>
             <a:fld id="{1DE9D8DB-7996-4D53-BAF7-A90A1E48913A}" type="datetimeFigureOut">
               <a:rPr lang="en-CH" smtClean="0"/>
-              <a:t>08/04/2022</a:t>
+              <a:t>04/20/2022</a:t>
             </a:fld>
             <a:endParaRPr lang="en-CH"/>
           </a:p>
@@ -4105,7 +4202,7 @@
           <a:p>
             <a:r>
               <a:rPr lang="en-US" dirty="0"/>
-              <a:t>Gateways (parallel / exclusive)</a:t>
+              <a:t>Service Task</a:t>
             </a:r>
             <a:endParaRPr lang="en-CH" dirty="0"/>
           </a:p>
@@ -4127,7 +4224,12 @@
             <p:ph idx="1"/>
           </p:nvPr>
         </p:nvSpPr>
-        <p:spPr/>
+        <p:spPr>
+          <a:xfrm>
+            <a:off x="838200" y="1825625"/>
+            <a:ext cx="8584580" cy="4351338"/>
+          </a:xfrm>
+        </p:spPr>
         <p:txBody>
           <a:bodyPr>
             <a:normAutofit/>
@@ -4135,22 +4237,20 @@
           <a:lstStyle/>
           <a:p>
             <a:r>
-              <a:rPr lang="en-US" b="1" dirty="0"/>
-              <a:t>Parallel (AND)</a:t>
-            </a:r>
-          </a:p>
-          <a:p>
-            <a:pPr lvl="1"/>
-            <a:r>
               <a:rPr lang="en-US" dirty="0"/>
-              <a:t>Parallel execution of flows</a:t>
-            </a:r>
-          </a:p>
-          <a:p>
-            <a:pPr lvl="1"/>
+              <a:t>No user interaction</a:t>
+            </a:r>
+          </a:p>
+          <a:p>
             <a:r>
               <a:rPr lang="en-US" dirty="0"/>
-              <a:t>fork and join (join waits for incoming sequence flows)</a:t>
+              <a:t>Process Engine is NOT in a wait state</a:t>
+            </a:r>
+          </a:p>
+          <a:p>
+            <a:r>
+              <a:rPr lang="en-US" dirty="0"/>
+              <a:t>Syntax:</a:t>
             </a:r>
           </a:p>
           <a:p>
@@ -4173,7 +4273,7 @@
                 <a:effectLst/>
                 <a:latin typeface="SFMono-Regular"/>
               </a:rPr>
-              <a:t>parallelGateway</a:t>
+              <a:t>serviceTask</a:t>
             </a:r>
             <a:r>
               <a:rPr lang="de-CH" b="0" i="0" dirty="0">
@@ -4213,7 +4313,97 @@
                 <a:effectLst/>
                 <a:latin typeface="SFMono-Regular"/>
               </a:rPr>
-              <a:t>fork</a:t>
+              <a:t>javaService</a:t>
+            </a:r>
+            <a:r>
+              <a:rPr lang="de-CH" b="0" i="0" dirty="0">
+                <a:solidFill>
+                  <a:srgbClr val="444444"/>
+                </a:solidFill>
+                <a:effectLst/>
+                <a:latin typeface="SFMono-Regular"/>
+              </a:rPr>
+              <a:t>" </a:t>
+            </a:r>
+            <a:r>
+              <a:rPr lang="de-CH" b="0" i="0" dirty="0" err="1">
+                <a:solidFill>
+                  <a:srgbClr val="444444"/>
+                </a:solidFill>
+                <a:effectLst/>
+                <a:latin typeface="SFMono-Regular"/>
+              </a:rPr>
+              <a:t>name</a:t>
+            </a:r>
+            <a:r>
+              <a:rPr lang="de-CH" b="0" i="0" dirty="0">
+                <a:solidFill>
+                  <a:srgbClr val="444444"/>
+                </a:solidFill>
+                <a:effectLst/>
+                <a:latin typeface="SFMono-Regular"/>
+              </a:rPr>
+              <a:t>="</a:t>
+            </a:r>
+            <a:r>
+              <a:rPr lang="de-CH" b="0" i="0" dirty="0" err="1">
+                <a:solidFill>
+                  <a:srgbClr val="444444"/>
+                </a:solidFill>
+                <a:effectLst/>
+                <a:latin typeface="SFMono-Regular"/>
+              </a:rPr>
+              <a:t>My</a:t>
+            </a:r>
+            <a:r>
+              <a:rPr lang="de-CH" b="0" i="0" dirty="0">
+                <a:solidFill>
+                  <a:srgbClr val="444444"/>
+                </a:solidFill>
+                <a:effectLst/>
+                <a:latin typeface="SFMono-Regular"/>
+              </a:rPr>
+              <a:t> Java Service Task" </a:t>
+            </a:r>
+            <a:r>
+              <a:rPr lang="de-CH" b="0" i="0" dirty="0" err="1">
+                <a:solidFill>
+                  <a:srgbClr val="444444"/>
+                </a:solidFill>
+                <a:effectLst/>
+                <a:latin typeface="SFMono-Regular"/>
+              </a:rPr>
+              <a:t>flowable:</a:t>
+            </a:r>
+            <a:r>
+              <a:rPr lang="de-CH" b="1" i="0" dirty="0" err="1">
+                <a:solidFill>
+                  <a:srgbClr val="444444"/>
+                </a:solidFill>
+                <a:effectLst/>
+                <a:latin typeface="SFMono-Regular"/>
+              </a:rPr>
+              <a:t>class</a:t>
+            </a:r>
+            <a:r>
+              <a:rPr lang="de-CH" b="0" i="0" dirty="0">
+                <a:solidFill>
+                  <a:srgbClr val="444444"/>
+                </a:solidFill>
+                <a:effectLst/>
+                <a:latin typeface="SFMono-Regular"/>
+              </a:rPr>
+              <a:t>="</a:t>
+            </a:r>
+            <a:r>
+              <a:rPr lang="de-CH" b="0" i="0" dirty="0" err="1">
+                <a:solidFill>
+                  <a:srgbClr val="444444"/>
+                </a:solidFill>
+                <a:effectLst/>
+                <a:latin typeface="SFMono-Regular"/>
+              </a:rPr>
+              <a:t>org.flowable.MyJavaDelegate</a:t>
             </a:r>
             <a:r>
               <a:rPr lang="de-CH" b="0" i="0" dirty="0">
@@ -4225,7 +4415,370 @@
               </a:rPr>
               <a:t>" /&gt;</a:t>
             </a:r>
+          </a:p>
+          <a:p>
+            <a:pPr lvl="1"/>
+            <a:r>
+              <a:rPr lang="de-CH" b="0" i="0" dirty="0">
+                <a:solidFill>
+                  <a:srgbClr val="444444"/>
+                </a:solidFill>
+                <a:effectLst/>
+                <a:latin typeface="SFMono-Regular"/>
+              </a:rPr>
+              <a:t>&lt;</a:t>
+            </a:r>
+            <a:r>
+              <a:rPr lang="de-CH" b="0" i="0" dirty="0" err="1">
+                <a:solidFill>
+                  <a:srgbClr val="444444"/>
+                </a:solidFill>
+                <a:effectLst/>
+                <a:latin typeface="SFMono-Regular"/>
+              </a:rPr>
+              <a:t>serviceTask</a:t>
+            </a:r>
+            <a:r>
+              <a:rPr lang="de-CH" b="0" i="0" dirty="0">
+                <a:solidFill>
+                  <a:srgbClr val="444444"/>
+                </a:solidFill>
+                <a:effectLst/>
+                <a:latin typeface="SFMono-Regular"/>
+              </a:rPr>
+              <a:t> </a:t>
+            </a:r>
+            <a:r>
+              <a:rPr lang="de-CH" b="0" i="0" dirty="0" err="1">
+                <a:solidFill>
+                  <a:srgbClr val="444444"/>
+                </a:solidFill>
+                <a:effectLst/>
+                <a:latin typeface="SFMono-Regular"/>
+              </a:rPr>
+              <a:t>id</a:t>
+            </a:r>
+            <a:r>
+              <a:rPr lang="de-CH" b="0" i="0" dirty="0">
+                <a:solidFill>
+                  <a:srgbClr val="444444"/>
+                </a:solidFill>
+                <a:effectLst/>
+                <a:latin typeface="SFMono-Regular"/>
+              </a:rPr>
+              <a:t>="</a:t>
+            </a:r>
+            <a:r>
+              <a:rPr lang="de-CH" b="0" i="0" dirty="0" err="1">
+                <a:solidFill>
+                  <a:srgbClr val="444444"/>
+                </a:solidFill>
+                <a:effectLst/>
+                <a:latin typeface="SFMono-Regular"/>
+              </a:rPr>
+              <a:t>serviceTask</a:t>
+            </a:r>
+            <a:r>
+              <a:rPr lang="de-CH" b="0" i="0" dirty="0">
+                <a:solidFill>
+                  <a:srgbClr val="444444"/>
+                </a:solidFill>
+                <a:effectLst/>
+                <a:latin typeface="SFMono-Regular"/>
+              </a:rPr>
+              <a:t>" </a:t>
+            </a:r>
+            <a:r>
+              <a:rPr lang="de-CH" b="0" i="0" dirty="0" err="1">
+                <a:solidFill>
+                  <a:srgbClr val="444444"/>
+                </a:solidFill>
+                <a:effectLst/>
+                <a:latin typeface="SFMono-Regular"/>
+              </a:rPr>
+              <a:t>flowable:</a:t>
+            </a:r>
+            <a:r>
+              <a:rPr lang="de-CH" b="1" i="0" dirty="0" err="1">
+                <a:solidFill>
+                  <a:srgbClr val="444444"/>
+                </a:solidFill>
+                <a:effectLst/>
+                <a:latin typeface="SFMono-Regular"/>
+              </a:rPr>
+              <a:t>delegateExpression</a:t>
+            </a:r>
+            <a:r>
+              <a:rPr lang="de-CH" b="0" i="0" dirty="0">
+                <a:solidFill>
+                  <a:srgbClr val="444444"/>
+                </a:solidFill>
+                <a:effectLst/>
+                <a:latin typeface="SFMono-Regular"/>
+              </a:rPr>
+              <a:t>="${</a:t>
+            </a:r>
+            <a:r>
+              <a:rPr lang="de-CH" b="0" i="0" dirty="0" err="1">
+                <a:solidFill>
+                  <a:srgbClr val="444444"/>
+                </a:solidFill>
+                <a:effectLst/>
+                <a:latin typeface="SFMono-Regular"/>
+              </a:rPr>
+              <a:t>delegateExpressionBean</a:t>
+            </a:r>
+            <a:r>
+              <a:rPr lang="de-CH" b="0" i="0" dirty="0">
+                <a:solidFill>
+                  <a:srgbClr val="444444"/>
+                </a:solidFill>
+                <a:effectLst/>
+                <a:latin typeface="SFMono-Regular"/>
+              </a:rPr>
+              <a:t>}" /&gt;</a:t>
+            </a:r>
+          </a:p>
+          <a:p>
+            <a:pPr lvl="1"/>
+            <a:r>
+              <a:rPr lang="en-US" b="0" i="0" dirty="0">
+                <a:solidFill>
+                  <a:srgbClr val="444444"/>
+                </a:solidFill>
+                <a:effectLst/>
+                <a:latin typeface="SFMono-Regular"/>
+              </a:rPr>
+              <a:t>&lt;</a:t>
+            </a:r>
+            <a:r>
+              <a:rPr lang="en-US" b="0" i="0" dirty="0" err="1">
+                <a:solidFill>
+                  <a:srgbClr val="444444"/>
+                </a:solidFill>
+                <a:effectLst/>
+                <a:latin typeface="SFMono-Regular"/>
+              </a:rPr>
+              <a:t>serviceTask</a:t>
+            </a:r>
+            <a:r>
+              <a:rPr lang="en-US" b="0" i="0" dirty="0">
+                <a:solidFill>
+                  <a:srgbClr val="444444"/>
+                </a:solidFill>
+                <a:effectLst/>
+                <a:latin typeface="SFMono-Regular"/>
+              </a:rPr>
+              <a:t> id="</a:t>
+            </a:r>
+            <a:r>
+              <a:rPr lang="en-US" b="0" i="0" dirty="0" err="1">
+                <a:solidFill>
+                  <a:srgbClr val="444444"/>
+                </a:solidFill>
+                <a:effectLst/>
+                <a:latin typeface="SFMono-Regular"/>
+              </a:rPr>
+              <a:t>javaService</a:t>
+            </a:r>
+            <a:r>
+              <a:rPr lang="en-US" b="0" i="0" dirty="0">
+                <a:solidFill>
+                  <a:srgbClr val="444444"/>
+                </a:solidFill>
+                <a:effectLst/>
+                <a:latin typeface="SFMono-Regular"/>
+              </a:rPr>
+              <a:t>" name="My Java Service Task" </a:t>
+            </a:r>
+            <a:r>
+              <a:rPr lang="en-US" b="0" i="0" dirty="0" err="1">
+                <a:solidFill>
+                  <a:srgbClr val="444444"/>
+                </a:solidFill>
+                <a:effectLst/>
+                <a:latin typeface="SFMono-Regular"/>
+              </a:rPr>
+              <a:t>flowable:</a:t>
+            </a:r>
+            <a:r>
+              <a:rPr lang="en-US" b="1" i="0" dirty="0" err="1">
+                <a:solidFill>
+                  <a:srgbClr val="444444"/>
+                </a:solidFill>
+                <a:effectLst/>
+                <a:latin typeface="SFMono-Regular"/>
+              </a:rPr>
+              <a:t>expression</a:t>
+            </a:r>
+            <a:r>
+              <a:rPr lang="en-US" b="0" i="0" dirty="0">
+                <a:solidFill>
+                  <a:srgbClr val="444444"/>
+                </a:solidFill>
+                <a:effectLst/>
+                <a:latin typeface="SFMono-Regular"/>
+              </a:rPr>
+              <a:t>=“${</a:t>
+            </a:r>
+            <a:r>
+              <a:rPr lang="en-US" b="0" i="0" dirty="0" err="1">
+                <a:solidFill>
+                  <a:srgbClr val="444444"/>
+                </a:solidFill>
+                <a:effectLst/>
+                <a:latin typeface="SFMono-Regular"/>
+              </a:rPr>
+              <a:t>printer.printMessage</a:t>
+            </a:r>
+            <a:r>
+              <a:rPr lang="en-US" b="0" i="0" dirty="0">
+                <a:solidFill>
+                  <a:srgbClr val="444444"/>
+                </a:solidFill>
+                <a:effectLst/>
+                <a:latin typeface="SFMono-Regular"/>
+              </a:rPr>
+              <a:t>()}" /&gt;</a:t>
+            </a:r>
             <a:endParaRPr lang="en-US" dirty="0"/>
+          </a:p>
+          <a:p>
+            <a:pPr lvl="1"/>
+            <a:endParaRPr lang="en-CH" dirty="0"/>
+          </a:p>
+        </p:txBody>
+      </p:sp>
+      <p:pic>
+        <p:nvPicPr>
+          <p:cNvPr id="8" name="Picture 7">
+            <a:extLst>
+              <a:ext uri="{FF2B5EF4-FFF2-40B4-BE49-F238E27FC236}">
+                <a16:creationId xmlns:a16="http://schemas.microsoft.com/office/drawing/2014/main" id="{3EDD465D-772A-42CC-8232-D4F3F8E65BE0}"/>
+              </a:ext>
+            </a:extLst>
+          </p:cNvPr>
+          <p:cNvPicPr>
+            <a:picLocks noChangeAspect="1"/>
+          </p:cNvPicPr>
+          <p:nvPr/>
+        </p:nvPicPr>
+        <p:blipFill>
+          <a:blip r:embed="rId2"/>
+          <a:stretch>
+            <a:fillRect/>
+          </a:stretch>
+        </p:blipFill>
+        <p:spPr>
+          <a:xfrm>
+            <a:off x="9201117" y="1690688"/>
+            <a:ext cx="2152683" cy="1609075"/>
+          </a:xfrm>
+          <a:prstGeom prst="rect">
+            <a:avLst/>
+          </a:prstGeom>
+        </p:spPr>
+      </p:pic>
+    </p:spTree>
+    <p:extLst>
+      <p:ext uri="{BB962C8B-B14F-4D97-AF65-F5344CB8AC3E}">
+        <p14:creationId xmlns:p14="http://schemas.microsoft.com/office/powerpoint/2010/main" val="323005777"/>
+      </p:ext>
+    </p:extLst>
+  </p:cSld>
+  <p:clrMapOvr>
+    <a:masterClrMapping/>
+  </p:clrMapOvr>
+</p:sld>
+</file>
+
+<file path=ppt/slides/slide11.xml><?xml version="1.0" encoding="utf-8"?>
+<p:sld xmlns:a="http://schemas.openxmlformats.org/drawingml/2006/main" xmlns:r="http://schemas.openxmlformats.org/officeDocument/2006/relationships" xmlns:p="http://schemas.openxmlformats.org/presentationml/2006/main">
+  <p:cSld>
+    <p:spTree>
+      <p:nvGrpSpPr>
+        <p:cNvPr id="1" name=""/>
+        <p:cNvGrpSpPr/>
+        <p:nvPr/>
+      </p:nvGrpSpPr>
+      <p:grpSpPr>
+        <a:xfrm>
+          <a:off x="0" y="0"/>
+          <a:ext cx="0" cy="0"/>
+          <a:chOff x="0" y="0"/>
+          <a:chExt cx="0" cy="0"/>
+        </a:xfrm>
+      </p:grpSpPr>
+      <p:sp>
+        <p:nvSpPr>
+          <p:cNvPr id="2" name="Title 1">
+            <a:extLst>
+              <a:ext uri="{FF2B5EF4-FFF2-40B4-BE49-F238E27FC236}">
+                <a16:creationId xmlns:a16="http://schemas.microsoft.com/office/drawing/2014/main" id="{03812D1F-F6DF-42A7-8DA2-1A5A8243FD15}"/>
+              </a:ext>
+            </a:extLst>
+          </p:cNvPr>
+          <p:cNvSpPr>
+            <a:spLocks noGrp="1"/>
+          </p:cNvSpPr>
+          <p:nvPr>
+            <p:ph type="title"/>
+          </p:nvPr>
+        </p:nvSpPr>
+        <p:spPr/>
+        <p:txBody>
+          <a:bodyPr/>
+          <a:lstStyle/>
+          <a:p>
+            <a:r>
+              <a:rPr lang="en-US" dirty="0"/>
+              <a:t>Gateways (parallel / exclusive)</a:t>
+            </a:r>
+            <a:endParaRPr lang="en-CH" dirty="0"/>
+          </a:p>
+        </p:txBody>
+      </p:sp>
+      <p:sp>
+        <p:nvSpPr>
+          <p:cNvPr id="3" name="Content Placeholder 2">
+            <a:extLst>
+              <a:ext uri="{FF2B5EF4-FFF2-40B4-BE49-F238E27FC236}">
+                <a16:creationId xmlns:a16="http://schemas.microsoft.com/office/drawing/2014/main" id="{8EAC4C66-08BB-4057-80A5-A8508B2B9085}"/>
+              </a:ext>
+            </a:extLst>
+          </p:cNvPr>
+          <p:cNvSpPr>
+            <a:spLocks noGrp="1"/>
+          </p:cNvSpPr>
+          <p:nvPr>
+            <p:ph idx="1"/>
+          </p:nvPr>
+        </p:nvSpPr>
+        <p:spPr/>
+        <p:txBody>
+          <a:bodyPr>
+            <a:normAutofit/>
+          </a:bodyPr>
+          <a:lstStyle/>
+          <a:p>
+            <a:r>
+              <a:rPr lang="en-US" b="1" dirty="0"/>
+              <a:t>Parallel (AND)</a:t>
+            </a:r>
+          </a:p>
+          <a:p>
+            <a:pPr lvl="1"/>
+            <a:r>
+              <a:rPr lang="en-US" dirty="0"/>
+              <a:t>Parallel execution of flows</a:t>
+            </a:r>
+          </a:p>
+          <a:p>
+            <a:pPr lvl="1"/>
+            <a:r>
+              <a:rPr lang="en-US" dirty="0"/>
+              <a:t>fork and join (join waits for incoming sequence flows)</a:t>
+            </a:r>
           </a:p>
           <a:p>
             <a:r>
@@ -4344,7 +4897,7 @@
 </p:sld>
 </file>
 
-<file path=ppt/slides/slide11.xml><?xml version="1.0" encoding="utf-8"?>
+<file path=ppt/slides/slide12.xml><?xml version="1.0" encoding="utf-8"?>
 <p:sld xmlns:a="http://schemas.openxmlformats.org/drawingml/2006/main" xmlns:r="http://schemas.openxmlformats.org/officeDocument/2006/relationships" xmlns:p="http://schemas.openxmlformats.org/presentationml/2006/main">
   <p:cSld>
     <p:spTree>
@@ -4417,7 +4970,7 @@
           <a:p>
             <a:r>
               <a:rPr lang="en-US" dirty="0"/>
-              <a:t>Basic Error Handling</a:t>
+              <a:t>Cardinality</a:t>
             </a:r>
           </a:p>
           <a:p>
@@ -4427,8 +4980,25 @@
             </a:r>
           </a:p>
           <a:p>
+            <a:r>
+              <a:rPr lang="en-US" dirty="0"/>
+              <a:t>Boundary Events</a:t>
+            </a:r>
+          </a:p>
+          <a:p>
             <a:pPr lvl="1"/>
-            <a:endParaRPr lang="en-CH" dirty="0"/>
+            <a:r>
+              <a:rPr lang="en-US" dirty="0"/>
+              <a:t>Error Event</a:t>
+            </a:r>
+          </a:p>
+          <a:p>
+            <a:pPr lvl="1"/>
+            <a:r>
+              <a:rPr lang="en-US"/>
+              <a:t>Timer Event</a:t>
+            </a:r>
+            <a:endParaRPr lang="en-US" dirty="0"/>
           </a:p>
         </p:txBody>
       </p:sp>
@@ -4485,7 +5055,7 @@
           <a:p>
             <a:r>
               <a:rPr lang="en-US" dirty="0"/>
-              <a:t>Contents</a:t>
+              <a:t>Flowable</a:t>
             </a:r>
             <a:endParaRPr lang="en-CH" dirty="0"/>
           </a:p>
@@ -4514,121 +5084,48 @@
           </a:xfrm>
         </p:spPr>
         <p:txBody>
-          <a:bodyPr>
-            <a:normAutofit fontScale="92500" lnSpcReduction="20000"/>
-          </a:bodyPr>
+          <a:bodyPr/>
           <a:lstStyle/>
           <a:p>
             <a:r>
               <a:rPr lang="en-US" dirty="0"/>
-              <a:t>Introduction to Flowable</a:t>
-            </a:r>
-          </a:p>
-          <a:p>
-            <a:pPr lvl="1"/>
+              <a:t>Flowable = Process Engine capable of handling business processes notated in BPMN 2.0 (</a:t>
+            </a:r>
+            <a:r>
+              <a:rPr lang="en-US" dirty="0">
+                <a:hlinkClick r:id="rId2"/>
+              </a:rPr>
+              <a:t>https://www.omg.org/</a:t>
+            </a:r>
             <a:r>
               <a:rPr lang="en-US" dirty="0"/>
-              <a:t>General</a:t>
+              <a:t>)</a:t>
             </a:r>
           </a:p>
           <a:p>
             <a:r>
               <a:rPr lang="en-US" dirty="0"/>
-              <a:t>General Setup (Code)</a:t>
-            </a:r>
-          </a:p>
-          <a:p>
-            <a:pPr lvl="1"/>
+              <a:t>Forked from Activiti</a:t>
+            </a:r>
+          </a:p>
+          <a:p>
             <a:r>
               <a:rPr lang="en-US" dirty="0"/>
-              <a:t>Generic process start</a:t>
-            </a:r>
-          </a:p>
-          <a:p>
-            <a:pPr lvl="1"/>
+              <a:t>Open Source</a:t>
+            </a:r>
+          </a:p>
+          <a:p>
             <a:r>
               <a:rPr lang="en-US" dirty="0"/>
-              <a:t>Generic task query</a:t>
-            </a:r>
-          </a:p>
-          <a:p>
-            <a:pPr lvl="1"/>
-            <a:r>
-              <a:rPr lang="en-US" dirty="0"/>
-              <a:t>Generic task completion </a:t>
-            </a:r>
-          </a:p>
-          <a:p>
-            <a:r>
-              <a:rPr lang="en-US" dirty="0"/>
-              <a:t>Modelling</a:t>
-            </a:r>
-          </a:p>
-          <a:p>
-            <a:pPr lvl="1"/>
-            <a:r>
-              <a:rPr lang="en-US" dirty="0"/>
-              <a:t>xml</a:t>
-            </a:r>
-          </a:p>
-          <a:p>
-            <a:pPr lvl="1"/>
-            <a:r>
-              <a:rPr lang="en-US" dirty="0"/>
-              <a:t>Flowable Modeler</a:t>
-            </a:r>
-          </a:p>
-          <a:p>
-            <a:pPr lvl="1"/>
-            <a:r>
-              <a:rPr lang="en-US" dirty="0"/>
-              <a:t>Eclipse Flowable Plugin</a:t>
-            </a:r>
-          </a:p>
-          <a:p>
-            <a:r>
-              <a:rPr lang="en-US" dirty="0"/>
-              <a:t>Core BPMN Constructs</a:t>
-            </a:r>
-          </a:p>
-          <a:p>
-            <a:pPr lvl="1"/>
-            <a:r>
-              <a:rPr lang="en-US" dirty="0"/>
-              <a:t>User Tasks / Service Tasks</a:t>
-            </a:r>
-          </a:p>
-          <a:p>
-            <a:pPr lvl="1"/>
-            <a:r>
-              <a:rPr lang="en-US" dirty="0"/>
-              <a:t>Gateways (parallel (and), exclusive (or))</a:t>
-            </a:r>
-          </a:p>
-          <a:p>
-            <a:pPr lvl="1"/>
-            <a:endParaRPr lang="en-US" dirty="0"/>
-          </a:p>
-          <a:p>
-            <a:pPr lvl="1"/>
-            <a:endParaRPr lang="en-US" dirty="0"/>
-          </a:p>
-          <a:p>
-            <a:pPr lvl="1"/>
-            <a:endParaRPr lang="en-US" dirty="0"/>
-          </a:p>
-          <a:p>
-            <a:endParaRPr lang="en-US" dirty="0"/>
-          </a:p>
-          <a:p>
-            <a:endParaRPr lang="en-CH" dirty="0"/>
+              <a:t>Alternatives: Camunda, Activiti and several others</a:t>
+            </a:r>
           </a:p>
         </p:txBody>
       </p:sp>
     </p:spTree>
     <p:extLst>
       <p:ext uri="{BB962C8B-B14F-4D97-AF65-F5344CB8AC3E}">
-        <p14:creationId xmlns:p14="http://schemas.microsoft.com/office/powerpoint/2010/main" val="288174447"/>
+        <p14:creationId xmlns:p14="http://schemas.microsoft.com/office/powerpoint/2010/main" val="926033395"/>
       </p:ext>
     </p:extLst>
   </p:cSld>
@@ -4678,55 +5175,104 @@
           <a:p>
             <a:r>
               <a:rPr lang="en-US" dirty="0"/>
-              <a:t>Introduction to Flowable</a:t>
+              <a:t>Flowable API Overview (1/3)</a:t>
             </a:r>
             <a:endParaRPr lang="en-CH" dirty="0"/>
           </a:p>
         </p:txBody>
       </p:sp>
-      <p:sp>
-        <p:nvSpPr>
-          <p:cNvPr id="4" name="Content Placeholder 2">
-            <a:extLst>
-              <a:ext uri="{FF2B5EF4-FFF2-40B4-BE49-F238E27FC236}">
-                <a16:creationId xmlns:a16="http://schemas.microsoft.com/office/drawing/2014/main" id="{8036383B-55A6-4A81-A07F-FF3C1BA6A11F}"/>
-              </a:ext>
-            </a:extLst>
-          </p:cNvPr>
-          <p:cNvSpPr>
-            <a:spLocks noGrp="1"/>
-          </p:cNvSpPr>
-          <p:nvPr>
-            <p:ph idx="1"/>
-          </p:nvPr>
+      <p:pic>
+        <p:nvPicPr>
+          <p:cNvPr id="1026" name="Picture 2" descr="api.services">
+            <a:extLst>
+              <a:ext uri="{FF2B5EF4-FFF2-40B4-BE49-F238E27FC236}">
+                <a16:creationId xmlns:a16="http://schemas.microsoft.com/office/drawing/2014/main" id="{4FE4DF86-7721-4604-A298-98F7F9311DD6}"/>
+              </a:ext>
+            </a:extLst>
+          </p:cNvPr>
+          <p:cNvPicPr>
+            <a:picLocks noChangeAspect="1" noChangeArrowheads="1"/>
+          </p:cNvPicPr>
+          <p:nvPr/>
+        </p:nvPicPr>
+        <p:blipFill>
+          <a:blip r:embed="rId2">
+            <a:extLst>
+              <a:ext uri="{28A0092B-C50C-407E-A947-70E740481C1C}">
+                <a14:useLocalDpi xmlns:a14="http://schemas.microsoft.com/office/drawing/2010/main" val="0"/>
+              </a:ext>
+            </a:extLst>
+          </a:blip>
+          <a:srcRect/>
+          <a:stretch>
+            <a:fillRect/>
+          </a:stretch>
+        </p:blipFill>
+        <p:spPr bwMode="auto">
+          <a:xfrm>
+            <a:off x="1226565" y="1690688"/>
+            <a:ext cx="10127235" cy="4133565"/>
+          </a:xfrm>
+          <a:prstGeom prst="rect">
+            <a:avLst/>
+          </a:prstGeom>
+          <a:noFill/>
+          <a:extLst>
+            <a:ext uri="{909E8E84-426E-40DD-AFC4-6F175D3DCCD1}">
+              <a14:hiddenFill xmlns:a14="http://schemas.microsoft.com/office/drawing/2010/main">
+                <a:solidFill>
+                  <a:srgbClr val="FFFFFF"/>
+                </a:solidFill>
+              </a14:hiddenFill>
+            </a:ext>
+          </a:extLst>
+        </p:spPr>
+      </p:pic>
+      <p:sp>
+        <p:nvSpPr>
+          <p:cNvPr id="5" name="TextBox 4">
+            <a:extLst>
+              <a:ext uri="{FF2B5EF4-FFF2-40B4-BE49-F238E27FC236}">
+                <a16:creationId xmlns:a16="http://schemas.microsoft.com/office/drawing/2014/main" id="{F124E9D8-B3BF-4DD8-A860-EA3B472E0370}"/>
+              </a:ext>
+            </a:extLst>
+          </p:cNvPr>
+          <p:cNvSpPr txBox="1"/>
+          <p:nvPr/>
         </p:nvSpPr>
         <p:spPr>
           <a:xfrm>
-            <a:off x="838200" y="1825625"/>
-            <a:ext cx="10515600" cy="4351338"/>
+            <a:off x="838200" y="5957343"/>
+            <a:ext cx="10515600" cy="646331"/>
           </a:xfrm>
+          <a:prstGeom prst="rect">
+            <a:avLst/>
+          </a:prstGeom>
+          <a:noFill/>
         </p:spPr>
         <p:txBody>
-          <a:bodyPr/>
-          <a:lstStyle/>
-          <a:p>
-            <a:r>
-              <a:rPr lang="en-US" dirty="0"/>
-              <a:t>Flowable = Process Engine</a:t>
-            </a:r>
-          </a:p>
-          <a:p>
-            <a:r>
-              <a:rPr lang="en-US" dirty="0"/>
-              <a:t>Alternatives: Camunda, Activiti, …</a:t>
-            </a:r>
+          <a:bodyPr wrap="square">
+            <a:spAutoFit/>
+          </a:bodyPr>
+          <a:lstStyle/>
+          <a:p>
+            <a:r>
+              <a:rPr lang="en-CH" dirty="0">
+                <a:hlinkClick r:id="rId3"/>
+              </a:rPr>
+              <a:t>https://www.flowable.com/open-source/docs/javadocs/org/flowable/engine/package-summary.html</a:t>
+            </a:r>
+            <a:endParaRPr lang="de-CH" dirty="0"/>
+          </a:p>
+          <a:p>
+            <a:endParaRPr lang="en-CH" dirty="0"/>
           </a:p>
         </p:txBody>
       </p:sp>
     </p:spTree>
     <p:extLst>
       <p:ext uri="{BB962C8B-B14F-4D97-AF65-F5344CB8AC3E}">
-        <p14:creationId xmlns:p14="http://schemas.microsoft.com/office/powerpoint/2010/main" val="926033395"/>
+        <p14:creationId xmlns:p14="http://schemas.microsoft.com/office/powerpoint/2010/main" val="1077535747"/>
       </p:ext>
     </p:extLst>
   </p:cSld>
@@ -4776,7 +5322,7 @@
           <a:p>
             <a:r>
               <a:rPr lang="en-US" dirty="0"/>
-              <a:t>Process terms</a:t>
+              <a:t>Flowable API Overview (2/2)</a:t>
             </a:r>
             <a:endParaRPr lang="en-CH" dirty="0"/>
           </a:p>
@@ -4811,86 +5357,74 @@
           <a:lstStyle/>
           <a:p>
             <a:r>
-              <a:rPr lang="en-US" dirty="0"/>
-              <a:t>Process Definition = Process Structure/Model</a:t>
-            </a:r>
-          </a:p>
-          <a:p>
-            <a:r>
-              <a:rPr lang="en-US" dirty="0"/>
-              <a:t>Process Instance = One execution of a process (basically when a process is initiated </a:t>
-            </a:r>
+              <a:rPr lang="en-US" b="1" dirty="0" err="1">
+                <a:sym typeface="Wingdings" panose="05000000000000000000" pitchFamily="2" charset="2"/>
+              </a:rPr>
+              <a:t>RuntimeService</a:t>
+            </a:r>
+            <a:endParaRPr lang="en-US" b="1" dirty="0">
+              <a:sym typeface="Wingdings" panose="05000000000000000000" pitchFamily="2" charset="2"/>
+            </a:endParaRPr>
+          </a:p>
+          <a:p>
+            <a:pPr lvl="1"/>
             <a:r>
               <a:rPr lang="en-US" dirty="0">
                 <a:sym typeface="Wingdings" panose="05000000000000000000" pitchFamily="2" charset="2"/>
               </a:rPr>
-              <a:t> we will cover that)</a:t>
-            </a:r>
-          </a:p>
-          <a:p>
+              <a:t>Start processes</a:t>
+            </a:r>
+          </a:p>
+          <a:p>
+            <a:pPr lvl="1"/>
             <a:r>
               <a:rPr lang="en-US" dirty="0">
                 <a:sym typeface="Wingdings" panose="05000000000000000000" pitchFamily="2" charset="2"/>
               </a:rPr>
-              <a:t>Process Key: Equivalent to the process id of </a:t>
-            </a:r>
-            <a:r>
-              <a:rPr lang="en-US" b="1" dirty="0">
+              <a:t>Query and define/modify process variables</a:t>
+            </a:r>
+          </a:p>
+          <a:p>
+            <a:pPr lvl="1"/>
+            <a:endParaRPr lang="en-US" dirty="0">
+              <a:sym typeface="Wingdings" panose="05000000000000000000" pitchFamily="2" charset="2"/>
+            </a:endParaRPr>
+          </a:p>
+          <a:p>
+            <a:r>
+              <a:rPr lang="en-US" b="1" dirty="0" err="1">
                 <a:sym typeface="Wingdings" panose="05000000000000000000" pitchFamily="2" charset="2"/>
               </a:rPr>
-              <a:t>latest</a:t>
-            </a:r>
+              <a:t>TaskService</a:t>
+            </a:r>
+            <a:endParaRPr lang="en-US" b="1" dirty="0">
+              <a:sym typeface="Wingdings" panose="05000000000000000000" pitchFamily="2" charset="2"/>
+            </a:endParaRPr>
+          </a:p>
+          <a:p>
+            <a:pPr lvl="1"/>
             <a:r>
               <a:rPr lang="en-US" dirty="0">
                 <a:sym typeface="Wingdings" panose="05000000000000000000" pitchFamily="2" charset="2"/>
               </a:rPr>
-              <a:t> deployed process definition</a:t>
-            </a:r>
-          </a:p>
-          <a:p>
+              <a:t>Complete User Tasks</a:t>
+            </a:r>
+          </a:p>
+          <a:p>
+            <a:pPr lvl="1"/>
             <a:r>
               <a:rPr lang="en-US" dirty="0">
                 <a:sym typeface="Wingdings" panose="05000000000000000000" pitchFamily="2" charset="2"/>
               </a:rPr>
-              <a:t>Process Id: Different versions of a process definition can be stored in the DB. Hence, a specific version of a process definition can be started from its id.</a:t>
-            </a:r>
-          </a:p>
-        </p:txBody>
-      </p:sp>
-      <p:pic>
-        <p:nvPicPr>
-          <p:cNvPr id="5" name="Picture 4">
-            <a:extLst>
-              <a:ext uri="{FF2B5EF4-FFF2-40B4-BE49-F238E27FC236}">
-                <a16:creationId xmlns:a16="http://schemas.microsoft.com/office/drawing/2014/main" id="{6CFACE66-A07A-4AAA-BD3D-19BD49055695}"/>
-              </a:ext>
-            </a:extLst>
-          </p:cNvPr>
-          <p:cNvPicPr>
-            <a:picLocks noChangeAspect="1"/>
-          </p:cNvPicPr>
-          <p:nvPr/>
-        </p:nvPicPr>
-        <p:blipFill>
-          <a:blip r:embed="rId2"/>
-          <a:stretch>
-            <a:fillRect/>
-          </a:stretch>
-        </p:blipFill>
-        <p:spPr>
-          <a:xfrm>
-            <a:off x="1749294" y="4200768"/>
-            <a:ext cx="8102600" cy="3335807"/>
-          </a:xfrm>
-          <a:prstGeom prst="rect">
-            <a:avLst/>
-          </a:prstGeom>
-        </p:spPr>
-      </p:pic>
+              <a:t>Claim/Assign User Tasks</a:t>
+            </a:r>
+          </a:p>
+        </p:txBody>
+      </p:sp>
     </p:spTree>
     <p:extLst>
       <p:ext uri="{BB962C8B-B14F-4D97-AF65-F5344CB8AC3E}">
-        <p14:creationId xmlns:p14="http://schemas.microsoft.com/office/powerpoint/2010/main" val="963423609"/>
+        <p14:creationId xmlns:p14="http://schemas.microsoft.com/office/powerpoint/2010/main" val="2894170136"/>
       </p:ext>
     </p:extLst>
   </p:cSld>
@@ -4940,90 +5474,109 @@
           <a:p>
             <a:r>
               <a:rPr lang="en-US" dirty="0"/>
-              <a:t>Flowable API (1/2)</a:t>
+              <a:t>Process terms (1/3)</a:t>
             </a:r>
             <a:endParaRPr lang="en-CH" dirty="0"/>
           </a:p>
         </p:txBody>
       </p:sp>
-      <p:pic>
-        <p:nvPicPr>
-          <p:cNvPr id="1026" name="Picture 2" descr="api.services">
-            <a:extLst>
-              <a:ext uri="{FF2B5EF4-FFF2-40B4-BE49-F238E27FC236}">
-                <a16:creationId xmlns:a16="http://schemas.microsoft.com/office/drawing/2014/main" id="{4FE4DF86-7721-4604-A298-98F7F9311DD6}"/>
-              </a:ext>
-            </a:extLst>
-          </p:cNvPr>
-          <p:cNvPicPr>
-            <a:picLocks noChangeAspect="1" noChangeArrowheads="1"/>
-          </p:cNvPicPr>
-          <p:nvPr/>
-        </p:nvPicPr>
-        <p:blipFill>
-          <a:blip r:embed="rId2">
-            <a:extLst>
-              <a:ext uri="{28A0092B-C50C-407E-A947-70E740481C1C}">
-                <a14:useLocalDpi xmlns:a14="http://schemas.microsoft.com/office/drawing/2010/main" val="0"/>
-              </a:ext>
-            </a:extLst>
-          </a:blip>
-          <a:srcRect/>
-          <a:stretch>
-            <a:fillRect/>
-          </a:stretch>
-        </p:blipFill>
-        <p:spPr bwMode="auto">
-          <a:xfrm>
-            <a:off x="1226565" y="1690688"/>
-            <a:ext cx="10127235" cy="4133565"/>
-          </a:xfrm>
-          <a:prstGeom prst="rect">
-            <a:avLst/>
-          </a:prstGeom>
-          <a:noFill/>
-          <a:extLst>
-            <a:ext uri="{909E8E84-426E-40DD-AFC4-6F175D3DCCD1}">
-              <a14:hiddenFill xmlns:a14="http://schemas.microsoft.com/office/drawing/2010/main">
-                <a:solidFill>
-                  <a:srgbClr val="FFFFFF"/>
-                </a:solidFill>
-              </a14:hiddenFill>
-            </a:ext>
-          </a:extLst>
-        </p:spPr>
-      </p:pic>
-      <p:sp>
-        <p:nvSpPr>
-          <p:cNvPr id="5" name="TextBox 4">
-            <a:extLst>
-              <a:ext uri="{FF2B5EF4-FFF2-40B4-BE49-F238E27FC236}">
-                <a16:creationId xmlns:a16="http://schemas.microsoft.com/office/drawing/2014/main" id="{F124E9D8-B3BF-4DD8-A860-EA3B472E0370}"/>
-              </a:ext>
-            </a:extLst>
-          </p:cNvPr>
-          <p:cNvSpPr txBox="1"/>
-          <p:nvPr/>
+      <p:sp>
+        <p:nvSpPr>
+          <p:cNvPr id="4" name="Content Placeholder 2">
+            <a:extLst>
+              <a:ext uri="{FF2B5EF4-FFF2-40B4-BE49-F238E27FC236}">
+                <a16:creationId xmlns:a16="http://schemas.microsoft.com/office/drawing/2014/main" id="{8036383B-55A6-4A81-A07F-FF3C1BA6A11F}"/>
+              </a:ext>
+            </a:extLst>
+          </p:cNvPr>
+          <p:cNvSpPr>
+            <a:spLocks noGrp="1"/>
+          </p:cNvSpPr>
+          <p:nvPr>
+            <p:ph idx="1"/>
+          </p:nvPr>
         </p:nvSpPr>
         <p:spPr>
           <a:xfrm>
-            <a:off x="690880" y="5690215"/>
-            <a:ext cx="6096000" cy="923330"/>
+            <a:off x="838200" y="1825625"/>
+            <a:ext cx="10515600" cy="4351338"/>
           </a:xfrm>
-          <a:prstGeom prst="rect">
-            <a:avLst/>
-          </a:prstGeom>
-          <a:noFill/>
         </p:spPr>
         <p:txBody>
-          <a:bodyPr wrap="square">
-            <a:spAutoFit/>
+          <a:bodyPr>
+            <a:normAutofit/>
           </a:bodyPr>
           <a:lstStyle/>
           <a:p>
-            <a:r>
-              <a:rPr lang="en-CH" dirty="0"/>
-              <a:t>https://www.flowable.com/open-source/docs/javadocs/org/flowable/engine/package-summary.html</a:t>
+            <a:pPr marL="0" indent="0">
+              <a:buNone/>
+            </a:pPr>
+            <a:r>
+              <a:rPr lang="en-US" b="1" dirty="0"/>
+              <a:t>Process Definition </a:t>
+            </a:r>
+            <a:r>
+              <a:rPr lang="en-US" dirty="0"/>
+              <a:t>= Process Structure/Model</a:t>
+            </a:r>
+          </a:p>
+          <a:p>
+            <a:pPr marL="0" indent="0">
+              <a:buNone/>
+            </a:pPr>
+            <a:r>
+              <a:rPr lang="en-US" b="1" dirty="0"/>
+              <a:t>Process Instance </a:t>
+            </a:r>
+            <a:r>
+              <a:rPr lang="en-US" dirty="0"/>
+              <a:t>= One (of many) executions of a process</a:t>
+            </a:r>
+          </a:p>
+          <a:p>
+            <a:pPr marL="0" indent="0">
+              <a:buNone/>
+            </a:pPr>
+            <a:r>
+              <a:rPr lang="en-US" b="1" dirty="0">
+                <a:sym typeface="Wingdings" panose="05000000000000000000" pitchFamily="2" charset="2"/>
+              </a:rPr>
+              <a:t>Process Key </a:t>
+            </a:r>
+            <a:r>
+              <a:rPr lang="en-US" dirty="0">
+                <a:sym typeface="Wingdings" panose="05000000000000000000" pitchFamily="2" charset="2"/>
+              </a:rPr>
+              <a:t>= Equivalent to the process id of </a:t>
+            </a:r>
+            <a:r>
+              <a:rPr lang="en-US" b="1" dirty="0">
+                <a:sym typeface="Wingdings" panose="05000000000000000000" pitchFamily="2" charset="2"/>
+              </a:rPr>
+              <a:t>latest</a:t>
+            </a:r>
+            <a:r>
+              <a:rPr lang="en-US" dirty="0">
+                <a:sym typeface="Wingdings" panose="05000000000000000000" pitchFamily="2" charset="2"/>
+              </a:rPr>
+              <a:t> deployed process definition</a:t>
+            </a:r>
+          </a:p>
+          <a:p>
+            <a:pPr marL="0" indent="0">
+              <a:buNone/>
+            </a:pPr>
+            <a:r>
+              <a:rPr lang="en-US" b="1" dirty="0">
+                <a:sym typeface="Wingdings" panose="05000000000000000000" pitchFamily="2" charset="2"/>
+              </a:rPr>
+              <a:t>Process Id </a:t>
+            </a:r>
+            <a:r>
+              <a:rPr lang="en-US" dirty="0">
+                <a:sym typeface="Wingdings" panose="05000000000000000000" pitchFamily="2" charset="2"/>
+              </a:rPr>
+              <a:t>= Different versions of a process definition can be stored in the DB. Hence, a specific version of a process definition can be started by its id.</a:t>
             </a:r>
           </a:p>
         </p:txBody>
@@ -5031,7 +5584,7 @@
     </p:spTree>
     <p:extLst>
       <p:ext uri="{BB962C8B-B14F-4D97-AF65-F5344CB8AC3E}">
-        <p14:creationId xmlns:p14="http://schemas.microsoft.com/office/powerpoint/2010/main" val="1077535747"/>
+        <p14:creationId xmlns:p14="http://schemas.microsoft.com/office/powerpoint/2010/main" val="963423609"/>
       </p:ext>
     </p:extLst>
   </p:cSld>
@@ -5081,7 +5634,7 @@
           <a:p>
             <a:r>
               <a:rPr lang="en-US" dirty="0"/>
-              <a:t>Flowable API (2/3)</a:t>
+              <a:t>Process terms (2/3)</a:t>
             </a:r>
             <a:endParaRPr lang="en-CH" dirty="0"/>
           </a:p>
@@ -5105,8 +5658,8 @@
         </p:nvSpPr>
         <p:spPr>
           <a:xfrm>
-            <a:off x="838200" y="1825625"/>
-            <a:ext cx="10515600" cy="4351338"/>
+            <a:off x="838200" y="5325234"/>
+            <a:ext cx="10515600" cy="1167641"/>
           </a:xfrm>
         </p:spPr>
         <p:txBody>
@@ -5115,239 +5668,178 @@
           </a:bodyPr>
           <a:lstStyle/>
           <a:p>
-            <a:r>
-              <a:rPr lang="en-US" b="1" dirty="0" err="1">
-                <a:sym typeface="Wingdings" panose="05000000000000000000" pitchFamily="2" charset="2"/>
+            <a:pPr marL="0" indent="0">
+              <a:buNone/>
+            </a:pPr>
+            <a:r>
+              <a:rPr lang="en-US" dirty="0">
+                <a:hlinkClick r:id="rId3"/>
               </a:rPr>
-              <a:t>RuntimeService</a:t>
-            </a:r>
-            <a:r>
-              <a:rPr lang="en-US" dirty="0">
-                <a:sym typeface="Wingdings" panose="05000000000000000000" pitchFamily="2" charset="2"/>
-              </a:rPr>
-              <a:t> (https://www.flowable.com/open-source/docs/javadocs/org/flowable/engine/TaskService.html)</a:t>
-            </a:r>
-          </a:p>
-          <a:p>
-            <a:pPr lvl="1"/>
-            <a:r>
-              <a:rPr lang="en-US" dirty="0">
-                <a:sym typeface="Wingdings" panose="05000000000000000000" pitchFamily="2" charset="2"/>
-              </a:rPr>
-              <a:t>Start processes</a:t>
-            </a:r>
-          </a:p>
-          <a:p>
-            <a:pPr lvl="1"/>
-            <a:r>
-              <a:rPr lang="en-US" dirty="0">
-                <a:sym typeface="Wingdings" panose="05000000000000000000" pitchFamily="2" charset="2"/>
-              </a:rPr>
-              <a:t>Query and set process variables</a:t>
-            </a:r>
-          </a:p>
-          <a:p>
-            <a:pPr lvl="1"/>
-            <a:r>
-              <a:rPr lang="en-US" dirty="0" err="1">
-                <a:solidFill>
-                  <a:srgbClr val="474747"/>
-                </a:solidFill>
-                <a:latin typeface="DejaVu Serif"/>
-              </a:rPr>
-              <a:t>startProcessInstanceByKey</a:t>
-            </a:r>
-            <a:r>
-              <a:rPr lang="en-US" dirty="0">
-                <a:solidFill>
-                  <a:srgbClr val="474747"/>
-                </a:solidFill>
-                <a:latin typeface="DejaVu Serif"/>
-              </a:rPr>
-              <a:t>(</a:t>
-            </a:r>
-            <a:r>
-              <a:rPr lang="de-CH" b="1" i="0" u="none" strike="noStrike" dirty="0">
-                <a:solidFill>
-                  <a:srgbClr val="4A6782"/>
-                </a:solidFill>
-                <a:effectLst/>
-                <a:latin typeface="DejaVu Sans Mono"/>
-                <a:hlinkClick r:id="rId3" tooltip="class or interface in java.lang"/>
-              </a:rPr>
-              <a:t>String</a:t>
-            </a:r>
-            <a:r>
-              <a:rPr lang="de-CH" b="0" i="0" dirty="0">
-                <a:solidFill>
-                  <a:srgbClr val="353833"/>
-                </a:solidFill>
-                <a:effectLst/>
-                <a:latin typeface="DejaVu Sans Mono"/>
-              </a:rPr>
-              <a:t> </a:t>
-            </a:r>
-            <a:r>
-              <a:rPr lang="de-CH" b="0" i="0" dirty="0" err="1">
-                <a:solidFill>
-                  <a:srgbClr val="353833"/>
-                </a:solidFill>
-                <a:effectLst/>
-                <a:latin typeface="DejaVu Sans Mono"/>
-              </a:rPr>
-              <a:t>processDefinitionKey</a:t>
-            </a:r>
-            <a:r>
-              <a:rPr lang="en-US" dirty="0">
-                <a:solidFill>
-                  <a:srgbClr val="474747"/>
-                </a:solidFill>
-                <a:latin typeface="DejaVu Serif"/>
-              </a:rPr>
-              <a:t>) - </a:t>
-            </a:r>
-            <a:r>
-              <a:rPr lang="en-US" b="0" i="0" dirty="0">
-                <a:solidFill>
-                  <a:srgbClr val="474747"/>
-                </a:solidFill>
-                <a:effectLst/>
-                <a:latin typeface="DejaVu Serif"/>
-              </a:rPr>
-              <a:t>Starts a new process instance in the </a:t>
-            </a:r>
-            <a:r>
-              <a:rPr lang="en-US" b="1" i="0" dirty="0">
-                <a:solidFill>
-                  <a:srgbClr val="474747"/>
-                </a:solidFill>
-                <a:effectLst/>
-                <a:latin typeface="DejaVu Serif"/>
-              </a:rPr>
-              <a:t>latest version </a:t>
-            </a:r>
-            <a:r>
-              <a:rPr lang="en-US" b="0" i="0" dirty="0">
-                <a:solidFill>
-                  <a:srgbClr val="474747"/>
-                </a:solidFill>
-                <a:effectLst/>
-                <a:latin typeface="DejaVu Serif"/>
-              </a:rPr>
-              <a:t>of the process definition with the given key.</a:t>
-            </a:r>
-            <a:endParaRPr lang="en-US" dirty="0">
-              <a:sym typeface="Wingdings" panose="05000000000000000000" pitchFamily="2" charset="2"/>
-            </a:endParaRPr>
-          </a:p>
-          <a:p>
-            <a:pPr lvl="1"/>
-            <a:r>
-              <a:rPr lang="en-US" dirty="0" err="1">
-                <a:sym typeface="Wingdings" panose="05000000000000000000" pitchFamily="2" charset="2"/>
-              </a:rPr>
-              <a:t>startProcessInstanceById</a:t>
-            </a:r>
-            <a:r>
-              <a:rPr lang="en-US" dirty="0">
-                <a:sym typeface="Wingdings" panose="05000000000000000000" pitchFamily="2" charset="2"/>
-              </a:rPr>
-              <a:t>(</a:t>
-            </a:r>
-            <a:r>
-              <a:rPr lang="de-CH" b="1" i="0" u="none" strike="noStrike" dirty="0">
-                <a:solidFill>
-                  <a:srgbClr val="4A6782"/>
-                </a:solidFill>
-                <a:effectLst/>
-                <a:latin typeface="DejaVu Sans Mono"/>
-                <a:hlinkClick r:id="rId3" tooltip="class or interface in java.lang"/>
-              </a:rPr>
-              <a:t>String</a:t>
-            </a:r>
-            <a:r>
-              <a:rPr lang="de-CH" b="0" i="0" dirty="0">
-                <a:solidFill>
-                  <a:srgbClr val="353833"/>
-                </a:solidFill>
-                <a:effectLst/>
-                <a:latin typeface="DejaVu Sans Mono"/>
-              </a:rPr>
-              <a:t> </a:t>
-            </a:r>
-            <a:r>
-              <a:rPr lang="de-CH" b="0" i="0" dirty="0" err="1">
-                <a:solidFill>
-                  <a:srgbClr val="353833"/>
-                </a:solidFill>
-                <a:effectLst/>
-                <a:latin typeface="DejaVu Sans Mono"/>
-              </a:rPr>
-              <a:t>processDefinitionId</a:t>
-            </a:r>
-            <a:r>
-              <a:rPr lang="en-US" dirty="0">
-                <a:sym typeface="Wingdings" panose="05000000000000000000" pitchFamily="2" charset="2"/>
-              </a:rPr>
-              <a:t>) - </a:t>
-            </a:r>
-            <a:r>
-              <a:rPr lang="en-US" b="0" i="0" dirty="0">
-                <a:solidFill>
-                  <a:srgbClr val="474747"/>
-                </a:solidFill>
-                <a:effectLst/>
-                <a:latin typeface="DejaVu Serif"/>
-              </a:rPr>
-              <a:t>Starts a new process instance in the </a:t>
-            </a:r>
-            <a:r>
-              <a:rPr lang="en-US" b="1" i="0" dirty="0">
-                <a:solidFill>
-                  <a:srgbClr val="474747"/>
-                </a:solidFill>
-                <a:effectLst/>
-                <a:latin typeface="DejaVu Serif"/>
-              </a:rPr>
-              <a:t>exactly specified version </a:t>
-            </a:r>
-            <a:r>
-              <a:rPr lang="en-US" b="0" i="0" dirty="0">
-                <a:solidFill>
-                  <a:srgbClr val="474747"/>
-                </a:solidFill>
-                <a:effectLst/>
-                <a:latin typeface="DejaVu Serif"/>
-              </a:rPr>
-              <a:t>of the </a:t>
-            </a:r>
-            <a:r>
-              <a:rPr lang="en-US" b="1" i="0" dirty="0">
-                <a:solidFill>
-                  <a:srgbClr val="474747"/>
-                </a:solidFill>
-                <a:effectLst/>
-                <a:latin typeface="DejaVu Serif"/>
-              </a:rPr>
-              <a:t>process definition </a:t>
-            </a:r>
-            <a:r>
-              <a:rPr lang="en-US" b="0" i="0" dirty="0">
-                <a:solidFill>
-                  <a:srgbClr val="474747"/>
-                </a:solidFill>
-                <a:effectLst/>
-                <a:latin typeface="DejaVu Serif"/>
-              </a:rPr>
-              <a:t>with the given id.</a:t>
-            </a:r>
-          </a:p>
-        </p:txBody>
-      </p:sp>
+              <a:t>https://www.flowable.com/open-source/docs/javadocs/org/flowable/engine/RuntimeService.html</a:t>
+            </a:r>
+            <a:endParaRPr lang="en-US" dirty="0"/>
+          </a:p>
+        </p:txBody>
+      </p:sp>
+      <p:grpSp>
+        <p:nvGrpSpPr>
+          <p:cNvPr id="3" name="Group 2">
+            <a:extLst>
+              <a:ext uri="{FF2B5EF4-FFF2-40B4-BE49-F238E27FC236}">
+                <a16:creationId xmlns:a16="http://schemas.microsoft.com/office/drawing/2014/main" id="{D28D220A-7B1C-44B8-85DD-78ECF96B0DBB}"/>
+              </a:ext>
+            </a:extLst>
+          </p:cNvPr>
+          <p:cNvGrpSpPr/>
+          <p:nvPr/>
+        </p:nvGrpSpPr>
+        <p:grpSpPr>
+          <a:xfrm>
+            <a:off x="838200" y="1497177"/>
+            <a:ext cx="10813774" cy="3629623"/>
+            <a:chOff x="838200" y="1497177"/>
+            <a:chExt cx="10813774" cy="3629623"/>
+          </a:xfrm>
+        </p:grpSpPr>
+        <p:pic>
+          <p:nvPicPr>
+            <p:cNvPr id="5" name="Picture 4">
+              <a:extLst>
+                <a:ext uri="{FF2B5EF4-FFF2-40B4-BE49-F238E27FC236}">
+                  <a16:creationId xmlns:a16="http://schemas.microsoft.com/office/drawing/2014/main" id="{D89CBA71-715F-4CE8-975D-B9E9AB7AA1B0}"/>
+                </a:ext>
+              </a:extLst>
+            </p:cNvPr>
+            <p:cNvPicPr>
+              <a:picLocks noChangeAspect="1"/>
+            </p:cNvPicPr>
+            <p:nvPr/>
+          </p:nvPicPr>
+          <p:blipFill>
+            <a:blip r:embed="rId4"/>
+            <a:stretch>
+              <a:fillRect/>
+            </a:stretch>
+          </p:blipFill>
+          <p:spPr>
+            <a:xfrm>
+              <a:off x="838200" y="1497177"/>
+              <a:ext cx="10813774" cy="3629623"/>
+            </a:xfrm>
+            <a:prstGeom prst="rect">
+              <a:avLst/>
+            </a:prstGeom>
+          </p:spPr>
+        </p:pic>
+        <p:sp>
+          <p:nvSpPr>
+            <p:cNvPr id="6" name="Rectangle 5">
+              <a:extLst>
+                <a:ext uri="{FF2B5EF4-FFF2-40B4-BE49-F238E27FC236}">
+                  <a16:creationId xmlns:a16="http://schemas.microsoft.com/office/drawing/2014/main" id="{C014D8C7-98C4-405D-A590-3702494CC95C}"/>
+                </a:ext>
+              </a:extLst>
+            </p:cNvPr>
+            <p:cNvSpPr/>
+            <p:nvPr/>
+          </p:nvSpPr>
+          <p:spPr>
+            <a:xfrm>
+              <a:off x="838200" y="3308675"/>
+              <a:ext cx="10744200" cy="427383"/>
+            </a:xfrm>
+            <a:prstGeom prst="rect">
+              <a:avLst/>
+            </a:prstGeom>
+            <a:noFill/>
+            <a:ln w="28575">
+              <a:solidFill>
+                <a:srgbClr val="00B050"/>
+              </a:solidFill>
+            </a:ln>
+          </p:spPr>
+          <p:style>
+            <a:lnRef idx="2">
+              <a:schemeClr val="accent1">
+                <a:shade val="50000"/>
+              </a:schemeClr>
+            </a:lnRef>
+            <a:fillRef idx="1">
+              <a:schemeClr val="accent1"/>
+            </a:fillRef>
+            <a:effectRef idx="0">
+              <a:schemeClr val="accent1"/>
+            </a:effectRef>
+            <a:fontRef idx="minor">
+              <a:schemeClr val="lt1"/>
+            </a:fontRef>
+          </p:style>
+          <p:txBody>
+            <a:bodyPr rtlCol="0" anchor="ctr"/>
+            <a:lstStyle/>
+            <a:p>
+              <a:pPr algn="ctr"/>
+              <a:endParaRPr lang="de-CH"/>
+            </a:p>
+          </p:txBody>
+        </p:sp>
+        <p:sp>
+          <p:nvSpPr>
+            <p:cNvPr id="8" name="Rectangle 7">
+              <a:extLst>
+                <a:ext uri="{FF2B5EF4-FFF2-40B4-BE49-F238E27FC236}">
+                  <a16:creationId xmlns:a16="http://schemas.microsoft.com/office/drawing/2014/main" id="{B5CA3C9E-B844-4A7C-9F3B-DD1D6F94BB12}"/>
+                </a:ext>
+              </a:extLst>
+            </p:cNvPr>
+            <p:cNvSpPr/>
+            <p:nvPr/>
+          </p:nvSpPr>
+          <p:spPr>
+            <a:xfrm>
+              <a:off x="872987" y="4654418"/>
+              <a:ext cx="10744200" cy="427383"/>
+            </a:xfrm>
+            <a:prstGeom prst="rect">
+              <a:avLst/>
+            </a:prstGeom>
+            <a:noFill/>
+            <a:ln w="28575">
+              <a:solidFill>
+                <a:srgbClr val="00B050"/>
+              </a:solidFill>
+            </a:ln>
+          </p:spPr>
+          <p:style>
+            <a:lnRef idx="2">
+              <a:schemeClr val="accent1">
+                <a:shade val="50000"/>
+              </a:schemeClr>
+            </a:lnRef>
+            <a:fillRef idx="1">
+              <a:schemeClr val="accent1"/>
+            </a:fillRef>
+            <a:effectRef idx="0">
+              <a:schemeClr val="accent1"/>
+            </a:effectRef>
+            <a:fontRef idx="minor">
+              <a:schemeClr val="lt1"/>
+            </a:fontRef>
+          </p:style>
+          <p:txBody>
+            <a:bodyPr rtlCol="0" anchor="ctr"/>
+            <a:lstStyle/>
+            <a:p>
+              <a:pPr algn="ctr"/>
+              <a:endParaRPr lang="de-CH"/>
+            </a:p>
+          </p:txBody>
+        </p:sp>
+      </p:grpSp>
     </p:spTree>
     <p:extLst>
       <p:ext uri="{BB962C8B-B14F-4D97-AF65-F5344CB8AC3E}">
-        <p14:creationId xmlns:p14="http://schemas.microsoft.com/office/powerpoint/2010/main" val="916405012"/>
+        <p14:creationId xmlns:p14="http://schemas.microsoft.com/office/powerpoint/2010/main" val="3412240148"/>
       </p:ext>
     </p:extLst>
   </p:cSld>
@@ -5397,116 +5889,399 @@
           <a:p>
             <a:r>
               <a:rPr lang="en-US" dirty="0"/>
-              <a:t>Flowable API (3/3)</a:t>
+              <a:t>Process terms (3/3)</a:t>
             </a:r>
             <a:endParaRPr lang="en-CH" dirty="0"/>
           </a:p>
         </p:txBody>
       </p:sp>
-      <p:sp>
-        <p:nvSpPr>
-          <p:cNvPr id="4" name="Content Placeholder 2">
-            <a:extLst>
-              <a:ext uri="{FF2B5EF4-FFF2-40B4-BE49-F238E27FC236}">
-                <a16:creationId xmlns:a16="http://schemas.microsoft.com/office/drawing/2014/main" id="{8036383B-55A6-4A81-A07F-FF3C1BA6A11F}"/>
-              </a:ext>
-            </a:extLst>
-          </p:cNvPr>
-          <p:cNvSpPr>
-            <a:spLocks noGrp="1"/>
-          </p:cNvSpPr>
-          <p:nvPr>
-            <p:ph idx="1"/>
-          </p:nvPr>
+      <p:graphicFrame>
+        <p:nvGraphicFramePr>
+          <p:cNvPr id="3" name="Table 3">
+            <a:extLst>
+              <a:ext uri="{FF2B5EF4-FFF2-40B4-BE49-F238E27FC236}">
+                <a16:creationId xmlns:a16="http://schemas.microsoft.com/office/drawing/2014/main" id="{27ED7187-D4D5-4D16-8B3D-C124437A081A}"/>
+              </a:ext>
+            </a:extLst>
+          </p:cNvPr>
+          <p:cNvGraphicFramePr>
+            <a:graphicFrameLocks noGrp="1"/>
+          </p:cNvGraphicFramePr>
+          <p:nvPr>
+            <p:extLst>
+              <p:ext uri="{D42A27DB-BD31-4B8C-83A1-F6EECF244321}">
+                <p14:modId xmlns:p14="http://schemas.microsoft.com/office/powerpoint/2010/main" val="1852438175"/>
+              </p:ext>
+            </p:extLst>
+          </p:nvPr>
+        </p:nvGraphicFramePr>
+        <p:xfrm>
+          <a:off x="838198" y="1823637"/>
+          <a:ext cx="11104756" cy="1483360"/>
+        </p:xfrm>
+        <a:graphic>
+          <a:graphicData uri="http://schemas.openxmlformats.org/drawingml/2006/table">
+            <a:tbl>
+              <a:tblPr firstRow="1" bandRow="1">
+                <a:tableStyleId>{5C22544A-7EE6-4342-B048-85BDC9FD1C3A}</a:tableStyleId>
+              </a:tblPr>
+              <a:tblGrid>
+                <a:gridCol w="2776189">
+                  <a:extLst>
+                    <a:ext uri="{9D8B030D-6E8A-4147-A177-3AD203B41FA5}">
+                      <a16:colId xmlns:a16="http://schemas.microsoft.com/office/drawing/2014/main" val="155394908"/>
+                    </a:ext>
+                  </a:extLst>
+                </a:gridCol>
+                <a:gridCol w="2776189">
+                  <a:extLst>
+                    <a:ext uri="{9D8B030D-6E8A-4147-A177-3AD203B41FA5}">
+                      <a16:colId xmlns:a16="http://schemas.microsoft.com/office/drawing/2014/main" val="3543403581"/>
+                    </a:ext>
+                  </a:extLst>
+                </a:gridCol>
+                <a:gridCol w="2776189">
+                  <a:extLst>
+                    <a:ext uri="{9D8B030D-6E8A-4147-A177-3AD203B41FA5}">
+                      <a16:colId xmlns:a16="http://schemas.microsoft.com/office/drawing/2014/main" val="1648527827"/>
+                    </a:ext>
+                  </a:extLst>
+                </a:gridCol>
+                <a:gridCol w="2776189">
+                  <a:extLst>
+                    <a:ext uri="{9D8B030D-6E8A-4147-A177-3AD203B41FA5}">
+                      <a16:colId xmlns:a16="http://schemas.microsoft.com/office/drawing/2014/main" val="2556347861"/>
+                    </a:ext>
+                  </a:extLst>
+                </a:gridCol>
+              </a:tblGrid>
+              <a:tr h="370840">
+                <a:tc>
+                  <a:txBody>
+                    <a:bodyPr/>
+                    <a:lstStyle/>
+                    <a:p>
+                      <a:r>
+                        <a:rPr lang="de-CH" dirty="0"/>
+                        <a:t>ID</a:t>
+                      </a:r>
+                    </a:p>
+                  </a:txBody>
+                  <a:tcPr/>
+                </a:tc>
+                <a:tc>
+                  <a:txBody>
+                    <a:bodyPr/>
+                    <a:lstStyle/>
+                    <a:p>
+                      <a:r>
+                        <a:rPr lang="de-CH" dirty="0"/>
+                        <a:t>KEY</a:t>
+                      </a:r>
+                    </a:p>
+                  </a:txBody>
+                  <a:tcPr/>
+                </a:tc>
+                <a:tc>
+                  <a:txBody>
+                    <a:bodyPr/>
+                    <a:lstStyle/>
+                    <a:p>
+                      <a:r>
+                        <a:rPr lang="de-CH" dirty="0"/>
+                        <a:t>VERSION</a:t>
+                      </a:r>
+                    </a:p>
+                  </a:txBody>
+                  <a:tcPr/>
+                </a:tc>
+                <a:tc>
+                  <a:txBody>
+                    <a:bodyPr/>
+                    <a:lstStyle/>
+                    <a:p>
+                      <a:r>
+                        <a:rPr lang="de-CH" dirty="0"/>
+                        <a:t>...</a:t>
+                      </a:r>
+                    </a:p>
+                  </a:txBody>
+                  <a:tcPr/>
+                </a:tc>
+                <a:extLst>
+                  <a:ext uri="{0D108BD9-81ED-4DB2-BD59-A6C34878D82A}">
+                    <a16:rowId xmlns:a16="http://schemas.microsoft.com/office/drawing/2014/main" val="1561341142"/>
+                  </a:ext>
+                </a:extLst>
+              </a:tr>
+              <a:tr h="370840">
+                <a:tc>
+                  <a:txBody>
+                    <a:bodyPr/>
+                    <a:lstStyle/>
+                    <a:p>
+                      <a:r>
+                        <a:rPr lang="de-CH" dirty="0"/>
+                        <a:t>Adfasdl32daf-adfiuew239</a:t>
+                      </a:r>
+                    </a:p>
+                  </a:txBody>
+                  <a:tcPr/>
+                </a:tc>
+                <a:tc>
+                  <a:txBody>
+                    <a:bodyPr/>
+                    <a:lstStyle/>
+                    <a:p>
+                      <a:r>
+                        <a:rPr lang="de-CH" dirty="0"/>
+                        <a:t>pizza_ordering_process</a:t>
+                      </a:r>
+                    </a:p>
+                  </a:txBody>
+                  <a:tcPr/>
+                </a:tc>
+                <a:tc>
+                  <a:txBody>
+                    <a:bodyPr/>
+                    <a:lstStyle/>
+                    <a:p>
+                      <a:r>
+                        <a:rPr lang="de-CH" dirty="0"/>
+                        <a:t>1</a:t>
+                      </a:r>
+                    </a:p>
+                  </a:txBody>
+                  <a:tcPr/>
+                </a:tc>
+                <a:tc>
+                  <a:txBody>
+                    <a:bodyPr/>
+                    <a:lstStyle/>
+                    <a:p>
+                      <a:r>
+                        <a:rPr lang="de-CH" dirty="0"/>
+                        <a:t>...</a:t>
+                      </a:r>
+                    </a:p>
+                  </a:txBody>
+                  <a:tcPr/>
+                </a:tc>
+                <a:extLst>
+                  <a:ext uri="{0D108BD9-81ED-4DB2-BD59-A6C34878D82A}">
+                    <a16:rowId xmlns:a16="http://schemas.microsoft.com/office/drawing/2014/main" val="341567833"/>
+                  </a:ext>
+                </a:extLst>
+              </a:tr>
+              <a:tr h="370840">
+                <a:tc>
+                  <a:txBody>
+                    <a:bodyPr/>
+                    <a:lstStyle/>
+                    <a:p>
+                      <a:r>
+                        <a:rPr lang="de-CH" dirty="0"/>
+                        <a:t>Fidjl5439-rg9043jfj-1wefi</a:t>
+                      </a:r>
+                    </a:p>
+                  </a:txBody>
+                  <a:tcPr/>
+                </a:tc>
+                <a:tc>
+                  <a:txBody>
+                    <a:bodyPr/>
+                    <a:lstStyle/>
+                    <a:p>
+                      <a:r>
+                        <a:rPr lang="de-CH" dirty="0"/>
+                        <a:t>pizza_ordering_process</a:t>
+                      </a:r>
+                    </a:p>
+                  </a:txBody>
+                  <a:tcPr/>
+                </a:tc>
+                <a:tc>
+                  <a:txBody>
+                    <a:bodyPr/>
+                    <a:lstStyle/>
+                    <a:p>
+                      <a:r>
+                        <a:rPr lang="de-CH" dirty="0"/>
+                        <a:t>2</a:t>
+                      </a:r>
+                    </a:p>
+                  </a:txBody>
+                  <a:tcPr/>
+                </a:tc>
+                <a:tc>
+                  <a:txBody>
+                    <a:bodyPr/>
+                    <a:lstStyle/>
+                    <a:p>
+                      <a:r>
+                        <a:rPr lang="de-CH" dirty="0"/>
+                        <a:t>...</a:t>
+                      </a:r>
+                    </a:p>
+                  </a:txBody>
+                  <a:tcPr/>
+                </a:tc>
+                <a:extLst>
+                  <a:ext uri="{0D108BD9-81ED-4DB2-BD59-A6C34878D82A}">
+                    <a16:rowId xmlns:a16="http://schemas.microsoft.com/office/drawing/2014/main" val="3176207430"/>
+                  </a:ext>
+                </a:extLst>
+              </a:tr>
+              <a:tr h="370840">
+                <a:tc>
+                  <a:txBody>
+                    <a:bodyPr/>
+                    <a:lstStyle/>
+                    <a:p>
+                      <a:r>
+                        <a:rPr lang="de-CH" dirty="0"/>
+                        <a:t>Cxdsf3we-q3wsd-hfdg5</a:t>
+                      </a:r>
+                    </a:p>
+                  </a:txBody>
+                  <a:tcPr/>
+                </a:tc>
+                <a:tc>
+                  <a:txBody>
+                    <a:bodyPr/>
+                    <a:lstStyle/>
+                    <a:p>
+                      <a:r>
+                        <a:rPr lang="de-CH" dirty="0"/>
+                        <a:t>pizza_ordering_process</a:t>
+                      </a:r>
+                    </a:p>
+                  </a:txBody>
+                  <a:tcPr/>
+                </a:tc>
+                <a:tc>
+                  <a:txBody>
+                    <a:bodyPr/>
+                    <a:lstStyle/>
+                    <a:p>
+                      <a:r>
+                        <a:rPr lang="de-CH" dirty="0"/>
+                        <a:t>3</a:t>
+                      </a:r>
+                    </a:p>
+                  </a:txBody>
+                  <a:tcPr/>
+                </a:tc>
+                <a:tc>
+                  <a:txBody>
+                    <a:bodyPr/>
+                    <a:lstStyle/>
+                    <a:p>
+                      <a:r>
+                        <a:rPr lang="de-CH" dirty="0"/>
+                        <a:t>...</a:t>
+                      </a:r>
+                    </a:p>
+                  </a:txBody>
+                  <a:tcPr/>
+                </a:tc>
+                <a:extLst>
+                  <a:ext uri="{0D108BD9-81ED-4DB2-BD59-A6C34878D82A}">
+                    <a16:rowId xmlns:a16="http://schemas.microsoft.com/office/drawing/2014/main" val="3420743306"/>
+                  </a:ext>
+                </a:extLst>
+              </a:tr>
+            </a:tbl>
+          </a:graphicData>
+        </a:graphic>
+      </p:graphicFrame>
+      <p:sp>
+        <p:nvSpPr>
+          <p:cNvPr id="4" name="TextBox 3">
+            <a:extLst>
+              <a:ext uri="{FF2B5EF4-FFF2-40B4-BE49-F238E27FC236}">
+                <a16:creationId xmlns:a16="http://schemas.microsoft.com/office/drawing/2014/main" id="{078C00D3-0FD8-478C-B028-0F3160C730AB}"/>
+              </a:ext>
+            </a:extLst>
+          </p:cNvPr>
+          <p:cNvSpPr txBox="1"/>
+          <p:nvPr/>
         </p:nvSpPr>
         <p:spPr>
           <a:xfrm>
-            <a:off x="838200" y="1825625"/>
-            <a:ext cx="10515600" cy="4351338"/>
+            <a:off x="838198" y="3612995"/>
+            <a:ext cx="10904036" cy="923330"/>
           </a:xfrm>
+          <a:prstGeom prst="rect">
+            <a:avLst/>
+          </a:prstGeom>
+          <a:noFill/>
         </p:spPr>
         <p:txBody>
-          <a:bodyPr>
-            <a:normAutofit/>
+          <a:bodyPr wrap="square" rtlCol="0">
+            <a:spAutoFit/>
           </a:bodyPr>
           <a:lstStyle/>
           <a:p>
-            <a:r>
-              <a:rPr lang="en-US" b="1" dirty="0" err="1">
-                <a:sym typeface="Wingdings" panose="05000000000000000000" pitchFamily="2" charset="2"/>
-              </a:rPr>
-              <a:t>TaskService</a:t>
-            </a:r>
-            <a:r>
-              <a:rPr lang="en-US" dirty="0">
-                <a:sym typeface="Wingdings" panose="05000000000000000000" pitchFamily="2" charset="2"/>
-              </a:rPr>
-              <a:t> (https://www.flowable.com/open-source/docs/javadocs/org/flowable/engine/TaskService.html)</a:t>
-            </a:r>
-          </a:p>
-          <a:p>
-            <a:pPr lvl="1"/>
-            <a:r>
-              <a:rPr lang="en-US" dirty="0">
-                <a:sym typeface="Wingdings" panose="05000000000000000000" pitchFamily="2" charset="2"/>
-              </a:rPr>
-              <a:t>Complete active User Tasks</a:t>
-            </a:r>
-          </a:p>
-          <a:p>
-            <a:pPr lvl="1"/>
-            <a:r>
-              <a:rPr lang="en-US" dirty="0">
-                <a:sym typeface="Wingdings" panose="05000000000000000000" pitchFamily="2" charset="2"/>
-              </a:rPr>
-              <a:t>Claim/Assign User Tasks</a:t>
-            </a:r>
-          </a:p>
-          <a:p>
-            <a:pPr lvl="1"/>
-            <a:r>
-              <a:rPr lang="en-US" dirty="0">
-                <a:sym typeface="Wingdings" panose="05000000000000000000" pitchFamily="2" charset="2"/>
-              </a:rPr>
-              <a:t>complete(String </a:t>
-            </a:r>
-            <a:r>
-              <a:rPr lang="en-US" dirty="0" err="1">
-                <a:sym typeface="Wingdings" panose="05000000000000000000" pitchFamily="2" charset="2"/>
-              </a:rPr>
-              <a:t>taskId</a:t>
-            </a:r>
-            <a:r>
-              <a:rPr lang="en-US" dirty="0">
-                <a:sym typeface="Wingdings" panose="05000000000000000000" pitchFamily="2" charset="2"/>
-              </a:rPr>
-              <a:t>, Map&lt;</a:t>
-            </a:r>
-            <a:r>
-              <a:rPr lang="en-US" dirty="0" err="1">
-                <a:sym typeface="Wingdings" panose="05000000000000000000" pitchFamily="2" charset="2"/>
-              </a:rPr>
-              <a:t>String,Object</a:t>
-            </a:r>
-            <a:r>
-              <a:rPr lang="en-US" dirty="0">
-                <a:sym typeface="Wingdings" panose="05000000000000000000" pitchFamily="2" charset="2"/>
-              </a:rPr>
-              <a:t>&gt; variables)</a:t>
-            </a:r>
-          </a:p>
-          <a:p>
-            <a:pPr lvl="1"/>
-            <a:endParaRPr lang="en-US" dirty="0">
-              <a:sym typeface="Wingdings" panose="05000000000000000000" pitchFamily="2" charset="2"/>
-            </a:endParaRPr>
+            <a:pPr marL="285750" indent="-285750">
+              <a:buFont typeface="Arial" panose="020B0604020202020204" pitchFamily="34" charset="0"/>
+              <a:buChar char="•"/>
+            </a:pPr>
+            <a:r>
+              <a:rPr lang="de-CH" dirty="0"/>
+              <a:t>startProcessInstance</a:t>
+            </a:r>
+            <a:r>
+              <a:rPr lang="de-CH" b="1" dirty="0"/>
+              <a:t>ById</a:t>
+            </a:r>
+            <a:r>
+              <a:rPr lang="de-CH" dirty="0"/>
+              <a:t>(Adfasdl32daf-adfiuew239) starts which version?</a:t>
+            </a:r>
+          </a:p>
+          <a:p>
+            <a:pPr marL="285750" indent="-285750">
+              <a:buFont typeface="Arial" panose="020B0604020202020204" pitchFamily="34" charset="0"/>
+              <a:buChar char="•"/>
+            </a:pPr>
+            <a:r>
+              <a:rPr lang="de-CH" dirty="0"/>
+              <a:t>startProcessInstance</a:t>
+            </a:r>
+            <a:r>
+              <a:rPr lang="de-CH" b="1" dirty="0"/>
+              <a:t>ById</a:t>
+            </a:r>
+            <a:r>
+              <a:rPr lang="de-CH" dirty="0"/>
+              <a:t>(Fidjl5439-rg9043jfj-1wefi) starts which version?</a:t>
+            </a:r>
+          </a:p>
+          <a:p>
+            <a:pPr marL="285750" indent="-285750">
+              <a:buFont typeface="Arial" panose="020B0604020202020204" pitchFamily="34" charset="0"/>
+              <a:buChar char="•"/>
+            </a:pPr>
+            <a:r>
+              <a:rPr lang="de-CH" dirty="0"/>
+              <a:t>startProcessInstance</a:t>
+            </a:r>
+            <a:r>
+              <a:rPr lang="de-CH" b="1" dirty="0"/>
+              <a:t>ByKey</a:t>
+            </a:r>
+            <a:r>
+              <a:rPr lang="de-CH" dirty="0"/>
+              <a:t>(pizza_ordering_process) starts which version?</a:t>
+            </a:r>
           </a:p>
         </p:txBody>
       </p:sp>
     </p:spTree>
     <p:extLst>
       <p:ext uri="{BB962C8B-B14F-4D97-AF65-F5344CB8AC3E}">
-        <p14:creationId xmlns:p14="http://schemas.microsoft.com/office/powerpoint/2010/main" val="1532379669"/>
+        <p14:creationId xmlns:p14="http://schemas.microsoft.com/office/powerpoint/2010/main" val="870945698"/>
       </p:ext>
     </p:extLst>
   </p:cSld>
@@ -5538,7 +6313,7 @@
           <p:cNvPr id="2" name="Title 1">
             <a:extLst>
               <a:ext uri="{FF2B5EF4-FFF2-40B4-BE49-F238E27FC236}">
-                <a16:creationId xmlns:a16="http://schemas.microsoft.com/office/drawing/2014/main" id="{03812D1F-F6DF-42A7-8DA2-1A5A8243FD15}"/>
+                <a16:creationId xmlns:a16="http://schemas.microsoft.com/office/drawing/2014/main" id="{AFCAE6FC-EDF4-48DC-81BD-6BC3F5F22F20}"/>
               </a:ext>
             </a:extLst>
           </p:cNvPr>
@@ -5555,10 +6330,9 @@
           <a:lstStyle/>
           <a:p>
             <a:r>
-              <a:rPr lang="en-US" dirty="0"/>
-              <a:t>User Task / Service Tasks (1/2)</a:t>
-            </a:r>
-            <a:endParaRPr lang="en-CH" dirty="0"/>
+              <a:rPr lang="de-CH" dirty="0"/>
+              <a:t>Variables</a:t>
+            </a:r>
           </a:p>
         </p:txBody>
       </p:sp>
@@ -5567,7 +6341,7 @@
           <p:cNvPr id="3" name="Content Placeholder 2">
             <a:extLst>
               <a:ext uri="{FF2B5EF4-FFF2-40B4-BE49-F238E27FC236}">
-                <a16:creationId xmlns:a16="http://schemas.microsoft.com/office/drawing/2014/main" id="{8EAC4C66-08BB-4057-80A5-A8508B2B9085}"/>
+                <a16:creationId xmlns:a16="http://schemas.microsoft.com/office/drawing/2014/main" id="{0DE0781A-8503-41A2-9A69-CCA780924A43}"/>
               </a:ext>
             </a:extLst>
           </p:cNvPr>
@@ -5585,121 +6359,81 @@
           </a:bodyPr>
           <a:lstStyle/>
           <a:p>
-            <a:pPr marL="0" indent="0">
-              <a:buNone/>
+            <a:pPr algn="l" fontAlgn="base">
+              <a:buFont typeface="Arial" panose="020B0604020202020204" pitchFamily="34" charset="0"/>
+              <a:buChar char="•"/>
             </a:pPr>
             <a:r>
-              <a:rPr lang="en-US" b="1" dirty="0"/>
-              <a:t>User Task</a:t>
-            </a:r>
-          </a:p>
-          <a:p>
-            <a:r>
-              <a:rPr lang="en-US" dirty="0"/>
-              <a:t>User has “do” something and trigger the completion </a:t>
-            </a:r>
-          </a:p>
-          <a:p>
-            <a:r>
-              <a:rPr lang="en-US" dirty="0"/>
-              <a:t>Process Engine is in wait state until the User Task is completed (external trigger)</a:t>
-            </a:r>
-          </a:p>
-          <a:p>
-            <a:r>
-              <a:rPr lang="en-US" dirty="0"/>
-              <a:t>Variables can be passed upon completion of a User Task</a:t>
-            </a:r>
-          </a:p>
-          <a:p>
-            <a:r>
-              <a:rPr lang="en-US" b="0" i="0" dirty="0">
+              <a:rPr lang="en-US" dirty="0">
                 <a:solidFill>
-                  <a:srgbClr val="444444"/>
+                  <a:srgbClr val="24292E"/>
                 </a:solidFill>
-                <a:effectLst/>
-                <a:latin typeface="SFMono-Regular"/>
+                <a:latin typeface="inherit"/>
               </a:rPr>
-              <a:t>&lt;</a:t>
-            </a:r>
-            <a:r>
-              <a:rPr lang="en-US" b="0" i="0" dirty="0" err="1">
+              <a:t>Can be set passed by:</a:t>
+            </a:r>
+          </a:p>
+          <a:p>
+            <a:pPr lvl="1" fontAlgn="base"/>
+            <a:r>
+              <a:rPr lang="en-US" dirty="0">
                 <a:solidFill>
-                  <a:srgbClr val="444444"/>
+                  <a:srgbClr val="24292E"/>
                 </a:solidFill>
-                <a:effectLst/>
-                <a:latin typeface="SFMono-Regular"/>
+                <a:latin typeface="inherit"/>
               </a:rPr>
-              <a:t>userTask</a:t>
-            </a:r>
-            <a:r>
-              <a:rPr lang="en-US" b="0" i="0" dirty="0">
+              <a:t>Starting a Process</a:t>
+            </a:r>
+          </a:p>
+          <a:p>
+            <a:pPr lvl="1" fontAlgn="base"/>
+            <a:r>
+              <a:rPr lang="en-US" dirty="0">
                 <a:solidFill>
-                  <a:srgbClr val="444444"/>
+                  <a:srgbClr val="24292E"/>
                 </a:solidFill>
-                <a:effectLst/>
-                <a:latin typeface="SFMono-Regular"/>
+                <a:latin typeface="inherit"/>
               </a:rPr>
-              <a:t> id="</a:t>
-            </a:r>
-            <a:r>
-              <a:rPr lang="en-US" b="0" i="0" dirty="0" err="1">
+              <a:t>Completing a User Task</a:t>
+            </a:r>
+          </a:p>
+          <a:p>
+            <a:pPr lvl="1" fontAlgn="base"/>
+            <a:r>
+              <a:rPr lang="en-US" dirty="0">
                 <a:solidFill>
-                  <a:srgbClr val="444444"/>
+                  <a:srgbClr val="24292E"/>
                 </a:solidFill>
-                <a:effectLst/>
-                <a:latin typeface="SFMono-Regular"/>
+                <a:latin typeface="inherit"/>
               </a:rPr>
-              <a:t>theTask</a:t>
-            </a:r>
-            <a:r>
-              <a:rPr lang="en-US" b="0" i="0" dirty="0">
+              <a:t>Anywhere in the code via the </a:t>
+            </a:r>
+            <a:r>
+              <a:rPr lang="en-US" b="1" dirty="0" err="1">
                 <a:solidFill>
-                  <a:srgbClr val="444444"/>
+                  <a:srgbClr val="24292E"/>
                 </a:solidFill>
-                <a:effectLst/>
-                <a:latin typeface="SFMono-Regular"/>
+                <a:latin typeface="inherit"/>
               </a:rPr>
-              <a:t>" name="Important task" /&gt;</a:t>
-            </a:r>
-            <a:endParaRPr lang="en-US" dirty="0"/>
-          </a:p>
-        </p:txBody>
-      </p:sp>
-      <p:pic>
-        <p:nvPicPr>
-          <p:cNvPr id="6" name="Picture 5">
-            <a:extLst>
-              <a:ext uri="{FF2B5EF4-FFF2-40B4-BE49-F238E27FC236}">
-                <a16:creationId xmlns:a16="http://schemas.microsoft.com/office/drawing/2014/main" id="{FBE1093B-57D2-4413-990B-CF6026E33EB2}"/>
-              </a:ext>
-            </a:extLst>
-          </p:cNvPr>
-          <p:cNvPicPr>
-            <a:picLocks noChangeAspect="1"/>
-          </p:cNvPicPr>
-          <p:nvPr/>
-        </p:nvPicPr>
-        <p:blipFill>
-          <a:blip r:embed="rId2"/>
-          <a:stretch>
-            <a:fillRect/>
-          </a:stretch>
-        </p:blipFill>
-        <p:spPr>
-          <a:xfrm>
-            <a:off x="9542928" y="1825625"/>
-            <a:ext cx="1985043" cy="1610720"/>
-          </a:xfrm>
-          <a:prstGeom prst="rect">
-            <a:avLst/>
-          </a:prstGeom>
-        </p:spPr>
-      </p:pic>
+              <a:t>runtimeService</a:t>
+            </a:r>
+            <a:endParaRPr lang="en-US" b="1" i="0" dirty="0">
+              <a:solidFill>
+                <a:srgbClr val="24292E"/>
+              </a:solidFill>
+              <a:effectLst/>
+              <a:latin typeface="inherit"/>
+            </a:endParaRPr>
+          </a:p>
+          <a:p>
+            <a:endParaRPr lang="de-CH" dirty="0"/>
+          </a:p>
+        </p:txBody>
+      </p:sp>
     </p:spTree>
     <p:extLst>
       <p:ext uri="{BB962C8B-B14F-4D97-AF65-F5344CB8AC3E}">
-        <p14:creationId xmlns:p14="http://schemas.microsoft.com/office/powerpoint/2010/main" val="2320038822"/>
+        <p14:creationId xmlns:p14="http://schemas.microsoft.com/office/powerpoint/2010/main" val="466349205"/>
       </p:ext>
     </p:extLst>
   </p:cSld>
@@ -5749,7 +6483,7 @@
           <a:p>
             <a:r>
               <a:rPr lang="en-US" dirty="0"/>
-              <a:t>User Task / Service Tasks (2/2)</a:t>
+              <a:t>User Task</a:t>
             </a:r>
             <a:endParaRPr lang="en-CH" dirty="0"/>
           </a:p>
@@ -5771,298 +6505,43 @@
             <p:ph idx="1"/>
           </p:nvPr>
         </p:nvSpPr>
-        <p:spPr/>
+        <p:spPr>
+          <a:xfrm>
+            <a:off x="838200" y="1825625"/>
+            <a:ext cx="8557591" cy="4351338"/>
+          </a:xfrm>
+        </p:spPr>
         <p:txBody>
           <a:bodyPr>
             <a:normAutofit/>
           </a:bodyPr>
           <a:lstStyle/>
           <a:p>
-            <a:pPr marL="0" indent="0">
-              <a:buNone/>
-            </a:pPr>
+            <a:r>
+              <a:rPr lang="en-US" dirty="0"/>
+              <a:t>User has to “do” something and trigger the completion </a:t>
+            </a:r>
+          </a:p>
+          <a:p>
+            <a:r>
+              <a:rPr lang="en-US" dirty="0"/>
+              <a:t>Process Engine is in wait state until the User Task is completed (external trigger)</a:t>
+            </a:r>
+          </a:p>
+          <a:p>
+            <a:r>
+              <a:rPr lang="en-US" dirty="0"/>
+              <a:t>Variables can be passed when completing a User Task</a:t>
+            </a:r>
+          </a:p>
+          <a:p>
             <a:r>
               <a:rPr lang="en-US" b="1" dirty="0"/>
-              <a:t>Service Task</a:t>
-            </a:r>
-          </a:p>
-          <a:p>
-            <a:r>
-              <a:rPr lang="en-US" dirty="0"/>
-              <a:t>No user interaction</a:t>
-            </a:r>
-          </a:p>
-          <a:p>
-            <a:r>
-              <a:rPr lang="en-US" dirty="0"/>
-              <a:t>Process Engine is NOT in a wait state</a:t>
-            </a:r>
-          </a:p>
-          <a:p>
-            <a:r>
-              <a:rPr lang="de-CH" b="0" i="0" dirty="0">
-                <a:solidFill>
-                  <a:srgbClr val="444444"/>
-                </a:solidFill>
-                <a:effectLst/>
-                <a:latin typeface="SFMono-Regular"/>
-              </a:rPr>
-              <a:t>&lt;</a:t>
-            </a:r>
-            <a:r>
-              <a:rPr lang="de-CH" b="0" i="0" dirty="0" err="1">
-                <a:solidFill>
-                  <a:srgbClr val="444444"/>
-                </a:solidFill>
-                <a:effectLst/>
-                <a:latin typeface="SFMono-Regular"/>
-              </a:rPr>
-              <a:t>serviceTask</a:t>
-            </a:r>
-            <a:r>
-              <a:rPr lang="de-CH" b="0" i="0" dirty="0">
-                <a:solidFill>
-                  <a:srgbClr val="444444"/>
-                </a:solidFill>
-                <a:effectLst/>
-                <a:latin typeface="SFMono-Regular"/>
-              </a:rPr>
-              <a:t> </a:t>
-            </a:r>
-            <a:r>
-              <a:rPr lang="de-CH" b="0" i="0" dirty="0" err="1">
-                <a:solidFill>
-                  <a:srgbClr val="444444"/>
-                </a:solidFill>
-                <a:effectLst/>
-                <a:latin typeface="SFMono-Regular"/>
-              </a:rPr>
-              <a:t>id</a:t>
-            </a:r>
-            <a:r>
-              <a:rPr lang="de-CH" b="0" i="0" dirty="0">
-                <a:solidFill>
-                  <a:srgbClr val="444444"/>
-                </a:solidFill>
-                <a:effectLst/>
-                <a:latin typeface="SFMono-Regular"/>
-              </a:rPr>
-              <a:t>="</a:t>
-            </a:r>
-            <a:r>
-              <a:rPr lang="de-CH" b="0" i="0" dirty="0" err="1">
-                <a:solidFill>
-                  <a:srgbClr val="444444"/>
-                </a:solidFill>
-                <a:effectLst/>
-                <a:latin typeface="SFMono-Regular"/>
-              </a:rPr>
-              <a:t>javaService</a:t>
-            </a:r>
-            <a:r>
-              <a:rPr lang="de-CH" b="0" i="0" dirty="0">
-                <a:solidFill>
-                  <a:srgbClr val="444444"/>
-                </a:solidFill>
-                <a:effectLst/>
-                <a:latin typeface="SFMono-Regular"/>
-              </a:rPr>
-              <a:t>" </a:t>
-            </a:r>
-            <a:r>
-              <a:rPr lang="de-CH" b="0" i="0" dirty="0" err="1">
-                <a:solidFill>
-                  <a:srgbClr val="444444"/>
-                </a:solidFill>
-                <a:effectLst/>
-                <a:latin typeface="SFMono-Regular"/>
-              </a:rPr>
-              <a:t>name</a:t>
-            </a:r>
-            <a:r>
-              <a:rPr lang="de-CH" b="0" i="0" dirty="0">
-                <a:solidFill>
-                  <a:srgbClr val="444444"/>
-                </a:solidFill>
-                <a:effectLst/>
-                <a:latin typeface="SFMono-Regular"/>
-              </a:rPr>
-              <a:t>="</a:t>
-            </a:r>
-            <a:r>
-              <a:rPr lang="de-CH" b="0" i="0" dirty="0" err="1">
-                <a:solidFill>
-                  <a:srgbClr val="444444"/>
-                </a:solidFill>
-                <a:effectLst/>
-                <a:latin typeface="SFMono-Regular"/>
-              </a:rPr>
-              <a:t>My</a:t>
-            </a:r>
-            <a:r>
-              <a:rPr lang="de-CH" b="0" i="0" dirty="0">
-                <a:solidFill>
-                  <a:srgbClr val="444444"/>
-                </a:solidFill>
-                <a:effectLst/>
-                <a:latin typeface="SFMono-Regular"/>
-              </a:rPr>
-              <a:t> Java Service Task" </a:t>
-            </a:r>
-            <a:r>
-              <a:rPr lang="de-CH" b="0" i="0" dirty="0" err="1">
-                <a:solidFill>
-                  <a:srgbClr val="444444"/>
-                </a:solidFill>
-                <a:effectLst/>
-                <a:latin typeface="SFMono-Regular"/>
-              </a:rPr>
-              <a:t>flowable:class</a:t>
-            </a:r>
-            <a:r>
-              <a:rPr lang="de-CH" b="0" i="0" dirty="0">
-                <a:solidFill>
-                  <a:srgbClr val="444444"/>
-                </a:solidFill>
-                <a:effectLst/>
-                <a:latin typeface="SFMono-Regular"/>
-              </a:rPr>
-              <a:t>="</a:t>
-            </a:r>
-            <a:r>
-              <a:rPr lang="de-CH" b="0" i="0" dirty="0" err="1">
-                <a:solidFill>
-                  <a:srgbClr val="444444"/>
-                </a:solidFill>
-                <a:effectLst/>
-                <a:latin typeface="SFMono-Regular"/>
-              </a:rPr>
-              <a:t>org.flowable.MyJavaDelegate</a:t>
-            </a:r>
-            <a:r>
-              <a:rPr lang="de-CH" b="0" i="0" dirty="0">
-                <a:solidFill>
-                  <a:srgbClr val="444444"/>
-                </a:solidFill>
-                <a:effectLst/>
-                <a:latin typeface="SFMono-Regular"/>
-              </a:rPr>
-              <a:t>" /&gt;</a:t>
-            </a:r>
-          </a:p>
-          <a:p>
-            <a:r>
-              <a:rPr lang="de-CH" b="0" i="0" dirty="0">
-                <a:solidFill>
-                  <a:srgbClr val="444444"/>
-                </a:solidFill>
-                <a:effectLst/>
-                <a:latin typeface="SFMono-Regular"/>
-              </a:rPr>
-              <a:t>&lt;</a:t>
-            </a:r>
-            <a:r>
-              <a:rPr lang="de-CH" b="0" i="0" dirty="0" err="1">
-                <a:solidFill>
-                  <a:srgbClr val="444444"/>
-                </a:solidFill>
-                <a:effectLst/>
-                <a:latin typeface="SFMono-Regular"/>
-              </a:rPr>
-              <a:t>serviceTask</a:t>
-            </a:r>
-            <a:r>
-              <a:rPr lang="de-CH" b="0" i="0" dirty="0">
-                <a:solidFill>
-                  <a:srgbClr val="444444"/>
-                </a:solidFill>
-                <a:effectLst/>
-                <a:latin typeface="SFMono-Regular"/>
-              </a:rPr>
-              <a:t> </a:t>
-            </a:r>
-            <a:r>
-              <a:rPr lang="de-CH" b="0" i="0" dirty="0" err="1">
-                <a:solidFill>
-                  <a:srgbClr val="444444"/>
-                </a:solidFill>
-                <a:effectLst/>
-                <a:latin typeface="SFMono-Regular"/>
-              </a:rPr>
-              <a:t>id</a:t>
-            </a:r>
-            <a:r>
-              <a:rPr lang="de-CH" b="0" i="0" dirty="0">
-                <a:solidFill>
-                  <a:srgbClr val="444444"/>
-                </a:solidFill>
-                <a:effectLst/>
-                <a:latin typeface="SFMono-Regular"/>
-              </a:rPr>
-              <a:t>="</a:t>
-            </a:r>
-            <a:r>
-              <a:rPr lang="de-CH" b="0" i="0" dirty="0" err="1">
-                <a:solidFill>
-                  <a:srgbClr val="444444"/>
-                </a:solidFill>
-                <a:effectLst/>
-                <a:latin typeface="SFMono-Regular"/>
-              </a:rPr>
-              <a:t>serviceTask</a:t>
-            </a:r>
-            <a:r>
-              <a:rPr lang="de-CH" b="0" i="0" dirty="0">
-                <a:solidFill>
-                  <a:srgbClr val="444444"/>
-                </a:solidFill>
-                <a:effectLst/>
-                <a:latin typeface="SFMono-Regular"/>
-              </a:rPr>
-              <a:t>" </a:t>
-            </a:r>
-            <a:r>
-              <a:rPr lang="de-CH" b="0" i="0" dirty="0" err="1">
-                <a:solidFill>
-                  <a:srgbClr val="444444"/>
-                </a:solidFill>
-                <a:effectLst/>
-                <a:latin typeface="SFMono-Regular"/>
-              </a:rPr>
-              <a:t>flowable:delegateExpression</a:t>
-            </a:r>
-            <a:r>
-              <a:rPr lang="de-CH" b="0" i="0" dirty="0">
-                <a:solidFill>
-                  <a:srgbClr val="444444"/>
-                </a:solidFill>
-                <a:effectLst/>
-                <a:latin typeface="SFMono-Regular"/>
-              </a:rPr>
-              <a:t>="${</a:t>
-            </a:r>
-            <a:r>
-              <a:rPr lang="de-CH" b="0" i="0" dirty="0" err="1">
-                <a:solidFill>
-                  <a:srgbClr val="444444"/>
-                </a:solidFill>
-                <a:effectLst/>
-                <a:latin typeface="SFMono-Regular"/>
-              </a:rPr>
-              <a:t>delegateExpressionBean</a:t>
-            </a:r>
-            <a:r>
-              <a:rPr lang="de-CH" b="0" i="0" dirty="0">
-                <a:solidFill>
-                  <a:srgbClr val="444444"/>
-                </a:solidFill>
-                <a:effectLst/>
-                <a:latin typeface="SFMono-Regular"/>
-              </a:rPr>
-              <a:t>}" /&gt;</a:t>
-            </a:r>
-          </a:p>
-          <a:p>
+              <a:t>Syntax:</a:t>
+            </a:r>
+          </a:p>
+          <a:p>
+            <a:pPr lvl="1"/>
             <a:r>
               <a:rPr lang="en-US" b="0" i="0" dirty="0">
                 <a:solidFill>
@@ -6081,7 +6560,7 @@
                 <a:effectLst/>
                 <a:latin typeface="SFMono-Regular"/>
               </a:rPr>
-              <a:t>serviceTask</a:t>
+              <a:t>userTask</a:t>
             </a:r>
             <a:r>
               <a:rPr lang="en-US" b="0" i="0" dirty="0">
@@ -6101,7 +6580,7 @@
                 <a:effectLst/>
                 <a:latin typeface="SFMono-Regular"/>
               </a:rPr>
-              <a:t>javaService</a:t>
+              <a:t>theTask</a:t>
             </a:r>
             <a:r>
               <a:rPr lang="en-US" b="0" i="0" dirty="0">
@@ -6111,62 +6590,18 @@
                 <a:effectLst/>
                 <a:latin typeface="SFMono-Regular"/>
               </a:rPr>
-              <a:t>" name="My Java Service Task" </a:t>
-            </a:r>
-            <a:r>
-              <a:rPr lang="en-US" b="0" i="0" dirty="0" err="1">
-                <a:solidFill>
-                  <a:srgbClr val="444444"/>
-                </a:solidFill>
-                <a:effectLst/>
-                <a:latin typeface="SFMono-Regular"/>
-              </a:rPr>
-              <a:t>flowable:expression</a:t>
-            </a:r>
-            <a:r>
-              <a:rPr lang="en-US" b="0" i="0" dirty="0">
-                <a:solidFill>
-                  <a:srgbClr val="444444"/>
-                </a:solidFill>
-                <a:effectLst/>
-                <a:latin typeface="SFMono-Regular"/>
-              </a:rPr>
-              <a:t>="#{</a:t>
-            </a:r>
-            <a:r>
-              <a:rPr lang="en-US" b="0" i="0" dirty="0" err="1">
-                <a:solidFill>
-                  <a:srgbClr val="444444"/>
-                </a:solidFill>
-                <a:effectLst/>
-                <a:latin typeface="SFMono-Regular"/>
-              </a:rPr>
-              <a:t>printer.printMessage</a:t>
-            </a:r>
-            <a:r>
-              <a:rPr lang="en-US" b="0" i="0" dirty="0">
-                <a:solidFill>
-                  <a:srgbClr val="444444"/>
-                </a:solidFill>
-                <a:effectLst/>
-                <a:latin typeface="SFMono-Regular"/>
-              </a:rPr>
-              <a:t>()}" /&gt;</a:t>
+              <a:t>" name="Important task" /&gt;</a:t>
             </a:r>
             <a:endParaRPr lang="en-US" dirty="0"/>
-          </a:p>
-          <a:p>
-            <a:pPr lvl="1"/>
-            <a:endParaRPr lang="en-CH" dirty="0"/>
           </a:p>
         </p:txBody>
       </p:sp>
       <p:pic>
         <p:nvPicPr>
-          <p:cNvPr id="8" name="Picture 7">
-            <a:extLst>
-              <a:ext uri="{FF2B5EF4-FFF2-40B4-BE49-F238E27FC236}">
-                <a16:creationId xmlns:a16="http://schemas.microsoft.com/office/drawing/2014/main" id="{3EDD465D-772A-42CC-8232-D4F3F8E65BE0}"/>
+          <p:cNvPr id="6" name="Picture 5">
+            <a:extLst>
+              <a:ext uri="{FF2B5EF4-FFF2-40B4-BE49-F238E27FC236}">
+                <a16:creationId xmlns:a16="http://schemas.microsoft.com/office/drawing/2014/main" id="{FBE1093B-57D2-4413-990B-CF6026E33EB2}"/>
               </a:ext>
             </a:extLst>
           </p:cNvPr>
@@ -6183,18 +6618,214 @@
         </p:blipFill>
         <p:spPr>
           <a:xfrm>
-            <a:off x="9201117" y="1690688"/>
-            <a:ext cx="2152683" cy="1609075"/>
+            <a:off x="9542928" y="1825625"/>
+            <a:ext cx="1985043" cy="1610720"/>
           </a:xfrm>
           <a:prstGeom prst="rect">
             <a:avLst/>
           </a:prstGeom>
         </p:spPr>
       </p:pic>
+      <p:grpSp>
+        <p:nvGrpSpPr>
+          <p:cNvPr id="9" name="Group 8">
+            <a:extLst>
+              <a:ext uri="{FF2B5EF4-FFF2-40B4-BE49-F238E27FC236}">
+                <a16:creationId xmlns:a16="http://schemas.microsoft.com/office/drawing/2014/main" id="{25597E50-B6CD-4E9F-8197-4A16E51F58CF}"/>
+              </a:ext>
+            </a:extLst>
+          </p:cNvPr>
+          <p:cNvGrpSpPr/>
+          <p:nvPr/>
+        </p:nvGrpSpPr>
+        <p:grpSpPr>
+          <a:xfrm>
+            <a:off x="969924" y="4667138"/>
+            <a:ext cx="10383876" cy="1584259"/>
+            <a:chOff x="969924" y="4727641"/>
+            <a:chExt cx="10383876" cy="1584259"/>
+          </a:xfrm>
+        </p:grpSpPr>
+        <p:pic>
+          <p:nvPicPr>
+            <p:cNvPr id="5" name="Picture 4">
+              <a:extLst>
+                <a:ext uri="{FF2B5EF4-FFF2-40B4-BE49-F238E27FC236}">
+                  <a16:creationId xmlns:a16="http://schemas.microsoft.com/office/drawing/2014/main" id="{937B2353-8A2D-4080-8D78-62CD768FE0A1}"/>
+                </a:ext>
+              </a:extLst>
+            </p:cNvPr>
+            <p:cNvPicPr>
+              <a:picLocks noChangeAspect="1"/>
+            </p:cNvPicPr>
+            <p:nvPr/>
+          </p:nvPicPr>
+          <p:blipFill>
+            <a:blip r:embed="rId3"/>
+            <a:stretch>
+              <a:fillRect/>
+            </a:stretch>
+          </p:blipFill>
+          <p:spPr>
+            <a:xfrm>
+              <a:off x="969924" y="4727641"/>
+              <a:ext cx="10383876" cy="1584259"/>
+            </a:xfrm>
+            <a:prstGeom prst="rect">
+              <a:avLst/>
+            </a:prstGeom>
+          </p:spPr>
+        </p:pic>
+        <p:sp>
+          <p:nvSpPr>
+            <p:cNvPr id="7" name="Rectangle 6">
+              <a:extLst>
+                <a:ext uri="{FF2B5EF4-FFF2-40B4-BE49-F238E27FC236}">
+                  <a16:creationId xmlns:a16="http://schemas.microsoft.com/office/drawing/2014/main" id="{52CDD298-0827-4AC4-9880-A01EE7A0FDEE}"/>
+                </a:ext>
+              </a:extLst>
+            </p:cNvPr>
+            <p:cNvSpPr/>
+            <p:nvPr/>
+          </p:nvSpPr>
+          <p:spPr>
+            <a:xfrm>
+              <a:off x="969924" y="4727641"/>
+              <a:ext cx="10383876" cy="245803"/>
+            </a:xfrm>
+            <a:prstGeom prst="rect">
+              <a:avLst/>
+            </a:prstGeom>
+            <a:noFill/>
+            <a:ln w="28575">
+              <a:solidFill>
+                <a:srgbClr val="00B050"/>
+              </a:solidFill>
+            </a:ln>
+          </p:spPr>
+          <p:style>
+            <a:lnRef idx="2">
+              <a:schemeClr val="accent1">
+                <a:shade val="50000"/>
+              </a:schemeClr>
+            </a:lnRef>
+            <a:fillRef idx="1">
+              <a:schemeClr val="accent1"/>
+            </a:fillRef>
+            <a:effectRef idx="0">
+              <a:schemeClr val="accent1"/>
+            </a:effectRef>
+            <a:fontRef idx="minor">
+              <a:schemeClr val="lt1"/>
+            </a:fontRef>
+          </p:style>
+          <p:txBody>
+            <a:bodyPr rtlCol="0" anchor="ctr"/>
+            <a:lstStyle/>
+            <a:p>
+              <a:pPr algn="ctr"/>
+              <a:endParaRPr lang="de-CH"/>
+            </a:p>
+          </p:txBody>
+        </p:sp>
+        <p:sp>
+          <p:nvSpPr>
+            <p:cNvPr id="8" name="Rectangle 7">
+              <a:extLst>
+                <a:ext uri="{FF2B5EF4-FFF2-40B4-BE49-F238E27FC236}">
+                  <a16:creationId xmlns:a16="http://schemas.microsoft.com/office/drawing/2014/main" id="{A6BCE6A7-5F36-46CA-9871-7403ECE254B7}"/>
+                </a:ext>
+              </a:extLst>
+            </p:cNvPr>
+            <p:cNvSpPr/>
+            <p:nvPr/>
+          </p:nvSpPr>
+          <p:spPr>
+            <a:xfrm>
+              <a:off x="969924" y="4973444"/>
+              <a:ext cx="10383876" cy="423746"/>
+            </a:xfrm>
+            <a:prstGeom prst="rect">
+              <a:avLst/>
+            </a:prstGeom>
+            <a:noFill/>
+            <a:ln w="28575">
+              <a:solidFill>
+                <a:srgbClr val="00B050"/>
+              </a:solidFill>
+            </a:ln>
+          </p:spPr>
+          <p:style>
+            <a:lnRef idx="2">
+              <a:schemeClr val="accent1">
+                <a:shade val="50000"/>
+              </a:schemeClr>
+            </a:lnRef>
+            <a:fillRef idx="1">
+              <a:schemeClr val="accent1"/>
+            </a:fillRef>
+            <a:effectRef idx="0">
+              <a:schemeClr val="accent1"/>
+            </a:effectRef>
+            <a:fontRef idx="minor">
+              <a:schemeClr val="lt1"/>
+            </a:fontRef>
+          </p:style>
+          <p:txBody>
+            <a:bodyPr rtlCol="0" anchor="ctr"/>
+            <a:lstStyle/>
+            <a:p>
+              <a:pPr algn="ctr"/>
+              <a:endParaRPr lang="de-CH"/>
+            </a:p>
+          </p:txBody>
+        </p:sp>
+      </p:grpSp>
+      <p:sp>
+        <p:nvSpPr>
+          <p:cNvPr id="10" name="TextBox 9">
+            <a:extLst>
+              <a:ext uri="{FF2B5EF4-FFF2-40B4-BE49-F238E27FC236}">
+                <a16:creationId xmlns:a16="http://schemas.microsoft.com/office/drawing/2014/main" id="{7E521094-642D-4C49-95DB-54ABE5B3CD65}"/>
+              </a:ext>
+            </a:extLst>
+          </p:cNvPr>
+          <p:cNvSpPr txBox="1"/>
+          <p:nvPr/>
+        </p:nvSpPr>
+        <p:spPr>
+          <a:xfrm>
+            <a:off x="904062" y="6302203"/>
+            <a:ext cx="10383876" cy="369332"/>
+          </a:xfrm>
+          <a:prstGeom prst="rect">
+            <a:avLst/>
+          </a:prstGeom>
+          <a:noFill/>
+        </p:spPr>
+        <p:txBody>
+          <a:bodyPr wrap="square">
+            <a:spAutoFit/>
+          </a:bodyPr>
+          <a:lstStyle/>
+          <a:p>
+            <a:r>
+              <a:rPr lang="de-CH" dirty="0">
+                <a:hlinkClick r:id="rId4"/>
+              </a:rPr>
+              <a:t>https://www.flowable.com/open-source/docs/javadocs/org/flowable/engine/TaskService.html</a:t>
+            </a:r>
+            <a:r>
+              <a:rPr lang="de-CH" dirty="0"/>
+              <a:t> </a:t>
+            </a:r>
+          </a:p>
+        </p:txBody>
+      </p:sp>
     </p:spTree>
     <p:extLst>
       <p:ext uri="{BB962C8B-B14F-4D97-AF65-F5344CB8AC3E}">
-        <p14:creationId xmlns:p14="http://schemas.microsoft.com/office/powerpoint/2010/main" val="323005777"/>
+        <p14:creationId xmlns:p14="http://schemas.microsoft.com/office/powerpoint/2010/main" val="2320038822"/>
       </p:ext>
     </p:extLst>
   </p:cSld>

--- a/flowable-demo/src/main/resources/devsupport/Flowable_Demo.pptx
+++ b/flowable-demo/src/main/resources/devsupport/Flowable_Demo.pptx
@@ -15,9 +15,9 @@
     <p:sldId id="263" r:id="rId6"/>
     <p:sldId id="270" r:id="rId7"/>
     <p:sldId id="268" r:id="rId8"/>
-    <p:sldId id="272" r:id="rId9"/>
-    <p:sldId id="259" r:id="rId10"/>
-    <p:sldId id="267" r:id="rId11"/>
+    <p:sldId id="259" r:id="rId9"/>
+    <p:sldId id="267" r:id="rId10"/>
+    <p:sldId id="272" r:id="rId11"/>
     <p:sldId id="264" r:id="rId12"/>
     <p:sldId id="262" r:id="rId13"/>
   </p:sldIdLst>
@@ -847,6 +847,90 @@
     <p:extLst>
       <p:ext uri="{BB962C8B-B14F-4D97-AF65-F5344CB8AC3E}">
         <p14:creationId xmlns:p14="http://schemas.microsoft.com/office/powerpoint/2010/main" val="418237395"/>
+      </p:ext>
+    </p:extLst>
+  </p:cSld>
+  <p:clrMapOvr>
+    <a:masterClrMapping/>
+  </p:clrMapOvr>
+</p:notes>
+</file>
+
+<file path=ppt/notesSlides/notesSlide4.xml><?xml version="1.0" encoding="utf-8"?>
+<p:notes xmlns:a="http://schemas.openxmlformats.org/drawingml/2006/main" xmlns:r="http://schemas.openxmlformats.org/officeDocument/2006/relationships" xmlns:p="http://schemas.openxmlformats.org/presentationml/2006/main">
+  <p:cSld>
+    <p:spTree>
+      <p:nvGrpSpPr>
+        <p:cNvPr id="1" name=""/>
+        <p:cNvGrpSpPr/>
+        <p:nvPr/>
+      </p:nvGrpSpPr>
+      <p:grpSpPr>
+        <a:xfrm>
+          <a:off x="0" y="0"/>
+          <a:ext cx="0" cy="0"/>
+          <a:chOff x="0" y="0"/>
+          <a:chExt cx="0" cy="0"/>
+        </a:xfrm>
+      </p:grpSpPr>
+      <p:sp>
+        <p:nvSpPr>
+          <p:cNvPr id="2" name="Slide Image Placeholder 1"/>
+          <p:cNvSpPr>
+            <a:spLocks noGrp="1" noRot="1" noChangeAspect="1"/>
+          </p:cNvSpPr>
+          <p:nvPr>
+            <p:ph type="sldImg"/>
+          </p:nvPr>
+        </p:nvSpPr>
+        <p:spPr/>
+      </p:sp>
+      <p:sp>
+        <p:nvSpPr>
+          <p:cNvPr id="3" name="Notes Placeholder 2"/>
+          <p:cNvSpPr>
+            <a:spLocks noGrp="1"/>
+          </p:cNvSpPr>
+          <p:nvPr>
+            <p:ph type="body" idx="1"/>
+          </p:nvPr>
+        </p:nvSpPr>
+        <p:spPr/>
+        <p:txBody>
+          <a:bodyPr/>
+          <a:lstStyle/>
+          <a:p>
+            <a:endParaRPr lang="de-CH" dirty="0"/>
+          </a:p>
+        </p:txBody>
+      </p:sp>
+      <p:sp>
+        <p:nvSpPr>
+          <p:cNvPr id="4" name="Slide Number Placeholder 3"/>
+          <p:cNvSpPr>
+            <a:spLocks noGrp="1"/>
+          </p:cNvSpPr>
+          <p:nvPr>
+            <p:ph type="sldNum" sz="quarter" idx="5"/>
+          </p:nvPr>
+        </p:nvSpPr>
+        <p:spPr/>
+        <p:txBody>
+          <a:bodyPr/>
+          <a:lstStyle/>
+          <a:p>
+            <a:fld id="{02945BD4-EE45-4032-9BDF-3B28D9BFA7D5}" type="slidenum">
+              <a:rPr lang="en-CH" smtClean="0"/>
+              <a:t>12</a:t>
+            </a:fld>
+            <a:endParaRPr lang="en-CH"/>
+          </a:p>
+        </p:txBody>
+      </p:sp>
+    </p:spTree>
+    <p:extLst>
+      <p:ext uri="{BB962C8B-B14F-4D97-AF65-F5344CB8AC3E}">
+        <p14:creationId xmlns:p14="http://schemas.microsoft.com/office/powerpoint/2010/main" val="477367948"/>
       </p:ext>
     </p:extLst>
   </p:cSld>
@@ -4184,7 +4268,7 @@
           <p:cNvPr id="2" name="Title 1">
             <a:extLst>
               <a:ext uri="{FF2B5EF4-FFF2-40B4-BE49-F238E27FC236}">
-                <a16:creationId xmlns:a16="http://schemas.microsoft.com/office/drawing/2014/main" id="{03812D1F-F6DF-42A7-8DA2-1A5A8243FD15}"/>
+                <a16:creationId xmlns:a16="http://schemas.microsoft.com/office/drawing/2014/main" id="{AFCAE6FC-EDF4-48DC-81BD-6BC3F5F22F20}"/>
               </a:ext>
             </a:extLst>
           </p:cNvPr>
@@ -4201,10 +4285,9 @@
           <a:lstStyle/>
           <a:p>
             <a:r>
-              <a:rPr lang="en-US" dirty="0"/>
-              <a:t>Service Task</a:t>
-            </a:r>
-            <a:endParaRPr lang="en-CH" dirty="0"/>
+              <a:rPr lang="de-CH" dirty="0"/>
+              <a:t>Variables</a:t>
+            </a:r>
           </a:p>
         </p:txBody>
       </p:sp>
@@ -4213,7 +4296,7 @@
           <p:cNvPr id="3" name="Content Placeholder 2">
             <a:extLst>
               <a:ext uri="{FF2B5EF4-FFF2-40B4-BE49-F238E27FC236}">
-                <a16:creationId xmlns:a16="http://schemas.microsoft.com/office/drawing/2014/main" id="{8EAC4C66-08BB-4057-80A5-A8508B2B9085}"/>
+                <a16:creationId xmlns:a16="http://schemas.microsoft.com/office/drawing/2014/main" id="{0DE0781A-8503-41A2-9A69-CCA780924A43}"/>
               </a:ext>
             </a:extLst>
           </p:cNvPr>
@@ -4224,465 +4307,88 @@
             <p:ph idx="1"/>
           </p:nvPr>
         </p:nvSpPr>
-        <p:spPr>
-          <a:xfrm>
-            <a:off x="838200" y="1825625"/>
-            <a:ext cx="8584580" cy="4351338"/>
-          </a:xfrm>
-        </p:spPr>
+        <p:spPr/>
         <p:txBody>
           <a:bodyPr>
             <a:normAutofit/>
           </a:bodyPr>
           <a:lstStyle/>
           <a:p>
-            <a:r>
-              <a:rPr lang="en-US" dirty="0"/>
-              <a:t>No user interaction</a:t>
-            </a:r>
-          </a:p>
-          <a:p>
-            <a:r>
-              <a:rPr lang="en-US" dirty="0"/>
-              <a:t>Process Engine is NOT in a wait state</a:t>
-            </a:r>
-          </a:p>
-          <a:p>
-            <a:r>
-              <a:rPr lang="en-US" dirty="0"/>
-              <a:t>Syntax:</a:t>
-            </a:r>
-          </a:p>
-          <a:p>
-            <a:pPr lvl="1"/>
-            <a:r>
-              <a:rPr lang="de-CH" b="0" i="0" dirty="0">
+            <a:pPr algn="l" fontAlgn="base">
+              <a:buFont typeface="Arial" panose="020B0604020202020204" pitchFamily="34" charset="0"/>
+              <a:buChar char="•"/>
+            </a:pPr>
+            <a:r>
+              <a:rPr lang="en-US" dirty="0">
                 <a:solidFill>
-                  <a:srgbClr val="444444"/>
+                  <a:srgbClr val="24292E"/>
                 </a:solidFill>
-                <a:effectLst/>
-                <a:latin typeface="SFMono-Regular"/>
+                <a:latin typeface="inherit"/>
               </a:rPr>
-              <a:t>&lt;</a:t>
-            </a:r>
-            <a:r>
-              <a:rPr lang="de-CH" b="0" i="0" dirty="0" err="1">
+              <a:t>Can be set passed by:</a:t>
+            </a:r>
+          </a:p>
+          <a:p>
+            <a:pPr lvl="1" fontAlgn="base"/>
+            <a:r>
+              <a:rPr lang="en-US" dirty="0">
                 <a:solidFill>
-                  <a:srgbClr val="444444"/>
+                  <a:srgbClr val="24292E"/>
                 </a:solidFill>
-                <a:effectLst/>
-                <a:latin typeface="SFMono-Regular"/>
+                <a:latin typeface="inherit"/>
               </a:rPr>
-              <a:t>serviceTask</a:t>
-            </a:r>
-            <a:r>
-              <a:rPr lang="de-CH" b="0" i="0" dirty="0">
+              <a:t>Starting a Process</a:t>
+            </a:r>
+          </a:p>
+          <a:p>
+            <a:pPr lvl="1" fontAlgn="base"/>
+            <a:r>
+              <a:rPr lang="en-US" dirty="0">
                 <a:solidFill>
-                  <a:srgbClr val="444444"/>
+                  <a:srgbClr val="24292E"/>
                 </a:solidFill>
-                <a:effectLst/>
-                <a:latin typeface="SFMono-Regular"/>
+                <a:latin typeface="inherit"/>
               </a:rPr>
-              <a:t> </a:t>
-            </a:r>
-            <a:r>
-              <a:rPr lang="de-CH" b="0" i="0" dirty="0" err="1">
+              <a:t>Completing a User Task</a:t>
+            </a:r>
+          </a:p>
+          <a:p>
+            <a:pPr lvl="1" fontAlgn="base"/>
+            <a:r>
+              <a:rPr lang="en-US" dirty="0">
                 <a:solidFill>
-                  <a:srgbClr val="444444"/>
+                  <a:srgbClr val="24292E"/>
                 </a:solidFill>
-                <a:effectLst/>
-                <a:latin typeface="SFMono-Regular"/>
+                <a:latin typeface="inherit"/>
               </a:rPr>
-              <a:t>id</a:t>
-            </a:r>
-            <a:r>
-              <a:rPr lang="de-CH" b="0" i="0" dirty="0">
+              <a:t>Anywhere in the code via the </a:t>
+            </a:r>
+            <a:r>
+              <a:rPr lang="en-US" b="1" dirty="0" err="1">
                 <a:solidFill>
-                  <a:srgbClr val="444444"/>
+                  <a:srgbClr val="24292E"/>
                 </a:solidFill>
-                <a:effectLst/>
-                <a:latin typeface="SFMono-Regular"/>
+                <a:latin typeface="inherit"/>
               </a:rPr>
-              <a:t>="</a:t>
-            </a:r>
-            <a:r>
-              <a:rPr lang="de-CH" b="0" i="0" dirty="0" err="1">
-                <a:solidFill>
-                  <a:srgbClr val="444444"/>
-                </a:solidFill>
-                <a:effectLst/>
-                <a:latin typeface="SFMono-Regular"/>
-              </a:rPr>
-              <a:t>javaService</a:t>
-            </a:r>
-            <a:r>
-              <a:rPr lang="de-CH" b="0" i="0" dirty="0">
-                <a:solidFill>
-                  <a:srgbClr val="444444"/>
-                </a:solidFill>
-                <a:effectLst/>
-                <a:latin typeface="SFMono-Regular"/>
-              </a:rPr>
-              <a:t>" </a:t>
-            </a:r>
-            <a:r>
-              <a:rPr lang="de-CH" b="0" i="0" dirty="0" err="1">
-                <a:solidFill>
-                  <a:srgbClr val="444444"/>
-                </a:solidFill>
-                <a:effectLst/>
-                <a:latin typeface="SFMono-Regular"/>
-              </a:rPr>
-              <a:t>name</a:t>
-            </a:r>
-            <a:r>
-              <a:rPr lang="de-CH" b="0" i="0" dirty="0">
-                <a:solidFill>
-                  <a:srgbClr val="444444"/>
-                </a:solidFill>
-                <a:effectLst/>
-                <a:latin typeface="SFMono-Regular"/>
-              </a:rPr>
-              <a:t>="</a:t>
-            </a:r>
-            <a:r>
-              <a:rPr lang="de-CH" b="0" i="0" dirty="0" err="1">
-                <a:solidFill>
-                  <a:srgbClr val="444444"/>
-                </a:solidFill>
-                <a:effectLst/>
-                <a:latin typeface="SFMono-Regular"/>
-              </a:rPr>
-              <a:t>My</a:t>
-            </a:r>
-            <a:r>
-              <a:rPr lang="de-CH" b="0" i="0" dirty="0">
-                <a:solidFill>
-                  <a:srgbClr val="444444"/>
-                </a:solidFill>
-                <a:effectLst/>
-                <a:latin typeface="SFMono-Regular"/>
-              </a:rPr>
-              <a:t> Java Service Task" </a:t>
-            </a:r>
-            <a:r>
-              <a:rPr lang="de-CH" b="0" i="0" dirty="0" err="1">
-                <a:solidFill>
-                  <a:srgbClr val="444444"/>
-                </a:solidFill>
-                <a:effectLst/>
-                <a:latin typeface="SFMono-Regular"/>
-              </a:rPr>
-              <a:t>flowable:</a:t>
-            </a:r>
-            <a:r>
-              <a:rPr lang="de-CH" b="1" i="0" dirty="0" err="1">
-                <a:solidFill>
-                  <a:srgbClr val="444444"/>
-                </a:solidFill>
-                <a:effectLst/>
-                <a:latin typeface="SFMono-Regular"/>
-              </a:rPr>
-              <a:t>class</a:t>
-            </a:r>
-            <a:r>
-              <a:rPr lang="de-CH" b="0" i="0" dirty="0">
-                <a:solidFill>
-                  <a:srgbClr val="444444"/>
-                </a:solidFill>
-                <a:effectLst/>
-                <a:latin typeface="SFMono-Regular"/>
-              </a:rPr>
-              <a:t>="</a:t>
-            </a:r>
-            <a:r>
-              <a:rPr lang="de-CH" b="0" i="0" dirty="0" err="1">
-                <a:solidFill>
-                  <a:srgbClr val="444444"/>
-                </a:solidFill>
-                <a:effectLst/>
-                <a:latin typeface="SFMono-Regular"/>
-              </a:rPr>
-              <a:t>org.flowable.MyJavaDelegate</a:t>
-            </a:r>
-            <a:r>
-              <a:rPr lang="de-CH" b="0" i="0" dirty="0">
-                <a:solidFill>
-                  <a:srgbClr val="444444"/>
-                </a:solidFill>
-                <a:effectLst/>
-                <a:latin typeface="SFMono-Regular"/>
-              </a:rPr>
-              <a:t>" /&gt;</a:t>
-            </a:r>
-          </a:p>
-          <a:p>
-            <a:pPr lvl="1"/>
-            <a:r>
-              <a:rPr lang="de-CH" b="0" i="0" dirty="0">
-                <a:solidFill>
-                  <a:srgbClr val="444444"/>
-                </a:solidFill>
-                <a:effectLst/>
-                <a:latin typeface="SFMono-Regular"/>
-              </a:rPr>
-              <a:t>&lt;</a:t>
-            </a:r>
-            <a:r>
-              <a:rPr lang="de-CH" b="0" i="0" dirty="0" err="1">
-                <a:solidFill>
-                  <a:srgbClr val="444444"/>
-                </a:solidFill>
-                <a:effectLst/>
-                <a:latin typeface="SFMono-Regular"/>
-              </a:rPr>
-              <a:t>serviceTask</a:t>
-            </a:r>
-            <a:r>
-              <a:rPr lang="de-CH" b="0" i="0" dirty="0">
-                <a:solidFill>
-                  <a:srgbClr val="444444"/>
-                </a:solidFill>
-                <a:effectLst/>
-                <a:latin typeface="SFMono-Regular"/>
-              </a:rPr>
-              <a:t> </a:t>
-            </a:r>
-            <a:r>
-              <a:rPr lang="de-CH" b="0" i="0" dirty="0" err="1">
-                <a:solidFill>
-                  <a:srgbClr val="444444"/>
-                </a:solidFill>
-                <a:effectLst/>
-                <a:latin typeface="SFMono-Regular"/>
-              </a:rPr>
-              <a:t>id</a:t>
-            </a:r>
-            <a:r>
-              <a:rPr lang="de-CH" b="0" i="0" dirty="0">
-                <a:solidFill>
-                  <a:srgbClr val="444444"/>
-                </a:solidFill>
-                <a:effectLst/>
-                <a:latin typeface="SFMono-Regular"/>
-              </a:rPr>
-              <a:t>="</a:t>
-            </a:r>
-            <a:r>
-              <a:rPr lang="de-CH" b="0" i="0" dirty="0" err="1">
-                <a:solidFill>
-                  <a:srgbClr val="444444"/>
-                </a:solidFill>
-                <a:effectLst/>
-                <a:latin typeface="SFMono-Regular"/>
-              </a:rPr>
-              <a:t>serviceTask</a:t>
-            </a:r>
-            <a:r>
-              <a:rPr lang="de-CH" b="0" i="0" dirty="0">
-                <a:solidFill>
-                  <a:srgbClr val="444444"/>
-                </a:solidFill>
-                <a:effectLst/>
-                <a:latin typeface="SFMono-Regular"/>
-              </a:rPr>
-              <a:t>" </a:t>
-            </a:r>
-            <a:r>
-              <a:rPr lang="de-CH" b="0" i="0" dirty="0" err="1">
-                <a:solidFill>
-                  <a:srgbClr val="444444"/>
-                </a:solidFill>
-                <a:effectLst/>
-                <a:latin typeface="SFMono-Regular"/>
-              </a:rPr>
-              <a:t>flowable:</a:t>
-            </a:r>
-            <a:r>
-              <a:rPr lang="de-CH" b="1" i="0" dirty="0" err="1">
-                <a:solidFill>
-                  <a:srgbClr val="444444"/>
-                </a:solidFill>
-                <a:effectLst/>
-                <a:latin typeface="SFMono-Regular"/>
-              </a:rPr>
-              <a:t>delegateExpression</a:t>
-            </a:r>
-            <a:r>
-              <a:rPr lang="de-CH" b="0" i="0" dirty="0">
-                <a:solidFill>
-                  <a:srgbClr val="444444"/>
-                </a:solidFill>
-                <a:effectLst/>
-                <a:latin typeface="SFMono-Regular"/>
-              </a:rPr>
-              <a:t>="${</a:t>
-            </a:r>
-            <a:r>
-              <a:rPr lang="de-CH" b="0" i="0" dirty="0" err="1">
-                <a:solidFill>
-                  <a:srgbClr val="444444"/>
-                </a:solidFill>
-                <a:effectLst/>
-                <a:latin typeface="SFMono-Regular"/>
-              </a:rPr>
-              <a:t>delegateExpressionBean</a:t>
-            </a:r>
-            <a:r>
-              <a:rPr lang="de-CH" b="0" i="0" dirty="0">
-                <a:solidFill>
-                  <a:srgbClr val="444444"/>
-                </a:solidFill>
-                <a:effectLst/>
-                <a:latin typeface="SFMono-Regular"/>
-              </a:rPr>
-              <a:t>}" /&gt;</a:t>
-            </a:r>
-          </a:p>
-          <a:p>
-            <a:pPr lvl="1"/>
-            <a:r>
-              <a:rPr lang="en-US" b="0" i="0" dirty="0">
-                <a:solidFill>
-                  <a:srgbClr val="444444"/>
-                </a:solidFill>
-                <a:effectLst/>
-                <a:latin typeface="SFMono-Regular"/>
-              </a:rPr>
-              <a:t>&lt;</a:t>
-            </a:r>
-            <a:r>
-              <a:rPr lang="en-US" b="0" i="0" dirty="0" err="1">
-                <a:solidFill>
-                  <a:srgbClr val="444444"/>
-                </a:solidFill>
-                <a:effectLst/>
-                <a:latin typeface="SFMono-Regular"/>
-              </a:rPr>
-              <a:t>serviceTask</a:t>
-            </a:r>
-            <a:r>
-              <a:rPr lang="en-US" b="0" i="0" dirty="0">
-                <a:solidFill>
-                  <a:srgbClr val="444444"/>
-                </a:solidFill>
-                <a:effectLst/>
-                <a:latin typeface="SFMono-Regular"/>
-              </a:rPr>
-              <a:t> id="</a:t>
-            </a:r>
-            <a:r>
-              <a:rPr lang="en-US" b="0" i="0" dirty="0" err="1">
-                <a:solidFill>
-                  <a:srgbClr val="444444"/>
-                </a:solidFill>
-                <a:effectLst/>
-                <a:latin typeface="SFMono-Regular"/>
-              </a:rPr>
-              <a:t>javaService</a:t>
-            </a:r>
-            <a:r>
-              <a:rPr lang="en-US" b="0" i="0" dirty="0">
-                <a:solidFill>
-                  <a:srgbClr val="444444"/>
-                </a:solidFill>
-                <a:effectLst/>
-                <a:latin typeface="SFMono-Regular"/>
-              </a:rPr>
-              <a:t>" name="My Java Service Task" </a:t>
-            </a:r>
-            <a:r>
-              <a:rPr lang="en-US" b="0" i="0" dirty="0" err="1">
-                <a:solidFill>
-                  <a:srgbClr val="444444"/>
-                </a:solidFill>
-                <a:effectLst/>
-                <a:latin typeface="SFMono-Regular"/>
-              </a:rPr>
-              <a:t>flowable:</a:t>
-            </a:r>
-            <a:r>
-              <a:rPr lang="en-US" b="1" i="0" dirty="0" err="1">
-                <a:solidFill>
-                  <a:srgbClr val="444444"/>
-                </a:solidFill>
-                <a:effectLst/>
-                <a:latin typeface="SFMono-Regular"/>
-              </a:rPr>
-              <a:t>expression</a:t>
-            </a:r>
-            <a:r>
-              <a:rPr lang="en-US" b="0" i="0" dirty="0">
-                <a:solidFill>
-                  <a:srgbClr val="444444"/>
-                </a:solidFill>
-                <a:effectLst/>
-                <a:latin typeface="SFMono-Regular"/>
-              </a:rPr>
-              <a:t>=“${</a:t>
-            </a:r>
-            <a:r>
-              <a:rPr lang="en-US" b="0" i="0" dirty="0" err="1">
-                <a:solidFill>
-                  <a:srgbClr val="444444"/>
-                </a:solidFill>
-                <a:effectLst/>
-                <a:latin typeface="SFMono-Regular"/>
-              </a:rPr>
-              <a:t>printer.printMessage</a:t>
-            </a:r>
-            <a:r>
-              <a:rPr lang="en-US" b="0" i="0" dirty="0">
-                <a:solidFill>
-                  <a:srgbClr val="444444"/>
-                </a:solidFill>
-                <a:effectLst/>
-                <a:latin typeface="SFMono-Regular"/>
-              </a:rPr>
-              <a:t>()}" /&gt;</a:t>
-            </a:r>
-            <a:endParaRPr lang="en-US" dirty="0"/>
-          </a:p>
-          <a:p>
-            <a:pPr lvl="1"/>
-            <a:endParaRPr lang="en-CH" dirty="0"/>
-          </a:p>
-        </p:txBody>
-      </p:sp>
-      <p:pic>
-        <p:nvPicPr>
-          <p:cNvPr id="8" name="Picture 7">
-            <a:extLst>
-              <a:ext uri="{FF2B5EF4-FFF2-40B4-BE49-F238E27FC236}">
-                <a16:creationId xmlns:a16="http://schemas.microsoft.com/office/drawing/2014/main" id="{3EDD465D-772A-42CC-8232-D4F3F8E65BE0}"/>
-              </a:ext>
-            </a:extLst>
-          </p:cNvPr>
-          <p:cNvPicPr>
-            <a:picLocks noChangeAspect="1"/>
-          </p:cNvPicPr>
-          <p:nvPr/>
-        </p:nvPicPr>
-        <p:blipFill>
-          <a:blip r:embed="rId2"/>
-          <a:stretch>
-            <a:fillRect/>
-          </a:stretch>
-        </p:blipFill>
-        <p:spPr>
-          <a:xfrm>
-            <a:off x="9201117" y="1690688"/>
-            <a:ext cx="2152683" cy="1609075"/>
-          </a:xfrm>
-          <a:prstGeom prst="rect">
-            <a:avLst/>
-          </a:prstGeom>
-        </p:spPr>
-      </p:pic>
+              <a:t>RuntimeService</a:t>
+            </a:r>
+            <a:endParaRPr lang="en-US" b="1" i="0" dirty="0">
+              <a:solidFill>
+                <a:srgbClr val="24292E"/>
+              </a:solidFill>
+              <a:effectLst/>
+              <a:latin typeface="inherit"/>
+            </a:endParaRPr>
+          </a:p>
+          <a:p>
+            <a:endParaRPr lang="de-CH" dirty="0"/>
+          </a:p>
+        </p:txBody>
+      </p:sp>
     </p:spTree>
     <p:extLst>
       <p:ext uri="{BB962C8B-B14F-4D97-AF65-F5344CB8AC3E}">
-        <p14:creationId xmlns:p14="http://schemas.microsoft.com/office/powerpoint/2010/main" val="323005777"/>
+        <p14:creationId xmlns:p14="http://schemas.microsoft.com/office/powerpoint/2010/main" val="466349205"/>
       </p:ext>
     </p:extLst>
   </p:cSld>
@@ -4976,7 +4682,7 @@
           <a:p>
             <a:r>
               <a:rPr lang="en-US" dirty="0"/>
-              <a:t>Call Activities / Subprocesses</a:t>
+              <a:t>Call Activities / Subprocesses (Variables scope)</a:t>
             </a:r>
           </a:p>
           <a:p>
@@ -4995,10 +4701,9 @@
           <a:p>
             <a:pPr lvl="1"/>
             <a:r>
-              <a:rPr lang="en-US"/>
+              <a:rPr lang="en-US" dirty="0"/>
               <a:t>Timer Event</a:t>
             </a:r>
-            <a:endParaRPr lang="en-US" dirty="0"/>
           </a:p>
         </p:txBody>
       </p:sp>
@@ -5181,53 +4886,6 @@
           </a:p>
         </p:txBody>
       </p:sp>
-      <p:pic>
-        <p:nvPicPr>
-          <p:cNvPr id="1026" name="Picture 2" descr="api.services">
-            <a:extLst>
-              <a:ext uri="{FF2B5EF4-FFF2-40B4-BE49-F238E27FC236}">
-                <a16:creationId xmlns:a16="http://schemas.microsoft.com/office/drawing/2014/main" id="{4FE4DF86-7721-4604-A298-98F7F9311DD6}"/>
-              </a:ext>
-            </a:extLst>
-          </p:cNvPr>
-          <p:cNvPicPr>
-            <a:picLocks noChangeAspect="1" noChangeArrowheads="1"/>
-          </p:cNvPicPr>
-          <p:nvPr/>
-        </p:nvPicPr>
-        <p:blipFill>
-          <a:blip r:embed="rId2">
-            <a:extLst>
-              <a:ext uri="{28A0092B-C50C-407E-A947-70E740481C1C}">
-                <a14:useLocalDpi xmlns:a14="http://schemas.microsoft.com/office/drawing/2010/main" val="0"/>
-              </a:ext>
-            </a:extLst>
-          </a:blip>
-          <a:srcRect/>
-          <a:stretch>
-            <a:fillRect/>
-          </a:stretch>
-        </p:blipFill>
-        <p:spPr bwMode="auto">
-          <a:xfrm>
-            <a:off x="1226565" y="1690688"/>
-            <a:ext cx="10127235" cy="4133565"/>
-          </a:xfrm>
-          <a:prstGeom prst="rect">
-            <a:avLst/>
-          </a:prstGeom>
-          <a:noFill/>
-          <a:extLst>
-            <a:ext uri="{909E8E84-426E-40DD-AFC4-6F175D3DCCD1}">
-              <a14:hiddenFill xmlns:a14="http://schemas.microsoft.com/office/drawing/2010/main">
-                <a:solidFill>
-                  <a:srgbClr val="FFFFFF"/>
-                </a:solidFill>
-              </a14:hiddenFill>
-            </a:ext>
-          </a:extLst>
-        </p:spPr>
-      </p:pic>
       <p:sp>
         <p:nvSpPr>
           <p:cNvPr id="5" name="TextBox 4">
@@ -5258,7 +4916,7 @@
           <a:p>
             <a:r>
               <a:rPr lang="en-CH" dirty="0">
-                <a:hlinkClick r:id="rId3"/>
+                <a:hlinkClick r:id="rId2"/>
               </a:rPr>
               <a:t>https://www.flowable.com/open-source/docs/javadocs/org/flowable/engine/package-summary.html</a:t>
             </a:r>
@@ -5269,6 +4927,178 @@
           </a:p>
         </p:txBody>
       </p:sp>
+      <p:grpSp>
+        <p:nvGrpSpPr>
+          <p:cNvPr id="4" name="Group 3">
+            <a:extLst>
+              <a:ext uri="{FF2B5EF4-FFF2-40B4-BE49-F238E27FC236}">
+                <a16:creationId xmlns:a16="http://schemas.microsoft.com/office/drawing/2014/main" id="{8A80159B-70B3-4BE2-8CF3-A987FE57DF8C}"/>
+              </a:ext>
+            </a:extLst>
+          </p:cNvPr>
+          <p:cNvGrpSpPr/>
+          <p:nvPr/>
+        </p:nvGrpSpPr>
+        <p:grpSpPr>
+          <a:xfrm>
+            <a:off x="1226565" y="1690688"/>
+            <a:ext cx="10127235" cy="4133565"/>
+            <a:chOff x="1226565" y="1690688"/>
+            <a:chExt cx="10127235" cy="4133565"/>
+          </a:xfrm>
+        </p:grpSpPr>
+        <p:pic>
+          <p:nvPicPr>
+            <p:cNvPr id="1026" name="Picture 2" descr="api.services">
+              <a:extLst>
+                <a:ext uri="{FF2B5EF4-FFF2-40B4-BE49-F238E27FC236}">
+                  <a16:creationId xmlns:a16="http://schemas.microsoft.com/office/drawing/2014/main" id="{4FE4DF86-7721-4604-A298-98F7F9311DD6}"/>
+                </a:ext>
+              </a:extLst>
+            </p:cNvPr>
+            <p:cNvPicPr>
+              <a:picLocks noChangeAspect="1" noChangeArrowheads="1"/>
+            </p:cNvPicPr>
+            <p:nvPr/>
+          </p:nvPicPr>
+          <p:blipFill>
+            <a:blip r:embed="rId3">
+              <a:extLst>
+                <a:ext uri="{28A0092B-C50C-407E-A947-70E740481C1C}">
+                  <a14:useLocalDpi xmlns:a14="http://schemas.microsoft.com/office/drawing/2010/main" val="0"/>
+                </a:ext>
+              </a:extLst>
+            </a:blip>
+            <a:srcRect/>
+            <a:stretch>
+              <a:fillRect/>
+            </a:stretch>
+          </p:blipFill>
+          <p:spPr bwMode="auto">
+            <a:xfrm>
+              <a:off x="1226565" y="1690688"/>
+              <a:ext cx="10127235" cy="4133565"/>
+            </a:xfrm>
+            <a:prstGeom prst="rect">
+              <a:avLst/>
+            </a:prstGeom>
+            <a:noFill/>
+            <a:extLst>
+              <a:ext uri="{909E8E84-426E-40DD-AFC4-6F175D3DCCD1}">
+                <a14:hiddenFill xmlns:a14="http://schemas.microsoft.com/office/drawing/2010/main">
+                  <a:solidFill>
+                    <a:srgbClr val="FFFFFF"/>
+                  </a:solidFill>
+                </a14:hiddenFill>
+              </a:ext>
+            </a:extLst>
+          </p:spPr>
+        </p:pic>
+        <p:sp>
+          <p:nvSpPr>
+            <p:cNvPr id="6" name="Rectangle 5">
+              <a:extLst>
+                <a:ext uri="{FF2B5EF4-FFF2-40B4-BE49-F238E27FC236}">
+                  <a16:creationId xmlns:a16="http://schemas.microsoft.com/office/drawing/2014/main" id="{68EA3859-407F-4BA1-8222-D4612AD0FF35}"/>
+                </a:ext>
+              </a:extLst>
+            </p:cNvPr>
+            <p:cNvSpPr/>
+            <p:nvPr/>
+          </p:nvSpPr>
+          <p:spPr>
+            <a:xfrm>
+              <a:off x="1351156" y="5037114"/>
+              <a:ext cx="2362200" cy="627706"/>
+            </a:xfrm>
+            <a:prstGeom prst="rect">
+              <a:avLst/>
+            </a:prstGeom>
+            <a:noFill/>
+            <a:ln w="28575">
+              <a:solidFill>
+                <a:srgbClr val="00B050"/>
+              </a:solidFill>
+            </a:ln>
+          </p:spPr>
+          <p:style>
+            <a:lnRef idx="2">
+              <a:schemeClr val="accent1">
+                <a:shade val="50000"/>
+              </a:schemeClr>
+            </a:lnRef>
+            <a:fillRef idx="1">
+              <a:schemeClr val="accent1"/>
+            </a:fillRef>
+            <a:effectRef idx="0">
+              <a:schemeClr val="accent1"/>
+            </a:effectRef>
+            <a:fontRef idx="minor">
+              <a:schemeClr val="lt1"/>
+            </a:fontRef>
+          </p:style>
+          <p:txBody>
+            <a:bodyPr rtlCol="0" anchor="ctr"/>
+            <a:lstStyle/>
+            <a:p>
+              <a:pPr algn="ctr"/>
+              <a:endParaRPr lang="de-CH"/>
+            </a:p>
+          </p:txBody>
+        </p:sp>
+        <p:sp>
+          <p:nvSpPr>
+            <p:cNvPr id="7" name="Rectangle 6">
+              <a:extLst>
+                <a:ext uri="{FF2B5EF4-FFF2-40B4-BE49-F238E27FC236}">
+                  <a16:creationId xmlns:a16="http://schemas.microsoft.com/office/drawing/2014/main" id="{DF10B425-9090-47B4-812A-4481F0733029}"/>
+                </a:ext>
+              </a:extLst>
+            </p:cNvPr>
+            <p:cNvSpPr/>
+            <p:nvPr/>
+          </p:nvSpPr>
+          <p:spPr>
+            <a:xfrm>
+              <a:off x="4971585" y="4118997"/>
+              <a:ext cx="1986776" cy="627706"/>
+            </a:xfrm>
+            <a:prstGeom prst="rect">
+              <a:avLst/>
+            </a:prstGeom>
+            <a:noFill/>
+            <a:ln w="28575">
+              <a:solidFill>
+                <a:srgbClr val="00B050"/>
+              </a:solidFill>
+            </a:ln>
+          </p:spPr>
+          <p:style>
+            <a:lnRef idx="2">
+              <a:schemeClr val="accent1">
+                <a:shade val="50000"/>
+              </a:schemeClr>
+            </a:lnRef>
+            <a:fillRef idx="1">
+              <a:schemeClr val="accent1"/>
+            </a:fillRef>
+            <a:effectRef idx="0">
+              <a:schemeClr val="accent1"/>
+            </a:effectRef>
+            <a:fontRef idx="minor">
+              <a:schemeClr val="lt1"/>
+            </a:fontRef>
+          </p:style>
+          <p:txBody>
+            <a:bodyPr rtlCol="0" anchor="ctr"/>
+            <a:lstStyle/>
+            <a:p>
+              <a:pPr algn="ctr"/>
+              <a:endParaRPr lang="de-CH"/>
+            </a:p>
+          </p:txBody>
+        </p:sp>
+      </p:grpSp>
     </p:spTree>
     <p:extLst>
       <p:ext uri="{BB962C8B-B14F-4D97-AF65-F5344CB8AC3E}">
@@ -5831,7 +5661,7 @@
             <a:lstStyle/>
             <a:p>
               <a:pPr algn="ctr"/>
-              <a:endParaRPr lang="de-CH"/>
+              <a:endParaRPr lang="de-CH" dirty="0"/>
             </a:p>
           </p:txBody>
         </p:sp>
@@ -6313,158 +6143,6 @@
           <p:cNvPr id="2" name="Title 1">
             <a:extLst>
               <a:ext uri="{FF2B5EF4-FFF2-40B4-BE49-F238E27FC236}">
-                <a16:creationId xmlns:a16="http://schemas.microsoft.com/office/drawing/2014/main" id="{AFCAE6FC-EDF4-48DC-81BD-6BC3F5F22F20}"/>
-              </a:ext>
-            </a:extLst>
-          </p:cNvPr>
-          <p:cNvSpPr>
-            <a:spLocks noGrp="1"/>
-          </p:cNvSpPr>
-          <p:nvPr>
-            <p:ph type="title"/>
-          </p:nvPr>
-        </p:nvSpPr>
-        <p:spPr/>
-        <p:txBody>
-          <a:bodyPr/>
-          <a:lstStyle/>
-          <a:p>
-            <a:r>
-              <a:rPr lang="de-CH" dirty="0"/>
-              <a:t>Variables</a:t>
-            </a:r>
-          </a:p>
-        </p:txBody>
-      </p:sp>
-      <p:sp>
-        <p:nvSpPr>
-          <p:cNvPr id="3" name="Content Placeholder 2">
-            <a:extLst>
-              <a:ext uri="{FF2B5EF4-FFF2-40B4-BE49-F238E27FC236}">
-                <a16:creationId xmlns:a16="http://schemas.microsoft.com/office/drawing/2014/main" id="{0DE0781A-8503-41A2-9A69-CCA780924A43}"/>
-              </a:ext>
-            </a:extLst>
-          </p:cNvPr>
-          <p:cNvSpPr>
-            <a:spLocks noGrp="1"/>
-          </p:cNvSpPr>
-          <p:nvPr>
-            <p:ph idx="1"/>
-          </p:nvPr>
-        </p:nvSpPr>
-        <p:spPr/>
-        <p:txBody>
-          <a:bodyPr>
-            <a:normAutofit/>
-          </a:bodyPr>
-          <a:lstStyle/>
-          <a:p>
-            <a:pPr algn="l" fontAlgn="base">
-              <a:buFont typeface="Arial" panose="020B0604020202020204" pitchFamily="34" charset="0"/>
-              <a:buChar char="•"/>
-            </a:pPr>
-            <a:r>
-              <a:rPr lang="en-US" dirty="0">
-                <a:solidFill>
-                  <a:srgbClr val="24292E"/>
-                </a:solidFill>
-                <a:latin typeface="inherit"/>
-              </a:rPr>
-              <a:t>Can be set passed by:</a:t>
-            </a:r>
-          </a:p>
-          <a:p>
-            <a:pPr lvl="1" fontAlgn="base"/>
-            <a:r>
-              <a:rPr lang="en-US" dirty="0">
-                <a:solidFill>
-                  <a:srgbClr val="24292E"/>
-                </a:solidFill>
-                <a:latin typeface="inherit"/>
-              </a:rPr>
-              <a:t>Starting a Process</a:t>
-            </a:r>
-          </a:p>
-          <a:p>
-            <a:pPr lvl="1" fontAlgn="base"/>
-            <a:r>
-              <a:rPr lang="en-US" dirty="0">
-                <a:solidFill>
-                  <a:srgbClr val="24292E"/>
-                </a:solidFill>
-                <a:latin typeface="inherit"/>
-              </a:rPr>
-              <a:t>Completing a User Task</a:t>
-            </a:r>
-          </a:p>
-          <a:p>
-            <a:pPr lvl="1" fontAlgn="base"/>
-            <a:r>
-              <a:rPr lang="en-US" dirty="0">
-                <a:solidFill>
-                  <a:srgbClr val="24292E"/>
-                </a:solidFill>
-                <a:latin typeface="inherit"/>
-              </a:rPr>
-              <a:t>Anywhere in the code via the </a:t>
-            </a:r>
-            <a:r>
-              <a:rPr lang="en-US" b="1" dirty="0" err="1">
-                <a:solidFill>
-                  <a:srgbClr val="24292E"/>
-                </a:solidFill>
-                <a:latin typeface="inherit"/>
-              </a:rPr>
-              <a:t>runtimeService</a:t>
-            </a:r>
-            <a:endParaRPr lang="en-US" b="1" i="0" dirty="0">
-              <a:solidFill>
-                <a:srgbClr val="24292E"/>
-              </a:solidFill>
-              <a:effectLst/>
-              <a:latin typeface="inherit"/>
-            </a:endParaRPr>
-          </a:p>
-          <a:p>
-            <a:endParaRPr lang="de-CH" dirty="0"/>
-          </a:p>
-        </p:txBody>
-      </p:sp>
-    </p:spTree>
-    <p:extLst>
-      <p:ext uri="{BB962C8B-B14F-4D97-AF65-F5344CB8AC3E}">
-        <p14:creationId xmlns:p14="http://schemas.microsoft.com/office/powerpoint/2010/main" val="466349205"/>
-      </p:ext>
-    </p:extLst>
-  </p:cSld>
-  <p:clrMapOvr>
-    <a:masterClrMapping/>
-  </p:clrMapOvr>
-</p:sld>
-</file>
-
-<file path=ppt/slides/slide9.xml><?xml version="1.0" encoding="utf-8"?>
-<p:sld xmlns:a="http://schemas.openxmlformats.org/drawingml/2006/main" xmlns:r="http://schemas.openxmlformats.org/officeDocument/2006/relationships" xmlns:p="http://schemas.openxmlformats.org/presentationml/2006/main">
-  <p:cSld>
-    <p:spTree>
-      <p:nvGrpSpPr>
-        <p:cNvPr id="1" name=""/>
-        <p:cNvGrpSpPr/>
-        <p:nvPr/>
-      </p:nvGrpSpPr>
-      <p:grpSpPr>
-        <a:xfrm>
-          <a:off x="0" y="0"/>
-          <a:ext cx="0" cy="0"/>
-          <a:chOff x="0" y="0"/>
-          <a:chExt cx="0" cy="0"/>
-        </a:xfrm>
-      </p:grpSpPr>
-      <p:sp>
-        <p:nvSpPr>
-          <p:cNvPr id="2" name="Title 1">
-            <a:extLst>
-              <a:ext uri="{FF2B5EF4-FFF2-40B4-BE49-F238E27FC236}">
                 <a16:creationId xmlns:a16="http://schemas.microsoft.com/office/drawing/2014/main" id="{03812D1F-F6DF-42A7-8DA2-1A5A8243FD15}"/>
               </a:ext>
             </a:extLst>
@@ -6826,6 +6504,316 @@
     <p:extLst>
       <p:ext uri="{BB962C8B-B14F-4D97-AF65-F5344CB8AC3E}">
         <p14:creationId xmlns:p14="http://schemas.microsoft.com/office/powerpoint/2010/main" val="2320038822"/>
+      </p:ext>
+    </p:extLst>
+  </p:cSld>
+  <p:clrMapOvr>
+    <a:masterClrMapping/>
+  </p:clrMapOvr>
+</p:sld>
+</file>
+
+<file path=ppt/slides/slide9.xml><?xml version="1.0" encoding="utf-8"?>
+<p:sld xmlns:a="http://schemas.openxmlformats.org/drawingml/2006/main" xmlns:r="http://schemas.openxmlformats.org/officeDocument/2006/relationships" xmlns:p="http://schemas.openxmlformats.org/presentationml/2006/main">
+  <p:cSld>
+    <p:spTree>
+      <p:nvGrpSpPr>
+        <p:cNvPr id="1" name=""/>
+        <p:cNvGrpSpPr/>
+        <p:nvPr/>
+      </p:nvGrpSpPr>
+      <p:grpSpPr>
+        <a:xfrm>
+          <a:off x="0" y="0"/>
+          <a:ext cx="0" cy="0"/>
+          <a:chOff x="0" y="0"/>
+          <a:chExt cx="0" cy="0"/>
+        </a:xfrm>
+      </p:grpSpPr>
+      <p:sp>
+        <p:nvSpPr>
+          <p:cNvPr id="2" name="Title 1">
+            <a:extLst>
+              <a:ext uri="{FF2B5EF4-FFF2-40B4-BE49-F238E27FC236}">
+                <a16:creationId xmlns:a16="http://schemas.microsoft.com/office/drawing/2014/main" id="{03812D1F-F6DF-42A7-8DA2-1A5A8243FD15}"/>
+              </a:ext>
+            </a:extLst>
+          </p:cNvPr>
+          <p:cNvSpPr>
+            <a:spLocks noGrp="1"/>
+          </p:cNvSpPr>
+          <p:nvPr>
+            <p:ph type="title"/>
+          </p:nvPr>
+        </p:nvSpPr>
+        <p:spPr/>
+        <p:txBody>
+          <a:bodyPr/>
+          <a:lstStyle/>
+          <a:p>
+            <a:r>
+              <a:rPr lang="en-US" dirty="0"/>
+              <a:t>Service Task</a:t>
+            </a:r>
+            <a:endParaRPr lang="en-CH" dirty="0"/>
+          </a:p>
+        </p:txBody>
+      </p:sp>
+      <p:sp>
+        <p:nvSpPr>
+          <p:cNvPr id="3" name="Content Placeholder 2">
+            <a:extLst>
+              <a:ext uri="{FF2B5EF4-FFF2-40B4-BE49-F238E27FC236}">
+                <a16:creationId xmlns:a16="http://schemas.microsoft.com/office/drawing/2014/main" id="{8EAC4C66-08BB-4057-80A5-A8508B2B9085}"/>
+              </a:ext>
+            </a:extLst>
+          </p:cNvPr>
+          <p:cNvSpPr>
+            <a:spLocks noGrp="1"/>
+          </p:cNvSpPr>
+          <p:nvPr>
+            <p:ph idx="1"/>
+          </p:nvPr>
+        </p:nvSpPr>
+        <p:spPr>
+          <a:xfrm>
+            <a:off x="838200" y="1825625"/>
+            <a:ext cx="8584580" cy="4351338"/>
+          </a:xfrm>
+        </p:spPr>
+        <p:txBody>
+          <a:bodyPr>
+            <a:normAutofit/>
+          </a:bodyPr>
+          <a:lstStyle/>
+          <a:p>
+            <a:r>
+              <a:rPr lang="en-US" dirty="0"/>
+              <a:t>No user interaction</a:t>
+            </a:r>
+          </a:p>
+          <a:p>
+            <a:r>
+              <a:rPr lang="en-US" dirty="0"/>
+              <a:t>Process Engine is NOT in a wait state</a:t>
+            </a:r>
+          </a:p>
+          <a:p>
+            <a:r>
+              <a:rPr lang="en-US" dirty="0"/>
+              <a:t>Syntax:</a:t>
+            </a:r>
+          </a:p>
+          <a:p>
+            <a:pPr lvl="1"/>
+            <a:r>
+              <a:rPr lang="de-CH" b="0" i="0" dirty="0">
+                <a:solidFill>
+                  <a:srgbClr val="444444"/>
+                </a:solidFill>
+                <a:effectLst/>
+                <a:latin typeface="SFMono-Regular"/>
+              </a:rPr>
+              <a:t>&lt;serviceTask id="javaService" name="My Java Service Task"  flowable:</a:t>
+            </a:r>
+            <a:r>
+              <a:rPr lang="de-CH" b="1" i="0" dirty="0">
+                <a:solidFill>
+                  <a:srgbClr val="444444"/>
+                </a:solidFill>
+                <a:effectLst/>
+                <a:latin typeface="SFMono-Regular"/>
+              </a:rPr>
+              <a:t>class</a:t>
+            </a:r>
+            <a:r>
+              <a:rPr lang="de-CH" b="0" i="0" dirty="0">
+                <a:solidFill>
+                  <a:srgbClr val="444444"/>
+                </a:solidFill>
+                <a:effectLst/>
+                <a:latin typeface="SFMono-Regular"/>
+              </a:rPr>
+              <a:t>="org.flowable.MyJavaDelegate" /&gt;</a:t>
+            </a:r>
+          </a:p>
+          <a:p>
+            <a:pPr lvl="1"/>
+            <a:r>
+              <a:rPr lang="de-CH" b="0" i="0" dirty="0">
+                <a:solidFill>
+                  <a:srgbClr val="444444"/>
+                </a:solidFill>
+                <a:effectLst/>
+                <a:latin typeface="SFMono-Regular"/>
+              </a:rPr>
+              <a:t>&lt;serviceTask id="serviceTask" flowable:</a:t>
+            </a:r>
+            <a:r>
+              <a:rPr lang="de-CH" b="1" i="0" dirty="0">
+                <a:solidFill>
+                  <a:srgbClr val="444444"/>
+                </a:solidFill>
+                <a:effectLst/>
+                <a:latin typeface="SFMono-Regular"/>
+              </a:rPr>
+              <a:t>delegateExpression</a:t>
+            </a:r>
+            <a:r>
+              <a:rPr lang="de-CH" b="0" i="0" dirty="0">
+                <a:solidFill>
+                  <a:srgbClr val="444444"/>
+                </a:solidFill>
+                <a:effectLst/>
+                <a:latin typeface="SFMono-Regular"/>
+              </a:rPr>
+              <a:t>="${delegateExpressionBean}" /&gt;</a:t>
+            </a:r>
+          </a:p>
+          <a:p>
+            <a:pPr lvl="1"/>
+            <a:r>
+              <a:rPr lang="en-US" b="0" i="0" dirty="0">
+                <a:solidFill>
+                  <a:srgbClr val="444444"/>
+                </a:solidFill>
+                <a:effectLst/>
+                <a:latin typeface="SFMono-Regular"/>
+              </a:rPr>
+              <a:t>&lt;</a:t>
+            </a:r>
+            <a:r>
+              <a:rPr lang="en-US" b="0" i="0" dirty="0" err="1">
+                <a:solidFill>
+                  <a:srgbClr val="444444"/>
+                </a:solidFill>
+                <a:effectLst/>
+                <a:latin typeface="SFMono-Regular"/>
+              </a:rPr>
+              <a:t>serviceTask</a:t>
+            </a:r>
+            <a:r>
+              <a:rPr lang="en-US" b="0" i="0" dirty="0">
+                <a:solidFill>
+                  <a:srgbClr val="444444"/>
+                </a:solidFill>
+                <a:effectLst/>
+                <a:latin typeface="SFMono-Regular"/>
+              </a:rPr>
+              <a:t> id="</a:t>
+            </a:r>
+            <a:r>
+              <a:rPr lang="en-US" b="0" i="0" dirty="0" err="1">
+                <a:solidFill>
+                  <a:srgbClr val="444444"/>
+                </a:solidFill>
+                <a:effectLst/>
+                <a:latin typeface="SFMono-Regular"/>
+              </a:rPr>
+              <a:t>javaService</a:t>
+            </a:r>
+            <a:r>
+              <a:rPr lang="en-US" b="0" i="0" dirty="0">
+                <a:solidFill>
+                  <a:srgbClr val="444444"/>
+                </a:solidFill>
+                <a:effectLst/>
+                <a:latin typeface="SFMono-Regular"/>
+              </a:rPr>
+              <a:t>" name="My Java Service Task" </a:t>
+            </a:r>
+            <a:r>
+              <a:rPr lang="en-US" b="0" i="0" dirty="0" err="1">
+                <a:solidFill>
+                  <a:srgbClr val="444444"/>
+                </a:solidFill>
+                <a:effectLst/>
+                <a:latin typeface="SFMono-Regular"/>
+              </a:rPr>
+              <a:t>flowable:</a:t>
+            </a:r>
+            <a:r>
+              <a:rPr lang="en-US" b="1" i="0" dirty="0" err="1">
+                <a:solidFill>
+                  <a:srgbClr val="444444"/>
+                </a:solidFill>
+                <a:effectLst/>
+                <a:latin typeface="SFMono-Regular"/>
+              </a:rPr>
+              <a:t>expression</a:t>
+            </a:r>
+            <a:r>
+              <a:rPr lang="en-US" b="0" i="0" dirty="0">
+                <a:solidFill>
+                  <a:srgbClr val="444444"/>
+                </a:solidFill>
+                <a:effectLst/>
+                <a:latin typeface="SFMono-Regular"/>
+              </a:rPr>
+              <a:t>=“${</a:t>
+            </a:r>
+            <a:r>
+              <a:rPr lang="en-US" b="0" i="0" dirty="0" err="1">
+                <a:solidFill>
+                  <a:srgbClr val="444444"/>
+                </a:solidFill>
+                <a:effectLst/>
+                <a:latin typeface="SFMono-Regular"/>
+              </a:rPr>
+              <a:t>printer.printMessage</a:t>
+            </a:r>
+            <a:r>
+              <a:rPr lang="en-US" b="0" i="0" dirty="0">
+                <a:solidFill>
+                  <a:srgbClr val="444444"/>
+                </a:solidFill>
+                <a:effectLst/>
+                <a:latin typeface="SFMono-Regular"/>
+              </a:rPr>
+              <a:t>()}" /&gt;</a:t>
+            </a:r>
+            <a:endParaRPr lang="en-US" dirty="0"/>
+          </a:p>
+          <a:p>
+            <a:pPr lvl="1"/>
+            <a:endParaRPr lang="en-CH" dirty="0"/>
+          </a:p>
+        </p:txBody>
+      </p:sp>
+      <p:pic>
+        <p:nvPicPr>
+          <p:cNvPr id="8" name="Picture 7">
+            <a:extLst>
+              <a:ext uri="{FF2B5EF4-FFF2-40B4-BE49-F238E27FC236}">
+                <a16:creationId xmlns:a16="http://schemas.microsoft.com/office/drawing/2014/main" id="{3EDD465D-772A-42CC-8232-D4F3F8E65BE0}"/>
+              </a:ext>
+            </a:extLst>
+          </p:cNvPr>
+          <p:cNvPicPr>
+            <a:picLocks noChangeAspect="1"/>
+          </p:cNvPicPr>
+          <p:nvPr/>
+        </p:nvPicPr>
+        <p:blipFill>
+          <a:blip r:embed="rId2"/>
+          <a:stretch>
+            <a:fillRect/>
+          </a:stretch>
+        </p:blipFill>
+        <p:spPr>
+          <a:xfrm>
+            <a:off x="9201117" y="1690688"/>
+            <a:ext cx="2152683" cy="1609075"/>
+          </a:xfrm>
+          <a:prstGeom prst="rect">
+            <a:avLst/>
+          </a:prstGeom>
+        </p:spPr>
+      </p:pic>
+    </p:spTree>
+    <p:extLst>
+      <p:ext uri="{BB962C8B-B14F-4D97-AF65-F5344CB8AC3E}">
+        <p14:creationId xmlns:p14="http://schemas.microsoft.com/office/powerpoint/2010/main" val="323005777"/>
       </p:ext>
     </p:extLst>
   </p:cSld>

--- a/flowable-demo/src/main/resources/devsupport/Flowable_Demo.pptx
+++ b/flowable-demo/src/main/resources/devsupport/Flowable_Demo.pptx
@@ -5,7 +5,7 @@
     <p:sldMasterId id="2147483648" r:id="rId1"/>
   </p:sldMasterIdLst>
   <p:notesMasterIdLst>
-    <p:notesMasterId r:id="rId14"/>
+    <p:notesMasterId r:id="rId20"/>
   </p:notesMasterIdLst>
   <p:sldIdLst>
     <p:sldId id="256" r:id="rId2"/>
@@ -19,7 +19,13 @@
     <p:sldId id="267" r:id="rId10"/>
     <p:sldId id="272" r:id="rId11"/>
     <p:sldId id="264" r:id="rId12"/>
-    <p:sldId id="262" r:id="rId13"/>
+    <p:sldId id="273" r:id="rId13"/>
+    <p:sldId id="262" r:id="rId14"/>
+    <p:sldId id="274" r:id="rId15"/>
+    <p:sldId id="275" r:id="rId16"/>
+    <p:sldId id="279" r:id="rId17"/>
+    <p:sldId id="276" r:id="rId18"/>
+    <p:sldId id="277" r:id="rId19"/>
   </p:sldIdLst>
   <p:sldSz cx="12192000" cy="6858000"/>
   <p:notesSz cx="6858000" cy="9144000"/>
@@ -208,7 +214,7 @@
           <a:p>
             <a:fld id="{5833448F-D82A-4F91-8165-AEC9D03D7538}" type="datetimeFigureOut">
               <a:rPr lang="en-CH" smtClean="0"/>
-              <a:t>04/20/2022</a:t>
+              <a:t>23/04/2022</a:t>
             </a:fld>
             <a:endParaRPr lang="en-CH"/>
           </a:p>
@@ -921,7 +927,7 @@
           <a:p>
             <a:fld id="{02945BD4-EE45-4032-9BDF-3B28D9BFA7D5}" type="slidenum">
               <a:rPr lang="en-CH" smtClean="0"/>
-              <a:t>12</a:t>
+              <a:t>13</a:t>
             </a:fld>
             <a:endParaRPr lang="en-CH"/>
           </a:p>
@@ -931,6 +937,426 @@
     <p:extLst>
       <p:ext uri="{BB962C8B-B14F-4D97-AF65-F5344CB8AC3E}">
         <p14:creationId xmlns:p14="http://schemas.microsoft.com/office/powerpoint/2010/main" val="477367948"/>
+      </p:ext>
+    </p:extLst>
+  </p:cSld>
+  <p:clrMapOvr>
+    <a:masterClrMapping/>
+  </p:clrMapOvr>
+</p:notes>
+</file>
+
+<file path=ppt/notesSlides/notesSlide5.xml><?xml version="1.0" encoding="utf-8"?>
+<p:notes xmlns:a="http://schemas.openxmlformats.org/drawingml/2006/main" xmlns:r="http://schemas.openxmlformats.org/officeDocument/2006/relationships" xmlns:p="http://schemas.openxmlformats.org/presentationml/2006/main">
+  <p:cSld>
+    <p:spTree>
+      <p:nvGrpSpPr>
+        <p:cNvPr id="1" name=""/>
+        <p:cNvGrpSpPr/>
+        <p:nvPr/>
+      </p:nvGrpSpPr>
+      <p:grpSpPr>
+        <a:xfrm>
+          <a:off x="0" y="0"/>
+          <a:ext cx="0" cy="0"/>
+          <a:chOff x="0" y="0"/>
+          <a:chExt cx="0" cy="0"/>
+        </a:xfrm>
+      </p:grpSpPr>
+      <p:sp>
+        <p:nvSpPr>
+          <p:cNvPr id="2" name="Slide Image Placeholder 1"/>
+          <p:cNvSpPr>
+            <a:spLocks noGrp="1" noRot="1" noChangeAspect="1"/>
+          </p:cNvSpPr>
+          <p:nvPr>
+            <p:ph type="sldImg"/>
+          </p:nvPr>
+        </p:nvSpPr>
+        <p:spPr/>
+      </p:sp>
+      <p:sp>
+        <p:nvSpPr>
+          <p:cNvPr id="3" name="Notes Placeholder 2"/>
+          <p:cNvSpPr>
+            <a:spLocks noGrp="1"/>
+          </p:cNvSpPr>
+          <p:nvPr>
+            <p:ph type="body" idx="1"/>
+          </p:nvPr>
+        </p:nvSpPr>
+        <p:spPr/>
+        <p:txBody>
+          <a:bodyPr/>
+          <a:lstStyle/>
+          <a:p>
+            <a:endParaRPr lang="de-CH" dirty="0"/>
+          </a:p>
+        </p:txBody>
+      </p:sp>
+      <p:sp>
+        <p:nvSpPr>
+          <p:cNvPr id="4" name="Slide Number Placeholder 3"/>
+          <p:cNvSpPr>
+            <a:spLocks noGrp="1"/>
+          </p:cNvSpPr>
+          <p:nvPr>
+            <p:ph type="sldNum" sz="quarter" idx="5"/>
+          </p:nvPr>
+        </p:nvSpPr>
+        <p:spPr/>
+        <p:txBody>
+          <a:bodyPr/>
+          <a:lstStyle/>
+          <a:p>
+            <a:fld id="{02945BD4-EE45-4032-9BDF-3B28D9BFA7D5}" type="slidenum">
+              <a:rPr lang="en-CH" smtClean="0"/>
+              <a:t>14</a:t>
+            </a:fld>
+            <a:endParaRPr lang="en-CH"/>
+          </a:p>
+        </p:txBody>
+      </p:sp>
+    </p:spTree>
+    <p:extLst>
+      <p:ext uri="{BB962C8B-B14F-4D97-AF65-F5344CB8AC3E}">
+        <p14:creationId xmlns:p14="http://schemas.microsoft.com/office/powerpoint/2010/main" val="2724288615"/>
+      </p:ext>
+    </p:extLst>
+  </p:cSld>
+  <p:clrMapOvr>
+    <a:masterClrMapping/>
+  </p:clrMapOvr>
+</p:notes>
+</file>
+
+<file path=ppt/notesSlides/notesSlide6.xml><?xml version="1.0" encoding="utf-8"?>
+<p:notes xmlns:a="http://schemas.openxmlformats.org/drawingml/2006/main" xmlns:r="http://schemas.openxmlformats.org/officeDocument/2006/relationships" xmlns:p="http://schemas.openxmlformats.org/presentationml/2006/main">
+  <p:cSld>
+    <p:spTree>
+      <p:nvGrpSpPr>
+        <p:cNvPr id="1" name=""/>
+        <p:cNvGrpSpPr/>
+        <p:nvPr/>
+      </p:nvGrpSpPr>
+      <p:grpSpPr>
+        <a:xfrm>
+          <a:off x="0" y="0"/>
+          <a:ext cx="0" cy="0"/>
+          <a:chOff x="0" y="0"/>
+          <a:chExt cx="0" cy="0"/>
+        </a:xfrm>
+      </p:grpSpPr>
+      <p:sp>
+        <p:nvSpPr>
+          <p:cNvPr id="2" name="Slide Image Placeholder 1"/>
+          <p:cNvSpPr>
+            <a:spLocks noGrp="1" noRot="1" noChangeAspect="1"/>
+          </p:cNvSpPr>
+          <p:nvPr>
+            <p:ph type="sldImg"/>
+          </p:nvPr>
+        </p:nvSpPr>
+        <p:spPr/>
+      </p:sp>
+      <p:sp>
+        <p:nvSpPr>
+          <p:cNvPr id="3" name="Notes Placeholder 2"/>
+          <p:cNvSpPr>
+            <a:spLocks noGrp="1"/>
+          </p:cNvSpPr>
+          <p:nvPr>
+            <p:ph type="body" idx="1"/>
+          </p:nvPr>
+        </p:nvSpPr>
+        <p:spPr/>
+        <p:txBody>
+          <a:bodyPr/>
+          <a:lstStyle/>
+          <a:p>
+            <a:endParaRPr lang="de-CH" dirty="0"/>
+          </a:p>
+        </p:txBody>
+      </p:sp>
+      <p:sp>
+        <p:nvSpPr>
+          <p:cNvPr id="4" name="Slide Number Placeholder 3"/>
+          <p:cNvSpPr>
+            <a:spLocks noGrp="1"/>
+          </p:cNvSpPr>
+          <p:nvPr>
+            <p:ph type="sldNum" sz="quarter" idx="5"/>
+          </p:nvPr>
+        </p:nvSpPr>
+        <p:spPr/>
+        <p:txBody>
+          <a:bodyPr/>
+          <a:lstStyle/>
+          <a:p>
+            <a:fld id="{02945BD4-EE45-4032-9BDF-3B28D9BFA7D5}" type="slidenum">
+              <a:rPr lang="en-CH" smtClean="0"/>
+              <a:t>15</a:t>
+            </a:fld>
+            <a:endParaRPr lang="en-CH"/>
+          </a:p>
+        </p:txBody>
+      </p:sp>
+    </p:spTree>
+    <p:extLst>
+      <p:ext uri="{BB962C8B-B14F-4D97-AF65-F5344CB8AC3E}">
+        <p14:creationId xmlns:p14="http://schemas.microsoft.com/office/powerpoint/2010/main" val="1710238726"/>
+      </p:ext>
+    </p:extLst>
+  </p:cSld>
+  <p:clrMapOvr>
+    <a:masterClrMapping/>
+  </p:clrMapOvr>
+</p:notes>
+</file>
+
+<file path=ppt/notesSlides/notesSlide7.xml><?xml version="1.0" encoding="utf-8"?>
+<p:notes xmlns:a="http://schemas.openxmlformats.org/drawingml/2006/main" xmlns:r="http://schemas.openxmlformats.org/officeDocument/2006/relationships" xmlns:p="http://schemas.openxmlformats.org/presentationml/2006/main">
+  <p:cSld>
+    <p:spTree>
+      <p:nvGrpSpPr>
+        <p:cNvPr id="1" name=""/>
+        <p:cNvGrpSpPr/>
+        <p:nvPr/>
+      </p:nvGrpSpPr>
+      <p:grpSpPr>
+        <a:xfrm>
+          <a:off x="0" y="0"/>
+          <a:ext cx="0" cy="0"/>
+          <a:chOff x="0" y="0"/>
+          <a:chExt cx="0" cy="0"/>
+        </a:xfrm>
+      </p:grpSpPr>
+      <p:sp>
+        <p:nvSpPr>
+          <p:cNvPr id="2" name="Slide Image Placeholder 1"/>
+          <p:cNvSpPr>
+            <a:spLocks noGrp="1" noRot="1" noChangeAspect="1"/>
+          </p:cNvSpPr>
+          <p:nvPr>
+            <p:ph type="sldImg"/>
+          </p:nvPr>
+        </p:nvSpPr>
+        <p:spPr/>
+      </p:sp>
+      <p:sp>
+        <p:nvSpPr>
+          <p:cNvPr id="3" name="Notes Placeholder 2"/>
+          <p:cNvSpPr>
+            <a:spLocks noGrp="1"/>
+          </p:cNvSpPr>
+          <p:nvPr>
+            <p:ph type="body" idx="1"/>
+          </p:nvPr>
+        </p:nvSpPr>
+        <p:spPr/>
+        <p:txBody>
+          <a:bodyPr/>
+          <a:lstStyle/>
+          <a:p>
+            <a:endParaRPr lang="de-CH" dirty="0"/>
+          </a:p>
+        </p:txBody>
+      </p:sp>
+      <p:sp>
+        <p:nvSpPr>
+          <p:cNvPr id="4" name="Slide Number Placeholder 3"/>
+          <p:cNvSpPr>
+            <a:spLocks noGrp="1"/>
+          </p:cNvSpPr>
+          <p:nvPr>
+            <p:ph type="sldNum" sz="quarter" idx="5"/>
+          </p:nvPr>
+        </p:nvSpPr>
+        <p:spPr/>
+        <p:txBody>
+          <a:bodyPr/>
+          <a:lstStyle/>
+          <a:p>
+            <a:fld id="{02945BD4-EE45-4032-9BDF-3B28D9BFA7D5}" type="slidenum">
+              <a:rPr lang="en-CH" smtClean="0"/>
+              <a:t>16</a:t>
+            </a:fld>
+            <a:endParaRPr lang="en-CH"/>
+          </a:p>
+        </p:txBody>
+      </p:sp>
+    </p:spTree>
+    <p:extLst>
+      <p:ext uri="{BB962C8B-B14F-4D97-AF65-F5344CB8AC3E}">
+        <p14:creationId xmlns:p14="http://schemas.microsoft.com/office/powerpoint/2010/main" val="1217711729"/>
+      </p:ext>
+    </p:extLst>
+  </p:cSld>
+  <p:clrMapOvr>
+    <a:masterClrMapping/>
+  </p:clrMapOvr>
+</p:notes>
+</file>
+
+<file path=ppt/notesSlides/notesSlide8.xml><?xml version="1.0" encoding="utf-8"?>
+<p:notes xmlns:a="http://schemas.openxmlformats.org/drawingml/2006/main" xmlns:r="http://schemas.openxmlformats.org/officeDocument/2006/relationships" xmlns:p="http://schemas.openxmlformats.org/presentationml/2006/main">
+  <p:cSld>
+    <p:spTree>
+      <p:nvGrpSpPr>
+        <p:cNvPr id="1" name=""/>
+        <p:cNvGrpSpPr/>
+        <p:nvPr/>
+      </p:nvGrpSpPr>
+      <p:grpSpPr>
+        <a:xfrm>
+          <a:off x="0" y="0"/>
+          <a:ext cx="0" cy="0"/>
+          <a:chOff x="0" y="0"/>
+          <a:chExt cx="0" cy="0"/>
+        </a:xfrm>
+      </p:grpSpPr>
+      <p:sp>
+        <p:nvSpPr>
+          <p:cNvPr id="2" name="Slide Image Placeholder 1"/>
+          <p:cNvSpPr>
+            <a:spLocks noGrp="1" noRot="1" noChangeAspect="1"/>
+          </p:cNvSpPr>
+          <p:nvPr>
+            <p:ph type="sldImg"/>
+          </p:nvPr>
+        </p:nvSpPr>
+        <p:spPr/>
+      </p:sp>
+      <p:sp>
+        <p:nvSpPr>
+          <p:cNvPr id="3" name="Notes Placeholder 2"/>
+          <p:cNvSpPr>
+            <a:spLocks noGrp="1"/>
+          </p:cNvSpPr>
+          <p:nvPr>
+            <p:ph type="body" idx="1"/>
+          </p:nvPr>
+        </p:nvSpPr>
+        <p:spPr/>
+        <p:txBody>
+          <a:bodyPr/>
+          <a:lstStyle/>
+          <a:p>
+            <a:endParaRPr lang="de-CH" dirty="0"/>
+          </a:p>
+        </p:txBody>
+      </p:sp>
+      <p:sp>
+        <p:nvSpPr>
+          <p:cNvPr id="4" name="Slide Number Placeholder 3"/>
+          <p:cNvSpPr>
+            <a:spLocks noGrp="1"/>
+          </p:cNvSpPr>
+          <p:nvPr>
+            <p:ph type="sldNum" sz="quarter" idx="5"/>
+          </p:nvPr>
+        </p:nvSpPr>
+        <p:spPr/>
+        <p:txBody>
+          <a:bodyPr/>
+          <a:lstStyle/>
+          <a:p>
+            <a:fld id="{02945BD4-EE45-4032-9BDF-3B28D9BFA7D5}" type="slidenum">
+              <a:rPr lang="en-CH" smtClean="0"/>
+              <a:t>17</a:t>
+            </a:fld>
+            <a:endParaRPr lang="en-CH"/>
+          </a:p>
+        </p:txBody>
+      </p:sp>
+    </p:spTree>
+    <p:extLst>
+      <p:ext uri="{BB962C8B-B14F-4D97-AF65-F5344CB8AC3E}">
+        <p14:creationId xmlns:p14="http://schemas.microsoft.com/office/powerpoint/2010/main" val="3583361730"/>
+      </p:ext>
+    </p:extLst>
+  </p:cSld>
+  <p:clrMapOvr>
+    <a:masterClrMapping/>
+  </p:clrMapOvr>
+</p:notes>
+</file>
+
+<file path=ppt/notesSlides/notesSlide9.xml><?xml version="1.0" encoding="utf-8"?>
+<p:notes xmlns:a="http://schemas.openxmlformats.org/drawingml/2006/main" xmlns:r="http://schemas.openxmlformats.org/officeDocument/2006/relationships" xmlns:p="http://schemas.openxmlformats.org/presentationml/2006/main">
+  <p:cSld>
+    <p:spTree>
+      <p:nvGrpSpPr>
+        <p:cNvPr id="1" name=""/>
+        <p:cNvGrpSpPr/>
+        <p:nvPr/>
+      </p:nvGrpSpPr>
+      <p:grpSpPr>
+        <a:xfrm>
+          <a:off x="0" y="0"/>
+          <a:ext cx="0" cy="0"/>
+          <a:chOff x="0" y="0"/>
+          <a:chExt cx="0" cy="0"/>
+        </a:xfrm>
+      </p:grpSpPr>
+      <p:sp>
+        <p:nvSpPr>
+          <p:cNvPr id="2" name="Slide Image Placeholder 1"/>
+          <p:cNvSpPr>
+            <a:spLocks noGrp="1" noRot="1" noChangeAspect="1"/>
+          </p:cNvSpPr>
+          <p:nvPr>
+            <p:ph type="sldImg"/>
+          </p:nvPr>
+        </p:nvSpPr>
+        <p:spPr/>
+      </p:sp>
+      <p:sp>
+        <p:nvSpPr>
+          <p:cNvPr id="3" name="Notes Placeholder 2"/>
+          <p:cNvSpPr>
+            <a:spLocks noGrp="1"/>
+          </p:cNvSpPr>
+          <p:nvPr>
+            <p:ph type="body" idx="1"/>
+          </p:nvPr>
+        </p:nvSpPr>
+        <p:spPr/>
+        <p:txBody>
+          <a:bodyPr/>
+          <a:lstStyle/>
+          <a:p>
+            <a:endParaRPr lang="de-CH" dirty="0"/>
+          </a:p>
+        </p:txBody>
+      </p:sp>
+      <p:sp>
+        <p:nvSpPr>
+          <p:cNvPr id="4" name="Slide Number Placeholder 3"/>
+          <p:cNvSpPr>
+            <a:spLocks noGrp="1"/>
+          </p:cNvSpPr>
+          <p:nvPr>
+            <p:ph type="sldNum" sz="quarter" idx="5"/>
+          </p:nvPr>
+        </p:nvSpPr>
+        <p:spPr/>
+        <p:txBody>
+          <a:bodyPr/>
+          <a:lstStyle/>
+          <a:p>
+            <a:fld id="{02945BD4-EE45-4032-9BDF-3B28D9BFA7D5}" type="slidenum">
+              <a:rPr lang="en-CH" smtClean="0"/>
+              <a:t>18</a:t>
+            </a:fld>
+            <a:endParaRPr lang="en-CH"/>
+          </a:p>
+        </p:txBody>
+      </p:sp>
+    </p:spTree>
+    <p:extLst>
+      <p:ext uri="{BB962C8B-B14F-4D97-AF65-F5344CB8AC3E}">
+        <p14:creationId xmlns:p14="http://schemas.microsoft.com/office/powerpoint/2010/main" val="3740068702"/>
       </p:ext>
     </p:extLst>
   </p:cSld>
@@ -1089,7 +1515,7 @@
           <a:p>
             <a:fld id="{1DE9D8DB-7996-4D53-BAF7-A90A1E48913A}" type="datetimeFigureOut">
               <a:rPr lang="en-CH" smtClean="0"/>
-              <a:t>04/20/2022</a:t>
+              <a:t>23/04/2022</a:t>
             </a:fld>
             <a:endParaRPr lang="en-CH"/>
           </a:p>
@@ -1289,7 +1715,7 @@
           <a:p>
             <a:fld id="{1DE9D8DB-7996-4D53-BAF7-A90A1E48913A}" type="datetimeFigureOut">
               <a:rPr lang="en-CH" smtClean="0"/>
-              <a:t>04/20/2022</a:t>
+              <a:t>23/04/2022</a:t>
             </a:fld>
             <a:endParaRPr lang="en-CH"/>
           </a:p>
@@ -1499,7 +1925,7 @@
           <a:p>
             <a:fld id="{1DE9D8DB-7996-4D53-BAF7-A90A1E48913A}" type="datetimeFigureOut">
               <a:rPr lang="en-CH" smtClean="0"/>
-              <a:t>04/20/2022</a:t>
+              <a:t>23/04/2022</a:t>
             </a:fld>
             <a:endParaRPr lang="en-CH"/>
           </a:p>
@@ -1699,7 +2125,7 @@
           <a:p>
             <a:fld id="{1DE9D8DB-7996-4D53-BAF7-A90A1E48913A}" type="datetimeFigureOut">
               <a:rPr lang="en-CH" smtClean="0"/>
-              <a:t>04/20/2022</a:t>
+              <a:t>23/04/2022</a:t>
             </a:fld>
             <a:endParaRPr lang="en-CH"/>
           </a:p>
@@ -1975,7 +2401,7 @@
           <a:p>
             <a:fld id="{1DE9D8DB-7996-4D53-BAF7-A90A1E48913A}" type="datetimeFigureOut">
               <a:rPr lang="en-CH" smtClean="0"/>
-              <a:t>04/20/2022</a:t>
+              <a:t>23/04/2022</a:t>
             </a:fld>
             <a:endParaRPr lang="en-CH"/>
           </a:p>
@@ -2243,7 +2669,7 @@
           <a:p>
             <a:fld id="{1DE9D8DB-7996-4D53-BAF7-A90A1E48913A}" type="datetimeFigureOut">
               <a:rPr lang="en-CH" smtClean="0"/>
-              <a:t>04/20/2022</a:t>
+              <a:t>23/04/2022</a:t>
             </a:fld>
             <a:endParaRPr lang="en-CH"/>
           </a:p>
@@ -2658,7 +3084,7 @@
           <a:p>
             <a:fld id="{1DE9D8DB-7996-4D53-BAF7-A90A1E48913A}" type="datetimeFigureOut">
               <a:rPr lang="en-CH" smtClean="0"/>
-              <a:t>04/20/2022</a:t>
+              <a:t>23/04/2022</a:t>
             </a:fld>
             <a:endParaRPr lang="en-CH"/>
           </a:p>
@@ -2800,7 +3226,7 @@
           <a:p>
             <a:fld id="{1DE9D8DB-7996-4D53-BAF7-A90A1E48913A}" type="datetimeFigureOut">
               <a:rPr lang="en-CH" smtClean="0"/>
-              <a:t>04/20/2022</a:t>
+              <a:t>23/04/2022</a:t>
             </a:fld>
             <a:endParaRPr lang="en-CH"/>
           </a:p>
@@ -2913,7 +3339,7 @@
           <a:p>
             <a:fld id="{1DE9D8DB-7996-4D53-BAF7-A90A1E48913A}" type="datetimeFigureOut">
               <a:rPr lang="en-CH" smtClean="0"/>
-              <a:t>04/20/2022</a:t>
+              <a:t>23/04/2022</a:t>
             </a:fld>
             <a:endParaRPr lang="en-CH"/>
           </a:p>
@@ -3226,7 +3652,7 @@
           <a:p>
             <a:fld id="{1DE9D8DB-7996-4D53-BAF7-A90A1E48913A}" type="datetimeFigureOut">
               <a:rPr lang="en-CH" smtClean="0"/>
-              <a:t>04/20/2022</a:t>
+              <a:t>23/04/2022</a:t>
             </a:fld>
             <a:endParaRPr lang="en-CH"/>
           </a:p>
@@ -3515,7 +3941,7 @@
           <a:p>
             <a:fld id="{1DE9D8DB-7996-4D53-BAF7-A90A1E48913A}" type="datetimeFigureOut">
               <a:rPr lang="en-CH" smtClean="0"/>
-              <a:t>04/20/2022</a:t>
+              <a:t>23/04/2022</a:t>
             </a:fld>
             <a:endParaRPr lang="en-CH"/>
           </a:p>
@@ -3758,7 +4184,7 @@
           <a:p>
             <a:fld id="{1DE9D8DB-7996-4D53-BAF7-A90A1E48913A}" type="datetimeFigureOut">
               <a:rPr lang="en-CH" smtClean="0"/>
-              <a:t>04/20/2022</a:t>
+              <a:t>23/04/2022</a:t>
             </a:fld>
             <a:endParaRPr lang="en-CH"/>
           </a:p>
@@ -4198,7 +4624,14 @@
           <a:p>
             <a:r>
               <a:rPr lang="en-US" dirty="0"/>
-              <a:t>Flowable KT (part 1)</a:t>
+              <a:t>Flowable KT</a:t>
+            </a:r>
+            <a:br>
+              <a:rPr lang="en-US" dirty="0"/>
+            </a:br>
+            <a:r>
+              <a:rPr lang="en-US" dirty="0"/>
+              <a:t>part 1</a:t>
             </a:r>
             <a:endParaRPr lang="en-CH" dirty="0"/>
           </a:p>
@@ -4325,7 +4758,7 @@
                 </a:solidFill>
                 <a:latin typeface="inherit"/>
               </a:rPr>
-              <a:t>Can be set passed by:</a:t>
+              <a:t>Can be set by:</a:t>
             </a:r>
           </a:p>
           <a:p>
@@ -4625,6 +5058,101 @@
           <p:cNvPr id="2" name="Title 1">
             <a:extLst>
               <a:ext uri="{FF2B5EF4-FFF2-40B4-BE49-F238E27FC236}">
+                <a16:creationId xmlns:a16="http://schemas.microsoft.com/office/drawing/2014/main" id="{EC5AB11B-2931-4B5D-8DBE-E8CCDC3F5AE0}"/>
+              </a:ext>
+            </a:extLst>
+          </p:cNvPr>
+          <p:cNvSpPr>
+            <a:spLocks noGrp="1"/>
+          </p:cNvSpPr>
+          <p:nvPr>
+            <p:ph type="ctrTitle"/>
+          </p:nvPr>
+        </p:nvSpPr>
+        <p:spPr/>
+        <p:txBody>
+          <a:bodyPr/>
+          <a:lstStyle/>
+          <a:p>
+            <a:r>
+              <a:rPr lang="en-US" dirty="0"/>
+              <a:t>Flowable KT</a:t>
+            </a:r>
+            <a:br>
+              <a:rPr lang="en-US" dirty="0"/>
+            </a:br>
+            <a:r>
+              <a:rPr lang="en-US" dirty="0"/>
+              <a:t>part 2</a:t>
+            </a:r>
+            <a:endParaRPr lang="en-CH" dirty="0"/>
+          </a:p>
+        </p:txBody>
+      </p:sp>
+      <p:sp>
+        <p:nvSpPr>
+          <p:cNvPr id="3" name="Subtitle 2">
+            <a:extLst>
+              <a:ext uri="{FF2B5EF4-FFF2-40B4-BE49-F238E27FC236}">
+                <a16:creationId xmlns:a16="http://schemas.microsoft.com/office/drawing/2014/main" id="{258A3613-C01B-4995-A86C-09CBBFEDD240}"/>
+              </a:ext>
+            </a:extLst>
+          </p:cNvPr>
+          <p:cNvSpPr>
+            <a:spLocks noGrp="1"/>
+          </p:cNvSpPr>
+          <p:nvPr>
+            <p:ph type="subTitle" idx="1"/>
+          </p:nvPr>
+        </p:nvSpPr>
+        <p:spPr/>
+        <p:txBody>
+          <a:bodyPr/>
+          <a:lstStyle/>
+          <a:p>
+            <a:r>
+              <a:rPr lang="en-US" dirty="0"/>
+              <a:t>By Nik</a:t>
+            </a:r>
+            <a:endParaRPr lang="en-CH" dirty="0"/>
+          </a:p>
+        </p:txBody>
+      </p:sp>
+    </p:spTree>
+    <p:extLst>
+      <p:ext uri="{BB962C8B-B14F-4D97-AF65-F5344CB8AC3E}">
+        <p14:creationId xmlns:p14="http://schemas.microsoft.com/office/powerpoint/2010/main" val="324842373"/>
+      </p:ext>
+    </p:extLst>
+  </p:cSld>
+  <p:clrMapOvr>
+    <a:masterClrMapping/>
+  </p:clrMapOvr>
+</p:sld>
+</file>
+
+<file path=ppt/slides/slide13.xml><?xml version="1.0" encoding="utf-8"?>
+<p:sld xmlns:a="http://schemas.openxmlformats.org/drawingml/2006/main" xmlns:r="http://schemas.openxmlformats.org/officeDocument/2006/relationships" xmlns:p="http://schemas.openxmlformats.org/presentationml/2006/main">
+  <p:cSld>
+    <p:spTree>
+      <p:nvGrpSpPr>
+        <p:cNvPr id="1" name=""/>
+        <p:cNvGrpSpPr/>
+        <p:nvPr/>
+      </p:nvGrpSpPr>
+      <p:grpSpPr>
+        <a:xfrm>
+          <a:off x="0" y="0"/>
+          <a:ext cx="0" cy="0"/>
+          <a:chOff x="0" y="0"/>
+          <a:chExt cx="0" cy="0"/>
+        </a:xfrm>
+      </p:grpSpPr>
+      <p:sp>
+        <p:nvSpPr>
+          <p:cNvPr id="2" name="Title 1">
+            <a:extLst>
+              <a:ext uri="{FF2B5EF4-FFF2-40B4-BE49-F238E27FC236}">
                 <a16:creationId xmlns:a16="http://schemas.microsoft.com/office/drawing/2014/main" id="{03812D1F-F6DF-42A7-8DA2-1A5A8243FD15}"/>
               </a:ext>
             </a:extLst>
@@ -4643,74 +5171,1704 @@
           <a:p>
             <a:r>
               <a:rPr lang="en-US" dirty="0"/>
-              <a:t>Outlook for </a:t>
-            </a:r>
-            <a:r>
-              <a:rPr lang="en-US"/>
-              <a:t>next session</a:t>
+              <a:t>Call Activities / Subprocesses (1/3)</a:t>
             </a:r>
             <a:endParaRPr lang="en-CH" dirty="0"/>
           </a:p>
         </p:txBody>
       </p:sp>
-      <p:sp>
-        <p:nvSpPr>
-          <p:cNvPr id="3" name="Content Placeholder 2">
-            <a:extLst>
-              <a:ext uri="{FF2B5EF4-FFF2-40B4-BE49-F238E27FC236}">
-                <a16:creationId xmlns:a16="http://schemas.microsoft.com/office/drawing/2014/main" id="{8EAC4C66-08BB-4057-80A5-A8508B2B9085}"/>
-              </a:ext>
-            </a:extLst>
-          </p:cNvPr>
-          <p:cNvSpPr>
-            <a:spLocks noGrp="1"/>
-          </p:cNvSpPr>
+      <p:pic>
+        <p:nvPicPr>
+          <p:cNvPr id="15" name="Content Placeholder 14">
+            <a:extLst>
+              <a:ext uri="{FF2B5EF4-FFF2-40B4-BE49-F238E27FC236}">
+                <a16:creationId xmlns:a16="http://schemas.microsoft.com/office/drawing/2014/main" id="{E8D09C0C-67BB-47B2-BE73-DF4152311D71}"/>
+              </a:ext>
+            </a:extLst>
+          </p:cNvPr>
+          <p:cNvPicPr>
+            <a:picLocks noGrp="1" noChangeAspect="1"/>
+          </p:cNvPicPr>
           <p:nvPr>
             <p:ph idx="1"/>
           </p:nvPr>
-        </p:nvSpPr>
-        <p:spPr/>
-        <p:txBody>
-          <a:bodyPr/>
-          <a:lstStyle/>
-          <a:p>
-            <a:r>
-              <a:rPr lang="en-US" dirty="0"/>
-              <a:t>Cardinality</a:t>
-            </a:r>
-          </a:p>
-          <a:p>
-            <a:r>
-              <a:rPr lang="en-US" dirty="0"/>
-              <a:t>Call Activities / Subprocesses (Variables scope)</a:t>
-            </a:r>
-          </a:p>
-          <a:p>
-            <a:r>
-              <a:rPr lang="en-US" dirty="0"/>
-              <a:t>Boundary Events</a:t>
-            </a:r>
-          </a:p>
-          <a:p>
-            <a:pPr lvl="1"/>
-            <a:r>
-              <a:rPr lang="en-US" dirty="0"/>
-              <a:t>Error Event</a:t>
-            </a:r>
-          </a:p>
-          <a:p>
-            <a:pPr lvl="1"/>
-            <a:r>
-              <a:rPr lang="en-US" dirty="0"/>
-              <a:t>Timer Event</a:t>
-            </a:r>
-          </a:p>
-        </p:txBody>
-      </p:sp>
+        </p:nvPicPr>
+        <p:blipFill>
+          <a:blip r:embed="rId3"/>
+          <a:stretch>
+            <a:fillRect/>
+          </a:stretch>
+        </p:blipFill>
+        <p:spPr>
+          <a:xfrm>
+            <a:off x="6730497" y="5286943"/>
+            <a:ext cx="2581635" cy="1114581"/>
+          </a:xfrm>
+        </p:spPr>
+      </p:pic>
+      <p:pic>
+        <p:nvPicPr>
+          <p:cNvPr id="13" name="Picture 12">
+            <a:extLst>
+              <a:ext uri="{FF2B5EF4-FFF2-40B4-BE49-F238E27FC236}">
+                <a16:creationId xmlns:a16="http://schemas.microsoft.com/office/drawing/2014/main" id="{FD2D75B1-5536-44C2-AE8C-CCC52998E3F2}"/>
+              </a:ext>
+            </a:extLst>
+          </p:cNvPr>
+          <p:cNvPicPr>
+            <a:picLocks noChangeAspect="1"/>
+          </p:cNvPicPr>
+          <p:nvPr/>
+        </p:nvPicPr>
+        <p:blipFill>
+          <a:blip r:embed="rId4"/>
+          <a:stretch>
+            <a:fillRect/>
+          </a:stretch>
+        </p:blipFill>
+        <p:spPr>
+          <a:xfrm>
+            <a:off x="1514055" y="1690688"/>
+            <a:ext cx="8075869" cy="2960035"/>
+          </a:xfrm>
+          <a:prstGeom prst="rect">
+            <a:avLst/>
+          </a:prstGeom>
+        </p:spPr>
+      </p:pic>
+      <p:cxnSp>
+        <p:nvCxnSpPr>
+          <p:cNvPr id="18" name="Straight Arrow Connector 17">
+            <a:extLst>
+              <a:ext uri="{FF2B5EF4-FFF2-40B4-BE49-F238E27FC236}">
+                <a16:creationId xmlns:a16="http://schemas.microsoft.com/office/drawing/2014/main" id="{27477038-9CB0-4971-AD6F-ED87F16B2181}"/>
+              </a:ext>
+            </a:extLst>
+          </p:cNvPr>
+          <p:cNvCxnSpPr>
+            <a:cxnSpLocks/>
+            <a:endCxn id="15" idx="0"/>
+          </p:cNvCxnSpPr>
+          <p:nvPr/>
+        </p:nvCxnSpPr>
+        <p:spPr>
+          <a:xfrm>
+            <a:off x="8021314" y="3916974"/>
+            <a:ext cx="1" cy="1369969"/>
+          </a:xfrm>
+          <a:prstGeom prst="straightConnector1">
+            <a:avLst/>
+          </a:prstGeom>
+          <a:ln w="38100">
+            <a:solidFill>
+              <a:srgbClr val="FF0000"/>
+            </a:solidFill>
+            <a:tailEnd type="triangle"/>
+          </a:ln>
+        </p:spPr>
+        <p:style>
+          <a:lnRef idx="1">
+            <a:schemeClr val="accent1"/>
+          </a:lnRef>
+          <a:fillRef idx="0">
+            <a:schemeClr val="accent1"/>
+          </a:fillRef>
+          <a:effectRef idx="0">
+            <a:schemeClr val="accent1"/>
+          </a:effectRef>
+          <a:fontRef idx="minor">
+            <a:schemeClr val="tx1"/>
+          </a:fontRef>
+        </p:style>
+      </p:cxnSp>
     </p:spTree>
     <p:extLst>
       <p:ext uri="{BB962C8B-B14F-4D97-AF65-F5344CB8AC3E}">
         <p14:creationId xmlns:p14="http://schemas.microsoft.com/office/powerpoint/2010/main" val="1758368324"/>
+      </p:ext>
+    </p:extLst>
+  </p:cSld>
+  <p:clrMapOvr>
+    <a:masterClrMapping/>
+  </p:clrMapOvr>
+</p:sld>
+</file>
+
+<file path=ppt/slides/slide14.xml><?xml version="1.0" encoding="utf-8"?>
+<p:sld xmlns:a="http://schemas.openxmlformats.org/drawingml/2006/main" xmlns:r="http://schemas.openxmlformats.org/officeDocument/2006/relationships" xmlns:p="http://schemas.openxmlformats.org/presentationml/2006/main">
+  <p:cSld>
+    <p:spTree>
+      <p:nvGrpSpPr>
+        <p:cNvPr id="1" name=""/>
+        <p:cNvGrpSpPr/>
+        <p:nvPr/>
+      </p:nvGrpSpPr>
+      <p:grpSpPr>
+        <a:xfrm>
+          <a:off x="0" y="0"/>
+          <a:ext cx="0" cy="0"/>
+          <a:chOff x="0" y="0"/>
+          <a:chExt cx="0" cy="0"/>
+        </a:xfrm>
+      </p:grpSpPr>
+      <p:sp>
+        <p:nvSpPr>
+          <p:cNvPr id="2" name="Title 1">
+            <a:extLst>
+              <a:ext uri="{FF2B5EF4-FFF2-40B4-BE49-F238E27FC236}">
+                <a16:creationId xmlns:a16="http://schemas.microsoft.com/office/drawing/2014/main" id="{03812D1F-F6DF-42A7-8DA2-1A5A8243FD15}"/>
+              </a:ext>
+            </a:extLst>
+          </p:cNvPr>
+          <p:cNvSpPr>
+            <a:spLocks noGrp="1"/>
+          </p:cNvSpPr>
+          <p:nvPr>
+            <p:ph type="title"/>
+          </p:nvPr>
+        </p:nvSpPr>
+        <p:spPr/>
+        <p:txBody>
+          <a:bodyPr/>
+          <a:lstStyle/>
+          <a:p>
+            <a:r>
+              <a:rPr lang="en-US" dirty="0"/>
+              <a:t>Call Activities / Subprocesses (2/3)</a:t>
+            </a:r>
+            <a:endParaRPr lang="en-CH" dirty="0"/>
+          </a:p>
+        </p:txBody>
+      </p:sp>
+      <p:sp>
+        <p:nvSpPr>
+          <p:cNvPr id="4" name="Content Placeholder 3">
+            <a:extLst>
+              <a:ext uri="{FF2B5EF4-FFF2-40B4-BE49-F238E27FC236}">
+                <a16:creationId xmlns:a16="http://schemas.microsoft.com/office/drawing/2014/main" id="{DC7266AC-B1CE-420F-A892-9D0C375B146D}"/>
+              </a:ext>
+            </a:extLst>
+          </p:cNvPr>
+          <p:cNvSpPr>
+            <a:spLocks noGrp="1"/>
+          </p:cNvSpPr>
+          <p:nvPr>
+            <p:ph idx="1"/>
+          </p:nvPr>
+        </p:nvSpPr>
+        <p:spPr/>
+        <p:txBody>
+          <a:bodyPr>
+            <a:normAutofit fontScale="92500" lnSpcReduction="10000"/>
+          </a:bodyPr>
+          <a:lstStyle/>
+          <a:p>
+            <a:r>
+              <a:rPr lang="en-US" b="1" dirty="0"/>
+              <a:t>(Embedded) Subprocess: </a:t>
+            </a:r>
+          </a:p>
+          <a:p>
+            <a:pPr marL="742950" lvl="1" indent="-285750"/>
+            <a:r>
+              <a:rPr lang="en-US" dirty="0"/>
+              <a:t>Like a “Model in a Model”</a:t>
+            </a:r>
+          </a:p>
+          <a:p>
+            <a:pPr marL="742950" lvl="1" indent="-285750"/>
+            <a:r>
+              <a:rPr lang="en-US" dirty="0"/>
+              <a:t>Can be “collapsed” for better overview</a:t>
+            </a:r>
+          </a:p>
+          <a:p>
+            <a:pPr marL="742950" lvl="1" indent="-285750"/>
+            <a:r>
+              <a:rPr lang="en-US" dirty="0"/>
+              <a:t>Not reusable</a:t>
+            </a:r>
+          </a:p>
+          <a:p>
+            <a:pPr marL="742950" lvl="1" indent="-285750"/>
+            <a:r>
+              <a:rPr lang="de-CH" i="0" dirty="0">
+                <a:solidFill>
+                  <a:srgbClr val="444444"/>
+                </a:solidFill>
+                <a:effectLst/>
+                <a:latin typeface="SFMono-Regular"/>
+              </a:rPr>
+              <a:t>&lt;</a:t>
+            </a:r>
+            <a:r>
+              <a:rPr lang="de-CH" i="0" dirty="0" err="1">
+                <a:solidFill>
+                  <a:srgbClr val="444444"/>
+                </a:solidFill>
+                <a:effectLst/>
+                <a:latin typeface="SFMono-Regular"/>
+              </a:rPr>
+              <a:t>subProcess</a:t>
+            </a:r>
+            <a:r>
+              <a:rPr lang="de-CH" i="0" dirty="0">
+                <a:solidFill>
+                  <a:srgbClr val="444444"/>
+                </a:solidFill>
+                <a:effectLst/>
+                <a:latin typeface="SFMono-Regular"/>
+              </a:rPr>
+              <a:t> </a:t>
+            </a:r>
+            <a:r>
+              <a:rPr lang="de-CH" i="0" dirty="0" err="1">
+                <a:solidFill>
+                  <a:srgbClr val="444444"/>
+                </a:solidFill>
+                <a:effectLst/>
+                <a:latin typeface="SFMono-Regular"/>
+              </a:rPr>
+              <a:t>id</a:t>
+            </a:r>
+            <a:r>
+              <a:rPr lang="de-CH" i="0" dirty="0">
+                <a:solidFill>
+                  <a:srgbClr val="444444"/>
+                </a:solidFill>
+                <a:effectLst/>
+                <a:latin typeface="SFMono-Regular"/>
+              </a:rPr>
+              <a:t>="</a:t>
+            </a:r>
+            <a:r>
+              <a:rPr lang="de-CH" i="0" dirty="0" err="1">
+                <a:solidFill>
+                  <a:srgbClr val="444444"/>
+                </a:solidFill>
+                <a:effectLst/>
+                <a:latin typeface="SFMono-Regular"/>
+              </a:rPr>
+              <a:t>subProcess</a:t>
+            </a:r>
+            <a:r>
+              <a:rPr lang="de-CH" i="0" dirty="0">
+                <a:solidFill>
+                  <a:srgbClr val="444444"/>
+                </a:solidFill>
+                <a:effectLst/>
+                <a:latin typeface="SFMono-Regular"/>
+              </a:rPr>
+              <a:t>"&gt; &lt;</a:t>
+            </a:r>
+            <a:r>
+              <a:rPr lang="de-CH" i="0" dirty="0" err="1">
+                <a:solidFill>
+                  <a:srgbClr val="444444"/>
+                </a:solidFill>
+                <a:effectLst/>
+                <a:latin typeface="SFMono-Regular"/>
+              </a:rPr>
+              <a:t>startEvent</a:t>
+            </a:r>
+            <a:r>
+              <a:rPr lang="de-CH" i="0" dirty="0">
+                <a:solidFill>
+                  <a:srgbClr val="444444"/>
+                </a:solidFill>
+                <a:effectLst/>
+                <a:latin typeface="SFMono-Regular"/>
+              </a:rPr>
+              <a:t> </a:t>
+            </a:r>
+            <a:r>
+              <a:rPr lang="de-CH" i="0" dirty="0" err="1">
+                <a:solidFill>
+                  <a:srgbClr val="444444"/>
+                </a:solidFill>
+                <a:effectLst/>
+                <a:latin typeface="SFMono-Regular"/>
+              </a:rPr>
+              <a:t>id</a:t>
+            </a:r>
+            <a:r>
+              <a:rPr lang="de-CH" i="0" dirty="0">
+                <a:solidFill>
+                  <a:srgbClr val="444444"/>
+                </a:solidFill>
+                <a:effectLst/>
+                <a:latin typeface="SFMono-Regular"/>
+              </a:rPr>
+              <a:t>="</a:t>
+            </a:r>
+            <a:r>
+              <a:rPr lang="de-CH" i="0" dirty="0" err="1">
+                <a:solidFill>
+                  <a:srgbClr val="444444"/>
+                </a:solidFill>
+                <a:effectLst/>
+                <a:latin typeface="SFMono-Regular"/>
+              </a:rPr>
+              <a:t>subProcessStart</a:t>
+            </a:r>
+            <a:r>
+              <a:rPr lang="de-CH" i="0" dirty="0">
+                <a:solidFill>
+                  <a:srgbClr val="444444"/>
+                </a:solidFill>
+                <a:effectLst/>
+                <a:latin typeface="SFMono-Regular"/>
+              </a:rPr>
+              <a:t>" /&gt; ... </a:t>
+            </a:r>
+            <a:r>
+              <a:rPr lang="de-CH" i="0" dirty="0" err="1">
+                <a:solidFill>
+                  <a:srgbClr val="444444"/>
+                </a:solidFill>
+                <a:effectLst/>
+                <a:latin typeface="SFMono-Regular"/>
+              </a:rPr>
+              <a:t>other</a:t>
+            </a:r>
+            <a:r>
+              <a:rPr lang="de-CH" i="0" dirty="0">
+                <a:solidFill>
+                  <a:srgbClr val="444444"/>
+                </a:solidFill>
+                <a:effectLst/>
+                <a:latin typeface="SFMono-Regular"/>
+              </a:rPr>
+              <a:t> Sub-</a:t>
+            </a:r>
+            <a:r>
+              <a:rPr lang="de-CH" i="0" dirty="0" err="1">
+                <a:solidFill>
+                  <a:srgbClr val="444444"/>
+                </a:solidFill>
+                <a:effectLst/>
+                <a:latin typeface="SFMono-Regular"/>
+              </a:rPr>
+              <a:t>Process</a:t>
+            </a:r>
+            <a:r>
+              <a:rPr lang="de-CH" i="0" dirty="0">
+                <a:solidFill>
+                  <a:srgbClr val="444444"/>
+                </a:solidFill>
+                <a:effectLst/>
+                <a:latin typeface="SFMono-Regular"/>
+              </a:rPr>
+              <a:t> </a:t>
+            </a:r>
+            <a:r>
+              <a:rPr lang="de-CH" i="0" dirty="0" err="1">
+                <a:solidFill>
+                  <a:srgbClr val="444444"/>
+                </a:solidFill>
+                <a:effectLst/>
+                <a:latin typeface="SFMono-Regular"/>
+              </a:rPr>
+              <a:t>elements</a:t>
+            </a:r>
+            <a:r>
+              <a:rPr lang="de-CH" i="0" dirty="0">
+                <a:solidFill>
+                  <a:srgbClr val="444444"/>
+                </a:solidFill>
+                <a:effectLst/>
+                <a:latin typeface="SFMono-Regular"/>
+              </a:rPr>
+              <a:t> ... &lt;</a:t>
+            </a:r>
+            <a:r>
+              <a:rPr lang="de-CH" i="0" dirty="0" err="1">
+                <a:solidFill>
+                  <a:srgbClr val="444444"/>
+                </a:solidFill>
+                <a:effectLst/>
+                <a:latin typeface="SFMono-Regular"/>
+              </a:rPr>
+              <a:t>endEvent</a:t>
+            </a:r>
+            <a:r>
+              <a:rPr lang="de-CH" i="0" dirty="0">
+                <a:solidFill>
+                  <a:srgbClr val="444444"/>
+                </a:solidFill>
+                <a:effectLst/>
+                <a:latin typeface="SFMono-Regular"/>
+              </a:rPr>
+              <a:t> </a:t>
+            </a:r>
+            <a:r>
+              <a:rPr lang="de-CH" i="0" dirty="0" err="1">
+                <a:solidFill>
+                  <a:srgbClr val="444444"/>
+                </a:solidFill>
+                <a:effectLst/>
+                <a:latin typeface="SFMono-Regular"/>
+              </a:rPr>
+              <a:t>id</a:t>
+            </a:r>
+            <a:r>
+              <a:rPr lang="de-CH" i="0" dirty="0">
+                <a:solidFill>
+                  <a:srgbClr val="444444"/>
+                </a:solidFill>
+                <a:effectLst/>
+                <a:latin typeface="SFMono-Regular"/>
+              </a:rPr>
+              <a:t>="</a:t>
+            </a:r>
+            <a:r>
+              <a:rPr lang="de-CH" i="0" dirty="0" err="1">
+                <a:solidFill>
+                  <a:srgbClr val="444444"/>
+                </a:solidFill>
+                <a:effectLst/>
+                <a:latin typeface="SFMono-Regular"/>
+              </a:rPr>
+              <a:t>subProcessEnd</a:t>
+            </a:r>
+            <a:r>
+              <a:rPr lang="de-CH" i="0" dirty="0">
+                <a:solidFill>
+                  <a:srgbClr val="444444"/>
+                </a:solidFill>
+                <a:effectLst/>
+                <a:latin typeface="SFMono-Regular"/>
+              </a:rPr>
+              <a:t>" /&gt; &lt;/</a:t>
+            </a:r>
+            <a:r>
+              <a:rPr lang="de-CH" i="0" dirty="0" err="1">
+                <a:solidFill>
+                  <a:srgbClr val="444444"/>
+                </a:solidFill>
+                <a:effectLst/>
+                <a:latin typeface="SFMono-Regular"/>
+              </a:rPr>
+              <a:t>subProcess</a:t>
+            </a:r>
+            <a:r>
+              <a:rPr lang="de-CH" i="0" dirty="0">
+                <a:solidFill>
+                  <a:srgbClr val="444444"/>
+                </a:solidFill>
+                <a:effectLst/>
+                <a:latin typeface="SFMono-Regular"/>
+              </a:rPr>
+              <a:t>&gt;</a:t>
+            </a:r>
+            <a:endParaRPr lang="en-US" dirty="0"/>
+          </a:p>
+          <a:p>
+            <a:endParaRPr lang="en-US" dirty="0"/>
+          </a:p>
+          <a:p>
+            <a:r>
+              <a:rPr lang="en-US" b="1" dirty="0"/>
+              <a:t>Call Activity</a:t>
+            </a:r>
+          </a:p>
+          <a:p>
+            <a:pPr marL="742950" lvl="1" indent="-285750"/>
+            <a:r>
+              <a:rPr lang="en-US" dirty="0"/>
+              <a:t>Calls an externally defined model</a:t>
+            </a:r>
+          </a:p>
+          <a:p>
+            <a:pPr marL="742950" lvl="1" indent="-285750"/>
+            <a:r>
+              <a:rPr lang="en-US" dirty="0"/>
+              <a:t>Reusable across processes</a:t>
+            </a:r>
+          </a:p>
+          <a:p>
+            <a:pPr marL="742950" lvl="1" indent="-285750"/>
+            <a:r>
+              <a:rPr lang="en-US" i="0" dirty="0">
+                <a:solidFill>
+                  <a:srgbClr val="444444"/>
+                </a:solidFill>
+                <a:effectLst/>
+                <a:latin typeface="SFMono-Regular"/>
+              </a:rPr>
+              <a:t>&lt;</a:t>
+            </a:r>
+            <a:r>
+              <a:rPr lang="en-US" i="0" dirty="0" err="1">
+                <a:solidFill>
+                  <a:srgbClr val="444444"/>
+                </a:solidFill>
+                <a:effectLst/>
+                <a:latin typeface="SFMono-Regular"/>
+              </a:rPr>
+              <a:t>callActivity</a:t>
+            </a:r>
+            <a:r>
+              <a:rPr lang="en-US" i="0" dirty="0">
+                <a:solidFill>
+                  <a:srgbClr val="444444"/>
+                </a:solidFill>
+                <a:effectLst/>
+                <a:latin typeface="SFMono-Regular"/>
+              </a:rPr>
+              <a:t> id="</a:t>
+            </a:r>
+            <a:r>
+              <a:rPr lang="en-US" i="0" dirty="0" err="1">
+                <a:solidFill>
+                  <a:srgbClr val="444444"/>
+                </a:solidFill>
+                <a:effectLst/>
+                <a:latin typeface="SFMono-Regular"/>
+              </a:rPr>
+              <a:t>callCheckCreditProcess</a:t>
+            </a:r>
+            <a:r>
+              <a:rPr lang="en-US" i="0" dirty="0">
+                <a:solidFill>
+                  <a:srgbClr val="444444"/>
+                </a:solidFill>
+                <a:effectLst/>
+                <a:latin typeface="SFMono-Regular"/>
+              </a:rPr>
+              <a:t>" name="Check credit" </a:t>
+            </a:r>
+            <a:r>
+              <a:rPr lang="en-US" i="0" dirty="0" err="1">
+                <a:solidFill>
+                  <a:srgbClr val="444444"/>
+                </a:solidFill>
+                <a:effectLst/>
+                <a:latin typeface="SFMono-Regular"/>
+              </a:rPr>
+              <a:t>calledElement</a:t>
+            </a:r>
+            <a:r>
+              <a:rPr lang="en-US" i="0" dirty="0">
+                <a:solidFill>
+                  <a:srgbClr val="444444"/>
+                </a:solidFill>
+                <a:effectLst/>
+                <a:latin typeface="SFMono-Regular"/>
+              </a:rPr>
+              <a:t>="</a:t>
+            </a:r>
+            <a:r>
+              <a:rPr lang="en-US" i="0" dirty="0" err="1">
+                <a:solidFill>
+                  <a:srgbClr val="444444"/>
+                </a:solidFill>
+                <a:effectLst/>
+                <a:latin typeface="SFMono-Regular"/>
+              </a:rPr>
+              <a:t>checkCreditProcess</a:t>
+            </a:r>
+            <a:r>
+              <a:rPr lang="en-US" i="0" dirty="0">
+                <a:solidFill>
+                  <a:srgbClr val="444444"/>
+                </a:solidFill>
+                <a:effectLst/>
+                <a:latin typeface="SFMono-Regular"/>
+              </a:rPr>
+              <a:t>" /&gt;</a:t>
+            </a:r>
+            <a:endParaRPr lang="en-CH" dirty="0"/>
+          </a:p>
+          <a:p>
+            <a:endParaRPr lang="en-CH" dirty="0"/>
+          </a:p>
+        </p:txBody>
+      </p:sp>
+    </p:spTree>
+    <p:extLst>
+      <p:ext uri="{BB962C8B-B14F-4D97-AF65-F5344CB8AC3E}">
+        <p14:creationId xmlns:p14="http://schemas.microsoft.com/office/powerpoint/2010/main" val="3631365508"/>
+      </p:ext>
+    </p:extLst>
+  </p:cSld>
+  <p:clrMapOvr>
+    <a:masterClrMapping/>
+  </p:clrMapOvr>
+</p:sld>
+</file>
+
+<file path=ppt/slides/slide15.xml><?xml version="1.0" encoding="utf-8"?>
+<p:sld xmlns:a="http://schemas.openxmlformats.org/drawingml/2006/main" xmlns:r="http://schemas.openxmlformats.org/officeDocument/2006/relationships" xmlns:p="http://schemas.openxmlformats.org/presentationml/2006/main">
+  <p:cSld>
+    <p:spTree>
+      <p:nvGrpSpPr>
+        <p:cNvPr id="1" name=""/>
+        <p:cNvGrpSpPr/>
+        <p:nvPr/>
+      </p:nvGrpSpPr>
+      <p:grpSpPr>
+        <a:xfrm>
+          <a:off x="0" y="0"/>
+          <a:ext cx="0" cy="0"/>
+          <a:chOff x="0" y="0"/>
+          <a:chExt cx="0" cy="0"/>
+        </a:xfrm>
+      </p:grpSpPr>
+      <p:sp>
+        <p:nvSpPr>
+          <p:cNvPr id="2" name="Title 1">
+            <a:extLst>
+              <a:ext uri="{FF2B5EF4-FFF2-40B4-BE49-F238E27FC236}">
+                <a16:creationId xmlns:a16="http://schemas.microsoft.com/office/drawing/2014/main" id="{03812D1F-F6DF-42A7-8DA2-1A5A8243FD15}"/>
+              </a:ext>
+            </a:extLst>
+          </p:cNvPr>
+          <p:cNvSpPr>
+            <a:spLocks noGrp="1"/>
+          </p:cNvSpPr>
+          <p:nvPr>
+            <p:ph type="title"/>
+          </p:nvPr>
+        </p:nvSpPr>
+        <p:spPr/>
+        <p:txBody>
+          <a:bodyPr/>
+          <a:lstStyle/>
+          <a:p>
+            <a:r>
+              <a:rPr lang="en-US" dirty="0"/>
+              <a:t>Call Activities / Subprocesses (3/3)</a:t>
+            </a:r>
+            <a:endParaRPr lang="en-CH" dirty="0"/>
+          </a:p>
+        </p:txBody>
+      </p:sp>
+      <p:pic>
+        <p:nvPicPr>
+          <p:cNvPr id="7" name="Content Placeholder 6">
+            <a:extLst>
+              <a:ext uri="{FF2B5EF4-FFF2-40B4-BE49-F238E27FC236}">
+                <a16:creationId xmlns:a16="http://schemas.microsoft.com/office/drawing/2014/main" id="{234E150E-9E63-4AC1-AD5C-2032345F7B8A}"/>
+              </a:ext>
+            </a:extLst>
+          </p:cNvPr>
+          <p:cNvPicPr>
+            <a:picLocks noGrp="1" noChangeAspect="1"/>
+          </p:cNvPicPr>
+          <p:nvPr>
+            <p:ph idx="1"/>
+          </p:nvPr>
+        </p:nvPicPr>
+        <p:blipFill>
+          <a:blip r:embed="rId3"/>
+          <a:stretch>
+            <a:fillRect/>
+          </a:stretch>
+        </p:blipFill>
+        <p:spPr>
+          <a:xfrm>
+            <a:off x="838200" y="1589603"/>
+            <a:ext cx="7792537" cy="4267796"/>
+          </a:xfrm>
+        </p:spPr>
+      </p:pic>
+    </p:spTree>
+    <p:extLst>
+      <p:ext uri="{BB962C8B-B14F-4D97-AF65-F5344CB8AC3E}">
+        <p14:creationId xmlns:p14="http://schemas.microsoft.com/office/powerpoint/2010/main" val="3328297602"/>
+      </p:ext>
+    </p:extLst>
+  </p:cSld>
+  <p:clrMapOvr>
+    <a:masterClrMapping/>
+  </p:clrMapOvr>
+</p:sld>
+</file>
+
+<file path=ppt/slides/slide16.xml><?xml version="1.0" encoding="utf-8"?>
+<p:sld xmlns:a="http://schemas.openxmlformats.org/drawingml/2006/main" xmlns:r="http://schemas.openxmlformats.org/officeDocument/2006/relationships" xmlns:p="http://schemas.openxmlformats.org/presentationml/2006/main">
+  <p:cSld>
+    <p:spTree>
+      <p:nvGrpSpPr>
+        <p:cNvPr id="1" name=""/>
+        <p:cNvGrpSpPr/>
+        <p:nvPr/>
+      </p:nvGrpSpPr>
+      <p:grpSpPr>
+        <a:xfrm>
+          <a:off x="0" y="0"/>
+          <a:ext cx="0" cy="0"/>
+          <a:chOff x="0" y="0"/>
+          <a:chExt cx="0" cy="0"/>
+        </a:xfrm>
+      </p:grpSpPr>
+      <p:sp>
+        <p:nvSpPr>
+          <p:cNvPr id="2" name="Title 1">
+            <a:extLst>
+              <a:ext uri="{FF2B5EF4-FFF2-40B4-BE49-F238E27FC236}">
+                <a16:creationId xmlns:a16="http://schemas.microsoft.com/office/drawing/2014/main" id="{03812D1F-F6DF-42A7-8DA2-1A5A8243FD15}"/>
+              </a:ext>
+            </a:extLst>
+          </p:cNvPr>
+          <p:cNvSpPr>
+            <a:spLocks noGrp="1"/>
+          </p:cNvSpPr>
+          <p:nvPr>
+            <p:ph type="title"/>
+          </p:nvPr>
+        </p:nvSpPr>
+        <p:spPr/>
+        <p:txBody>
+          <a:bodyPr/>
+          <a:lstStyle/>
+          <a:p>
+            <a:r>
+              <a:rPr lang="en-US" dirty="0"/>
+              <a:t>Cardinality (1/3)</a:t>
+            </a:r>
+            <a:endParaRPr lang="en-CH" dirty="0"/>
+          </a:p>
+        </p:txBody>
+      </p:sp>
+      <p:sp>
+        <p:nvSpPr>
+          <p:cNvPr id="4" name="Content Placeholder 3">
+            <a:extLst>
+              <a:ext uri="{FF2B5EF4-FFF2-40B4-BE49-F238E27FC236}">
+                <a16:creationId xmlns:a16="http://schemas.microsoft.com/office/drawing/2014/main" id="{B1A9B8FC-91B4-4D04-97E4-215B657E8A81}"/>
+              </a:ext>
+            </a:extLst>
+          </p:cNvPr>
+          <p:cNvSpPr>
+            <a:spLocks noGrp="1"/>
+          </p:cNvSpPr>
+          <p:nvPr>
+            <p:ph idx="1"/>
+          </p:nvPr>
+        </p:nvSpPr>
+        <p:spPr/>
+        <p:txBody>
+          <a:bodyPr/>
+          <a:lstStyle/>
+          <a:p>
+            <a:r>
+              <a:rPr lang="en-US" dirty="0"/>
+              <a:t>Executing a specific activity multiple times without complex modelling</a:t>
+            </a:r>
+          </a:p>
+          <a:p>
+            <a:pPr lvl="1"/>
+            <a:r>
+              <a:rPr lang="en-US" dirty="0"/>
+              <a:t>Loop a fixed number of times</a:t>
+            </a:r>
+          </a:p>
+          <a:p>
+            <a:pPr lvl="1"/>
+            <a:r>
+              <a:rPr lang="en-US" dirty="0"/>
+              <a:t>Variable number of times (determined by process variables)</a:t>
+            </a:r>
+          </a:p>
+          <a:p>
+            <a:pPr lvl="1"/>
+            <a:r>
+              <a:rPr lang="en-US" dirty="0"/>
+              <a:t>Loop over a list</a:t>
+            </a:r>
+          </a:p>
+          <a:p>
+            <a:pPr lvl="1"/>
+            <a:r>
+              <a:rPr lang="en-US" dirty="0"/>
+              <a:t>Define a “completion condition”</a:t>
+            </a:r>
+          </a:p>
+          <a:p>
+            <a:r>
+              <a:rPr lang="en-US" dirty="0">
+                <a:hlinkClick r:id="rId3"/>
+              </a:rPr>
+              <a:t>https://www.flowable.com/open-source/docs/bpmn/ch07b-BPMN-Constructs#multi-instance-for-each</a:t>
+            </a:r>
+            <a:endParaRPr lang="en-US" dirty="0"/>
+          </a:p>
+        </p:txBody>
+      </p:sp>
+    </p:spTree>
+    <p:extLst>
+      <p:ext uri="{BB962C8B-B14F-4D97-AF65-F5344CB8AC3E}">
+        <p14:creationId xmlns:p14="http://schemas.microsoft.com/office/powerpoint/2010/main" val="620836971"/>
+      </p:ext>
+    </p:extLst>
+  </p:cSld>
+  <p:clrMapOvr>
+    <a:masterClrMapping/>
+  </p:clrMapOvr>
+</p:sld>
+</file>
+
+<file path=ppt/slides/slide17.xml><?xml version="1.0" encoding="utf-8"?>
+<p:sld xmlns:a="http://schemas.openxmlformats.org/drawingml/2006/main" xmlns:r="http://schemas.openxmlformats.org/officeDocument/2006/relationships" xmlns:p="http://schemas.openxmlformats.org/presentationml/2006/main">
+  <p:cSld>
+    <p:spTree>
+      <p:nvGrpSpPr>
+        <p:cNvPr id="1" name=""/>
+        <p:cNvGrpSpPr/>
+        <p:nvPr/>
+      </p:nvGrpSpPr>
+      <p:grpSpPr>
+        <a:xfrm>
+          <a:off x="0" y="0"/>
+          <a:ext cx="0" cy="0"/>
+          <a:chOff x="0" y="0"/>
+          <a:chExt cx="0" cy="0"/>
+        </a:xfrm>
+      </p:grpSpPr>
+      <p:sp>
+        <p:nvSpPr>
+          <p:cNvPr id="2" name="Title 1">
+            <a:extLst>
+              <a:ext uri="{FF2B5EF4-FFF2-40B4-BE49-F238E27FC236}">
+                <a16:creationId xmlns:a16="http://schemas.microsoft.com/office/drawing/2014/main" id="{03812D1F-F6DF-42A7-8DA2-1A5A8243FD15}"/>
+              </a:ext>
+            </a:extLst>
+          </p:cNvPr>
+          <p:cNvSpPr>
+            <a:spLocks noGrp="1"/>
+          </p:cNvSpPr>
+          <p:nvPr>
+            <p:ph type="title"/>
+          </p:nvPr>
+        </p:nvSpPr>
+        <p:spPr/>
+        <p:txBody>
+          <a:bodyPr/>
+          <a:lstStyle/>
+          <a:p>
+            <a:r>
+              <a:rPr lang="en-US" dirty="0"/>
+              <a:t>Cardinality (2/3)</a:t>
+            </a:r>
+            <a:endParaRPr lang="en-CH" dirty="0"/>
+          </a:p>
+        </p:txBody>
+      </p:sp>
+      <p:pic>
+        <p:nvPicPr>
+          <p:cNvPr id="9" name="Picture 8">
+            <a:extLst>
+              <a:ext uri="{FF2B5EF4-FFF2-40B4-BE49-F238E27FC236}">
+                <a16:creationId xmlns:a16="http://schemas.microsoft.com/office/drawing/2014/main" id="{C4DEC049-5711-464A-B3EB-98AD74A156DD}"/>
+              </a:ext>
+            </a:extLst>
+          </p:cNvPr>
+          <p:cNvPicPr>
+            <a:picLocks noChangeAspect="1"/>
+          </p:cNvPicPr>
+          <p:nvPr/>
+        </p:nvPicPr>
+        <p:blipFill>
+          <a:blip r:embed="rId3"/>
+          <a:stretch>
+            <a:fillRect/>
+          </a:stretch>
+        </p:blipFill>
+        <p:spPr>
+          <a:xfrm>
+            <a:off x="6961556" y="2238831"/>
+            <a:ext cx="3648611" cy="1671810"/>
+          </a:xfrm>
+          <a:prstGeom prst="rect">
+            <a:avLst/>
+          </a:prstGeom>
+        </p:spPr>
+      </p:pic>
+      <p:pic>
+        <p:nvPicPr>
+          <p:cNvPr id="11" name="Picture 10">
+            <a:extLst>
+              <a:ext uri="{FF2B5EF4-FFF2-40B4-BE49-F238E27FC236}">
+                <a16:creationId xmlns:a16="http://schemas.microsoft.com/office/drawing/2014/main" id="{75415781-E513-43B2-8ACB-7A54256AA994}"/>
+              </a:ext>
+            </a:extLst>
+          </p:cNvPr>
+          <p:cNvPicPr>
+            <a:picLocks noChangeAspect="1"/>
+          </p:cNvPicPr>
+          <p:nvPr/>
+        </p:nvPicPr>
+        <p:blipFill>
+          <a:blip r:embed="rId4"/>
+          <a:stretch>
+            <a:fillRect/>
+          </a:stretch>
+        </p:blipFill>
+        <p:spPr>
+          <a:xfrm>
+            <a:off x="838200" y="1884568"/>
+            <a:ext cx="4802436" cy="2380337"/>
+          </a:xfrm>
+          <a:prstGeom prst="rect">
+            <a:avLst/>
+          </a:prstGeom>
+        </p:spPr>
+      </p:pic>
+      <p:pic>
+        <p:nvPicPr>
+          <p:cNvPr id="13" name="Graphic 12" descr="Thumbs Down with solid fill">
+            <a:extLst>
+              <a:ext uri="{FF2B5EF4-FFF2-40B4-BE49-F238E27FC236}">
+                <a16:creationId xmlns:a16="http://schemas.microsoft.com/office/drawing/2014/main" id="{EA734CAC-E648-4DC7-816F-EAC3A2990A95}"/>
+              </a:ext>
+            </a:extLst>
+          </p:cNvPr>
+          <p:cNvPicPr>
+            <a:picLocks noChangeAspect="1"/>
+          </p:cNvPicPr>
+          <p:nvPr/>
+        </p:nvPicPr>
+        <p:blipFill>
+          <a:blip r:embed="rId5">
+            <a:extLst>
+              <a:ext uri="{28A0092B-C50C-407E-A947-70E740481C1C}">
+                <a14:useLocalDpi xmlns:a14="http://schemas.microsoft.com/office/drawing/2010/main" val="0"/>
+              </a:ext>
+              <a:ext uri="{96DAC541-7B7A-43D3-8B79-37D633B846F1}">
+                <asvg:svgBlip xmlns:asvg="http://schemas.microsoft.com/office/drawing/2016/SVG/main" r:embed="rId6"/>
+              </a:ext>
+            </a:extLst>
+          </a:blip>
+          <a:stretch>
+            <a:fillRect/>
+          </a:stretch>
+        </p:blipFill>
+        <p:spPr>
+          <a:xfrm>
+            <a:off x="2650016" y="4521867"/>
+            <a:ext cx="914400" cy="914400"/>
+          </a:xfrm>
+          <a:prstGeom prst="rect">
+            <a:avLst/>
+          </a:prstGeom>
+        </p:spPr>
+      </p:pic>
+      <p:pic>
+        <p:nvPicPr>
+          <p:cNvPr id="15" name="Graphic 14" descr="Thumbs up sign with solid fill">
+            <a:extLst>
+              <a:ext uri="{FF2B5EF4-FFF2-40B4-BE49-F238E27FC236}">
+                <a16:creationId xmlns:a16="http://schemas.microsoft.com/office/drawing/2014/main" id="{3EBA9A71-E888-488E-91DF-079D9542A1AA}"/>
+              </a:ext>
+            </a:extLst>
+          </p:cNvPr>
+          <p:cNvPicPr>
+            <a:picLocks noChangeAspect="1"/>
+          </p:cNvPicPr>
+          <p:nvPr/>
+        </p:nvPicPr>
+        <p:blipFill>
+          <a:blip r:embed="rId7">
+            <a:extLst>
+              <a:ext uri="{28A0092B-C50C-407E-A947-70E740481C1C}">
+                <a14:useLocalDpi xmlns:a14="http://schemas.microsoft.com/office/drawing/2010/main" val="0"/>
+              </a:ext>
+              <a:ext uri="{96DAC541-7B7A-43D3-8B79-37D633B846F1}">
+                <asvg:svgBlip xmlns:asvg="http://schemas.microsoft.com/office/drawing/2016/SVG/main" r:embed="rId8"/>
+              </a:ext>
+            </a:extLst>
+          </a:blip>
+          <a:stretch>
+            <a:fillRect/>
+          </a:stretch>
+        </p:blipFill>
+        <p:spPr>
+          <a:xfrm>
+            <a:off x="8170386" y="4521867"/>
+            <a:ext cx="914400" cy="914400"/>
+          </a:xfrm>
+          <a:prstGeom prst="rect">
+            <a:avLst/>
+          </a:prstGeom>
+        </p:spPr>
+      </p:pic>
+    </p:spTree>
+    <p:extLst>
+      <p:ext uri="{BB962C8B-B14F-4D97-AF65-F5344CB8AC3E}">
+        <p14:creationId xmlns:p14="http://schemas.microsoft.com/office/powerpoint/2010/main" val="3081153295"/>
+      </p:ext>
+    </p:extLst>
+  </p:cSld>
+  <p:clrMapOvr>
+    <a:masterClrMapping/>
+  </p:clrMapOvr>
+</p:sld>
+</file>
+
+<file path=ppt/slides/slide18.xml><?xml version="1.0" encoding="utf-8"?>
+<p:sld xmlns:a="http://schemas.openxmlformats.org/drawingml/2006/main" xmlns:r="http://schemas.openxmlformats.org/officeDocument/2006/relationships" xmlns:p="http://schemas.openxmlformats.org/presentationml/2006/main">
+  <p:cSld>
+    <p:spTree>
+      <p:nvGrpSpPr>
+        <p:cNvPr id="1" name=""/>
+        <p:cNvGrpSpPr/>
+        <p:nvPr/>
+      </p:nvGrpSpPr>
+      <p:grpSpPr>
+        <a:xfrm>
+          <a:off x="0" y="0"/>
+          <a:ext cx="0" cy="0"/>
+          <a:chOff x="0" y="0"/>
+          <a:chExt cx="0" cy="0"/>
+        </a:xfrm>
+      </p:grpSpPr>
+      <p:sp>
+        <p:nvSpPr>
+          <p:cNvPr id="2" name="Title 1">
+            <a:extLst>
+              <a:ext uri="{FF2B5EF4-FFF2-40B4-BE49-F238E27FC236}">
+                <a16:creationId xmlns:a16="http://schemas.microsoft.com/office/drawing/2014/main" id="{03812D1F-F6DF-42A7-8DA2-1A5A8243FD15}"/>
+              </a:ext>
+            </a:extLst>
+          </p:cNvPr>
+          <p:cNvSpPr>
+            <a:spLocks noGrp="1"/>
+          </p:cNvSpPr>
+          <p:nvPr>
+            <p:ph type="title"/>
+          </p:nvPr>
+        </p:nvSpPr>
+        <p:spPr/>
+        <p:txBody>
+          <a:bodyPr/>
+          <a:lstStyle/>
+          <a:p>
+            <a:r>
+              <a:rPr lang="en-US" dirty="0"/>
+              <a:t>Cardinality (3/3)</a:t>
+            </a:r>
+            <a:endParaRPr lang="en-CH" dirty="0"/>
+          </a:p>
+        </p:txBody>
+      </p:sp>
+      <p:sp>
+        <p:nvSpPr>
+          <p:cNvPr id="5" name="Content Placeholder 4">
+            <a:extLst>
+              <a:ext uri="{FF2B5EF4-FFF2-40B4-BE49-F238E27FC236}">
+                <a16:creationId xmlns:a16="http://schemas.microsoft.com/office/drawing/2014/main" id="{3A5FB3D3-4BB6-451A-91DF-53D8A59B2AD4}"/>
+              </a:ext>
+            </a:extLst>
+          </p:cNvPr>
+          <p:cNvSpPr>
+            <a:spLocks noGrp="1"/>
+          </p:cNvSpPr>
+          <p:nvPr>
+            <p:ph idx="1"/>
+          </p:nvPr>
+        </p:nvSpPr>
+        <p:spPr/>
+        <p:txBody>
+          <a:bodyPr>
+            <a:normAutofit/>
+          </a:bodyPr>
+          <a:lstStyle/>
+          <a:p>
+            <a:r>
+              <a:rPr lang="en-US" dirty="0"/>
+              <a:t>Syntax</a:t>
+            </a:r>
+          </a:p>
+          <a:p>
+            <a:pPr lvl="1"/>
+            <a:r>
+              <a:rPr lang="de-CH" b="0" i="0" dirty="0">
+                <a:solidFill>
+                  <a:srgbClr val="444444"/>
+                </a:solidFill>
+                <a:effectLst/>
+                <a:latin typeface="SFMono-Regular"/>
+              </a:rPr>
+              <a:t>&lt;</a:t>
+            </a:r>
+            <a:r>
+              <a:rPr lang="de-CH" b="0" i="0" dirty="0" err="1">
+                <a:solidFill>
+                  <a:srgbClr val="444444"/>
+                </a:solidFill>
+                <a:effectLst/>
+                <a:latin typeface="SFMono-Regular"/>
+              </a:rPr>
+              <a:t>multiInstanceLoopCharacteristics</a:t>
+            </a:r>
+            <a:r>
+              <a:rPr lang="de-CH" b="0" i="0" dirty="0">
+                <a:solidFill>
+                  <a:srgbClr val="444444"/>
+                </a:solidFill>
+                <a:effectLst/>
+                <a:latin typeface="SFMono-Regular"/>
+              </a:rPr>
+              <a:t> </a:t>
+            </a:r>
+            <a:r>
+              <a:rPr lang="de-CH" b="0" i="0" dirty="0" err="1">
+                <a:solidFill>
+                  <a:srgbClr val="444444"/>
+                </a:solidFill>
+                <a:effectLst/>
+                <a:latin typeface="SFMono-Regular"/>
+              </a:rPr>
+              <a:t>isSequential</a:t>
+            </a:r>
+            <a:r>
+              <a:rPr lang="de-CH" b="0" i="0" dirty="0">
+                <a:solidFill>
+                  <a:srgbClr val="444444"/>
+                </a:solidFill>
+                <a:effectLst/>
+                <a:latin typeface="SFMono-Regular"/>
+              </a:rPr>
+              <a:t>="</a:t>
+            </a:r>
+            <a:r>
+              <a:rPr lang="de-CH" b="0" i="0" dirty="0" err="1">
+                <a:solidFill>
+                  <a:srgbClr val="444444"/>
+                </a:solidFill>
+                <a:effectLst/>
+                <a:latin typeface="SFMono-Regular"/>
+              </a:rPr>
+              <a:t>false|true</a:t>
+            </a:r>
+            <a:r>
+              <a:rPr lang="de-CH" b="0" i="0" dirty="0">
+                <a:solidFill>
+                  <a:srgbClr val="444444"/>
+                </a:solidFill>
+                <a:effectLst/>
+                <a:latin typeface="SFMono-Regular"/>
+              </a:rPr>
+              <a:t>"&gt; </a:t>
+            </a:r>
+            <a:r>
+              <a:rPr lang="de-CH" b="0" i="0" dirty="0">
+                <a:solidFill>
+                  <a:srgbClr val="444444"/>
+                </a:solidFill>
+                <a:effectLst/>
+                <a:highlight>
+                  <a:srgbClr val="FFFF00"/>
+                </a:highlight>
+                <a:latin typeface="SFMono-Regular"/>
+              </a:rPr>
+              <a:t>&lt;</a:t>
+            </a:r>
+            <a:r>
+              <a:rPr lang="de-CH" b="0" i="0" dirty="0" err="1">
+                <a:solidFill>
+                  <a:srgbClr val="444444"/>
+                </a:solidFill>
+                <a:effectLst/>
+                <a:highlight>
+                  <a:srgbClr val="FFFF00"/>
+                </a:highlight>
+                <a:latin typeface="SFMono-Regular"/>
+              </a:rPr>
+              <a:t>loopCardinality</a:t>
+            </a:r>
+            <a:r>
+              <a:rPr lang="de-CH" b="0" i="0" dirty="0">
+                <a:solidFill>
+                  <a:srgbClr val="444444"/>
+                </a:solidFill>
+                <a:effectLst/>
+                <a:highlight>
+                  <a:srgbClr val="FFFF00"/>
+                </a:highlight>
+                <a:latin typeface="SFMono-Regular"/>
+              </a:rPr>
+              <a:t>&gt;5&lt;/</a:t>
+            </a:r>
+            <a:r>
+              <a:rPr lang="de-CH" b="0" i="0" dirty="0" err="1">
+                <a:solidFill>
+                  <a:srgbClr val="444444"/>
+                </a:solidFill>
+                <a:effectLst/>
+                <a:highlight>
+                  <a:srgbClr val="FFFF00"/>
+                </a:highlight>
+                <a:latin typeface="SFMono-Regular"/>
+              </a:rPr>
+              <a:t>loopCardinality</a:t>
+            </a:r>
+            <a:r>
+              <a:rPr lang="de-CH" b="0" i="0" dirty="0">
+                <a:solidFill>
+                  <a:srgbClr val="444444"/>
+                </a:solidFill>
+                <a:effectLst/>
+                <a:highlight>
+                  <a:srgbClr val="FFFF00"/>
+                </a:highlight>
+                <a:latin typeface="SFMono-Regular"/>
+              </a:rPr>
+              <a:t>&gt; &lt;/</a:t>
+            </a:r>
+            <a:r>
+              <a:rPr lang="de-CH" b="0" i="0" dirty="0" err="1">
+                <a:solidFill>
+                  <a:srgbClr val="444444"/>
+                </a:solidFill>
+                <a:effectLst/>
+                <a:highlight>
+                  <a:srgbClr val="FFFF00"/>
+                </a:highlight>
+                <a:latin typeface="SFMono-Regular"/>
+              </a:rPr>
+              <a:t>multiInstanceLoopCharacteristics</a:t>
+            </a:r>
+            <a:r>
+              <a:rPr lang="de-CH" b="0" i="0" dirty="0">
+                <a:solidFill>
+                  <a:srgbClr val="444444"/>
+                </a:solidFill>
+                <a:effectLst/>
+                <a:highlight>
+                  <a:srgbClr val="FFFF00"/>
+                </a:highlight>
+                <a:latin typeface="SFMono-Regular"/>
+              </a:rPr>
+              <a:t>&gt;</a:t>
+            </a:r>
+            <a:endParaRPr lang="en-US" b="0" i="0" dirty="0">
+              <a:solidFill>
+                <a:srgbClr val="444444"/>
+              </a:solidFill>
+              <a:effectLst/>
+              <a:highlight>
+                <a:srgbClr val="FFFF00"/>
+              </a:highlight>
+              <a:latin typeface="SFMono-Regular"/>
+            </a:endParaRPr>
+          </a:p>
+          <a:p>
+            <a:pPr lvl="1"/>
+            <a:r>
+              <a:rPr lang="de-CH" b="0" i="0" dirty="0">
+                <a:solidFill>
+                  <a:srgbClr val="444444"/>
+                </a:solidFill>
+                <a:effectLst/>
+                <a:latin typeface="SFMono-Regular"/>
+              </a:rPr>
+              <a:t>&lt;</a:t>
+            </a:r>
+            <a:r>
+              <a:rPr lang="de-CH" b="0" i="0" dirty="0" err="1">
+                <a:solidFill>
+                  <a:srgbClr val="444444"/>
+                </a:solidFill>
+                <a:effectLst/>
+                <a:latin typeface="SFMono-Regular"/>
+              </a:rPr>
+              <a:t>multiInstanceLoopCharacteristics</a:t>
+            </a:r>
+            <a:r>
+              <a:rPr lang="de-CH" b="0" i="0" dirty="0">
+                <a:solidFill>
+                  <a:srgbClr val="444444"/>
+                </a:solidFill>
+                <a:effectLst/>
+                <a:latin typeface="SFMono-Regular"/>
+              </a:rPr>
+              <a:t> </a:t>
+            </a:r>
+            <a:r>
+              <a:rPr lang="de-CH" b="0" i="0" dirty="0" err="1">
+                <a:solidFill>
+                  <a:srgbClr val="444444"/>
+                </a:solidFill>
+                <a:effectLst/>
+                <a:latin typeface="SFMono-Regular"/>
+              </a:rPr>
+              <a:t>isSequential</a:t>
+            </a:r>
+            <a:r>
+              <a:rPr lang="de-CH" b="0" i="0" dirty="0">
+                <a:solidFill>
+                  <a:srgbClr val="444444"/>
+                </a:solidFill>
+                <a:effectLst/>
+                <a:latin typeface="SFMono-Regular"/>
+              </a:rPr>
+              <a:t>="</a:t>
+            </a:r>
+            <a:r>
+              <a:rPr lang="de-CH" b="0" i="0" dirty="0" err="1">
+                <a:solidFill>
+                  <a:srgbClr val="444444"/>
+                </a:solidFill>
+                <a:effectLst/>
+                <a:latin typeface="SFMono-Regular"/>
+              </a:rPr>
+              <a:t>false|true</a:t>
+            </a:r>
+            <a:r>
+              <a:rPr lang="de-CH" b="0" i="0" dirty="0">
+                <a:solidFill>
+                  <a:srgbClr val="444444"/>
+                </a:solidFill>
+                <a:effectLst/>
+                <a:latin typeface="SFMono-Regular"/>
+              </a:rPr>
+              <a:t>"&gt; </a:t>
+            </a:r>
+            <a:r>
+              <a:rPr lang="de-CH" b="0" i="0" dirty="0">
+                <a:solidFill>
+                  <a:srgbClr val="444444"/>
+                </a:solidFill>
+                <a:effectLst/>
+                <a:highlight>
+                  <a:srgbClr val="FFFF00"/>
+                </a:highlight>
+                <a:latin typeface="SFMono-Regular"/>
+              </a:rPr>
+              <a:t>&lt;</a:t>
+            </a:r>
+            <a:r>
+              <a:rPr lang="de-CH" b="0" i="0" dirty="0" err="1">
+                <a:solidFill>
+                  <a:srgbClr val="444444"/>
+                </a:solidFill>
+                <a:effectLst/>
+                <a:highlight>
+                  <a:srgbClr val="FFFF00"/>
+                </a:highlight>
+                <a:latin typeface="SFMono-Regular"/>
+              </a:rPr>
+              <a:t>loopCardinality</a:t>
+            </a:r>
+            <a:r>
+              <a:rPr lang="de-CH" b="0" i="0" dirty="0">
+                <a:solidFill>
+                  <a:srgbClr val="444444"/>
+                </a:solidFill>
+                <a:effectLst/>
+                <a:highlight>
+                  <a:srgbClr val="FFFF00"/>
+                </a:highlight>
+                <a:latin typeface="SFMono-Regular"/>
+              </a:rPr>
+              <a:t>&gt;${</a:t>
+            </a:r>
+            <a:r>
+              <a:rPr lang="de-CH" b="0" i="0" dirty="0" err="1">
+                <a:solidFill>
+                  <a:srgbClr val="444444"/>
+                </a:solidFill>
+                <a:effectLst/>
+                <a:highlight>
+                  <a:srgbClr val="FFFF00"/>
+                </a:highlight>
+                <a:latin typeface="SFMono-Regular"/>
+              </a:rPr>
+              <a:t>nrOfOrders-nrOfCancellations</a:t>
+            </a:r>
+            <a:r>
+              <a:rPr lang="de-CH" b="0" i="0" dirty="0">
+                <a:solidFill>
+                  <a:srgbClr val="444444"/>
+                </a:solidFill>
+                <a:effectLst/>
+                <a:highlight>
+                  <a:srgbClr val="FFFF00"/>
+                </a:highlight>
+                <a:latin typeface="SFMono-Regular"/>
+              </a:rPr>
+              <a:t>}&lt;/</a:t>
+            </a:r>
+            <a:r>
+              <a:rPr lang="de-CH" b="0" i="0" dirty="0" err="1">
+                <a:solidFill>
+                  <a:srgbClr val="444444"/>
+                </a:solidFill>
+                <a:effectLst/>
+                <a:highlight>
+                  <a:srgbClr val="FFFF00"/>
+                </a:highlight>
+                <a:latin typeface="SFMono-Regular"/>
+              </a:rPr>
+              <a:t>loopCardinality</a:t>
+            </a:r>
+            <a:r>
+              <a:rPr lang="de-CH" b="0" i="0" dirty="0">
+                <a:solidFill>
+                  <a:srgbClr val="444444"/>
+                </a:solidFill>
+                <a:effectLst/>
+                <a:highlight>
+                  <a:srgbClr val="FFFF00"/>
+                </a:highlight>
+                <a:latin typeface="SFMono-Regular"/>
+              </a:rPr>
+              <a:t>&gt; </a:t>
+            </a:r>
+            <a:r>
+              <a:rPr lang="de-CH" b="0" i="0" dirty="0">
+                <a:solidFill>
+                  <a:srgbClr val="444444"/>
+                </a:solidFill>
+                <a:effectLst/>
+                <a:latin typeface="SFMono-Regular"/>
+              </a:rPr>
+              <a:t>&lt;/</a:t>
+            </a:r>
+            <a:r>
+              <a:rPr lang="de-CH" b="0" i="0" dirty="0" err="1">
+                <a:solidFill>
+                  <a:srgbClr val="444444"/>
+                </a:solidFill>
+                <a:effectLst/>
+                <a:latin typeface="SFMono-Regular"/>
+              </a:rPr>
+              <a:t>multiInstanceLoopCharacteristics</a:t>
+            </a:r>
+            <a:r>
+              <a:rPr lang="de-CH" b="0" i="0" dirty="0">
+                <a:solidFill>
+                  <a:srgbClr val="444444"/>
+                </a:solidFill>
+                <a:effectLst/>
+                <a:latin typeface="SFMono-Regular"/>
+              </a:rPr>
+              <a:t>&gt;</a:t>
+            </a:r>
+            <a:endParaRPr lang="en-US" dirty="0">
+              <a:solidFill>
+                <a:srgbClr val="444444"/>
+              </a:solidFill>
+              <a:latin typeface="SFMono-Regular"/>
+            </a:endParaRPr>
+          </a:p>
+          <a:p>
+            <a:pPr lvl="1"/>
+            <a:r>
+              <a:rPr lang="de-CH" b="0" i="0" dirty="0">
+                <a:solidFill>
+                  <a:srgbClr val="444444"/>
+                </a:solidFill>
+                <a:effectLst/>
+                <a:latin typeface="SFMono-Regular"/>
+              </a:rPr>
+              <a:t>&lt;</a:t>
+            </a:r>
+            <a:r>
+              <a:rPr lang="de-CH" b="0" i="0" dirty="0" err="1">
+                <a:solidFill>
+                  <a:srgbClr val="444444"/>
+                </a:solidFill>
+                <a:effectLst/>
+                <a:latin typeface="SFMono-Regular"/>
+              </a:rPr>
+              <a:t>multiInstanceLoopCharacteristics</a:t>
+            </a:r>
+            <a:r>
+              <a:rPr lang="de-CH" b="0" i="0" dirty="0">
+                <a:solidFill>
+                  <a:srgbClr val="444444"/>
+                </a:solidFill>
+                <a:effectLst/>
+                <a:latin typeface="SFMono-Regular"/>
+              </a:rPr>
+              <a:t> </a:t>
+            </a:r>
+            <a:r>
+              <a:rPr lang="de-CH" b="0" i="0" dirty="0" err="1">
+                <a:solidFill>
+                  <a:srgbClr val="444444"/>
+                </a:solidFill>
+                <a:effectLst/>
+                <a:latin typeface="SFMono-Regular"/>
+              </a:rPr>
+              <a:t>isSequential</a:t>
+            </a:r>
+            <a:r>
+              <a:rPr lang="de-CH" b="0" i="0" dirty="0">
+                <a:solidFill>
+                  <a:srgbClr val="444444"/>
+                </a:solidFill>
+                <a:effectLst/>
+                <a:latin typeface="SFMono-Regular"/>
+              </a:rPr>
+              <a:t>="</a:t>
+            </a:r>
+            <a:r>
+              <a:rPr lang="de-CH" b="0" i="0" dirty="0" err="1">
+                <a:solidFill>
+                  <a:srgbClr val="444444"/>
+                </a:solidFill>
+                <a:effectLst/>
+                <a:latin typeface="SFMono-Regular"/>
+              </a:rPr>
+              <a:t>false</a:t>
+            </a:r>
+            <a:r>
+              <a:rPr lang="de-CH" b="0" i="0" dirty="0">
+                <a:solidFill>
+                  <a:srgbClr val="444444"/>
+                </a:solidFill>
+                <a:effectLst/>
+                <a:latin typeface="SFMono-Regular"/>
+              </a:rPr>
+              <a:t>" </a:t>
+            </a:r>
+            <a:r>
+              <a:rPr lang="de-CH" b="0" i="0" dirty="0" err="1">
+                <a:solidFill>
+                  <a:srgbClr val="444444"/>
+                </a:solidFill>
+                <a:effectLst/>
+                <a:highlight>
+                  <a:srgbClr val="FFFF00"/>
+                </a:highlight>
+                <a:latin typeface="SFMono-Regular"/>
+              </a:rPr>
+              <a:t>flowable:collection</a:t>
+            </a:r>
+            <a:r>
+              <a:rPr lang="de-CH" b="0" i="0" dirty="0">
+                <a:solidFill>
+                  <a:srgbClr val="444444"/>
+                </a:solidFill>
+                <a:effectLst/>
+                <a:highlight>
+                  <a:srgbClr val="FFFF00"/>
+                </a:highlight>
+                <a:latin typeface="SFMono-Regular"/>
+              </a:rPr>
+              <a:t>=«</a:t>
+            </a:r>
+            <a:r>
+              <a:rPr lang="de-CH" b="1" i="0" dirty="0" err="1">
+                <a:solidFill>
+                  <a:srgbClr val="444444"/>
+                </a:solidFill>
+                <a:effectLst/>
+                <a:highlight>
+                  <a:srgbClr val="FFFF00"/>
+                </a:highlight>
+                <a:latin typeface="SFMono-Regular"/>
+              </a:rPr>
+              <a:t>loopList</a:t>
+            </a:r>
+            <a:r>
+              <a:rPr lang="de-CH" b="0" i="0" dirty="0">
+                <a:solidFill>
+                  <a:srgbClr val="444444"/>
+                </a:solidFill>
+                <a:effectLst/>
+                <a:highlight>
+                  <a:srgbClr val="FFFF00"/>
+                </a:highlight>
+                <a:latin typeface="SFMono-Regular"/>
+              </a:rPr>
+              <a:t>" </a:t>
+            </a:r>
+            <a:r>
+              <a:rPr lang="de-CH" b="0" i="0" dirty="0" err="1">
+                <a:solidFill>
+                  <a:srgbClr val="444444"/>
+                </a:solidFill>
+                <a:effectLst/>
+                <a:highlight>
+                  <a:srgbClr val="FFFF00"/>
+                </a:highlight>
+                <a:latin typeface="SFMono-Regular"/>
+              </a:rPr>
+              <a:t>flowable:elementVariable</a:t>
+            </a:r>
+            <a:r>
+              <a:rPr lang="de-CH" b="0" i="0" dirty="0">
+                <a:solidFill>
+                  <a:srgbClr val="444444"/>
+                </a:solidFill>
+                <a:effectLst/>
+                <a:highlight>
+                  <a:srgbClr val="FFFF00"/>
+                </a:highlight>
+                <a:latin typeface="SFMono-Regular"/>
+              </a:rPr>
+              <a:t>=«</a:t>
+            </a:r>
+            <a:r>
+              <a:rPr lang="de-CH" b="1" i="0" dirty="0" err="1">
+                <a:solidFill>
+                  <a:srgbClr val="444444"/>
+                </a:solidFill>
+                <a:effectLst/>
+                <a:highlight>
+                  <a:srgbClr val="FFFF00"/>
+                </a:highlight>
+                <a:latin typeface="SFMono-Regular"/>
+              </a:rPr>
+              <a:t>listItem</a:t>
+            </a:r>
+            <a:r>
+              <a:rPr lang="de-CH" b="0" i="0" dirty="0">
+                <a:solidFill>
+                  <a:srgbClr val="444444"/>
+                </a:solidFill>
+                <a:effectLst/>
+                <a:highlight>
+                  <a:srgbClr val="FFFF00"/>
+                </a:highlight>
+                <a:latin typeface="SFMono-Regular"/>
+              </a:rPr>
+              <a:t>" &gt; </a:t>
+            </a:r>
+            <a:r>
+              <a:rPr lang="de-CH" b="0" i="0" dirty="0">
+                <a:solidFill>
+                  <a:srgbClr val="444444"/>
+                </a:solidFill>
+                <a:effectLst/>
+                <a:latin typeface="SFMono-Regular"/>
+              </a:rPr>
+              <a:t>&lt;/</a:t>
+            </a:r>
+            <a:r>
+              <a:rPr lang="de-CH" b="0" i="0" dirty="0" err="1">
+                <a:solidFill>
+                  <a:srgbClr val="444444"/>
+                </a:solidFill>
+                <a:effectLst/>
+                <a:latin typeface="SFMono-Regular"/>
+              </a:rPr>
+              <a:t>multiInstanceLoopCharacteristics</a:t>
+            </a:r>
+            <a:r>
+              <a:rPr lang="de-CH" b="0" i="0" dirty="0">
+                <a:solidFill>
+                  <a:srgbClr val="444444"/>
+                </a:solidFill>
+                <a:effectLst/>
+                <a:latin typeface="SFMono-Regular"/>
+              </a:rPr>
+              <a:t>&gt;</a:t>
+            </a:r>
+            <a:endParaRPr lang="en-CH" dirty="0"/>
+          </a:p>
+        </p:txBody>
+      </p:sp>
+    </p:spTree>
+    <p:extLst>
+      <p:ext uri="{BB962C8B-B14F-4D97-AF65-F5344CB8AC3E}">
+        <p14:creationId xmlns:p14="http://schemas.microsoft.com/office/powerpoint/2010/main" val="1634682293"/>
       </p:ext>
     </p:extLst>
   </p:cSld>
@@ -4880,7 +7038,7 @@
           <a:p>
             <a:r>
               <a:rPr lang="en-US" dirty="0"/>
-              <a:t>Flowable API Overview (1/3)</a:t>
+              <a:t>Flowable API Overview (1/2)</a:t>
             </a:r>
             <a:endParaRPr lang="en-CH" dirty="0"/>
           </a:p>

--- a/flowable-demo/src/main/resources/devsupport/Flowable_Demo.pptx
+++ b/flowable-demo/src/main/resources/devsupport/Flowable_Demo.pptx
@@ -5,7 +5,7 @@
     <p:sldMasterId id="2147483648" r:id="rId1"/>
   </p:sldMasterIdLst>
   <p:notesMasterIdLst>
-    <p:notesMasterId r:id="rId20"/>
+    <p:notesMasterId r:id="rId22"/>
   </p:notesMasterIdLst>
   <p:sldIdLst>
     <p:sldId id="256" r:id="rId2"/>
@@ -23,9 +23,11 @@
     <p:sldId id="262" r:id="rId14"/>
     <p:sldId id="274" r:id="rId15"/>
     <p:sldId id="275" r:id="rId16"/>
-    <p:sldId id="279" r:id="rId17"/>
-    <p:sldId id="276" r:id="rId18"/>
-    <p:sldId id="277" r:id="rId19"/>
+    <p:sldId id="281" r:id="rId17"/>
+    <p:sldId id="282" r:id="rId18"/>
+    <p:sldId id="279" r:id="rId19"/>
+    <p:sldId id="276" r:id="rId20"/>
+    <p:sldId id="277" r:id="rId21"/>
   </p:sldIdLst>
   <p:sldSz cx="12192000" cy="6858000"/>
   <p:notesSz cx="6858000" cy="9144000"/>
@@ -214,7 +216,7 @@
           <a:p>
             <a:fld id="{5833448F-D82A-4F91-8165-AEC9D03D7538}" type="datetimeFigureOut">
               <a:rPr lang="en-CH" smtClean="0"/>
-              <a:t>23/04/2022</a:t>
+              <a:t>24/04/2022</a:t>
             </a:fld>
             <a:endParaRPr lang="en-CH"/>
           </a:p>
@@ -566,6 +568,174 @@
 </p:notes>
 </file>
 
+<file path=ppt/notesSlides/notesSlide10.xml><?xml version="1.0" encoding="utf-8"?>
+<p:notes xmlns:a="http://schemas.openxmlformats.org/drawingml/2006/main" xmlns:r="http://schemas.openxmlformats.org/officeDocument/2006/relationships" xmlns:p="http://schemas.openxmlformats.org/presentationml/2006/main">
+  <p:cSld>
+    <p:spTree>
+      <p:nvGrpSpPr>
+        <p:cNvPr id="1" name=""/>
+        <p:cNvGrpSpPr/>
+        <p:nvPr/>
+      </p:nvGrpSpPr>
+      <p:grpSpPr>
+        <a:xfrm>
+          <a:off x="0" y="0"/>
+          <a:ext cx="0" cy="0"/>
+          <a:chOff x="0" y="0"/>
+          <a:chExt cx="0" cy="0"/>
+        </a:xfrm>
+      </p:grpSpPr>
+      <p:sp>
+        <p:nvSpPr>
+          <p:cNvPr id="2" name="Slide Image Placeholder 1"/>
+          <p:cNvSpPr>
+            <a:spLocks noGrp="1" noRot="1" noChangeAspect="1"/>
+          </p:cNvSpPr>
+          <p:nvPr>
+            <p:ph type="sldImg"/>
+          </p:nvPr>
+        </p:nvSpPr>
+        <p:spPr/>
+      </p:sp>
+      <p:sp>
+        <p:nvSpPr>
+          <p:cNvPr id="3" name="Notes Placeholder 2"/>
+          <p:cNvSpPr>
+            <a:spLocks noGrp="1"/>
+          </p:cNvSpPr>
+          <p:nvPr>
+            <p:ph type="body" idx="1"/>
+          </p:nvPr>
+        </p:nvSpPr>
+        <p:spPr/>
+        <p:txBody>
+          <a:bodyPr/>
+          <a:lstStyle/>
+          <a:p>
+            <a:endParaRPr lang="de-CH" dirty="0"/>
+          </a:p>
+        </p:txBody>
+      </p:sp>
+      <p:sp>
+        <p:nvSpPr>
+          <p:cNvPr id="4" name="Slide Number Placeholder 3"/>
+          <p:cNvSpPr>
+            <a:spLocks noGrp="1"/>
+          </p:cNvSpPr>
+          <p:nvPr>
+            <p:ph type="sldNum" sz="quarter" idx="5"/>
+          </p:nvPr>
+        </p:nvSpPr>
+        <p:spPr/>
+        <p:txBody>
+          <a:bodyPr/>
+          <a:lstStyle/>
+          <a:p>
+            <a:fld id="{02945BD4-EE45-4032-9BDF-3B28D9BFA7D5}" type="slidenum">
+              <a:rPr lang="en-CH" smtClean="0"/>
+              <a:t>19</a:t>
+            </a:fld>
+            <a:endParaRPr lang="en-CH"/>
+          </a:p>
+        </p:txBody>
+      </p:sp>
+    </p:spTree>
+    <p:extLst>
+      <p:ext uri="{BB962C8B-B14F-4D97-AF65-F5344CB8AC3E}">
+        <p14:creationId xmlns:p14="http://schemas.microsoft.com/office/powerpoint/2010/main" val="3583361730"/>
+      </p:ext>
+    </p:extLst>
+  </p:cSld>
+  <p:clrMapOvr>
+    <a:masterClrMapping/>
+  </p:clrMapOvr>
+</p:notes>
+</file>
+
+<file path=ppt/notesSlides/notesSlide11.xml><?xml version="1.0" encoding="utf-8"?>
+<p:notes xmlns:a="http://schemas.openxmlformats.org/drawingml/2006/main" xmlns:r="http://schemas.openxmlformats.org/officeDocument/2006/relationships" xmlns:p="http://schemas.openxmlformats.org/presentationml/2006/main">
+  <p:cSld>
+    <p:spTree>
+      <p:nvGrpSpPr>
+        <p:cNvPr id="1" name=""/>
+        <p:cNvGrpSpPr/>
+        <p:nvPr/>
+      </p:nvGrpSpPr>
+      <p:grpSpPr>
+        <a:xfrm>
+          <a:off x="0" y="0"/>
+          <a:ext cx="0" cy="0"/>
+          <a:chOff x="0" y="0"/>
+          <a:chExt cx="0" cy="0"/>
+        </a:xfrm>
+      </p:grpSpPr>
+      <p:sp>
+        <p:nvSpPr>
+          <p:cNvPr id="2" name="Slide Image Placeholder 1"/>
+          <p:cNvSpPr>
+            <a:spLocks noGrp="1" noRot="1" noChangeAspect="1"/>
+          </p:cNvSpPr>
+          <p:nvPr>
+            <p:ph type="sldImg"/>
+          </p:nvPr>
+        </p:nvSpPr>
+        <p:spPr/>
+      </p:sp>
+      <p:sp>
+        <p:nvSpPr>
+          <p:cNvPr id="3" name="Notes Placeholder 2"/>
+          <p:cNvSpPr>
+            <a:spLocks noGrp="1"/>
+          </p:cNvSpPr>
+          <p:nvPr>
+            <p:ph type="body" idx="1"/>
+          </p:nvPr>
+        </p:nvSpPr>
+        <p:spPr/>
+        <p:txBody>
+          <a:bodyPr/>
+          <a:lstStyle/>
+          <a:p>
+            <a:endParaRPr lang="de-CH" dirty="0"/>
+          </a:p>
+        </p:txBody>
+      </p:sp>
+      <p:sp>
+        <p:nvSpPr>
+          <p:cNvPr id="4" name="Slide Number Placeholder 3"/>
+          <p:cNvSpPr>
+            <a:spLocks noGrp="1"/>
+          </p:cNvSpPr>
+          <p:nvPr>
+            <p:ph type="sldNum" sz="quarter" idx="5"/>
+          </p:nvPr>
+        </p:nvSpPr>
+        <p:spPr/>
+        <p:txBody>
+          <a:bodyPr/>
+          <a:lstStyle/>
+          <a:p>
+            <a:fld id="{02945BD4-EE45-4032-9BDF-3B28D9BFA7D5}" type="slidenum">
+              <a:rPr lang="en-CH" smtClean="0"/>
+              <a:t>20</a:t>
+            </a:fld>
+            <a:endParaRPr lang="en-CH"/>
+          </a:p>
+        </p:txBody>
+      </p:sp>
+    </p:spTree>
+    <p:extLst>
+      <p:ext uri="{BB962C8B-B14F-4D97-AF65-F5344CB8AC3E}">
+        <p14:creationId xmlns:p14="http://schemas.microsoft.com/office/powerpoint/2010/main" val="3740068702"/>
+      </p:ext>
+    </p:extLst>
+  </p:cSld>
+  <p:clrMapOvr>
+    <a:masterClrMapping/>
+  </p:clrMapOvr>
+</p:notes>
+</file>
+
 <file path=ppt/notesSlides/notesSlide2.xml><?xml version="1.0" encoding="utf-8"?>
 <p:notes xmlns:a="http://schemas.openxmlformats.org/drawingml/2006/main" xmlns:r="http://schemas.openxmlformats.org/officeDocument/2006/relationships" xmlns:p="http://schemas.openxmlformats.org/presentationml/2006/main">
   <p:cSld>
@@ -1188,7 +1358,7 @@
     </p:spTree>
     <p:extLst>
       <p:ext uri="{BB962C8B-B14F-4D97-AF65-F5344CB8AC3E}">
-        <p14:creationId xmlns:p14="http://schemas.microsoft.com/office/powerpoint/2010/main" val="1217711729"/>
+        <p14:creationId xmlns:p14="http://schemas.microsoft.com/office/powerpoint/2010/main" val="2116276287"/>
       </p:ext>
     </p:extLst>
   </p:cSld>
@@ -1272,7 +1442,7 @@
     </p:spTree>
     <p:extLst>
       <p:ext uri="{BB962C8B-B14F-4D97-AF65-F5344CB8AC3E}">
-        <p14:creationId xmlns:p14="http://schemas.microsoft.com/office/powerpoint/2010/main" val="3583361730"/>
+        <p14:creationId xmlns:p14="http://schemas.microsoft.com/office/powerpoint/2010/main" val="2263799970"/>
       </p:ext>
     </p:extLst>
   </p:cSld>
@@ -1356,7 +1526,7 @@
     </p:spTree>
     <p:extLst>
       <p:ext uri="{BB962C8B-B14F-4D97-AF65-F5344CB8AC3E}">
-        <p14:creationId xmlns:p14="http://schemas.microsoft.com/office/powerpoint/2010/main" val="3740068702"/>
+        <p14:creationId xmlns:p14="http://schemas.microsoft.com/office/powerpoint/2010/main" val="1217711729"/>
       </p:ext>
     </p:extLst>
   </p:cSld>
@@ -1515,7 +1685,7 @@
           <a:p>
             <a:fld id="{1DE9D8DB-7996-4D53-BAF7-A90A1E48913A}" type="datetimeFigureOut">
               <a:rPr lang="en-CH" smtClean="0"/>
-              <a:t>23/04/2022</a:t>
+              <a:t>24/04/2022</a:t>
             </a:fld>
             <a:endParaRPr lang="en-CH"/>
           </a:p>
@@ -1715,7 +1885,7 @@
           <a:p>
             <a:fld id="{1DE9D8DB-7996-4D53-BAF7-A90A1E48913A}" type="datetimeFigureOut">
               <a:rPr lang="en-CH" smtClean="0"/>
-              <a:t>23/04/2022</a:t>
+              <a:t>24/04/2022</a:t>
             </a:fld>
             <a:endParaRPr lang="en-CH"/>
           </a:p>
@@ -1925,7 +2095,7 @@
           <a:p>
             <a:fld id="{1DE9D8DB-7996-4D53-BAF7-A90A1E48913A}" type="datetimeFigureOut">
               <a:rPr lang="en-CH" smtClean="0"/>
-              <a:t>23/04/2022</a:t>
+              <a:t>24/04/2022</a:t>
             </a:fld>
             <a:endParaRPr lang="en-CH"/>
           </a:p>
@@ -2125,7 +2295,7 @@
           <a:p>
             <a:fld id="{1DE9D8DB-7996-4D53-BAF7-A90A1E48913A}" type="datetimeFigureOut">
               <a:rPr lang="en-CH" smtClean="0"/>
-              <a:t>23/04/2022</a:t>
+              <a:t>24/04/2022</a:t>
             </a:fld>
             <a:endParaRPr lang="en-CH"/>
           </a:p>
@@ -2401,7 +2571,7 @@
           <a:p>
             <a:fld id="{1DE9D8DB-7996-4D53-BAF7-A90A1E48913A}" type="datetimeFigureOut">
               <a:rPr lang="en-CH" smtClean="0"/>
-              <a:t>23/04/2022</a:t>
+              <a:t>24/04/2022</a:t>
             </a:fld>
             <a:endParaRPr lang="en-CH"/>
           </a:p>
@@ -2669,7 +2839,7 @@
           <a:p>
             <a:fld id="{1DE9D8DB-7996-4D53-BAF7-A90A1E48913A}" type="datetimeFigureOut">
               <a:rPr lang="en-CH" smtClean="0"/>
-              <a:t>23/04/2022</a:t>
+              <a:t>24/04/2022</a:t>
             </a:fld>
             <a:endParaRPr lang="en-CH"/>
           </a:p>
@@ -3084,7 +3254,7 @@
           <a:p>
             <a:fld id="{1DE9D8DB-7996-4D53-BAF7-A90A1E48913A}" type="datetimeFigureOut">
               <a:rPr lang="en-CH" smtClean="0"/>
-              <a:t>23/04/2022</a:t>
+              <a:t>24/04/2022</a:t>
             </a:fld>
             <a:endParaRPr lang="en-CH"/>
           </a:p>
@@ -3226,7 +3396,7 @@
           <a:p>
             <a:fld id="{1DE9D8DB-7996-4D53-BAF7-A90A1E48913A}" type="datetimeFigureOut">
               <a:rPr lang="en-CH" smtClean="0"/>
-              <a:t>23/04/2022</a:t>
+              <a:t>24/04/2022</a:t>
             </a:fld>
             <a:endParaRPr lang="en-CH"/>
           </a:p>
@@ -3339,7 +3509,7 @@
           <a:p>
             <a:fld id="{1DE9D8DB-7996-4D53-BAF7-A90A1E48913A}" type="datetimeFigureOut">
               <a:rPr lang="en-CH" smtClean="0"/>
-              <a:t>23/04/2022</a:t>
+              <a:t>24/04/2022</a:t>
             </a:fld>
             <a:endParaRPr lang="en-CH"/>
           </a:p>
@@ -3652,7 +3822,7 @@
           <a:p>
             <a:fld id="{1DE9D8DB-7996-4D53-BAF7-A90A1E48913A}" type="datetimeFigureOut">
               <a:rPr lang="en-CH" smtClean="0"/>
-              <a:t>23/04/2022</a:t>
+              <a:t>24/04/2022</a:t>
             </a:fld>
             <a:endParaRPr lang="en-CH"/>
           </a:p>
@@ -3941,7 +4111,7 @@
           <a:p>
             <a:fld id="{1DE9D8DB-7996-4D53-BAF7-A90A1E48913A}" type="datetimeFigureOut">
               <a:rPr lang="en-CH" smtClean="0"/>
-              <a:t>23/04/2022</a:t>
+              <a:t>24/04/2022</a:t>
             </a:fld>
             <a:endParaRPr lang="en-CH"/>
           </a:p>
@@ -4184,7 +4354,7 @@
           <a:p>
             <a:fld id="{1DE9D8DB-7996-4D53-BAF7-A90A1E48913A}" type="datetimeFigureOut">
               <a:rPr lang="en-CH" smtClean="0"/>
-              <a:t>23/04/2022</a:t>
+              <a:t>24/04/2022</a:t>
             </a:fld>
             <a:endParaRPr lang="en-CH"/>
           </a:p>
@@ -5171,7 +5341,7 @@
           <a:p>
             <a:r>
               <a:rPr lang="en-US" dirty="0"/>
-              <a:t>Call Activities / Subprocesses (1/3)</a:t>
+              <a:t>Call Activities / Subprocesses (1/5)</a:t>
             </a:r>
             <a:endParaRPr lang="en-CH" dirty="0"/>
           </a:p>
@@ -5334,7 +5504,7 @@
           <a:p>
             <a:r>
               <a:rPr lang="en-US" dirty="0"/>
-              <a:t>Call Activities / Subprocesses (2/3)</a:t>
+              <a:t>Call Activities / Subprocesses (2/5)</a:t>
             </a:r>
             <a:endParaRPr lang="en-CH" dirty="0"/>
           </a:p>
@@ -5838,7 +6008,7 @@
           <a:p>
             <a:r>
               <a:rPr lang="en-US" dirty="0"/>
-              <a:t>Call Activities / Subprocesses (3/3)</a:t>
+              <a:t>Call Activities / Subprocesses (3/5)</a:t>
             </a:r>
             <a:endParaRPr lang="en-CH" dirty="0"/>
           </a:p>
@@ -5926,6 +6096,1759 @@
           <a:p>
             <a:r>
               <a:rPr lang="en-US" dirty="0"/>
+              <a:t>Call Activities / Subprocesses (4/5)</a:t>
+            </a:r>
+            <a:endParaRPr lang="en-CH" dirty="0"/>
+          </a:p>
+        </p:txBody>
+      </p:sp>
+      <p:sp>
+        <p:nvSpPr>
+          <p:cNvPr id="4" name="Content Placeholder 3">
+            <a:extLst>
+              <a:ext uri="{FF2B5EF4-FFF2-40B4-BE49-F238E27FC236}">
+                <a16:creationId xmlns:a16="http://schemas.microsoft.com/office/drawing/2014/main" id="{41882CF6-E58B-40D4-98AA-EC20E59F25EE}"/>
+              </a:ext>
+            </a:extLst>
+          </p:cNvPr>
+          <p:cNvSpPr>
+            <a:spLocks noGrp="1"/>
+          </p:cNvSpPr>
+          <p:nvPr>
+            <p:ph idx="1"/>
+          </p:nvPr>
+        </p:nvSpPr>
+        <p:spPr>
+          <a:xfrm>
+            <a:off x="838200" y="1825625"/>
+            <a:ext cx="9451554" cy="4351338"/>
+          </a:xfrm>
+        </p:spPr>
+        <p:txBody>
+          <a:bodyPr>
+            <a:normAutofit/>
+          </a:bodyPr>
+          <a:lstStyle/>
+          <a:p>
+            <a:pPr marL="0" indent="0">
+              <a:buNone/>
+            </a:pPr>
+            <a:r>
+              <a:rPr lang="de-CH" sz="1800" dirty="0" err="1"/>
+              <a:t>Starting</a:t>
+            </a:r>
+            <a:r>
+              <a:rPr lang="de-CH" sz="1800" dirty="0"/>
+              <a:t> a </a:t>
+            </a:r>
+            <a:r>
+              <a:rPr lang="de-CH" sz="1800" dirty="0" err="1"/>
+              <a:t>mainProcess</a:t>
+            </a:r>
+            <a:r>
+              <a:rPr lang="de-CH" sz="1800" dirty="0"/>
+              <a:t> </a:t>
+            </a:r>
+            <a:r>
+              <a:rPr lang="de-CH" sz="1800" dirty="0" err="1"/>
+              <a:t>process</a:t>
+            </a:r>
+            <a:endParaRPr lang="de-CH" sz="1800" dirty="0"/>
+          </a:p>
+          <a:p>
+            <a:pPr marL="0" indent="0">
+              <a:buNone/>
+            </a:pPr>
+            <a:r>
+              <a:rPr lang="de-CH" sz="1800" dirty="0" err="1">
+                <a:highlight>
+                  <a:srgbClr val="FFFF00"/>
+                </a:highlight>
+              </a:rPr>
+              <a:t>mainProcess</a:t>
+            </a:r>
+            <a:r>
+              <a:rPr lang="de-CH" sz="1800" dirty="0">
+                <a:highlight>
+                  <a:srgbClr val="FFFF00"/>
+                </a:highlight>
+              </a:rPr>
+              <a:t>: </a:t>
+            </a:r>
+            <a:r>
+              <a:rPr lang="de-CH" sz="1800" dirty="0"/>
+              <a:t>{</a:t>
+            </a:r>
+            <a:r>
+              <a:rPr lang="de-CH" sz="1800" dirty="0" err="1"/>
+              <a:t>mainProcessVariable</a:t>
+            </a:r>
+            <a:r>
+              <a:rPr lang="de-CH" sz="1800" dirty="0"/>
+              <a:t>=Guten Abend}</a:t>
+            </a:r>
+          </a:p>
+          <a:p>
+            <a:pPr marL="0" indent="0">
+              <a:buNone/>
+            </a:pPr>
+            <a:r>
+              <a:rPr lang="de-CH" sz="1800" dirty="0" err="1">
+                <a:highlight>
+                  <a:srgbClr val="00FF00"/>
+                </a:highlight>
+              </a:rPr>
+              <a:t>passedVariablesSubprocess</a:t>
+            </a:r>
+            <a:r>
+              <a:rPr lang="de-CH" sz="1800" dirty="0">
+                <a:highlight>
+                  <a:srgbClr val="00FF00"/>
+                </a:highlight>
+              </a:rPr>
+              <a:t>: </a:t>
+            </a:r>
+            <a:r>
+              <a:rPr lang="de-CH" sz="1800" dirty="0"/>
+              <a:t>{</a:t>
+            </a:r>
+            <a:r>
+              <a:rPr lang="de-CH" sz="1800" dirty="0" err="1"/>
+              <a:t>subprocessVariable</a:t>
+            </a:r>
+            <a:r>
+              <a:rPr lang="de-CH" sz="1800" dirty="0"/>
+              <a:t>=Guten Abend}</a:t>
+            </a:r>
+          </a:p>
+          <a:p>
+            <a:pPr marL="0" indent="0">
+              <a:buNone/>
+            </a:pPr>
+            <a:r>
+              <a:rPr lang="de-CH" sz="1800" dirty="0" err="1">
+                <a:highlight>
+                  <a:srgbClr val="00FF00"/>
+                </a:highlight>
+              </a:rPr>
+              <a:t>passedVariablesSubprocess</a:t>
+            </a:r>
+            <a:r>
+              <a:rPr lang="de-CH" sz="1800" dirty="0">
+                <a:highlight>
+                  <a:srgbClr val="00FF00"/>
+                </a:highlight>
+              </a:rPr>
+              <a:t>: </a:t>
+            </a:r>
+            <a:r>
+              <a:rPr lang="de-CH" sz="1800" dirty="0"/>
+              <a:t>Setting </a:t>
+            </a:r>
+            <a:r>
+              <a:rPr lang="de-CH" sz="1800" dirty="0" err="1"/>
+              <a:t>process</a:t>
+            </a:r>
+            <a:r>
+              <a:rPr lang="de-CH" sz="1800" dirty="0"/>
+              <a:t> variable '</a:t>
+            </a:r>
+            <a:r>
+              <a:rPr lang="de-CH" sz="1800" dirty="0" err="1"/>
+              <a:t>subprocessVariable</a:t>
+            </a:r>
+            <a:r>
+              <a:rPr lang="de-CH" sz="1800" dirty="0"/>
+              <a:t>' to: </a:t>
+            </a:r>
+            <a:r>
+              <a:rPr lang="de-CH" sz="1800" dirty="0" err="1"/>
+              <a:t>Magandang</a:t>
+            </a:r>
+            <a:r>
+              <a:rPr lang="de-CH" sz="1800" dirty="0"/>
+              <a:t> Gabi</a:t>
+            </a:r>
+          </a:p>
+          <a:p>
+            <a:pPr marL="0" indent="0">
+              <a:buNone/>
+            </a:pPr>
+            <a:r>
+              <a:rPr lang="de-CH" sz="1800" dirty="0" err="1">
+                <a:highlight>
+                  <a:srgbClr val="00FF00"/>
+                </a:highlight>
+              </a:rPr>
+              <a:t>passedVariablesSubprocess</a:t>
+            </a:r>
+            <a:r>
+              <a:rPr lang="de-CH" sz="1800" dirty="0">
+                <a:highlight>
+                  <a:srgbClr val="00FF00"/>
+                </a:highlight>
+              </a:rPr>
+              <a:t>: </a:t>
+            </a:r>
+            <a:r>
+              <a:rPr lang="de-CH" sz="1800" dirty="0"/>
+              <a:t>{</a:t>
+            </a:r>
+            <a:r>
+              <a:rPr lang="de-CH" sz="1800" dirty="0" err="1"/>
+              <a:t>subprocessVariable</a:t>
+            </a:r>
+            <a:r>
+              <a:rPr lang="de-CH" sz="1800" dirty="0"/>
+              <a:t>=</a:t>
+            </a:r>
+            <a:r>
+              <a:rPr lang="de-CH" sz="1800" dirty="0" err="1"/>
+              <a:t>Magandang</a:t>
+            </a:r>
+            <a:r>
+              <a:rPr lang="de-CH" sz="1800" dirty="0"/>
+              <a:t> Gabi}</a:t>
+            </a:r>
+          </a:p>
+          <a:p>
+            <a:pPr marL="0" indent="0">
+              <a:buNone/>
+            </a:pPr>
+            <a:r>
+              <a:rPr lang="de-CH" sz="1800" dirty="0" err="1">
+                <a:highlight>
+                  <a:srgbClr val="FFFF00"/>
+                </a:highlight>
+              </a:rPr>
+              <a:t>mainProcess</a:t>
+            </a:r>
+            <a:r>
+              <a:rPr lang="de-CH" sz="1800" dirty="0">
+                <a:highlight>
+                  <a:srgbClr val="FFFF00"/>
+                </a:highlight>
+              </a:rPr>
+              <a:t>: </a:t>
+            </a:r>
+            <a:r>
+              <a:rPr lang="de-CH" sz="1800" dirty="0"/>
+              <a:t>{</a:t>
+            </a:r>
+            <a:r>
+              <a:rPr lang="de-CH" sz="1800" dirty="0" err="1"/>
+              <a:t>mainProcessVariable</a:t>
+            </a:r>
+            <a:r>
+              <a:rPr lang="de-CH" sz="1800" dirty="0"/>
+              <a:t>=</a:t>
+            </a:r>
+            <a:r>
+              <a:rPr lang="de-CH" sz="1800" dirty="0" err="1"/>
+              <a:t>Magandang</a:t>
+            </a:r>
+            <a:r>
+              <a:rPr lang="de-CH" sz="1800" dirty="0"/>
+              <a:t> Gabi}</a:t>
+            </a:r>
+          </a:p>
+          <a:p>
+            <a:pPr marL="0" indent="0">
+              <a:buNone/>
+            </a:pPr>
+            <a:r>
+              <a:rPr lang="de-CH" sz="1800" dirty="0" err="1">
+                <a:highlight>
+                  <a:srgbClr val="00FFFF"/>
+                </a:highlight>
+              </a:rPr>
+              <a:t>inheritedVariablesSubprocess</a:t>
+            </a:r>
+            <a:r>
+              <a:rPr lang="de-CH" sz="1800" dirty="0">
+                <a:highlight>
+                  <a:srgbClr val="00FFFF"/>
+                </a:highlight>
+              </a:rPr>
+              <a:t>: </a:t>
+            </a:r>
+            <a:r>
+              <a:rPr lang="de-CH" sz="1800" dirty="0"/>
+              <a:t>{</a:t>
+            </a:r>
+            <a:r>
+              <a:rPr lang="de-CH" sz="1800" dirty="0" err="1"/>
+              <a:t>mainProcessVariable</a:t>
+            </a:r>
+            <a:r>
+              <a:rPr lang="de-CH" sz="1800" dirty="0"/>
+              <a:t>=</a:t>
+            </a:r>
+            <a:r>
+              <a:rPr lang="de-CH" sz="1800" dirty="0" err="1"/>
+              <a:t>Magandang</a:t>
+            </a:r>
+            <a:r>
+              <a:rPr lang="de-CH" sz="1800" dirty="0"/>
+              <a:t> Gabi}</a:t>
+            </a:r>
+          </a:p>
+          <a:p>
+            <a:pPr marL="0" indent="0">
+              <a:buNone/>
+            </a:pPr>
+            <a:r>
+              <a:rPr lang="de-CH" sz="1800" dirty="0" err="1">
+                <a:highlight>
+                  <a:srgbClr val="00FFFF"/>
+                </a:highlight>
+              </a:rPr>
+              <a:t>inheritedVariablesSubprocess</a:t>
+            </a:r>
+            <a:r>
+              <a:rPr lang="de-CH" sz="1800" dirty="0">
+                <a:highlight>
+                  <a:srgbClr val="00FFFF"/>
+                </a:highlight>
+              </a:rPr>
+              <a:t>: </a:t>
+            </a:r>
+            <a:r>
+              <a:rPr lang="de-CH" sz="1800" dirty="0"/>
+              <a:t>Setting </a:t>
+            </a:r>
+            <a:r>
+              <a:rPr lang="de-CH" sz="1800" dirty="0" err="1"/>
+              <a:t>process</a:t>
+            </a:r>
+            <a:r>
+              <a:rPr lang="de-CH" sz="1800" dirty="0"/>
+              <a:t> variable '</a:t>
+            </a:r>
+            <a:r>
+              <a:rPr lang="de-CH" sz="1800" dirty="0" err="1"/>
+              <a:t>mainProcessVariable</a:t>
+            </a:r>
+            <a:r>
+              <a:rPr lang="de-CH" sz="1800" dirty="0"/>
+              <a:t>' to: </a:t>
+            </a:r>
+            <a:r>
+              <a:rPr lang="de-CH" sz="1800" dirty="0" err="1"/>
+              <a:t>Good</a:t>
+            </a:r>
+            <a:r>
+              <a:rPr lang="de-CH" sz="1800" dirty="0"/>
+              <a:t> </a:t>
+            </a:r>
+            <a:r>
+              <a:rPr lang="de-CH" sz="1800" dirty="0" err="1"/>
+              <a:t>Evening</a:t>
+            </a:r>
+            <a:endParaRPr lang="de-CH" sz="1800" dirty="0"/>
+          </a:p>
+          <a:p>
+            <a:pPr marL="0" indent="0">
+              <a:buNone/>
+            </a:pPr>
+            <a:r>
+              <a:rPr lang="de-CH" sz="1800" dirty="0" err="1">
+                <a:highlight>
+                  <a:srgbClr val="00FFFF"/>
+                </a:highlight>
+              </a:rPr>
+              <a:t>inheritedVariablesSubprocess</a:t>
+            </a:r>
+            <a:r>
+              <a:rPr lang="de-CH" sz="1800" dirty="0">
+                <a:highlight>
+                  <a:srgbClr val="00FFFF"/>
+                </a:highlight>
+              </a:rPr>
+              <a:t>: </a:t>
+            </a:r>
+            <a:r>
+              <a:rPr lang="de-CH" sz="1800" dirty="0"/>
+              <a:t>{</a:t>
+            </a:r>
+            <a:r>
+              <a:rPr lang="de-CH" sz="1800" dirty="0" err="1"/>
+              <a:t>mainProcessVariable</a:t>
+            </a:r>
+            <a:r>
+              <a:rPr lang="de-CH" sz="1800" dirty="0"/>
+              <a:t>=</a:t>
+            </a:r>
+            <a:r>
+              <a:rPr lang="de-CH" sz="1800" dirty="0" err="1"/>
+              <a:t>Good</a:t>
+            </a:r>
+            <a:r>
+              <a:rPr lang="de-CH" sz="1800" dirty="0"/>
+              <a:t> </a:t>
+            </a:r>
+            <a:r>
+              <a:rPr lang="de-CH" sz="1800" dirty="0" err="1"/>
+              <a:t>Evening</a:t>
+            </a:r>
+            <a:r>
+              <a:rPr lang="de-CH" sz="1800" dirty="0"/>
+              <a:t>}</a:t>
+            </a:r>
+          </a:p>
+          <a:p>
+            <a:pPr marL="0" indent="0">
+              <a:buNone/>
+            </a:pPr>
+            <a:r>
+              <a:rPr lang="de-CH" sz="1800" dirty="0" err="1">
+                <a:highlight>
+                  <a:srgbClr val="FFFF00"/>
+                </a:highlight>
+              </a:rPr>
+              <a:t>mainProcess</a:t>
+            </a:r>
+            <a:r>
+              <a:rPr lang="de-CH" sz="1800" dirty="0">
+                <a:highlight>
+                  <a:srgbClr val="FFFF00"/>
+                </a:highlight>
+              </a:rPr>
+              <a:t>: </a:t>
+            </a:r>
+            <a:r>
+              <a:rPr lang="de-CH" sz="1800" dirty="0"/>
+              <a:t>{</a:t>
+            </a:r>
+            <a:r>
+              <a:rPr lang="de-CH" sz="1800" dirty="0" err="1"/>
+              <a:t>mainProcessVariable</a:t>
+            </a:r>
+            <a:r>
+              <a:rPr lang="de-CH" sz="1800" dirty="0"/>
+              <a:t>=</a:t>
+            </a:r>
+            <a:r>
+              <a:rPr lang="de-CH" sz="1800" dirty="0" err="1"/>
+              <a:t>Magandang</a:t>
+            </a:r>
+            <a:r>
+              <a:rPr lang="de-CH" sz="1800" dirty="0"/>
+              <a:t> Gabi}</a:t>
+            </a:r>
+          </a:p>
+          <a:p>
+            <a:endParaRPr lang="en-CH" dirty="0"/>
+          </a:p>
+        </p:txBody>
+      </p:sp>
+    </p:spTree>
+    <p:extLst>
+      <p:ext uri="{BB962C8B-B14F-4D97-AF65-F5344CB8AC3E}">
+        <p14:creationId xmlns:p14="http://schemas.microsoft.com/office/powerpoint/2010/main" val="57727152"/>
+      </p:ext>
+    </p:extLst>
+  </p:cSld>
+  <p:clrMapOvr>
+    <a:masterClrMapping/>
+  </p:clrMapOvr>
+</p:sld>
+</file>
+
+<file path=ppt/slides/slide17.xml><?xml version="1.0" encoding="utf-8"?>
+<p:sld xmlns:a="http://schemas.openxmlformats.org/drawingml/2006/main" xmlns:r="http://schemas.openxmlformats.org/officeDocument/2006/relationships" xmlns:p="http://schemas.openxmlformats.org/presentationml/2006/main">
+  <p:cSld>
+    <p:spTree>
+      <p:nvGrpSpPr>
+        <p:cNvPr id="1" name=""/>
+        <p:cNvGrpSpPr/>
+        <p:nvPr/>
+      </p:nvGrpSpPr>
+      <p:grpSpPr>
+        <a:xfrm>
+          <a:off x="0" y="0"/>
+          <a:ext cx="0" cy="0"/>
+          <a:chOff x="0" y="0"/>
+          <a:chExt cx="0" cy="0"/>
+        </a:xfrm>
+      </p:grpSpPr>
+      <p:sp>
+        <p:nvSpPr>
+          <p:cNvPr id="2" name="Title 1">
+            <a:extLst>
+              <a:ext uri="{FF2B5EF4-FFF2-40B4-BE49-F238E27FC236}">
+                <a16:creationId xmlns:a16="http://schemas.microsoft.com/office/drawing/2014/main" id="{03812D1F-F6DF-42A7-8DA2-1A5A8243FD15}"/>
+              </a:ext>
+            </a:extLst>
+          </p:cNvPr>
+          <p:cNvSpPr>
+            <a:spLocks noGrp="1"/>
+          </p:cNvSpPr>
+          <p:nvPr>
+            <p:ph type="title"/>
+          </p:nvPr>
+        </p:nvSpPr>
+        <p:spPr/>
+        <p:txBody>
+          <a:bodyPr/>
+          <a:lstStyle/>
+          <a:p>
+            <a:r>
+              <a:rPr lang="en-US" dirty="0"/>
+              <a:t>Call Activities / Subprocesses (5/5)</a:t>
+            </a:r>
+            <a:endParaRPr lang="en-CH" dirty="0"/>
+          </a:p>
+        </p:txBody>
+      </p:sp>
+      <p:sp>
+        <p:nvSpPr>
+          <p:cNvPr id="6" name="Rectangle 5">
+            <a:extLst>
+              <a:ext uri="{FF2B5EF4-FFF2-40B4-BE49-F238E27FC236}">
+                <a16:creationId xmlns:a16="http://schemas.microsoft.com/office/drawing/2014/main" id="{7346DAE3-6145-4A43-8290-8049457973E9}"/>
+              </a:ext>
+            </a:extLst>
+          </p:cNvPr>
+          <p:cNvSpPr/>
+          <p:nvPr/>
+        </p:nvSpPr>
+        <p:spPr>
+          <a:xfrm>
+            <a:off x="1123720" y="1784733"/>
+            <a:ext cx="1972020" cy="616944"/>
+          </a:xfrm>
+          <a:prstGeom prst="rect">
+            <a:avLst/>
+          </a:prstGeom>
+          <a:solidFill>
+            <a:srgbClr val="FFFF00"/>
+          </a:solidFill>
+          <a:ln>
+            <a:noFill/>
+          </a:ln>
+        </p:spPr>
+        <p:style>
+          <a:lnRef idx="2">
+            <a:schemeClr val="accent1">
+              <a:shade val="50000"/>
+            </a:schemeClr>
+          </a:lnRef>
+          <a:fillRef idx="1">
+            <a:schemeClr val="accent1"/>
+          </a:fillRef>
+          <a:effectRef idx="0">
+            <a:schemeClr val="accent1"/>
+          </a:effectRef>
+          <a:fontRef idx="minor">
+            <a:schemeClr val="lt1"/>
+          </a:fontRef>
+        </p:style>
+        <p:txBody>
+          <a:bodyPr rtlCol="0" anchor="ctr"/>
+          <a:lstStyle/>
+          <a:p>
+            <a:pPr algn="ctr"/>
+            <a:r>
+              <a:rPr lang="en-US" sz="1600" b="1" dirty="0" err="1">
+                <a:solidFill>
+                  <a:schemeClr val="tx1"/>
+                </a:solidFill>
+              </a:rPr>
+              <a:t>mainProcess</a:t>
+            </a:r>
+            <a:endParaRPr lang="en-CH" sz="1600" b="1" dirty="0">
+              <a:solidFill>
+                <a:schemeClr val="tx1"/>
+              </a:solidFill>
+            </a:endParaRPr>
+          </a:p>
+        </p:txBody>
+      </p:sp>
+      <p:sp>
+        <p:nvSpPr>
+          <p:cNvPr id="7" name="Rectangle 6">
+            <a:extLst>
+              <a:ext uri="{FF2B5EF4-FFF2-40B4-BE49-F238E27FC236}">
+                <a16:creationId xmlns:a16="http://schemas.microsoft.com/office/drawing/2014/main" id="{9E739E3E-DC5F-4C68-933B-BE0C61D4C9C0}"/>
+              </a:ext>
+            </a:extLst>
+          </p:cNvPr>
+          <p:cNvSpPr/>
+          <p:nvPr/>
+        </p:nvSpPr>
+        <p:spPr>
+          <a:xfrm>
+            <a:off x="6905739" y="2401677"/>
+            <a:ext cx="2524700" cy="616944"/>
+          </a:xfrm>
+          <a:prstGeom prst="rect">
+            <a:avLst/>
+          </a:prstGeom>
+          <a:solidFill>
+            <a:srgbClr val="92D050"/>
+          </a:solidFill>
+          <a:ln>
+            <a:noFill/>
+          </a:ln>
+        </p:spPr>
+        <p:style>
+          <a:lnRef idx="2">
+            <a:schemeClr val="accent1">
+              <a:shade val="50000"/>
+            </a:schemeClr>
+          </a:lnRef>
+          <a:fillRef idx="1">
+            <a:schemeClr val="accent1"/>
+          </a:fillRef>
+          <a:effectRef idx="0">
+            <a:schemeClr val="accent1"/>
+          </a:effectRef>
+          <a:fontRef idx="minor">
+            <a:schemeClr val="lt1"/>
+          </a:fontRef>
+        </p:style>
+        <p:txBody>
+          <a:bodyPr rtlCol="0" anchor="ctr"/>
+          <a:lstStyle/>
+          <a:p>
+            <a:pPr algn="ctr"/>
+            <a:r>
+              <a:rPr lang="en-US" sz="1600" b="1" dirty="0" err="1">
+                <a:solidFill>
+                  <a:schemeClr val="tx1"/>
+                </a:solidFill>
+              </a:rPr>
+              <a:t>passedVariablesSubprocess</a:t>
+            </a:r>
+            <a:endParaRPr lang="en-CH" sz="1600" b="1" dirty="0">
+              <a:solidFill>
+                <a:schemeClr val="tx1"/>
+              </a:solidFill>
+            </a:endParaRPr>
+          </a:p>
+        </p:txBody>
+      </p:sp>
+      <p:cxnSp>
+        <p:nvCxnSpPr>
+          <p:cNvPr id="9" name="Straight Arrow Connector 8">
+            <a:extLst>
+              <a:ext uri="{FF2B5EF4-FFF2-40B4-BE49-F238E27FC236}">
+                <a16:creationId xmlns:a16="http://schemas.microsoft.com/office/drawing/2014/main" id="{4E6446CB-B382-4C8F-8977-7871D5184930}"/>
+              </a:ext>
+            </a:extLst>
+          </p:cNvPr>
+          <p:cNvCxnSpPr>
+            <a:cxnSpLocks/>
+            <a:stCxn id="6" idx="3"/>
+            <a:endCxn id="7" idx="0"/>
+          </p:cNvCxnSpPr>
+          <p:nvPr/>
+        </p:nvCxnSpPr>
+        <p:spPr>
+          <a:xfrm>
+            <a:off x="3095740" y="2093205"/>
+            <a:ext cx="5072349" cy="308472"/>
+          </a:xfrm>
+          <a:prstGeom prst="bentConnector2">
+            <a:avLst/>
+          </a:prstGeom>
+          <a:ln>
+            <a:solidFill>
+              <a:schemeClr val="tx1"/>
+            </a:solidFill>
+            <a:tailEnd type="triangle"/>
+          </a:ln>
+        </p:spPr>
+        <p:style>
+          <a:lnRef idx="1">
+            <a:schemeClr val="accent1"/>
+          </a:lnRef>
+          <a:fillRef idx="0">
+            <a:schemeClr val="accent1"/>
+          </a:fillRef>
+          <a:effectRef idx="0">
+            <a:schemeClr val="accent1"/>
+          </a:effectRef>
+          <a:fontRef idx="minor">
+            <a:schemeClr val="tx1"/>
+          </a:fontRef>
+        </p:style>
+      </p:cxnSp>
+      <p:sp>
+        <p:nvSpPr>
+          <p:cNvPr id="12" name="TextBox 11">
+            <a:extLst>
+              <a:ext uri="{FF2B5EF4-FFF2-40B4-BE49-F238E27FC236}">
+                <a16:creationId xmlns:a16="http://schemas.microsoft.com/office/drawing/2014/main" id="{EAE37855-6F3C-4067-B984-CD2492AB359F}"/>
+              </a:ext>
+            </a:extLst>
+          </p:cNvPr>
+          <p:cNvSpPr txBox="1"/>
+          <p:nvPr/>
+        </p:nvSpPr>
+        <p:spPr>
+          <a:xfrm>
+            <a:off x="3272010" y="1784733"/>
+            <a:ext cx="4896079" cy="261610"/>
+          </a:xfrm>
+          <a:prstGeom prst="rect">
+            <a:avLst/>
+          </a:prstGeom>
+          <a:noFill/>
+        </p:spPr>
+        <p:txBody>
+          <a:bodyPr wrap="square" rtlCol="0">
+            <a:spAutoFit/>
+          </a:bodyPr>
+          <a:lstStyle/>
+          <a:p>
+            <a:r>
+              <a:rPr lang="en-US" sz="1100" b="1" dirty="0" err="1"/>
+              <a:t>mainProcessVariable</a:t>
+            </a:r>
+            <a:r>
+              <a:rPr lang="en-US" sz="1100" dirty="0"/>
+              <a:t> (</a:t>
+            </a:r>
+            <a:r>
+              <a:rPr lang="en-US" sz="1100" dirty="0" err="1"/>
+              <a:t>Guten</a:t>
+            </a:r>
+            <a:r>
+              <a:rPr lang="en-US" sz="1100" dirty="0"/>
+              <a:t> Abend) </a:t>
+            </a:r>
+            <a:r>
+              <a:rPr lang="en-US" sz="1100" dirty="0">
+                <a:sym typeface="Wingdings" panose="05000000000000000000" pitchFamily="2" charset="2"/>
+              </a:rPr>
+              <a:t> </a:t>
+            </a:r>
+            <a:r>
+              <a:rPr lang="en-US" sz="1100" b="1" dirty="0" err="1">
+                <a:sym typeface="Wingdings" panose="05000000000000000000" pitchFamily="2" charset="2"/>
+              </a:rPr>
+              <a:t>subprocessVariable</a:t>
+            </a:r>
+            <a:r>
+              <a:rPr lang="en-US" sz="1100" dirty="0">
+                <a:sym typeface="Wingdings" panose="05000000000000000000" pitchFamily="2" charset="2"/>
+              </a:rPr>
+              <a:t> (</a:t>
+            </a:r>
+            <a:r>
+              <a:rPr lang="en-US" sz="1100" dirty="0" err="1">
+                <a:sym typeface="Wingdings" panose="05000000000000000000" pitchFamily="2" charset="2"/>
+              </a:rPr>
+              <a:t>Guten</a:t>
+            </a:r>
+            <a:r>
+              <a:rPr lang="en-US" sz="1100" dirty="0">
+                <a:sym typeface="Wingdings" panose="05000000000000000000" pitchFamily="2" charset="2"/>
+              </a:rPr>
+              <a:t> Abend)</a:t>
+            </a:r>
+            <a:endParaRPr lang="en-CH" sz="1100" dirty="0"/>
+          </a:p>
+        </p:txBody>
+      </p:sp>
+      <p:sp>
+        <p:nvSpPr>
+          <p:cNvPr id="13" name="Rectangle 12">
+            <a:extLst>
+              <a:ext uri="{FF2B5EF4-FFF2-40B4-BE49-F238E27FC236}">
+                <a16:creationId xmlns:a16="http://schemas.microsoft.com/office/drawing/2014/main" id="{23920C12-2F0E-4E6E-B1B6-C1725B65DAE5}"/>
+              </a:ext>
+            </a:extLst>
+          </p:cNvPr>
+          <p:cNvSpPr/>
+          <p:nvPr/>
+        </p:nvSpPr>
+        <p:spPr>
+          <a:xfrm>
+            <a:off x="1123720" y="3018621"/>
+            <a:ext cx="1972020" cy="616944"/>
+          </a:xfrm>
+          <a:prstGeom prst="rect">
+            <a:avLst/>
+          </a:prstGeom>
+          <a:solidFill>
+            <a:srgbClr val="FFFF00"/>
+          </a:solidFill>
+          <a:ln>
+            <a:noFill/>
+          </a:ln>
+        </p:spPr>
+        <p:style>
+          <a:lnRef idx="2">
+            <a:schemeClr val="accent1">
+              <a:shade val="50000"/>
+            </a:schemeClr>
+          </a:lnRef>
+          <a:fillRef idx="1">
+            <a:schemeClr val="accent1"/>
+          </a:fillRef>
+          <a:effectRef idx="0">
+            <a:schemeClr val="accent1"/>
+          </a:effectRef>
+          <a:fontRef idx="minor">
+            <a:schemeClr val="lt1"/>
+          </a:fontRef>
+        </p:style>
+        <p:txBody>
+          <a:bodyPr rtlCol="0" anchor="ctr"/>
+          <a:lstStyle/>
+          <a:p>
+            <a:pPr algn="ctr"/>
+            <a:r>
+              <a:rPr lang="en-US" sz="1600" b="1" dirty="0" err="1">
+                <a:solidFill>
+                  <a:schemeClr val="tx1"/>
+                </a:solidFill>
+              </a:rPr>
+              <a:t>mainProcess</a:t>
+            </a:r>
+            <a:endParaRPr lang="en-CH" sz="1600" b="1" dirty="0">
+              <a:solidFill>
+                <a:schemeClr val="tx1"/>
+              </a:solidFill>
+            </a:endParaRPr>
+          </a:p>
+        </p:txBody>
+      </p:sp>
+      <p:cxnSp>
+        <p:nvCxnSpPr>
+          <p:cNvPr id="14" name="Straight Arrow Connector 8">
+            <a:extLst>
+              <a:ext uri="{FF2B5EF4-FFF2-40B4-BE49-F238E27FC236}">
+                <a16:creationId xmlns:a16="http://schemas.microsoft.com/office/drawing/2014/main" id="{1C6BAE21-619C-4485-928A-0A53268B8049}"/>
+              </a:ext>
+            </a:extLst>
+          </p:cNvPr>
+          <p:cNvCxnSpPr>
+            <a:cxnSpLocks/>
+            <a:stCxn id="7" idx="2"/>
+            <a:endCxn id="13" idx="3"/>
+          </p:cNvCxnSpPr>
+          <p:nvPr/>
+        </p:nvCxnSpPr>
+        <p:spPr>
+          <a:xfrm rot="5400000">
+            <a:off x="5477679" y="636683"/>
+            <a:ext cx="308472" cy="5072349"/>
+          </a:xfrm>
+          <a:prstGeom prst="bentConnector2">
+            <a:avLst/>
+          </a:prstGeom>
+          <a:ln>
+            <a:solidFill>
+              <a:schemeClr val="tx1"/>
+            </a:solidFill>
+            <a:tailEnd type="triangle"/>
+          </a:ln>
+        </p:spPr>
+        <p:style>
+          <a:lnRef idx="1">
+            <a:schemeClr val="accent1"/>
+          </a:lnRef>
+          <a:fillRef idx="0">
+            <a:schemeClr val="accent1"/>
+          </a:fillRef>
+          <a:effectRef idx="0">
+            <a:schemeClr val="accent1"/>
+          </a:effectRef>
+          <a:fontRef idx="minor">
+            <a:schemeClr val="tx1"/>
+          </a:fontRef>
+        </p:style>
+      </p:cxnSp>
+      <p:sp>
+        <p:nvSpPr>
+          <p:cNvPr id="18" name="TextBox 17">
+            <a:extLst>
+              <a:ext uri="{FF2B5EF4-FFF2-40B4-BE49-F238E27FC236}">
+                <a16:creationId xmlns:a16="http://schemas.microsoft.com/office/drawing/2014/main" id="{516E00E7-BED0-4B70-8F5D-8291B12EA517}"/>
+              </a:ext>
+            </a:extLst>
+          </p:cNvPr>
+          <p:cNvSpPr txBox="1"/>
+          <p:nvPr/>
+        </p:nvSpPr>
+        <p:spPr>
+          <a:xfrm>
+            <a:off x="3272010" y="3043448"/>
+            <a:ext cx="4896079" cy="261610"/>
+          </a:xfrm>
+          <a:prstGeom prst="rect">
+            <a:avLst/>
+          </a:prstGeom>
+          <a:noFill/>
+        </p:spPr>
+        <p:txBody>
+          <a:bodyPr wrap="square" rtlCol="0">
+            <a:spAutoFit/>
+          </a:bodyPr>
+          <a:lstStyle/>
+          <a:p>
+            <a:r>
+              <a:rPr lang="en-US" sz="1100" b="1" dirty="0" err="1"/>
+              <a:t>mainProcessVariable</a:t>
+            </a:r>
+            <a:r>
+              <a:rPr lang="en-US" sz="1100" dirty="0"/>
+              <a:t> (Magandang Gabi) </a:t>
+            </a:r>
+            <a:r>
+              <a:rPr lang="en-US" sz="1100" dirty="0">
+                <a:sym typeface="Wingdings" panose="05000000000000000000" pitchFamily="2" charset="2"/>
+              </a:rPr>
+              <a:t> </a:t>
+            </a:r>
+            <a:r>
+              <a:rPr lang="en-US" sz="1100" b="1" dirty="0" err="1">
+                <a:sym typeface="Wingdings" panose="05000000000000000000" pitchFamily="2" charset="2"/>
+              </a:rPr>
+              <a:t>subprocessVariable</a:t>
+            </a:r>
+            <a:r>
+              <a:rPr lang="en-US" sz="1100" dirty="0">
+                <a:sym typeface="Wingdings" panose="05000000000000000000" pitchFamily="2" charset="2"/>
+              </a:rPr>
+              <a:t> (Magandang Gabi)</a:t>
+            </a:r>
+            <a:endParaRPr lang="en-CH" sz="1100" dirty="0"/>
+          </a:p>
+        </p:txBody>
+      </p:sp>
+      <p:sp>
+        <p:nvSpPr>
+          <p:cNvPr id="25" name="Arrow: Curved Left 24">
+            <a:extLst>
+              <a:ext uri="{FF2B5EF4-FFF2-40B4-BE49-F238E27FC236}">
+                <a16:creationId xmlns:a16="http://schemas.microsoft.com/office/drawing/2014/main" id="{AF712F29-63C7-4DEB-8FE5-3488EA185B4F}"/>
+              </a:ext>
+            </a:extLst>
+          </p:cNvPr>
+          <p:cNvSpPr/>
+          <p:nvPr/>
+        </p:nvSpPr>
+        <p:spPr>
+          <a:xfrm>
+            <a:off x="9606709" y="2445744"/>
+            <a:ext cx="605928" cy="528810"/>
+          </a:xfrm>
+          <a:prstGeom prst="curvedLeftArrow">
+            <a:avLst/>
+          </a:prstGeom>
+          <a:noFill/>
+          <a:ln>
+            <a:solidFill>
+              <a:schemeClr val="tx1"/>
+            </a:solidFill>
+          </a:ln>
+        </p:spPr>
+        <p:style>
+          <a:lnRef idx="2">
+            <a:schemeClr val="accent1">
+              <a:shade val="50000"/>
+            </a:schemeClr>
+          </a:lnRef>
+          <a:fillRef idx="1">
+            <a:schemeClr val="accent1"/>
+          </a:fillRef>
+          <a:effectRef idx="0">
+            <a:schemeClr val="accent1"/>
+          </a:effectRef>
+          <a:fontRef idx="minor">
+            <a:schemeClr val="lt1"/>
+          </a:fontRef>
+        </p:style>
+        <p:txBody>
+          <a:bodyPr rtlCol="0" anchor="ctr"/>
+          <a:lstStyle/>
+          <a:p>
+            <a:pPr algn="ctr"/>
+            <a:endParaRPr lang="en-CH">
+              <a:solidFill>
+                <a:schemeClr val="tx1"/>
+              </a:solidFill>
+            </a:endParaRPr>
+          </a:p>
+        </p:txBody>
+      </p:sp>
+      <p:sp>
+        <p:nvSpPr>
+          <p:cNvPr id="26" name="TextBox 25">
+            <a:extLst>
+              <a:ext uri="{FF2B5EF4-FFF2-40B4-BE49-F238E27FC236}">
+                <a16:creationId xmlns:a16="http://schemas.microsoft.com/office/drawing/2014/main" id="{24EF1B53-0A0E-4C27-BB0D-42BA17A19A12}"/>
+              </a:ext>
+            </a:extLst>
+          </p:cNvPr>
+          <p:cNvSpPr txBox="1"/>
+          <p:nvPr/>
+        </p:nvSpPr>
+        <p:spPr>
+          <a:xfrm>
+            <a:off x="9430439" y="2115240"/>
+            <a:ext cx="2809302" cy="261610"/>
+          </a:xfrm>
+          <a:prstGeom prst="rect">
+            <a:avLst/>
+          </a:prstGeom>
+          <a:noFill/>
+        </p:spPr>
+        <p:txBody>
+          <a:bodyPr wrap="square" rtlCol="0">
+            <a:spAutoFit/>
+          </a:bodyPr>
+          <a:lstStyle/>
+          <a:p>
+            <a:r>
+              <a:rPr lang="en-US" sz="1100" dirty="0"/>
+              <a:t>SET</a:t>
+            </a:r>
+            <a:r>
+              <a:rPr lang="en-US" sz="1100" b="1" dirty="0"/>
+              <a:t> </a:t>
+            </a:r>
+            <a:r>
+              <a:rPr lang="en-US" sz="1100" b="1" dirty="0" err="1"/>
+              <a:t>subprocessVariable</a:t>
+            </a:r>
+            <a:r>
+              <a:rPr lang="en-US" sz="1100" b="1" dirty="0"/>
+              <a:t> </a:t>
+            </a:r>
+            <a:r>
+              <a:rPr lang="en-US" sz="1100" dirty="0"/>
+              <a:t>TO</a:t>
+            </a:r>
+            <a:r>
+              <a:rPr lang="en-US" sz="1100" b="1" dirty="0"/>
+              <a:t> </a:t>
+            </a:r>
+            <a:r>
+              <a:rPr lang="en-US" sz="1100" dirty="0"/>
+              <a:t>Magandang Gabi</a:t>
+            </a:r>
+            <a:endParaRPr lang="en-CH" sz="1100" dirty="0"/>
+          </a:p>
+        </p:txBody>
+      </p:sp>
+      <p:sp>
+        <p:nvSpPr>
+          <p:cNvPr id="27" name="Rectangle 26">
+            <a:extLst>
+              <a:ext uri="{FF2B5EF4-FFF2-40B4-BE49-F238E27FC236}">
+                <a16:creationId xmlns:a16="http://schemas.microsoft.com/office/drawing/2014/main" id="{9518CDA2-5CA2-48A3-8568-CF20F1AAF562}"/>
+              </a:ext>
+            </a:extLst>
+          </p:cNvPr>
+          <p:cNvSpPr/>
+          <p:nvPr/>
+        </p:nvSpPr>
+        <p:spPr>
+          <a:xfrm>
+            <a:off x="1123720" y="4120307"/>
+            <a:ext cx="1972020" cy="616944"/>
+          </a:xfrm>
+          <a:prstGeom prst="rect">
+            <a:avLst/>
+          </a:prstGeom>
+          <a:solidFill>
+            <a:srgbClr val="FFFF00"/>
+          </a:solidFill>
+          <a:ln>
+            <a:noFill/>
+          </a:ln>
+        </p:spPr>
+        <p:style>
+          <a:lnRef idx="2">
+            <a:schemeClr val="accent1">
+              <a:shade val="50000"/>
+            </a:schemeClr>
+          </a:lnRef>
+          <a:fillRef idx="1">
+            <a:schemeClr val="accent1"/>
+          </a:fillRef>
+          <a:effectRef idx="0">
+            <a:schemeClr val="accent1"/>
+          </a:effectRef>
+          <a:fontRef idx="minor">
+            <a:schemeClr val="lt1"/>
+          </a:fontRef>
+        </p:style>
+        <p:txBody>
+          <a:bodyPr rtlCol="0" anchor="ctr"/>
+          <a:lstStyle/>
+          <a:p>
+            <a:pPr algn="ctr"/>
+            <a:r>
+              <a:rPr lang="en-US" sz="1600" b="1" dirty="0" err="1">
+                <a:solidFill>
+                  <a:schemeClr val="tx1"/>
+                </a:solidFill>
+              </a:rPr>
+              <a:t>mainProcess</a:t>
+            </a:r>
+            <a:endParaRPr lang="en-CH" sz="1600" b="1" dirty="0">
+              <a:solidFill>
+                <a:schemeClr val="tx1"/>
+              </a:solidFill>
+            </a:endParaRPr>
+          </a:p>
+        </p:txBody>
+      </p:sp>
+      <p:cxnSp>
+        <p:nvCxnSpPr>
+          <p:cNvPr id="30" name="Straight Arrow Connector 8">
+            <a:extLst>
+              <a:ext uri="{FF2B5EF4-FFF2-40B4-BE49-F238E27FC236}">
+                <a16:creationId xmlns:a16="http://schemas.microsoft.com/office/drawing/2014/main" id="{127D38B7-5BD2-4034-83C3-BD1D25A681F2}"/>
+              </a:ext>
+            </a:extLst>
+          </p:cNvPr>
+          <p:cNvCxnSpPr>
+            <a:cxnSpLocks/>
+            <a:stCxn id="13" idx="2"/>
+            <a:endCxn id="27" idx="0"/>
+          </p:cNvCxnSpPr>
+          <p:nvPr/>
+        </p:nvCxnSpPr>
+        <p:spPr>
+          <a:xfrm>
+            <a:off x="2109730" y="3635565"/>
+            <a:ext cx="0" cy="484742"/>
+          </a:xfrm>
+          <a:prstGeom prst="straightConnector1">
+            <a:avLst/>
+          </a:prstGeom>
+          <a:ln>
+            <a:solidFill>
+              <a:schemeClr val="tx1"/>
+            </a:solidFill>
+            <a:tailEnd type="triangle"/>
+          </a:ln>
+        </p:spPr>
+        <p:style>
+          <a:lnRef idx="1">
+            <a:schemeClr val="accent1"/>
+          </a:lnRef>
+          <a:fillRef idx="0">
+            <a:schemeClr val="accent1"/>
+          </a:fillRef>
+          <a:effectRef idx="0">
+            <a:schemeClr val="accent1"/>
+          </a:effectRef>
+          <a:fontRef idx="minor">
+            <a:schemeClr val="tx1"/>
+          </a:fontRef>
+        </p:style>
+      </p:cxnSp>
+      <p:sp>
+        <p:nvSpPr>
+          <p:cNvPr id="35" name="TextBox 34">
+            <a:extLst>
+              <a:ext uri="{FF2B5EF4-FFF2-40B4-BE49-F238E27FC236}">
+                <a16:creationId xmlns:a16="http://schemas.microsoft.com/office/drawing/2014/main" id="{DA197977-3DE8-407B-B444-288F398CFE9E}"/>
+              </a:ext>
+            </a:extLst>
+          </p:cNvPr>
+          <p:cNvSpPr txBox="1"/>
+          <p:nvPr/>
+        </p:nvSpPr>
+        <p:spPr>
+          <a:xfrm>
+            <a:off x="2109730" y="3723698"/>
+            <a:ext cx="2671590" cy="261610"/>
+          </a:xfrm>
+          <a:prstGeom prst="rect">
+            <a:avLst/>
+          </a:prstGeom>
+          <a:noFill/>
+        </p:spPr>
+        <p:txBody>
+          <a:bodyPr wrap="square" rtlCol="0">
+            <a:spAutoFit/>
+          </a:bodyPr>
+          <a:lstStyle/>
+          <a:p>
+            <a:r>
+              <a:rPr lang="en-US" sz="1100" b="1" dirty="0" err="1"/>
+              <a:t>mainProcessVariable</a:t>
+            </a:r>
+            <a:r>
+              <a:rPr lang="en-US" sz="1100" b="1" dirty="0"/>
+              <a:t> = </a:t>
+            </a:r>
+            <a:r>
+              <a:rPr lang="en-US" sz="1100" dirty="0"/>
+              <a:t>Magandang Gabi</a:t>
+            </a:r>
+            <a:endParaRPr lang="en-CH" sz="1100" dirty="0"/>
+          </a:p>
+        </p:txBody>
+      </p:sp>
+      <p:sp>
+        <p:nvSpPr>
+          <p:cNvPr id="36" name="Rectangle 35">
+            <a:extLst>
+              <a:ext uri="{FF2B5EF4-FFF2-40B4-BE49-F238E27FC236}">
+                <a16:creationId xmlns:a16="http://schemas.microsoft.com/office/drawing/2014/main" id="{80B44E9E-F8D9-46B7-9F7F-184FE4FDCF0A}"/>
+              </a:ext>
+            </a:extLst>
+          </p:cNvPr>
+          <p:cNvSpPr/>
+          <p:nvPr/>
+        </p:nvSpPr>
+        <p:spPr>
+          <a:xfrm>
+            <a:off x="6905739" y="4702367"/>
+            <a:ext cx="2700970" cy="616944"/>
+          </a:xfrm>
+          <a:prstGeom prst="rect">
+            <a:avLst/>
+          </a:prstGeom>
+          <a:solidFill>
+            <a:srgbClr val="00B0F0"/>
+          </a:solidFill>
+          <a:ln>
+            <a:noFill/>
+          </a:ln>
+        </p:spPr>
+        <p:style>
+          <a:lnRef idx="2">
+            <a:schemeClr val="accent1">
+              <a:shade val="50000"/>
+            </a:schemeClr>
+          </a:lnRef>
+          <a:fillRef idx="1">
+            <a:schemeClr val="accent1"/>
+          </a:fillRef>
+          <a:effectRef idx="0">
+            <a:schemeClr val="accent1"/>
+          </a:effectRef>
+          <a:fontRef idx="minor">
+            <a:schemeClr val="lt1"/>
+          </a:fontRef>
+        </p:style>
+        <p:txBody>
+          <a:bodyPr rtlCol="0" anchor="ctr"/>
+          <a:lstStyle/>
+          <a:p>
+            <a:pPr algn="ctr"/>
+            <a:r>
+              <a:rPr lang="en-US" sz="1600" b="1" dirty="0" err="1">
+                <a:solidFill>
+                  <a:schemeClr val="tx1"/>
+                </a:solidFill>
+              </a:rPr>
+              <a:t>inheritedVariablesSubprocess</a:t>
+            </a:r>
+            <a:endParaRPr lang="en-CH" sz="1600" b="1" dirty="0">
+              <a:solidFill>
+                <a:schemeClr val="tx1"/>
+              </a:solidFill>
+            </a:endParaRPr>
+          </a:p>
+        </p:txBody>
+      </p:sp>
+      <p:cxnSp>
+        <p:nvCxnSpPr>
+          <p:cNvPr id="37" name="Straight Arrow Connector 8">
+            <a:extLst>
+              <a:ext uri="{FF2B5EF4-FFF2-40B4-BE49-F238E27FC236}">
+                <a16:creationId xmlns:a16="http://schemas.microsoft.com/office/drawing/2014/main" id="{2DB3A601-693C-44D9-BEAB-1E11611A9D76}"/>
+              </a:ext>
+            </a:extLst>
+          </p:cNvPr>
+          <p:cNvCxnSpPr>
+            <a:cxnSpLocks/>
+            <a:stCxn id="27" idx="3"/>
+            <a:endCxn id="36" idx="0"/>
+          </p:cNvCxnSpPr>
+          <p:nvPr/>
+        </p:nvCxnSpPr>
+        <p:spPr>
+          <a:xfrm>
+            <a:off x="3095740" y="4428779"/>
+            <a:ext cx="5160484" cy="273588"/>
+          </a:xfrm>
+          <a:prstGeom prst="bentConnector2">
+            <a:avLst/>
+          </a:prstGeom>
+          <a:ln>
+            <a:solidFill>
+              <a:schemeClr val="tx1"/>
+            </a:solidFill>
+            <a:tailEnd type="triangle"/>
+          </a:ln>
+        </p:spPr>
+        <p:style>
+          <a:lnRef idx="1">
+            <a:schemeClr val="accent1"/>
+          </a:lnRef>
+          <a:fillRef idx="0">
+            <a:schemeClr val="accent1"/>
+          </a:fillRef>
+          <a:effectRef idx="0">
+            <a:schemeClr val="accent1"/>
+          </a:effectRef>
+          <a:fontRef idx="minor">
+            <a:schemeClr val="tx1"/>
+          </a:fontRef>
+        </p:style>
+      </p:cxnSp>
+      <p:sp>
+        <p:nvSpPr>
+          <p:cNvPr id="41" name="TextBox 40">
+            <a:extLst>
+              <a:ext uri="{FF2B5EF4-FFF2-40B4-BE49-F238E27FC236}">
+                <a16:creationId xmlns:a16="http://schemas.microsoft.com/office/drawing/2014/main" id="{B197500E-3AF6-4078-8EB0-A58EF60DBFD3}"/>
+              </a:ext>
+            </a:extLst>
+          </p:cNvPr>
+          <p:cNvSpPr txBox="1"/>
+          <p:nvPr/>
+        </p:nvSpPr>
+        <p:spPr>
+          <a:xfrm>
+            <a:off x="3272009" y="4167169"/>
+            <a:ext cx="4896079" cy="261610"/>
+          </a:xfrm>
+          <a:prstGeom prst="rect">
+            <a:avLst/>
+          </a:prstGeom>
+          <a:noFill/>
+        </p:spPr>
+        <p:txBody>
+          <a:bodyPr wrap="square" rtlCol="0">
+            <a:spAutoFit/>
+          </a:bodyPr>
+          <a:lstStyle/>
+          <a:p>
+            <a:r>
+              <a:rPr lang="en-US" sz="1100" b="1" dirty="0"/>
+              <a:t>inherit </a:t>
+            </a:r>
+            <a:r>
+              <a:rPr lang="en-US" sz="1100" b="1" dirty="0" err="1"/>
+              <a:t>mainProcessVariable</a:t>
+            </a:r>
+            <a:r>
+              <a:rPr lang="en-US" sz="1100" dirty="0"/>
+              <a:t> (Magandang Gabi)</a:t>
+            </a:r>
+            <a:endParaRPr lang="en-CH" sz="1100" dirty="0"/>
+          </a:p>
+        </p:txBody>
+      </p:sp>
+      <p:sp>
+        <p:nvSpPr>
+          <p:cNvPr id="42" name="Arrow: Curved Left 41">
+            <a:extLst>
+              <a:ext uri="{FF2B5EF4-FFF2-40B4-BE49-F238E27FC236}">
+                <a16:creationId xmlns:a16="http://schemas.microsoft.com/office/drawing/2014/main" id="{B37CDD47-203F-4175-AB02-55C0011A19BD}"/>
+              </a:ext>
+            </a:extLst>
+          </p:cNvPr>
+          <p:cNvSpPr/>
+          <p:nvPr/>
+        </p:nvSpPr>
+        <p:spPr>
+          <a:xfrm>
+            <a:off x="9726058" y="4790501"/>
+            <a:ext cx="605928" cy="528810"/>
+          </a:xfrm>
+          <a:prstGeom prst="curvedLeftArrow">
+            <a:avLst/>
+          </a:prstGeom>
+          <a:noFill/>
+          <a:ln>
+            <a:solidFill>
+              <a:schemeClr val="tx1"/>
+            </a:solidFill>
+          </a:ln>
+        </p:spPr>
+        <p:style>
+          <a:lnRef idx="2">
+            <a:schemeClr val="accent1">
+              <a:shade val="50000"/>
+            </a:schemeClr>
+          </a:lnRef>
+          <a:fillRef idx="1">
+            <a:schemeClr val="accent1"/>
+          </a:fillRef>
+          <a:effectRef idx="0">
+            <a:schemeClr val="accent1"/>
+          </a:effectRef>
+          <a:fontRef idx="minor">
+            <a:schemeClr val="lt1"/>
+          </a:fontRef>
+        </p:style>
+        <p:txBody>
+          <a:bodyPr rtlCol="0" anchor="ctr"/>
+          <a:lstStyle/>
+          <a:p>
+            <a:pPr algn="ctr"/>
+            <a:endParaRPr lang="en-CH">
+              <a:solidFill>
+                <a:schemeClr val="tx1"/>
+              </a:solidFill>
+            </a:endParaRPr>
+          </a:p>
+        </p:txBody>
+      </p:sp>
+      <p:sp>
+        <p:nvSpPr>
+          <p:cNvPr id="43" name="TextBox 42">
+            <a:extLst>
+              <a:ext uri="{FF2B5EF4-FFF2-40B4-BE49-F238E27FC236}">
+                <a16:creationId xmlns:a16="http://schemas.microsoft.com/office/drawing/2014/main" id="{9A6BAE37-8678-440B-93F6-22F337318FB9}"/>
+              </a:ext>
+            </a:extLst>
+          </p:cNvPr>
+          <p:cNvSpPr txBox="1"/>
+          <p:nvPr/>
+        </p:nvSpPr>
+        <p:spPr>
+          <a:xfrm>
+            <a:off x="9430439" y="4385751"/>
+            <a:ext cx="2809302" cy="261610"/>
+          </a:xfrm>
+          <a:prstGeom prst="rect">
+            <a:avLst/>
+          </a:prstGeom>
+          <a:noFill/>
+        </p:spPr>
+        <p:txBody>
+          <a:bodyPr wrap="square" rtlCol="0">
+            <a:spAutoFit/>
+          </a:bodyPr>
+          <a:lstStyle/>
+          <a:p>
+            <a:r>
+              <a:rPr lang="en-US" sz="1100" dirty="0"/>
+              <a:t>SET</a:t>
+            </a:r>
+            <a:r>
+              <a:rPr lang="en-US" sz="1100" b="1" dirty="0"/>
+              <a:t> </a:t>
+            </a:r>
+            <a:r>
+              <a:rPr lang="en-US" sz="1100" b="1" dirty="0" err="1"/>
+              <a:t>mainProcessVariable</a:t>
+            </a:r>
+            <a:r>
+              <a:rPr lang="en-US" sz="1100" b="1" dirty="0"/>
+              <a:t> </a:t>
+            </a:r>
+            <a:r>
+              <a:rPr lang="en-US" sz="1100" dirty="0"/>
+              <a:t>TO</a:t>
+            </a:r>
+            <a:r>
+              <a:rPr lang="en-US" sz="1100" b="1" dirty="0"/>
+              <a:t> </a:t>
+            </a:r>
+            <a:r>
+              <a:rPr lang="en-US" sz="1100" dirty="0"/>
+              <a:t>Good Evening</a:t>
+            </a:r>
+            <a:endParaRPr lang="en-CH" sz="1100" dirty="0"/>
+          </a:p>
+        </p:txBody>
+      </p:sp>
+      <p:sp>
+        <p:nvSpPr>
+          <p:cNvPr id="44" name="Rectangle 43">
+            <a:extLst>
+              <a:ext uri="{FF2B5EF4-FFF2-40B4-BE49-F238E27FC236}">
+                <a16:creationId xmlns:a16="http://schemas.microsoft.com/office/drawing/2014/main" id="{961F2CA4-71AB-4D6D-8E50-7E8CAA4E58B7}"/>
+              </a:ext>
+            </a:extLst>
+          </p:cNvPr>
+          <p:cNvSpPr/>
+          <p:nvPr/>
+        </p:nvSpPr>
+        <p:spPr>
+          <a:xfrm>
+            <a:off x="1123720" y="5264225"/>
+            <a:ext cx="1972020" cy="616944"/>
+          </a:xfrm>
+          <a:prstGeom prst="rect">
+            <a:avLst/>
+          </a:prstGeom>
+          <a:solidFill>
+            <a:srgbClr val="FFFF00"/>
+          </a:solidFill>
+          <a:ln>
+            <a:noFill/>
+          </a:ln>
+        </p:spPr>
+        <p:style>
+          <a:lnRef idx="2">
+            <a:schemeClr val="accent1">
+              <a:shade val="50000"/>
+            </a:schemeClr>
+          </a:lnRef>
+          <a:fillRef idx="1">
+            <a:schemeClr val="accent1"/>
+          </a:fillRef>
+          <a:effectRef idx="0">
+            <a:schemeClr val="accent1"/>
+          </a:effectRef>
+          <a:fontRef idx="minor">
+            <a:schemeClr val="lt1"/>
+          </a:fontRef>
+        </p:style>
+        <p:txBody>
+          <a:bodyPr rtlCol="0" anchor="ctr"/>
+          <a:lstStyle/>
+          <a:p>
+            <a:pPr algn="ctr"/>
+            <a:r>
+              <a:rPr lang="en-US" sz="1600" b="1" dirty="0" err="1">
+                <a:solidFill>
+                  <a:schemeClr val="tx1"/>
+                </a:solidFill>
+              </a:rPr>
+              <a:t>mainProcess</a:t>
+            </a:r>
+            <a:endParaRPr lang="en-CH" sz="1600" b="1" dirty="0">
+              <a:solidFill>
+                <a:schemeClr val="tx1"/>
+              </a:solidFill>
+            </a:endParaRPr>
+          </a:p>
+        </p:txBody>
+      </p:sp>
+      <p:cxnSp>
+        <p:nvCxnSpPr>
+          <p:cNvPr id="46" name="Straight Arrow Connector 8">
+            <a:extLst>
+              <a:ext uri="{FF2B5EF4-FFF2-40B4-BE49-F238E27FC236}">
+                <a16:creationId xmlns:a16="http://schemas.microsoft.com/office/drawing/2014/main" id="{FE027F56-EEB9-41E3-B401-48D7CFC71656}"/>
+              </a:ext>
+            </a:extLst>
+          </p:cNvPr>
+          <p:cNvCxnSpPr>
+            <a:cxnSpLocks/>
+            <a:stCxn id="36" idx="2"/>
+            <a:endCxn id="44" idx="3"/>
+          </p:cNvCxnSpPr>
+          <p:nvPr/>
+        </p:nvCxnSpPr>
+        <p:spPr>
+          <a:xfrm rot="5400000">
+            <a:off x="5549289" y="2865762"/>
+            <a:ext cx="253386" cy="5160484"/>
+          </a:xfrm>
+          <a:prstGeom prst="bentConnector2">
+            <a:avLst/>
+          </a:prstGeom>
+          <a:ln>
+            <a:solidFill>
+              <a:schemeClr val="tx1"/>
+            </a:solidFill>
+            <a:tailEnd type="triangle"/>
+          </a:ln>
+        </p:spPr>
+        <p:style>
+          <a:lnRef idx="1">
+            <a:schemeClr val="accent1"/>
+          </a:lnRef>
+          <a:fillRef idx="0">
+            <a:schemeClr val="accent1"/>
+          </a:fillRef>
+          <a:effectRef idx="0">
+            <a:schemeClr val="accent1"/>
+          </a:effectRef>
+          <a:fontRef idx="minor">
+            <a:schemeClr val="tx1"/>
+          </a:fontRef>
+        </p:style>
+      </p:cxnSp>
+      <p:sp>
+        <p:nvSpPr>
+          <p:cNvPr id="50" name="TextBox 49">
+            <a:extLst>
+              <a:ext uri="{FF2B5EF4-FFF2-40B4-BE49-F238E27FC236}">
+                <a16:creationId xmlns:a16="http://schemas.microsoft.com/office/drawing/2014/main" id="{4B31727C-505A-4774-86E3-98786B4100E5}"/>
+              </a:ext>
+            </a:extLst>
+          </p:cNvPr>
+          <p:cNvSpPr txBox="1"/>
+          <p:nvPr/>
+        </p:nvSpPr>
+        <p:spPr>
+          <a:xfrm>
+            <a:off x="3272009" y="5304660"/>
+            <a:ext cx="4896079" cy="261610"/>
+          </a:xfrm>
+          <a:prstGeom prst="rect">
+            <a:avLst/>
+          </a:prstGeom>
+          <a:noFill/>
+        </p:spPr>
+        <p:txBody>
+          <a:bodyPr wrap="square" rtlCol="0">
+            <a:spAutoFit/>
+          </a:bodyPr>
+          <a:lstStyle/>
+          <a:p>
+            <a:r>
+              <a:rPr lang="en-US" sz="1100" b="1" dirty="0"/>
+              <a:t>NOTHING HAPPENS HERE!</a:t>
+            </a:r>
+            <a:endParaRPr lang="en-CH" sz="1100" dirty="0"/>
+          </a:p>
+        </p:txBody>
+      </p:sp>
+      <p:cxnSp>
+        <p:nvCxnSpPr>
+          <p:cNvPr id="53" name="Straight Arrow Connector 8">
+            <a:extLst>
+              <a:ext uri="{FF2B5EF4-FFF2-40B4-BE49-F238E27FC236}">
+                <a16:creationId xmlns:a16="http://schemas.microsoft.com/office/drawing/2014/main" id="{F9E6A421-EC5F-41F7-854F-DE52E78E9337}"/>
+              </a:ext>
+            </a:extLst>
+          </p:cNvPr>
+          <p:cNvCxnSpPr>
+            <a:cxnSpLocks/>
+            <a:stCxn id="44" idx="2"/>
+          </p:cNvCxnSpPr>
+          <p:nvPr/>
+        </p:nvCxnSpPr>
+        <p:spPr>
+          <a:xfrm>
+            <a:off x="2109730" y="5881169"/>
+            <a:ext cx="0" cy="611706"/>
+          </a:xfrm>
+          <a:prstGeom prst="straightConnector1">
+            <a:avLst/>
+          </a:prstGeom>
+          <a:ln>
+            <a:solidFill>
+              <a:schemeClr val="tx1"/>
+            </a:solidFill>
+            <a:tailEnd type="triangle"/>
+          </a:ln>
+        </p:spPr>
+        <p:style>
+          <a:lnRef idx="1">
+            <a:schemeClr val="accent1"/>
+          </a:lnRef>
+          <a:fillRef idx="0">
+            <a:schemeClr val="accent1"/>
+          </a:fillRef>
+          <a:effectRef idx="0">
+            <a:schemeClr val="accent1"/>
+          </a:effectRef>
+          <a:fontRef idx="minor">
+            <a:schemeClr val="tx1"/>
+          </a:fontRef>
+        </p:style>
+      </p:cxnSp>
+      <p:sp>
+        <p:nvSpPr>
+          <p:cNvPr id="56" name="TextBox 55">
+            <a:extLst>
+              <a:ext uri="{FF2B5EF4-FFF2-40B4-BE49-F238E27FC236}">
+                <a16:creationId xmlns:a16="http://schemas.microsoft.com/office/drawing/2014/main" id="{F2076D1E-67C1-4623-B45F-672925F58556}"/>
+              </a:ext>
+            </a:extLst>
+          </p:cNvPr>
+          <p:cNvSpPr txBox="1"/>
+          <p:nvPr/>
+        </p:nvSpPr>
+        <p:spPr>
+          <a:xfrm>
+            <a:off x="2109730" y="5999296"/>
+            <a:ext cx="2671590" cy="261610"/>
+          </a:xfrm>
+          <a:prstGeom prst="rect">
+            <a:avLst/>
+          </a:prstGeom>
+          <a:noFill/>
+        </p:spPr>
+        <p:txBody>
+          <a:bodyPr wrap="square" rtlCol="0">
+            <a:spAutoFit/>
+          </a:bodyPr>
+          <a:lstStyle/>
+          <a:p>
+            <a:r>
+              <a:rPr lang="en-US" sz="1100" b="1" dirty="0" err="1"/>
+              <a:t>mainProcessVariable</a:t>
+            </a:r>
+            <a:r>
+              <a:rPr lang="en-US" sz="1100" b="1" dirty="0"/>
+              <a:t> = </a:t>
+            </a:r>
+            <a:r>
+              <a:rPr lang="en-US" sz="1100" dirty="0"/>
+              <a:t>Magandang Gabi</a:t>
+            </a:r>
+            <a:endParaRPr lang="en-CH" sz="1100" dirty="0"/>
+          </a:p>
+        </p:txBody>
+      </p:sp>
+    </p:spTree>
+    <p:extLst>
+      <p:ext uri="{BB962C8B-B14F-4D97-AF65-F5344CB8AC3E}">
+        <p14:creationId xmlns:p14="http://schemas.microsoft.com/office/powerpoint/2010/main" val="2290336490"/>
+      </p:ext>
+    </p:extLst>
+  </p:cSld>
+  <p:clrMapOvr>
+    <a:masterClrMapping/>
+  </p:clrMapOvr>
+</p:sld>
+</file>
+
+<file path=ppt/slides/slide18.xml><?xml version="1.0" encoding="utf-8"?>
+<p:sld xmlns:a="http://schemas.openxmlformats.org/drawingml/2006/main" xmlns:r="http://schemas.openxmlformats.org/officeDocument/2006/relationships" xmlns:p="http://schemas.openxmlformats.org/presentationml/2006/main">
+  <p:cSld>
+    <p:spTree>
+      <p:nvGrpSpPr>
+        <p:cNvPr id="1" name=""/>
+        <p:cNvGrpSpPr/>
+        <p:nvPr/>
+      </p:nvGrpSpPr>
+      <p:grpSpPr>
+        <a:xfrm>
+          <a:off x="0" y="0"/>
+          <a:ext cx="0" cy="0"/>
+          <a:chOff x="0" y="0"/>
+          <a:chExt cx="0" cy="0"/>
+        </a:xfrm>
+      </p:grpSpPr>
+      <p:sp>
+        <p:nvSpPr>
+          <p:cNvPr id="2" name="Title 1">
+            <a:extLst>
+              <a:ext uri="{FF2B5EF4-FFF2-40B4-BE49-F238E27FC236}">
+                <a16:creationId xmlns:a16="http://schemas.microsoft.com/office/drawing/2014/main" id="{03812D1F-F6DF-42A7-8DA2-1A5A8243FD15}"/>
+              </a:ext>
+            </a:extLst>
+          </p:cNvPr>
+          <p:cNvSpPr>
+            <a:spLocks noGrp="1"/>
+          </p:cNvSpPr>
+          <p:nvPr>
+            <p:ph type="title"/>
+          </p:nvPr>
+        </p:nvSpPr>
+        <p:spPr/>
+        <p:txBody>
+          <a:bodyPr/>
+          <a:lstStyle/>
+          <a:p>
+            <a:r>
+              <a:rPr lang="en-US" dirty="0"/>
               <a:t>Cardinality (1/3)</a:t>
             </a:r>
             <a:endParaRPr lang="en-CH" dirty="0"/>
@@ -6010,7 +7933,7 @@
 </p:sld>
 </file>
 
-<file path=ppt/slides/slide17.xml><?xml version="1.0" encoding="utf-8"?>
+<file path=ppt/slides/slide19.xml><?xml version="1.0" encoding="utf-8"?>
 <p:sld xmlns:a="http://schemas.openxmlformats.org/drawingml/2006/main" xmlns:r="http://schemas.openxmlformats.org/officeDocument/2006/relationships" xmlns:p="http://schemas.openxmlformats.org/presentationml/2006/main">
   <p:cSld>
     <p:spTree>
@@ -6207,677 +8130,6 @@
 </p:sld>
 </file>
 
-<file path=ppt/slides/slide18.xml><?xml version="1.0" encoding="utf-8"?>
-<p:sld xmlns:a="http://schemas.openxmlformats.org/drawingml/2006/main" xmlns:r="http://schemas.openxmlformats.org/officeDocument/2006/relationships" xmlns:p="http://schemas.openxmlformats.org/presentationml/2006/main">
-  <p:cSld>
-    <p:spTree>
-      <p:nvGrpSpPr>
-        <p:cNvPr id="1" name=""/>
-        <p:cNvGrpSpPr/>
-        <p:nvPr/>
-      </p:nvGrpSpPr>
-      <p:grpSpPr>
-        <a:xfrm>
-          <a:off x="0" y="0"/>
-          <a:ext cx="0" cy="0"/>
-          <a:chOff x="0" y="0"/>
-          <a:chExt cx="0" cy="0"/>
-        </a:xfrm>
-      </p:grpSpPr>
-      <p:sp>
-        <p:nvSpPr>
-          <p:cNvPr id="2" name="Title 1">
-            <a:extLst>
-              <a:ext uri="{FF2B5EF4-FFF2-40B4-BE49-F238E27FC236}">
-                <a16:creationId xmlns:a16="http://schemas.microsoft.com/office/drawing/2014/main" id="{03812D1F-F6DF-42A7-8DA2-1A5A8243FD15}"/>
-              </a:ext>
-            </a:extLst>
-          </p:cNvPr>
-          <p:cNvSpPr>
-            <a:spLocks noGrp="1"/>
-          </p:cNvSpPr>
-          <p:nvPr>
-            <p:ph type="title"/>
-          </p:nvPr>
-        </p:nvSpPr>
-        <p:spPr/>
-        <p:txBody>
-          <a:bodyPr/>
-          <a:lstStyle/>
-          <a:p>
-            <a:r>
-              <a:rPr lang="en-US" dirty="0"/>
-              <a:t>Cardinality (3/3)</a:t>
-            </a:r>
-            <a:endParaRPr lang="en-CH" dirty="0"/>
-          </a:p>
-        </p:txBody>
-      </p:sp>
-      <p:sp>
-        <p:nvSpPr>
-          <p:cNvPr id="5" name="Content Placeholder 4">
-            <a:extLst>
-              <a:ext uri="{FF2B5EF4-FFF2-40B4-BE49-F238E27FC236}">
-                <a16:creationId xmlns:a16="http://schemas.microsoft.com/office/drawing/2014/main" id="{3A5FB3D3-4BB6-451A-91DF-53D8A59B2AD4}"/>
-              </a:ext>
-            </a:extLst>
-          </p:cNvPr>
-          <p:cNvSpPr>
-            <a:spLocks noGrp="1"/>
-          </p:cNvSpPr>
-          <p:nvPr>
-            <p:ph idx="1"/>
-          </p:nvPr>
-        </p:nvSpPr>
-        <p:spPr/>
-        <p:txBody>
-          <a:bodyPr>
-            <a:normAutofit/>
-          </a:bodyPr>
-          <a:lstStyle/>
-          <a:p>
-            <a:r>
-              <a:rPr lang="en-US" dirty="0"/>
-              <a:t>Syntax</a:t>
-            </a:r>
-          </a:p>
-          <a:p>
-            <a:pPr lvl="1"/>
-            <a:r>
-              <a:rPr lang="de-CH" b="0" i="0" dirty="0">
-                <a:solidFill>
-                  <a:srgbClr val="444444"/>
-                </a:solidFill>
-                <a:effectLst/>
-                <a:latin typeface="SFMono-Regular"/>
-              </a:rPr>
-              <a:t>&lt;</a:t>
-            </a:r>
-            <a:r>
-              <a:rPr lang="de-CH" b="0" i="0" dirty="0" err="1">
-                <a:solidFill>
-                  <a:srgbClr val="444444"/>
-                </a:solidFill>
-                <a:effectLst/>
-                <a:latin typeface="SFMono-Regular"/>
-              </a:rPr>
-              <a:t>multiInstanceLoopCharacteristics</a:t>
-            </a:r>
-            <a:r>
-              <a:rPr lang="de-CH" b="0" i="0" dirty="0">
-                <a:solidFill>
-                  <a:srgbClr val="444444"/>
-                </a:solidFill>
-                <a:effectLst/>
-                <a:latin typeface="SFMono-Regular"/>
-              </a:rPr>
-              <a:t> </a:t>
-            </a:r>
-            <a:r>
-              <a:rPr lang="de-CH" b="0" i="0" dirty="0" err="1">
-                <a:solidFill>
-                  <a:srgbClr val="444444"/>
-                </a:solidFill>
-                <a:effectLst/>
-                <a:latin typeface="SFMono-Regular"/>
-              </a:rPr>
-              <a:t>isSequential</a:t>
-            </a:r>
-            <a:r>
-              <a:rPr lang="de-CH" b="0" i="0" dirty="0">
-                <a:solidFill>
-                  <a:srgbClr val="444444"/>
-                </a:solidFill>
-                <a:effectLst/>
-                <a:latin typeface="SFMono-Regular"/>
-              </a:rPr>
-              <a:t>="</a:t>
-            </a:r>
-            <a:r>
-              <a:rPr lang="de-CH" b="0" i="0" dirty="0" err="1">
-                <a:solidFill>
-                  <a:srgbClr val="444444"/>
-                </a:solidFill>
-                <a:effectLst/>
-                <a:latin typeface="SFMono-Regular"/>
-              </a:rPr>
-              <a:t>false|true</a:t>
-            </a:r>
-            <a:r>
-              <a:rPr lang="de-CH" b="0" i="0" dirty="0">
-                <a:solidFill>
-                  <a:srgbClr val="444444"/>
-                </a:solidFill>
-                <a:effectLst/>
-                <a:latin typeface="SFMono-Regular"/>
-              </a:rPr>
-              <a:t>"&gt; </a:t>
-            </a:r>
-            <a:r>
-              <a:rPr lang="de-CH" b="0" i="0" dirty="0">
-                <a:solidFill>
-                  <a:srgbClr val="444444"/>
-                </a:solidFill>
-                <a:effectLst/>
-                <a:highlight>
-                  <a:srgbClr val="FFFF00"/>
-                </a:highlight>
-                <a:latin typeface="SFMono-Regular"/>
-              </a:rPr>
-              <a:t>&lt;</a:t>
-            </a:r>
-            <a:r>
-              <a:rPr lang="de-CH" b="0" i="0" dirty="0" err="1">
-                <a:solidFill>
-                  <a:srgbClr val="444444"/>
-                </a:solidFill>
-                <a:effectLst/>
-                <a:highlight>
-                  <a:srgbClr val="FFFF00"/>
-                </a:highlight>
-                <a:latin typeface="SFMono-Regular"/>
-              </a:rPr>
-              <a:t>loopCardinality</a:t>
-            </a:r>
-            <a:r>
-              <a:rPr lang="de-CH" b="0" i="0" dirty="0">
-                <a:solidFill>
-                  <a:srgbClr val="444444"/>
-                </a:solidFill>
-                <a:effectLst/>
-                <a:highlight>
-                  <a:srgbClr val="FFFF00"/>
-                </a:highlight>
-                <a:latin typeface="SFMono-Regular"/>
-              </a:rPr>
-              <a:t>&gt;5&lt;/</a:t>
-            </a:r>
-            <a:r>
-              <a:rPr lang="de-CH" b="0" i="0" dirty="0" err="1">
-                <a:solidFill>
-                  <a:srgbClr val="444444"/>
-                </a:solidFill>
-                <a:effectLst/>
-                <a:highlight>
-                  <a:srgbClr val="FFFF00"/>
-                </a:highlight>
-                <a:latin typeface="SFMono-Regular"/>
-              </a:rPr>
-              <a:t>loopCardinality</a:t>
-            </a:r>
-            <a:r>
-              <a:rPr lang="de-CH" b="0" i="0" dirty="0">
-                <a:solidFill>
-                  <a:srgbClr val="444444"/>
-                </a:solidFill>
-                <a:effectLst/>
-                <a:highlight>
-                  <a:srgbClr val="FFFF00"/>
-                </a:highlight>
-                <a:latin typeface="SFMono-Regular"/>
-              </a:rPr>
-              <a:t>&gt; &lt;/</a:t>
-            </a:r>
-            <a:r>
-              <a:rPr lang="de-CH" b="0" i="0" dirty="0" err="1">
-                <a:solidFill>
-                  <a:srgbClr val="444444"/>
-                </a:solidFill>
-                <a:effectLst/>
-                <a:highlight>
-                  <a:srgbClr val="FFFF00"/>
-                </a:highlight>
-                <a:latin typeface="SFMono-Regular"/>
-              </a:rPr>
-              <a:t>multiInstanceLoopCharacteristics</a:t>
-            </a:r>
-            <a:r>
-              <a:rPr lang="de-CH" b="0" i="0" dirty="0">
-                <a:solidFill>
-                  <a:srgbClr val="444444"/>
-                </a:solidFill>
-                <a:effectLst/>
-                <a:highlight>
-                  <a:srgbClr val="FFFF00"/>
-                </a:highlight>
-                <a:latin typeface="SFMono-Regular"/>
-              </a:rPr>
-              <a:t>&gt;</a:t>
-            </a:r>
-            <a:endParaRPr lang="en-US" b="0" i="0" dirty="0">
-              <a:solidFill>
-                <a:srgbClr val="444444"/>
-              </a:solidFill>
-              <a:effectLst/>
-              <a:highlight>
-                <a:srgbClr val="FFFF00"/>
-              </a:highlight>
-              <a:latin typeface="SFMono-Regular"/>
-            </a:endParaRPr>
-          </a:p>
-          <a:p>
-            <a:pPr lvl="1"/>
-            <a:r>
-              <a:rPr lang="de-CH" b="0" i="0" dirty="0">
-                <a:solidFill>
-                  <a:srgbClr val="444444"/>
-                </a:solidFill>
-                <a:effectLst/>
-                <a:latin typeface="SFMono-Regular"/>
-              </a:rPr>
-              <a:t>&lt;</a:t>
-            </a:r>
-            <a:r>
-              <a:rPr lang="de-CH" b="0" i="0" dirty="0" err="1">
-                <a:solidFill>
-                  <a:srgbClr val="444444"/>
-                </a:solidFill>
-                <a:effectLst/>
-                <a:latin typeface="SFMono-Regular"/>
-              </a:rPr>
-              <a:t>multiInstanceLoopCharacteristics</a:t>
-            </a:r>
-            <a:r>
-              <a:rPr lang="de-CH" b="0" i="0" dirty="0">
-                <a:solidFill>
-                  <a:srgbClr val="444444"/>
-                </a:solidFill>
-                <a:effectLst/>
-                <a:latin typeface="SFMono-Regular"/>
-              </a:rPr>
-              <a:t> </a:t>
-            </a:r>
-            <a:r>
-              <a:rPr lang="de-CH" b="0" i="0" dirty="0" err="1">
-                <a:solidFill>
-                  <a:srgbClr val="444444"/>
-                </a:solidFill>
-                <a:effectLst/>
-                <a:latin typeface="SFMono-Regular"/>
-              </a:rPr>
-              <a:t>isSequential</a:t>
-            </a:r>
-            <a:r>
-              <a:rPr lang="de-CH" b="0" i="0" dirty="0">
-                <a:solidFill>
-                  <a:srgbClr val="444444"/>
-                </a:solidFill>
-                <a:effectLst/>
-                <a:latin typeface="SFMono-Regular"/>
-              </a:rPr>
-              <a:t>="</a:t>
-            </a:r>
-            <a:r>
-              <a:rPr lang="de-CH" b="0" i="0" dirty="0" err="1">
-                <a:solidFill>
-                  <a:srgbClr val="444444"/>
-                </a:solidFill>
-                <a:effectLst/>
-                <a:latin typeface="SFMono-Regular"/>
-              </a:rPr>
-              <a:t>false|true</a:t>
-            </a:r>
-            <a:r>
-              <a:rPr lang="de-CH" b="0" i="0" dirty="0">
-                <a:solidFill>
-                  <a:srgbClr val="444444"/>
-                </a:solidFill>
-                <a:effectLst/>
-                <a:latin typeface="SFMono-Regular"/>
-              </a:rPr>
-              <a:t>"&gt; </a:t>
-            </a:r>
-            <a:r>
-              <a:rPr lang="de-CH" b="0" i="0" dirty="0">
-                <a:solidFill>
-                  <a:srgbClr val="444444"/>
-                </a:solidFill>
-                <a:effectLst/>
-                <a:highlight>
-                  <a:srgbClr val="FFFF00"/>
-                </a:highlight>
-                <a:latin typeface="SFMono-Regular"/>
-              </a:rPr>
-              <a:t>&lt;</a:t>
-            </a:r>
-            <a:r>
-              <a:rPr lang="de-CH" b="0" i="0" dirty="0" err="1">
-                <a:solidFill>
-                  <a:srgbClr val="444444"/>
-                </a:solidFill>
-                <a:effectLst/>
-                <a:highlight>
-                  <a:srgbClr val="FFFF00"/>
-                </a:highlight>
-                <a:latin typeface="SFMono-Regular"/>
-              </a:rPr>
-              <a:t>loopCardinality</a:t>
-            </a:r>
-            <a:r>
-              <a:rPr lang="de-CH" b="0" i="0" dirty="0">
-                <a:solidFill>
-                  <a:srgbClr val="444444"/>
-                </a:solidFill>
-                <a:effectLst/>
-                <a:highlight>
-                  <a:srgbClr val="FFFF00"/>
-                </a:highlight>
-                <a:latin typeface="SFMono-Regular"/>
-              </a:rPr>
-              <a:t>&gt;${</a:t>
-            </a:r>
-            <a:r>
-              <a:rPr lang="de-CH" b="0" i="0" dirty="0" err="1">
-                <a:solidFill>
-                  <a:srgbClr val="444444"/>
-                </a:solidFill>
-                <a:effectLst/>
-                <a:highlight>
-                  <a:srgbClr val="FFFF00"/>
-                </a:highlight>
-                <a:latin typeface="SFMono-Regular"/>
-              </a:rPr>
-              <a:t>nrOfOrders-nrOfCancellations</a:t>
-            </a:r>
-            <a:r>
-              <a:rPr lang="de-CH" b="0" i="0" dirty="0">
-                <a:solidFill>
-                  <a:srgbClr val="444444"/>
-                </a:solidFill>
-                <a:effectLst/>
-                <a:highlight>
-                  <a:srgbClr val="FFFF00"/>
-                </a:highlight>
-                <a:latin typeface="SFMono-Regular"/>
-              </a:rPr>
-              <a:t>}&lt;/</a:t>
-            </a:r>
-            <a:r>
-              <a:rPr lang="de-CH" b="0" i="0" dirty="0" err="1">
-                <a:solidFill>
-                  <a:srgbClr val="444444"/>
-                </a:solidFill>
-                <a:effectLst/>
-                <a:highlight>
-                  <a:srgbClr val="FFFF00"/>
-                </a:highlight>
-                <a:latin typeface="SFMono-Regular"/>
-              </a:rPr>
-              <a:t>loopCardinality</a:t>
-            </a:r>
-            <a:r>
-              <a:rPr lang="de-CH" b="0" i="0" dirty="0">
-                <a:solidFill>
-                  <a:srgbClr val="444444"/>
-                </a:solidFill>
-                <a:effectLst/>
-                <a:highlight>
-                  <a:srgbClr val="FFFF00"/>
-                </a:highlight>
-                <a:latin typeface="SFMono-Regular"/>
-              </a:rPr>
-              <a:t>&gt; </a:t>
-            </a:r>
-            <a:r>
-              <a:rPr lang="de-CH" b="0" i="0" dirty="0">
-                <a:solidFill>
-                  <a:srgbClr val="444444"/>
-                </a:solidFill>
-                <a:effectLst/>
-                <a:latin typeface="SFMono-Regular"/>
-              </a:rPr>
-              <a:t>&lt;/</a:t>
-            </a:r>
-            <a:r>
-              <a:rPr lang="de-CH" b="0" i="0" dirty="0" err="1">
-                <a:solidFill>
-                  <a:srgbClr val="444444"/>
-                </a:solidFill>
-                <a:effectLst/>
-                <a:latin typeface="SFMono-Regular"/>
-              </a:rPr>
-              <a:t>multiInstanceLoopCharacteristics</a:t>
-            </a:r>
-            <a:r>
-              <a:rPr lang="de-CH" b="0" i="0" dirty="0">
-                <a:solidFill>
-                  <a:srgbClr val="444444"/>
-                </a:solidFill>
-                <a:effectLst/>
-                <a:latin typeface="SFMono-Regular"/>
-              </a:rPr>
-              <a:t>&gt;</a:t>
-            </a:r>
-            <a:endParaRPr lang="en-US" dirty="0">
-              <a:solidFill>
-                <a:srgbClr val="444444"/>
-              </a:solidFill>
-              <a:latin typeface="SFMono-Regular"/>
-            </a:endParaRPr>
-          </a:p>
-          <a:p>
-            <a:pPr lvl="1"/>
-            <a:r>
-              <a:rPr lang="de-CH" b="0" i="0" dirty="0">
-                <a:solidFill>
-                  <a:srgbClr val="444444"/>
-                </a:solidFill>
-                <a:effectLst/>
-                <a:latin typeface="SFMono-Regular"/>
-              </a:rPr>
-              <a:t>&lt;</a:t>
-            </a:r>
-            <a:r>
-              <a:rPr lang="de-CH" b="0" i="0" dirty="0" err="1">
-                <a:solidFill>
-                  <a:srgbClr val="444444"/>
-                </a:solidFill>
-                <a:effectLst/>
-                <a:latin typeface="SFMono-Regular"/>
-              </a:rPr>
-              <a:t>multiInstanceLoopCharacteristics</a:t>
-            </a:r>
-            <a:r>
-              <a:rPr lang="de-CH" b="0" i="0" dirty="0">
-                <a:solidFill>
-                  <a:srgbClr val="444444"/>
-                </a:solidFill>
-                <a:effectLst/>
-                <a:latin typeface="SFMono-Regular"/>
-              </a:rPr>
-              <a:t> </a:t>
-            </a:r>
-            <a:r>
-              <a:rPr lang="de-CH" b="0" i="0" dirty="0" err="1">
-                <a:solidFill>
-                  <a:srgbClr val="444444"/>
-                </a:solidFill>
-                <a:effectLst/>
-                <a:latin typeface="SFMono-Regular"/>
-              </a:rPr>
-              <a:t>isSequential</a:t>
-            </a:r>
-            <a:r>
-              <a:rPr lang="de-CH" b="0" i="0" dirty="0">
-                <a:solidFill>
-                  <a:srgbClr val="444444"/>
-                </a:solidFill>
-                <a:effectLst/>
-                <a:latin typeface="SFMono-Regular"/>
-              </a:rPr>
-              <a:t>="</a:t>
-            </a:r>
-            <a:r>
-              <a:rPr lang="de-CH" b="0" i="0" dirty="0" err="1">
-                <a:solidFill>
-                  <a:srgbClr val="444444"/>
-                </a:solidFill>
-                <a:effectLst/>
-                <a:latin typeface="SFMono-Regular"/>
-              </a:rPr>
-              <a:t>false</a:t>
-            </a:r>
-            <a:r>
-              <a:rPr lang="de-CH" b="0" i="0" dirty="0">
-                <a:solidFill>
-                  <a:srgbClr val="444444"/>
-                </a:solidFill>
-                <a:effectLst/>
-                <a:latin typeface="SFMono-Regular"/>
-              </a:rPr>
-              <a:t>" </a:t>
-            </a:r>
-            <a:r>
-              <a:rPr lang="de-CH" b="0" i="0" dirty="0" err="1">
-                <a:solidFill>
-                  <a:srgbClr val="444444"/>
-                </a:solidFill>
-                <a:effectLst/>
-                <a:highlight>
-                  <a:srgbClr val="FFFF00"/>
-                </a:highlight>
-                <a:latin typeface="SFMono-Regular"/>
-              </a:rPr>
-              <a:t>flowable:collection</a:t>
-            </a:r>
-            <a:r>
-              <a:rPr lang="de-CH" b="0" i="0" dirty="0">
-                <a:solidFill>
-                  <a:srgbClr val="444444"/>
-                </a:solidFill>
-                <a:effectLst/>
-                <a:highlight>
-                  <a:srgbClr val="FFFF00"/>
-                </a:highlight>
-                <a:latin typeface="SFMono-Regular"/>
-              </a:rPr>
-              <a:t>=«</a:t>
-            </a:r>
-            <a:r>
-              <a:rPr lang="de-CH" b="1" i="0" dirty="0" err="1">
-                <a:solidFill>
-                  <a:srgbClr val="444444"/>
-                </a:solidFill>
-                <a:effectLst/>
-                <a:highlight>
-                  <a:srgbClr val="FFFF00"/>
-                </a:highlight>
-                <a:latin typeface="SFMono-Regular"/>
-              </a:rPr>
-              <a:t>loopList</a:t>
-            </a:r>
-            <a:r>
-              <a:rPr lang="de-CH" b="0" i="0" dirty="0">
-                <a:solidFill>
-                  <a:srgbClr val="444444"/>
-                </a:solidFill>
-                <a:effectLst/>
-                <a:highlight>
-                  <a:srgbClr val="FFFF00"/>
-                </a:highlight>
-                <a:latin typeface="SFMono-Regular"/>
-              </a:rPr>
-              <a:t>" </a:t>
-            </a:r>
-            <a:r>
-              <a:rPr lang="de-CH" b="0" i="0" dirty="0" err="1">
-                <a:solidFill>
-                  <a:srgbClr val="444444"/>
-                </a:solidFill>
-                <a:effectLst/>
-                <a:highlight>
-                  <a:srgbClr val="FFFF00"/>
-                </a:highlight>
-                <a:latin typeface="SFMono-Regular"/>
-              </a:rPr>
-              <a:t>flowable:elementVariable</a:t>
-            </a:r>
-            <a:r>
-              <a:rPr lang="de-CH" b="0" i="0" dirty="0">
-                <a:solidFill>
-                  <a:srgbClr val="444444"/>
-                </a:solidFill>
-                <a:effectLst/>
-                <a:highlight>
-                  <a:srgbClr val="FFFF00"/>
-                </a:highlight>
-                <a:latin typeface="SFMono-Regular"/>
-              </a:rPr>
-              <a:t>=«</a:t>
-            </a:r>
-            <a:r>
-              <a:rPr lang="de-CH" b="1" i="0" dirty="0" err="1">
-                <a:solidFill>
-                  <a:srgbClr val="444444"/>
-                </a:solidFill>
-                <a:effectLst/>
-                <a:highlight>
-                  <a:srgbClr val="FFFF00"/>
-                </a:highlight>
-                <a:latin typeface="SFMono-Regular"/>
-              </a:rPr>
-              <a:t>listItem</a:t>
-            </a:r>
-            <a:r>
-              <a:rPr lang="de-CH" b="0" i="0" dirty="0">
-                <a:solidFill>
-                  <a:srgbClr val="444444"/>
-                </a:solidFill>
-                <a:effectLst/>
-                <a:highlight>
-                  <a:srgbClr val="FFFF00"/>
-                </a:highlight>
-                <a:latin typeface="SFMono-Regular"/>
-              </a:rPr>
-              <a:t>" &gt; </a:t>
-            </a:r>
-            <a:r>
-              <a:rPr lang="de-CH" b="0" i="0" dirty="0">
-                <a:solidFill>
-                  <a:srgbClr val="444444"/>
-                </a:solidFill>
-                <a:effectLst/>
-                <a:latin typeface="SFMono-Regular"/>
-              </a:rPr>
-              <a:t>&lt;/</a:t>
-            </a:r>
-            <a:r>
-              <a:rPr lang="de-CH" b="0" i="0" dirty="0" err="1">
-                <a:solidFill>
-                  <a:srgbClr val="444444"/>
-                </a:solidFill>
-                <a:effectLst/>
-                <a:latin typeface="SFMono-Regular"/>
-              </a:rPr>
-              <a:t>multiInstanceLoopCharacteristics</a:t>
-            </a:r>
-            <a:r>
-              <a:rPr lang="de-CH" b="0" i="0" dirty="0">
-                <a:solidFill>
-                  <a:srgbClr val="444444"/>
-                </a:solidFill>
-                <a:effectLst/>
-                <a:latin typeface="SFMono-Regular"/>
-              </a:rPr>
-              <a:t>&gt;</a:t>
-            </a:r>
-            <a:endParaRPr lang="en-CH" dirty="0"/>
-          </a:p>
-        </p:txBody>
-      </p:sp>
-    </p:spTree>
-    <p:extLst>
-      <p:ext uri="{BB962C8B-B14F-4D97-AF65-F5344CB8AC3E}">
-        <p14:creationId xmlns:p14="http://schemas.microsoft.com/office/powerpoint/2010/main" val="1634682293"/>
-      </p:ext>
-    </p:extLst>
-  </p:cSld>
-  <p:clrMapOvr>
-    <a:masterClrMapping/>
-  </p:clrMapOvr>
-</p:sld>
-</file>
-
 <file path=ppt/slides/slide2.xml><?xml version="1.0" encoding="utf-8"?>
 <p:sld xmlns:a="http://schemas.openxmlformats.org/drawingml/2006/main" xmlns:r="http://schemas.openxmlformats.org/officeDocument/2006/relationships" xmlns:p="http://schemas.openxmlformats.org/presentationml/2006/main">
   <p:cSld>
@@ -6989,6 +8241,677 @@
     <p:extLst>
       <p:ext uri="{BB962C8B-B14F-4D97-AF65-F5344CB8AC3E}">
         <p14:creationId xmlns:p14="http://schemas.microsoft.com/office/powerpoint/2010/main" val="926033395"/>
+      </p:ext>
+    </p:extLst>
+  </p:cSld>
+  <p:clrMapOvr>
+    <a:masterClrMapping/>
+  </p:clrMapOvr>
+</p:sld>
+</file>
+
+<file path=ppt/slides/slide20.xml><?xml version="1.0" encoding="utf-8"?>
+<p:sld xmlns:a="http://schemas.openxmlformats.org/drawingml/2006/main" xmlns:r="http://schemas.openxmlformats.org/officeDocument/2006/relationships" xmlns:p="http://schemas.openxmlformats.org/presentationml/2006/main">
+  <p:cSld>
+    <p:spTree>
+      <p:nvGrpSpPr>
+        <p:cNvPr id="1" name=""/>
+        <p:cNvGrpSpPr/>
+        <p:nvPr/>
+      </p:nvGrpSpPr>
+      <p:grpSpPr>
+        <a:xfrm>
+          <a:off x="0" y="0"/>
+          <a:ext cx="0" cy="0"/>
+          <a:chOff x="0" y="0"/>
+          <a:chExt cx="0" cy="0"/>
+        </a:xfrm>
+      </p:grpSpPr>
+      <p:sp>
+        <p:nvSpPr>
+          <p:cNvPr id="2" name="Title 1">
+            <a:extLst>
+              <a:ext uri="{FF2B5EF4-FFF2-40B4-BE49-F238E27FC236}">
+                <a16:creationId xmlns:a16="http://schemas.microsoft.com/office/drawing/2014/main" id="{03812D1F-F6DF-42A7-8DA2-1A5A8243FD15}"/>
+              </a:ext>
+            </a:extLst>
+          </p:cNvPr>
+          <p:cNvSpPr>
+            <a:spLocks noGrp="1"/>
+          </p:cNvSpPr>
+          <p:nvPr>
+            <p:ph type="title"/>
+          </p:nvPr>
+        </p:nvSpPr>
+        <p:spPr/>
+        <p:txBody>
+          <a:bodyPr/>
+          <a:lstStyle/>
+          <a:p>
+            <a:r>
+              <a:rPr lang="en-US" dirty="0"/>
+              <a:t>Cardinality (3/3)</a:t>
+            </a:r>
+            <a:endParaRPr lang="en-CH" dirty="0"/>
+          </a:p>
+        </p:txBody>
+      </p:sp>
+      <p:sp>
+        <p:nvSpPr>
+          <p:cNvPr id="5" name="Content Placeholder 4">
+            <a:extLst>
+              <a:ext uri="{FF2B5EF4-FFF2-40B4-BE49-F238E27FC236}">
+                <a16:creationId xmlns:a16="http://schemas.microsoft.com/office/drawing/2014/main" id="{3A5FB3D3-4BB6-451A-91DF-53D8A59B2AD4}"/>
+              </a:ext>
+            </a:extLst>
+          </p:cNvPr>
+          <p:cNvSpPr>
+            <a:spLocks noGrp="1"/>
+          </p:cNvSpPr>
+          <p:nvPr>
+            <p:ph idx="1"/>
+          </p:nvPr>
+        </p:nvSpPr>
+        <p:spPr/>
+        <p:txBody>
+          <a:bodyPr>
+            <a:normAutofit/>
+          </a:bodyPr>
+          <a:lstStyle/>
+          <a:p>
+            <a:r>
+              <a:rPr lang="en-US" dirty="0"/>
+              <a:t>Syntax</a:t>
+            </a:r>
+          </a:p>
+          <a:p>
+            <a:pPr lvl="1"/>
+            <a:r>
+              <a:rPr lang="de-CH" b="0" i="0" dirty="0">
+                <a:solidFill>
+                  <a:srgbClr val="444444"/>
+                </a:solidFill>
+                <a:effectLst/>
+                <a:latin typeface="SFMono-Regular"/>
+              </a:rPr>
+              <a:t>&lt;</a:t>
+            </a:r>
+            <a:r>
+              <a:rPr lang="de-CH" b="0" i="0" dirty="0" err="1">
+                <a:solidFill>
+                  <a:srgbClr val="444444"/>
+                </a:solidFill>
+                <a:effectLst/>
+                <a:latin typeface="SFMono-Regular"/>
+              </a:rPr>
+              <a:t>multiInstanceLoopCharacteristics</a:t>
+            </a:r>
+            <a:r>
+              <a:rPr lang="de-CH" b="0" i="0" dirty="0">
+                <a:solidFill>
+                  <a:srgbClr val="444444"/>
+                </a:solidFill>
+                <a:effectLst/>
+                <a:latin typeface="SFMono-Regular"/>
+              </a:rPr>
+              <a:t> </a:t>
+            </a:r>
+            <a:r>
+              <a:rPr lang="de-CH" b="0" i="0" dirty="0" err="1">
+                <a:solidFill>
+                  <a:srgbClr val="444444"/>
+                </a:solidFill>
+                <a:effectLst/>
+                <a:latin typeface="SFMono-Regular"/>
+              </a:rPr>
+              <a:t>isSequential</a:t>
+            </a:r>
+            <a:r>
+              <a:rPr lang="de-CH" b="0" i="0" dirty="0">
+                <a:solidFill>
+                  <a:srgbClr val="444444"/>
+                </a:solidFill>
+                <a:effectLst/>
+                <a:latin typeface="SFMono-Regular"/>
+              </a:rPr>
+              <a:t>="</a:t>
+            </a:r>
+            <a:r>
+              <a:rPr lang="de-CH" b="0" i="0" dirty="0" err="1">
+                <a:solidFill>
+                  <a:srgbClr val="444444"/>
+                </a:solidFill>
+                <a:effectLst/>
+                <a:latin typeface="SFMono-Regular"/>
+              </a:rPr>
+              <a:t>false|true</a:t>
+            </a:r>
+            <a:r>
+              <a:rPr lang="de-CH" b="0" i="0" dirty="0">
+                <a:solidFill>
+                  <a:srgbClr val="444444"/>
+                </a:solidFill>
+                <a:effectLst/>
+                <a:latin typeface="SFMono-Regular"/>
+              </a:rPr>
+              <a:t>"&gt; </a:t>
+            </a:r>
+            <a:r>
+              <a:rPr lang="de-CH" b="0" i="0" dirty="0">
+                <a:solidFill>
+                  <a:srgbClr val="444444"/>
+                </a:solidFill>
+                <a:effectLst/>
+                <a:highlight>
+                  <a:srgbClr val="FFFF00"/>
+                </a:highlight>
+                <a:latin typeface="SFMono-Regular"/>
+              </a:rPr>
+              <a:t>&lt;</a:t>
+            </a:r>
+            <a:r>
+              <a:rPr lang="de-CH" b="0" i="0" dirty="0" err="1">
+                <a:solidFill>
+                  <a:srgbClr val="444444"/>
+                </a:solidFill>
+                <a:effectLst/>
+                <a:highlight>
+                  <a:srgbClr val="FFFF00"/>
+                </a:highlight>
+                <a:latin typeface="SFMono-Regular"/>
+              </a:rPr>
+              <a:t>loopCardinality</a:t>
+            </a:r>
+            <a:r>
+              <a:rPr lang="de-CH" b="0" i="0" dirty="0">
+                <a:solidFill>
+                  <a:srgbClr val="444444"/>
+                </a:solidFill>
+                <a:effectLst/>
+                <a:highlight>
+                  <a:srgbClr val="FFFF00"/>
+                </a:highlight>
+                <a:latin typeface="SFMono-Regular"/>
+              </a:rPr>
+              <a:t>&gt;5&lt;/</a:t>
+            </a:r>
+            <a:r>
+              <a:rPr lang="de-CH" b="0" i="0" dirty="0" err="1">
+                <a:solidFill>
+                  <a:srgbClr val="444444"/>
+                </a:solidFill>
+                <a:effectLst/>
+                <a:highlight>
+                  <a:srgbClr val="FFFF00"/>
+                </a:highlight>
+                <a:latin typeface="SFMono-Regular"/>
+              </a:rPr>
+              <a:t>loopCardinality</a:t>
+            </a:r>
+            <a:r>
+              <a:rPr lang="de-CH" b="0" i="0" dirty="0">
+                <a:solidFill>
+                  <a:srgbClr val="444444"/>
+                </a:solidFill>
+                <a:effectLst/>
+                <a:highlight>
+                  <a:srgbClr val="FFFF00"/>
+                </a:highlight>
+                <a:latin typeface="SFMono-Regular"/>
+              </a:rPr>
+              <a:t>&gt; &lt;/</a:t>
+            </a:r>
+            <a:r>
+              <a:rPr lang="de-CH" b="0" i="0" dirty="0" err="1">
+                <a:solidFill>
+                  <a:srgbClr val="444444"/>
+                </a:solidFill>
+                <a:effectLst/>
+                <a:highlight>
+                  <a:srgbClr val="FFFF00"/>
+                </a:highlight>
+                <a:latin typeface="SFMono-Regular"/>
+              </a:rPr>
+              <a:t>multiInstanceLoopCharacteristics</a:t>
+            </a:r>
+            <a:r>
+              <a:rPr lang="de-CH" b="0" i="0" dirty="0">
+                <a:solidFill>
+                  <a:srgbClr val="444444"/>
+                </a:solidFill>
+                <a:effectLst/>
+                <a:highlight>
+                  <a:srgbClr val="FFFF00"/>
+                </a:highlight>
+                <a:latin typeface="SFMono-Regular"/>
+              </a:rPr>
+              <a:t>&gt;</a:t>
+            </a:r>
+            <a:endParaRPr lang="en-US" b="0" i="0" dirty="0">
+              <a:solidFill>
+                <a:srgbClr val="444444"/>
+              </a:solidFill>
+              <a:effectLst/>
+              <a:highlight>
+                <a:srgbClr val="FFFF00"/>
+              </a:highlight>
+              <a:latin typeface="SFMono-Regular"/>
+            </a:endParaRPr>
+          </a:p>
+          <a:p>
+            <a:pPr lvl="1"/>
+            <a:r>
+              <a:rPr lang="de-CH" b="0" i="0" dirty="0">
+                <a:solidFill>
+                  <a:srgbClr val="444444"/>
+                </a:solidFill>
+                <a:effectLst/>
+                <a:latin typeface="SFMono-Regular"/>
+              </a:rPr>
+              <a:t>&lt;</a:t>
+            </a:r>
+            <a:r>
+              <a:rPr lang="de-CH" b="0" i="0" dirty="0" err="1">
+                <a:solidFill>
+                  <a:srgbClr val="444444"/>
+                </a:solidFill>
+                <a:effectLst/>
+                <a:latin typeface="SFMono-Regular"/>
+              </a:rPr>
+              <a:t>multiInstanceLoopCharacteristics</a:t>
+            </a:r>
+            <a:r>
+              <a:rPr lang="de-CH" b="0" i="0" dirty="0">
+                <a:solidFill>
+                  <a:srgbClr val="444444"/>
+                </a:solidFill>
+                <a:effectLst/>
+                <a:latin typeface="SFMono-Regular"/>
+              </a:rPr>
+              <a:t> </a:t>
+            </a:r>
+            <a:r>
+              <a:rPr lang="de-CH" b="0" i="0" dirty="0" err="1">
+                <a:solidFill>
+                  <a:srgbClr val="444444"/>
+                </a:solidFill>
+                <a:effectLst/>
+                <a:latin typeface="SFMono-Regular"/>
+              </a:rPr>
+              <a:t>isSequential</a:t>
+            </a:r>
+            <a:r>
+              <a:rPr lang="de-CH" b="0" i="0" dirty="0">
+                <a:solidFill>
+                  <a:srgbClr val="444444"/>
+                </a:solidFill>
+                <a:effectLst/>
+                <a:latin typeface="SFMono-Regular"/>
+              </a:rPr>
+              <a:t>="</a:t>
+            </a:r>
+            <a:r>
+              <a:rPr lang="de-CH" b="0" i="0" dirty="0" err="1">
+                <a:solidFill>
+                  <a:srgbClr val="444444"/>
+                </a:solidFill>
+                <a:effectLst/>
+                <a:latin typeface="SFMono-Regular"/>
+              </a:rPr>
+              <a:t>false|true</a:t>
+            </a:r>
+            <a:r>
+              <a:rPr lang="de-CH" b="0" i="0" dirty="0">
+                <a:solidFill>
+                  <a:srgbClr val="444444"/>
+                </a:solidFill>
+                <a:effectLst/>
+                <a:latin typeface="SFMono-Regular"/>
+              </a:rPr>
+              <a:t>"&gt; </a:t>
+            </a:r>
+            <a:r>
+              <a:rPr lang="de-CH" b="0" i="0" dirty="0">
+                <a:solidFill>
+                  <a:srgbClr val="444444"/>
+                </a:solidFill>
+                <a:effectLst/>
+                <a:highlight>
+                  <a:srgbClr val="FFFF00"/>
+                </a:highlight>
+                <a:latin typeface="SFMono-Regular"/>
+              </a:rPr>
+              <a:t>&lt;</a:t>
+            </a:r>
+            <a:r>
+              <a:rPr lang="de-CH" b="0" i="0" dirty="0" err="1">
+                <a:solidFill>
+                  <a:srgbClr val="444444"/>
+                </a:solidFill>
+                <a:effectLst/>
+                <a:highlight>
+                  <a:srgbClr val="FFFF00"/>
+                </a:highlight>
+                <a:latin typeface="SFMono-Regular"/>
+              </a:rPr>
+              <a:t>loopCardinality</a:t>
+            </a:r>
+            <a:r>
+              <a:rPr lang="de-CH" b="0" i="0" dirty="0">
+                <a:solidFill>
+                  <a:srgbClr val="444444"/>
+                </a:solidFill>
+                <a:effectLst/>
+                <a:highlight>
+                  <a:srgbClr val="FFFF00"/>
+                </a:highlight>
+                <a:latin typeface="SFMono-Regular"/>
+              </a:rPr>
+              <a:t>&gt;${</a:t>
+            </a:r>
+            <a:r>
+              <a:rPr lang="de-CH" b="0" i="0" dirty="0" err="1">
+                <a:solidFill>
+                  <a:srgbClr val="444444"/>
+                </a:solidFill>
+                <a:effectLst/>
+                <a:highlight>
+                  <a:srgbClr val="FFFF00"/>
+                </a:highlight>
+                <a:latin typeface="SFMono-Regular"/>
+              </a:rPr>
+              <a:t>nrOfOrders-nrOfCancellations</a:t>
+            </a:r>
+            <a:r>
+              <a:rPr lang="de-CH" b="0" i="0" dirty="0">
+                <a:solidFill>
+                  <a:srgbClr val="444444"/>
+                </a:solidFill>
+                <a:effectLst/>
+                <a:highlight>
+                  <a:srgbClr val="FFFF00"/>
+                </a:highlight>
+                <a:latin typeface="SFMono-Regular"/>
+              </a:rPr>
+              <a:t>}&lt;/</a:t>
+            </a:r>
+            <a:r>
+              <a:rPr lang="de-CH" b="0" i="0" dirty="0" err="1">
+                <a:solidFill>
+                  <a:srgbClr val="444444"/>
+                </a:solidFill>
+                <a:effectLst/>
+                <a:highlight>
+                  <a:srgbClr val="FFFF00"/>
+                </a:highlight>
+                <a:latin typeface="SFMono-Regular"/>
+              </a:rPr>
+              <a:t>loopCardinality</a:t>
+            </a:r>
+            <a:r>
+              <a:rPr lang="de-CH" b="0" i="0" dirty="0">
+                <a:solidFill>
+                  <a:srgbClr val="444444"/>
+                </a:solidFill>
+                <a:effectLst/>
+                <a:highlight>
+                  <a:srgbClr val="FFFF00"/>
+                </a:highlight>
+                <a:latin typeface="SFMono-Regular"/>
+              </a:rPr>
+              <a:t>&gt; </a:t>
+            </a:r>
+            <a:r>
+              <a:rPr lang="de-CH" b="0" i="0" dirty="0">
+                <a:solidFill>
+                  <a:srgbClr val="444444"/>
+                </a:solidFill>
+                <a:effectLst/>
+                <a:latin typeface="SFMono-Regular"/>
+              </a:rPr>
+              <a:t>&lt;/</a:t>
+            </a:r>
+            <a:r>
+              <a:rPr lang="de-CH" b="0" i="0" dirty="0" err="1">
+                <a:solidFill>
+                  <a:srgbClr val="444444"/>
+                </a:solidFill>
+                <a:effectLst/>
+                <a:latin typeface="SFMono-Regular"/>
+              </a:rPr>
+              <a:t>multiInstanceLoopCharacteristics</a:t>
+            </a:r>
+            <a:r>
+              <a:rPr lang="de-CH" b="0" i="0" dirty="0">
+                <a:solidFill>
+                  <a:srgbClr val="444444"/>
+                </a:solidFill>
+                <a:effectLst/>
+                <a:latin typeface="SFMono-Regular"/>
+              </a:rPr>
+              <a:t>&gt;</a:t>
+            </a:r>
+            <a:endParaRPr lang="en-US" dirty="0">
+              <a:solidFill>
+                <a:srgbClr val="444444"/>
+              </a:solidFill>
+              <a:latin typeface="SFMono-Regular"/>
+            </a:endParaRPr>
+          </a:p>
+          <a:p>
+            <a:pPr lvl="1"/>
+            <a:r>
+              <a:rPr lang="de-CH" b="0" i="0" dirty="0">
+                <a:solidFill>
+                  <a:srgbClr val="444444"/>
+                </a:solidFill>
+                <a:effectLst/>
+                <a:latin typeface="SFMono-Regular"/>
+              </a:rPr>
+              <a:t>&lt;</a:t>
+            </a:r>
+            <a:r>
+              <a:rPr lang="de-CH" b="0" i="0" dirty="0" err="1">
+                <a:solidFill>
+                  <a:srgbClr val="444444"/>
+                </a:solidFill>
+                <a:effectLst/>
+                <a:latin typeface="SFMono-Regular"/>
+              </a:rPr>
+              <a:t>multiInstanceLoopCharacteristics</a:t>
+            </a:r>
+            <a:r>
+              <a:rPr lang="de-CH" b="0" i="0" dirty="0">
+                <a:solidFill>
+                  <a:srgbClr val="444444"/>
+                </a:solidFill>
+                <a:effectLst/>
+                <a:latin typeface="SFMono-Regular"/>
+              </a:rPr>
+              <a:t> </a:t>
+            </a:r>
+            <a:r>
+              <a:rPr lang="de-CH" b="0" i="0" dirty="0" err="1">
+                <a:solidFill>
+                  <a:srgbClr val="444444"/>
+                </a:solidFill>
+                <a:effectLst/>
+                <a:latin typeface="SFMono-Regular"/>
+              </a:rPr>
+              <a:t>isSequential</a:t>
+            </a:r>
+            <a:r>
+              <a:rPr lang="de-CH" b="0" i="0" dirty="0">
+                <a:solidFill>
+                  <a:srgbClr val="444444"/>
+                </a:solidFill>
+                <a:effectLst/>
+                <a:latin typeface="SFMono-Regular"/>
+              </a:rPr>
+              <a:t>="</a:t>
+            </a:r>
+            <a:r>
+              <a:rPr lang="de-CH" b="0" i="0" dirty="0" err="1">
+                <a:solidFill>
+                  <a:srgbClr val="444444"/>
+                </a:solidFill>
+                <a:effectLst/>
+                <a:latin typeface="SFMono-Regular"/>
+              </a:rPr>
+              <a:t>false</a:t>
+            </a:r>
+            <a:r>
+              <a:rPr lang="de-CH" b="0" i="0" dirty="0">
+                <a:solidFill>
+                  <a:srgbClr val="444444"/>
+                </a:solidFill>
+                <a:effectLst/>
+                <a:latin typeface="SFMono-Regular"/>
+              </a:rPr>
+              <a:t>" </a:t>
+            </a:r>
+            <a:r>
+              <a:rPr lang="de-CH" b="0" i="0" dirty="0" err="1">
+                <a:solidFill>
+                  <a:srgbClr val="444444"/>
+                </a:solidFill>
+                <a:effectLst/>
+                <a:highlight>
+                  <a:srgbClr val="FFFF00"/>
+                </a:highlight>
+                <a:latin typeface="SFMono-Regular"/>
+              </a:rPr>
+              <a:t>flowable:collection</a:t>
+            </a:r>
+            <a:r>
+              <a:rPr lang="de-CH" b="0" i="0" dirty="0">
+                <a:solidFill>
+                  <a:srgbClr val="444444"/>
+                </a:solidFill>
+                <a:effectLst/>
+                <a:highlight>
+                  <a:srgbClr val="FFFF00"/>
+                </a:highlight>
+                <a:latin typeface="SFMono-Regular"/>
+              </a:rPr>
+              <a:t>=«</a:t>
+            </a:r>
+            <a:r>
+              <a:rPr lang="de-CH" b="1" i="0" dirty="0" err="1">
+                <a:solidFill>
+                  <a:srgbClr val="444444"/>
+                </a:solidFill>
+                <a:effectLst/>
+                <a:highlight>
+                  <a:srgbClr val="FFFF00"/>
+                </a:highlight>
+                <a:latin typeface="SFMono-Regular"/>
+              </a:rPr>
+              <a:t>loopList</a:t>
+            </a:r>
+            <a:r>
+              <a:rPr lang="de-CH" b="0" i="0" dirty="0">
+                <a:solidFill>
+                  <a:srgbClr val="444444"/>
+                </a:solidFill>
+                <a:effectLst/>
+                <a:highlight>
+                  <a:srgbClr val="FFFF00"/>
+                </a:highlight>
+                <a:latin typeface="SFMono-Regular"/>
+              </a:rPr>
+              <a:t>" </a:t>
+            </a:r>
+            <a:r>
+              <a:rPr lang="de-CH" b="0" i="0" dirty="0" err="1">
+                <a:solidFill>
+                  <a:srgbClr val="444444"/>
+                </a:solidFill>
+                <a:effectLst/>
+                <a:highlight>
+                  <a:srgbClr val="FFFF00"/>
+                </a:highlight>
+                <a:latin typeface="SFMono-Regular"/>
+              </a:rPr>
+              <a:t>flowable:elementVariable</a:t>
+            </a:r>
+            <a:r>
+              <a:rPr lang="de-CH" b="0" i="0" dirty="0">
+                <a:solidFill>
+                  <a:srgbClr val="444444"/>
+                </a:solidFill>
+                <a:effectLst/>
+                <a:highlight>
+                  <a:srgbClr val="FFFF00"/>
+                </a:highlight>
+                <a:latin typeface="SFMono-Regular"/>
+              </a:rPr>
+              <a:t>=«</a:t>
+            </a:r>
+            <a:r>
+              <a:rPr lang="de-CH" b="1" i="0" dirty="0" err="1">
+                <a:solidFill>
+                  <a:srgbClr val="444444"/>
+                </a:solidFill>
+                <a:effectLst/>
+                <a:highlight>
+                  <a:srgbClr val="FFFF00"/>
+                </a:highlight>
+                <a:latin typeface="SFMono-Regular"/>
+              </a:rPr>
+              <a:t>listItem</a:t>
+            </a:r>
+            <a:r>
+              <a:rPr lang="de-CH" b="0" i="0" dirty="0">
+                <a:solidFill>
+                  <a:srgbClr val="444444"/>
+                </a:solidFill>
+                <a:effectLst/>
+                <a:highlight>
+                  <a:srgbClr val="FFFF00"/>
+                </a:highlight>
+                <a:latin typeface="SFMono-Regular"/>
+              </a:rPr>
+              <a:t>" &gt; </a:t>
+            </a:r>
+            <a:r>
+              <a:rPr lang="de-CH" b="0" i="0" dirty="0">
+                <a:solidFill>
+                  <a:srgbClr val="444444"/>
+                </a:solidFill>
+                <a:effectLst/>
+                <a:latin typeface="SFMono-Regular"/>
+              </a:rPr>
+              <a:t>&lt;/</a:t>
+            </a:r>
+            <a:r>
+              <a:rPr lang="de-CH" b="0" i="0" dirty="0" err="1">
+                <a:solidFill>
+                  <a:srgbClr val="444444"/>
+                </a:solidFill>
+                <a:effectLst/>
+                <a:latin typeface="SFMono-Regular"/>
+              </a:rPr>
+              <a:t>multiInstanceLoopCharacteristics</a:t>
+            </a:r>
+            <a:r>
+              <a:rPr lang="de-CH" b="0" i="0" dirty="0">
+                <a:solidFill>
+                  <a:srgbClr val="444444"/>
+                </a:solidFill>
+                <a:effectLst/>
+                <a:latin typeface="SFMono-Regular"/>
+              </a:rPr>
+              <a:t>&gt;</a:t>
+            </a:r>
+            <a:endParaRPr lang="en-CH" dirty="0"/>
+          </a:p>
+        </p:txBody>
+      </p:sp>
+    </p:spTree>
+    <p:extLst>
+      <p:ext uri="{BB962C8B-B14F-4D97-AF65-F5344CB8AC3E}">
+        <p14:creationId xmlns:p14="http://schemas.microsoft.com/office/powerpoint/2010/main" val="1634682293"/>
       </p:ext>
     </p:extLst>
   </p:cSld>

--- a/flowable-demo/src/main/resources/devsupport/Flowable_Demo.pptx
+++ b/flowable-demo/src/main/resources/devsupport/Flowable_Demo.pptx
@@ -20,14 +20,14 @@
     <p:sldId id="272" r:id="rId11"/>
     <p:sldId id="264" r:id="rId12"/>
     <p:sldId id="273" r:id="rId13"/>
-    <p:sldId id="262" r:id="rId14"/>
-    <p:sldId id="274" r:id="rId15"/>
-    <p:sldId id="275" r:id="rId16"/>
-    <p:sldId id="281" r:id="rId17"/>
-    <p:sldId id="282" r:id="rId18"/>
-    <p:sldId id="279" r:id="rId19"/>
-    <p:sldId id="276" r:id="rId20"/>
-    <p:sldId id="277" r:id="rId21"/>
+    <p:sldId id="279" r:id="rId14"/>
+    <p:sldId id="276" r:id="rId15"/>
+    <p:sldId id="277" r:id="rId16"/>
+    <p:sldId id="262" r:id="rId17"/>
+    <p:sldId id="274" r:id="rId18"/>
+    <p:sldId id="275" r:id="rId19"/>
+    <p:sldId id="281" r:id="rId20"/>
+    <p:sldId id="282" r:id="rId21"/>
   </p:sldIdLst>
   <p:sldSz cx="12192000" cy="6858000"/>
   <p:notesSz cx="6858000" cy="9144000"/>
@@ -216,7 +216,7 @@
           <a:p>
             <a:fld id="{5833448F-D82A-4F91-8165-AEC9D03D7538}" type="datetimeFigureOut">
               <a:rPr lang="en-CH" smtClean="0"/>
-              <a:t>24/04/2022</a:t>
+              <a:t>04/29/2022</a:t>
             </a:fld>
             <a:endParaRPr lang="en-CH"/>
           </a:p>
@@ -642,7 +642,7 @@
     </p:spTree>
     <p:extLst>
       <p:ext uri="{BB962C8B-B14F-4D97-AF65-F5344CB8AC3E}">
-        <p14:creationId xmlns:p14="http://schemas.microsoft.com/office/powerpoint/2010/main" val="3583361730"/>
+        <p14:creationId xmlns:p14="http://schemas.microsoft.com/office/powerpoint/2010/main" val="2116276287"/>
       </p:ext>
     </p:extLst>
   </p:cSld>
@@ -726,7 +726,7 @@
     </p:spTree>
     <p:extLst>
       <p:ext uri="{BB962C8B-B14F-4D97-AF65-F5344CB8AC3E}">
-        <p14:creationId xmlns:p14="http://schemas.microsoft.com/office/powerpoint/2010/main" val="3740068702"/>
+        <p14:creationId xmlns:p14="http://schemas.microsoft.com/office/powerpoint/2010/main" val="2263799970"/>
       </p:ext>
     </p:extLst>
   </p:cSld>
@@ -1106,7 +1106,7 @@
     </p:spTree>
     <p:extLst>
       <p:ext uri="{BB962C8B-B14F-4D97-AF65-F5344CB8AC3E}">
-        <p14:creationId xmlns:p14="http://schemas.microsoft.com/office/powerpoint/2010/main" val="477367948"/>
+        <p14:creationId xmlns:p14="http://schemas.microsoft.com/office/powerpoint/2010/main" val="1217711729"/>
       </p:ext>
     </p:extLst>
   </p:cSld>
@@ -1190,7 +1190,7 @@
     </p:spTree>
     <p:extLst>
       <p:ext uri="{BB962C8B-B14F-4D97-AF65-F5344CB8AC3E}">
-        <p14:creationId xmlns:p14="http://schemas.microsoft.com/office/powerpoint/2010/main" val="2724288615"/>
+        <p14:creationId xmlns:p14="http://schemas.microsoft.com/office/powerpoint/2010/main" val="3583361730"/>
       </p:ext>
     </p:extLst>
   </p:cSld>
@@ -1274,7 +1274,7 @@
     </p:spTree>
     <p:extLst>
       <p:ext uri="{BB962C8B-B14F-4D97-AF65-F5344CB8AC3E}">
-        <p14:creationId xmlns:p14="http://schemas.microsoft.com/office/powerpoint/2010/main" val="1710238726"/>
+        <p14:creationId xmlns:p14="http://schemas.microsoft.com/office/powerpoint/2010/main" val="3740068702"/>
       </p:ext>
     </p:extLst>
   </p:cSld>
@@ -1358,7 +1358,7 @@
     </p:spTree>
     <p:extLst>
       <p:ext uri="{BB962C8B-B14F-4D97-AF65-F5344CB8AC3E}">
-        <p14:creationId xmlns:p14="http://schemas.microsoft.com/office/powerpoint/2010/main" val="2116276287"/>
+        <p14:creationId xmlns:p14="http://schemas.microsoft.com/office/powerpoint/2010/main" val="477367948"/>
       </p:ext>
     </p:extLst>
   </p:cSld>
@@ -1442,7 +1442,7 @@
     </p:spTree>
     <p:extLst>
       <p:ext uri="{BB962C8B-B14F-4D97-AF65-F5344CB8AC3E}">
-        <p14:creationId xmlns:p14="http://schemas.microsoft.com/office/powerpoint/2010/main" val="2263799970"/>
+        <p14:creationId xmlns:p14="http://schemas.microsoft.com/office/powerpoint/2010/main" val="2724288615"/>
       </p:ext>
     </p:extLst>
   </p:cSld>
@@ -1526,7 +1526,7 @@
     </p:spTree>
     <p:extLst>
       <p:ext uri="{BB962C8B-B14F-4D97-AF65-F5344CB8AC3E}">
-        <p14:creationId xmlns:p14="http://schemas.microsoft.com/office/powerpoint/2010/main" val="1217711729"/>
+        <p14:creationId xmlns:p14="http://schemas.microsoft.com/office/powerpoint/2010/main" val="1710238726"/>
       </p:ext>
     </p:extLst>
   </p:cSld>
@@ -1685,7 +1685,7 @@
           <a:p>
             <a:fld id="{1DE9D8DB-7996-4D53-BAF7-A90A1E48913A}" type="datetimeFigureOut">
               <a:rPr lang="en-CH" smtClean="0"/>
-              <a:t>24/04/2022</a:t>
+              <a:t>04/29/2022</a:t>
             </a:fld>
             <a:endParaRPr lang="en-CH"/>
           </a:p>
@@ -1885,7 +1885,7 @@
           <a:p>
             <a:fld id="{1DE9D8DB-7996-4D53-BAF7-A90A1E48913A}" type="datetimeFigureOut">
               <a:rPr lang="en-CH" smtClean="0"/>
-              <a:t>24/04/2022</a:t>
+              <a:t>04/29/2022</a:t>
             </a:fld>
             <a:endParaRPr lang="en-CH"/>
           </a:p>
@@ -2095,7 +2095,7 @@
           <a:p>
             <a:fld id="{1DE9D8DB-7996-4D53-BAF7-A90A1E48913A}" type="datetimeFigureOut">
               <a:rPr lang="en-CH" smtClean="0"/>
-              <a:t>24/04/2022</a:t>
+              <a:t>04/29/2022</a:t>
             </a:fld>
             <a:endParaRPr lang="en-CH"/>
           </a:p>
@@ -2295,7 +2295,7 @@
           <a:p>
             <a:fld id="{1DE9D8DB-7996-4D53-BAF7-A90A1E48913A}" type="datetimeFigureOut">
               <a:rPr lang="en-CH" smtClean="0"/>
-              <a:t>24/04/2022</a:t>
+              <a:t>04/29/2022</a:t>
             </a:fld>
             <a:endParaRPr lang="en-CH"/>
           </a:p>
@@ -2571,7 +2571,7 @@
           <a:p>
             <a:fld id="{1DE9D8DB-7996-4D53-BAF7-A90A1E48913A}" type="datetimeFigureOut">
               <a:rPr lang="en-CH" smtClean="0"/>
-              <a:t>24/04/2022</a:t>
+              <a:t>04/29/2022</a:t>
             </a:fld>
             <a:endParaRPr lang="en-CH"/>
           </a:p>
@@ -2839,7 +2839,7 @@
           <a:p>
             <a:fld id="{1DE9D8DB-7996-4D53-BAF7-A90A1E48913A}" type="datetimeFigureOut">
               <a:rPr lang="en-CH" smtClean="0"/>
-              <a:t>24/04/2022</a:t>
+              <a:t>04/29/2022</a:t>
             </a:fld>
             <a:endParaRPr lang="en-CH"/>
           </a:p>
@@ -3254,7 +3254,7 @@
           <a:p>
             <a:fld id="{1DE9D8DB-7996-4D53-BAF7-A90A1E48913A}" type="datetimeFigureOut">
               <a:rPr lang="en-CH" smtClean="0"/>
-              <a:t>24/04/2022</a:t>
+              <a:t>04/29/2022</a:t>
             </a:fld>
             <a:endParaRPr lang="en-CH"/>
           </a:p>
@@ -3396,7 +3396,7 @@
           <a:p>
             <a:fld id="{1DE9D8DB-7996-4D53-BAF7-A90A1E48913A}" type="datetimeFigureOut">
               <a:rPr lang="en-CH" smtClean="0"/>
-              <a:t>24/04/2022</a:t>
+              <a:t>04/29/2022</a:t>
             </a:fld>
             <a:endParaRPr lang="en-CH"/>
           </a:p>
@@ -3509,7 +3509,7 @@
           <a:p>
             <a:fld id="{1DE9D8DB-7996-4D53-BAF7-A90A1E48913A}" type="datetimeFigureOut">
               <a:rPr lang="en-CH" smtClean="0"/>
-              <a:t>24/04/2022</a:t>
+              <a:t>04/29/2022</a:t>
             </a:fld>
             <a:endParaRPr lang="en-CH"/>
           </a:p>
@@ -3822,7 +3822,7 @@
           <a:p>
             <a:fld id="{1DE9D8DB-7996-4D53-BAF7-A90A1E48913A}" type="datetimeFigureOut">
               <a:rPr lang="en-CH" smtClean="0"/>
-              <a:t>24/04/2022</a:t>
+              <a:t>04/29/2022</a:t>
             </a:fld>
             <a:endParaRPr lang="en-CH"/>
           </a:p>
@@ -4111,7 +4111,7 @@
           <a:p>
             <a:fld id="{1DE9D8DB-7996-4D53-BAF7-A90A1E48913A}" type="datetimeFigureOut">
               <a:rPr lang="en-CH" smtClean="0"/>
-              <a:t>24/04/2022</a:t>
+              <a:t>04/29/2022</a:t>
             </a:fld>
             <a:endParaRPr lang="en-CH"/>
           </a:p>
@@ -4354,7 +4354,7 @@
           <a:p>
             <a:fld id="{1DE9D8DB-7996-4D53-BAF7-A90A1E48913A}" type="datetimeFigureOut">
               <a:rPr lang="en-CH" smtClean="0"/>
-              <a:t>24/04/2022</a:t>
+              <a:t>04/29/2022</a:t>
             </a:fld>
             <a:endParaRPr lang="en-CH"/>
           </a:p>
@@ -5341,6 +5341,998 @@
           <a:p>
             <a:r>
               <a:rPr lang="en-US" dirty="0"/>
+              <a:t>Cardinality (1/3)</a:t>
+            </a:r>
+            <a:endParaRPr lang="en-CH" dirty="0"/>
+          </a:p>
+        </p:txBody>
+      </p:sp>
+      <p:sp>
+        <p:nvSpPr>
+          <p:cNvPr id="4" name="Content Placeholder 3">
+            <a:extLst>
+              <a:ext uri="{FF2B5EF4-FFF2-40B4-BE49-F238E27FC236}">
+                <a16:creationId xmlns:a16="http://schemas.microsoft.com/office/drawing/2014/main" id="{B1A9B8FC-91B4-4D04-97E4-215B657E8A81}"/>
+              </a:ext>
+            </a:extLst>
+          </p:cNvPr>
+          <p:cNvSpPr>
+            <a:spLocks noGrp="1"/>
+          </p:cNvSpPr>
+          <p:nvPr>
+            <p:ph idx="1"/>
+          </p:nvPr>
+        </p:nvSpPr>
+        <p:spPr/>
+        <p:txBody>
+          <a:bodyPr/>
+          <a:lstStyle/>
+          <a:p>
+            <a:r>
+              <a:rPr lang="en-US" dirty="0"/>
+              <a:t>Executing a specific activity multiple times without complex modelling</a:t>
+            </a:r>
+          </a:p>
+          <a:p>
+            <a:pPr lvl="1"/>
+            <a:r>
+              <a:rPr lang="en-US" dirty="0"/>
+              <a:t>Loop a fixed number of times</a:t>
+            </a:r>
+          </a:p>
+          <a:p>
+            <a:pPr lvl="1"/>
+            <a:r>
+              <a:rPr lang="en-US" dirty="0"/>
+              <a:t>Variable number of times (determined by process variables)</a:t>
+            </a:r>
+          </a:p>
+          <a:p>
+            <a:pPr lvl="1"/>
+            <a:r>
+              <a:rPr lang="en-US" dirty="0"/>
+              <a:t>Loop over a list</a:t>
+            </a:r>
+          </a:p>
+          <a:p>
+            <a:pPr lvl="1"/>
+            <a:r>
+              <a:rPr lang="en-US" dirty="0"/>
+              <a:t>Define a “completion condition”</a:t>
+            </a:r>
+          </a:p>
+          <a:p>
+            <a:r>
+              <a:rPr lang="en-US" dirty="0">
+                <a:hlinkClick r:id="rId3"/>
+              </a:rPr>
+              <a:t>https://www.flowable.com/open-source/docs/bpmn/ch07b-BPMN-Constructs#multi-instance-for-each</a:t>
+            </a:r>
+            <a:endParaRPr lang="en-US" dirty="0"/>
+          </a:p>
+        </p:txBody>
+      </p:sp>
+    </p:spTree>
+    <p:extLst>
+      <p:ext uri="{BB962C8B-B14F-4D97-AF65-F5344CB8AC3E}">
+        <p14:creationId xmlns:p14="http://schemas.microsoft.com/office/powerpoint/2010/main" val="620836971"/>
+      </p:ext>
+    </p:extLst>
+  </p:cSld>
+  <p:clrMapOvr>
+    <a:masterClrMapping/>
+  </p:clrMapOvr>
+</p:sld>
+</file>
+
+<file path=ppt/slides/slide14.xml><?xml version="1.0" encoding="utf-8"?>
+<p:sld xmlns:a="http://schemas.openxmlformats.org/drawingml/2006/main" xmlns:r="http://schemas.openxmlformats.org/officeDocument/2006/relationships" xmlns:p="http://schemas.openxmlformats.org/presentationml/2006/main">
+  <p:cSld>
+    <p:spTree>
+      <p:nvGrpSpPr>
+        <p:cNvPr id="1" name=""/>
+        <p:cNvGrpSpPr/>
+        <p:nvPr/>
+      </p:nvGrpSpPr>
+      <p:grpSpPr>
+        <a:xfrm>
+          <a:off x="0" y="0"/>
+          <a:ext cx="0" cy="0"/>
+          <a:chOff x="0" y="0"/>
+          <a:chExt cx="0" cy="0"/>
+        </a:xfrm>
+      </p:grpSpPr>
+      <p:sp>
+        <p:nvSpPr>
+          <p:cNvPr id="2" name="Title 1">
+            <a:extLst>
+              <a:ext uri="{FF2B5EF4-FFF2-40B4-BE49-F238E27FC236}">
+                <a16:creationId xmlns:a16="http://schemas.microsoft.com/office/drawing/2014/main" id="{03812D1F-F6DF-42A7-8DA2-1A5A8243FD15}"/>
+              </a:ext>
+            </a:extLst>
+          </p:cNvPr>
+          <p:cNvSpPr>
+            <a:spLocks noGrp="1"/>
+          </p:cNvSpPr>
+          <p:nvPr>
+            <p:ph type="title"/>
+          </p:nvPr>
+        </p:nvSpPr>
+        <p:spPr/>
+        <p:txBody>
+          <a:bodyPr/>
+          <a:lstStyle/>
+          <a:p>
+            <a:r>
+              <a:rPr lang="en-US" dirty="0"/>
+              <a:t>Cardinality (2/3)</a:t>
+            </a:r>
+            <a:endParaRPr lang="en-CH" dirty="0"/>
+          </a:p>
+        </p:txBody>
+      </p:sp>
+      <p:pic>
+        <p:nvPicPr>
+          <p:cNvPr id="9" name="Picture 8">
+            <a:extLst>
+              <a:ext uri="{FF2B5EF4-FFF2-40B4-BE49-F238E27FC236}">
+                <a16:creationId xmlns:a16="http://schemas.microsoft.com/office/drawing/2014/main" id="{C4DEC049-5711-464A-B3EB-98AD74A156DD}"/>
+              </a:ext>
+            </a:extLst>
+          </p:cNvPr>
+          <p:cNvPicPr>
+            <a:picLocks noChangeAspect="1"/>
+          </p:cNvPicPr>
+          <p:nvPr/>
+        </p:nvPicPr>
+        <p:blipFill>
+          <a:blip r:embed="rId3"/>
+          <a:stretch>
+            <a:fillRect/>
+          </a:stretch>
+        </p:blipFill>
+        <p:spPr>
+          <a:xfrm>
+            <a:off x="6961556" y="2238831"/>
+            <a:ext cx="3648611" cy="1671810"/>
+          </a:xfrm>
+          <a:prstGeom prst="rect">
+            <a:avLst/>
+          </a:prstGeom>
+        </p:spPr>
+      </p:pic>
+      <p:pic>
+        <p:nvPicPr>
+          <p:cNvPr id="11" name="Picture 10">
+            <a:extLst>
+              <a:ext uri="{FF2B5EF4-FFF2-40B4-BE49-F238E27FC236}">
+                <a16:creationId xmlns:a16="http://schemas.microsoft.com/office/drawing/2014/main" id="{75415781-E513-43B2-8ACB-7A54256AA994}"/>
+              </a:ext>
+            </a:extLst>
+          </p:cNvPr>
+          <p:cNvPicPr>
+            <a:picLocks noChangeAspect="1"/>
+          </p:cNvPicPr>
+          <p:nvPr/>
+        </p:nvPicPr>
+        <p:blipFill>
+          <a:blip r:embed="rId4"/>
+          <a:stretch>
+            <a:fillRect/>
+          </a:stretch>
+        </p:blipFill>
+        <p:spPr>
+          <a:xfrm>
+            <a:off x="838200" y="1884568"/>
+            <a:ext cx="4802436" cy="2380337"/>
+          </a:xfrm>
+          <a:prstGeom prst="rect">
+            <a:avLst/>
+          </a:prstGeom>
+        </p:spPr>
+      </p:pic>
+      <p:pic>
+        <p:nvPicPr>
+          <p:cNvPr id="13" name="Graphic 12" descr="Thumbs Down with solid fill">
+            <a:extLst>
+              <a:ext uri="{FF2B5EF4-FFF2-40B4-BE49-F238E27FC236}">
+                <a16:creationId xmlns:a16="http://schemas.microsoft.com/office/drawing/2014/main" id="{EA734CAC-E648-4DC7-816F-EAC3A2990A95}"/>
+              </a:ext>
+            </a:extLst>
+          </p:cNvPr>
+          <p:cNvPicPr>
+            <a:picLocks noChangeAspect="1"/>
+          </p:cNvPicPr>
+          <p:nvPr/>
+        </p:nvPicPr>
+        <p:blipFill>
+          <a:blip r:embed="rId5">
+            <a:extLst>
+              <a:ext uri="{28A0092B-C50C-407E-A947-70E740481C1C}">
+                <a14:useLocalDpi xmlns:a14="http://schemas.microsoft.com/office/drawing/2010/main" val="0"/>
+              </a:ext>
+              <a:ext uri="{96DAC541-7B7A-43D3-8B79-37D633B846F1}">
+                <asvg:svgBlip xmlns:asvg="http://schemas.microsoft.com/office/drawing/2016/SVG/main" r:embed="rId6"/>
+              </a:ext>
+            </a:extLst>
+          </a:blip>
+          <a:stretch>
+            <a:fillRect/>
+          </a:stretch>
+        </p:blipFill>
+        <p:spPr>
+          <a:xfrm>
+            <a:off x="2650016" y="4521867"/>
+            <a:ext cx="914400" cy="914400"/>
+          </a:xfrm>
+          <a:prstGeom prst="rect">
+            <a:avLst/>
+          </a:prstGeom>
+        </p:spPr>
+      </p:pic>
+      <p:pic>
+        <p:nvPicPr>
+          <p:cNvPr id="15" name="Graphic 14" descr="Thumbs up sign with solid fill">
+            <a:extLst>
+              <a:ext uri="{FF2B5EF4-FFF2-40B4-BE49-F238E27FC236}">
+                <a16:creationId xmlns:a16="http://schemas.microsoft.com/office/drawing/2014/main" id="{3EBA9A71-E888-488E-91DF-079D9542A1AA}"/>
+              </a:ext>
+            </a:extLst>
+          </p:cNvPr>
+          <p:cNvPicPr>
+            <a:picLocks noChangeAspect="1"/>
+          </p:cNvPicPr>
+          <p:nvPr/>
+        </p:nvPicPr>
+        <p:blipFill>
+          <a:blip r:embed="rId7">
+            <a:extLst>
+              <a:ext uri="{28A0092B-C50C-407E-A947-70E740481C1C}">
+                <a14:useLocalDpi xmlns:a14="http://schemas.microsoft.com/office/drawing/2010/main" val="0"/>
+              </a:ext>
+              <a:ext uri="{96DAC541-7B7A-43D3-8B79-37D633B846F1}">
+                <asvg:svgBlip xmlns:asvg="http://schemas.microsoft.com/office/drawing/2016/SVG/main" r:embed="rId8"/>
+              </a:ext>
+            </a:extLst>
+          </a:blip>
+          <a:stretch>
+            <a:fillRect/>
+          </a:stretch>
+        </p:blipFill>
+        <p:spPr>
+          <a:xfrm>
+            <a:off x="8170386" y="4521867"/>
+            <a:ext cx="914400" cy="914400"/>
+          </a:xfrm>
+          <a:prstGeom prst="rect">
+            <a:avLst/>
+          </a:prstGeom>
+        </p:spPr>
+      </p:pic>
+    </p:spTree>
+    <p:extLst>
+      <p:ext uri="{BB962C8B-B14F-4D97-AF65-F5344CB8AC3E}">
+        <p14:creationId xmlns:p14="http://schemas.microsoft.com/office/powerpoint/2010/main" val="3081153295"/>
+      </p:ext>
+    </p:extLst>
+  </p:cSld>
+  <p:clrMapOvr>
+    <a:masterClrMapping/>
+  </p:clrMapOvr>
+</p:sld>
+</file>
+
+<file path=ppt/slides/slide15.xml><?xml version="1.0" encoding="utf-8"?>
+<p:sld xmlns:a="http://schemas.openxmlformats.org/drawingml/2006/main" xmlns:r="http://schemas.openxmlformats.org/officeDocument/2006/relationships" xmlns:p="http://schemas.openxmlformats.org/presentationml/2006/main">
+  <p:cSld>
+    <p:spTree>
+      <p:nvGrpSpPr>
+        <p:cNvPr id="1" name=""/>
+        <p:cNvGrpSpPr/>
+        <p:nvPr/>
+      </p:nvGrpSpPr>
+      <p:grpSpPr>
+        <a:xfrm>
+          <a:off x="0" y="0"/>
+          <a:ext cx="0" cy="0"/>
+          <a:chOff x="0" y="0"/>
+          <a:chExt cx="0" cy="0"/>
+        </a:xfrm>
+      </p:grpSpPr>
+      <p:sp>
+        <p:nvSpPr>
+          <p:cNvPr id="2" name="Title 1">
+            <a:extLst>
+              <a:ext uri="{FF2B5EF4-FFF2-40B4-BE49-F238E27FC236}">
+                <a16:creationId xmlns:a16="http://schemas.microsoft.com/office/drawing/2014/main" id="{03812D1F-F6DF-42A7-8DA2-1A5A8243FD15}"/>
+              </a:ext>
+            </a:extLst>
+          </p:cNvPr>
+          <p:cNvSpPr>
+            <a:spLocks noGrp="1"/>
+          </p:cNvSpPr>
+          <p:nvPr>
+            <p:ph type="title"/>
+          </p:nvPr>
+        </p:nvSpPr>
+        <p:spPr/>
+        <p:txBody>
+          <a:bodyPr/>
+          <a:lstStyle/>
+          <a:p>
+            <a:r>
+              <a:rPr lang="en-US" dirty="0"/>
+              <a:t>Cardinality (3/3)</a:t>
+            </a:r>
+            <a:endParaRPr lang="en-CH" dirty="0"/>
+          </a:p>
+        </p:txBody>
+      </p:sp>
+      <p:sp>
+        <p:nvSpPr>
+          <p:cNvPr id="5" name="Content Placeholder 4">
+            <a:extLst>
+              <a:ext uri="{FF2B5EF4-FFF2-40B4-BE49-F238E27FC236}">
+                <a16:creationId xmlns:a16="http://schemas.microsoft.com/office/drawing/2014/main" id="{3A5FB3D3-4BB6-451A-91DF-53D8A59B2AD4}"/>
+              </a:ext>
+            </a:extLst>
+          </p:cNvPr>
+          <p:cNvSpPr>
+            <a:spLocks noGrp="1"/>
+          </p:cNvSpPr>
+          <p:nvPr>
+            <p:ph idx="1"/>
+          </p:nvPr>
+        </p:nvSpPr>
+        <p:spPr/>
+        <p:txBody>
+          <a:bodyPr>
+            <a:normAutofit/>
+          </a:bodyPr>
+          <a:lstStyle/>
+          <a:p>
+            <a:r>
+              <a:rPr lang="en-US" dirty="0"/>
+              <a:t>Syntax</a:t>
+            </a:r>
+          </a:p>
+          <a:p>
+            <a:pPr lvl="1"/>
+            <a:r>
+              <a:rPr lang="de-CH" b="0" i="0" dirty="0">
+                <a:solidFill>
+                  <a:srgbClr val="444444"/>
+                </a:solidFill>
+                <a:effectLst/>
+                <a:latin typeface="SFMono-Regular"/>
+              </a:rPr>
+              <a:t>&lt;</a:t>
+            </a:r>
+            <a:r>
+              <a:rPr lang="de-CH" b="0" i="0" dirty="0" err="1">
+                <a:solidFill>
+                  <a:srgbClr val="444444"/>
+                </a:solidFill>
+                <a:effectLst/>
+                <a:latin typeface="SFMono-Regular"/>
+              </a:rPr>
+              <a:t>multiInstanceLoopCharacteristics</a:t>
+            </a:r>
+            <a:r>
+              <a:rPr lang="de-CH" b="0" i="0" dirty="0">
+                <a:solidFill>
+                  <a:srgbClr val="444444"/>
+                </a:solidFill>
+                <a:effectLst/>
+                <a:latin typeface="SFMono-Regular"/>
+              </a:rPr>
+              <a:t> </a:t>
+            </a:r>
+            <a:r>
+              <a:rPr lang="de-CH" b="0" i="0" dirty="0" err="1">
+                <a:solidFill>
+                  <a:srgbClr val="444444"/>
+                </a:solidFill>
+                <a:effectLst/>
+                <a:latin typeface="SFMono-Regular"/>
+              </a:rPr>
+              <a:t>isSequential</a:t>
+            </a:r>
+            <a:r>
+              <a:rPr lang="de-CH" b="0" i="0" dirty="0">
+                <a:solidFill>
+                  <a:srgbClr val="444444"/>
+                </a:solidFill>
+                <a:effectLst/>
+                <a:latin typeface="SFMono-Regular"/>
+              </a:rPr>
+              <a:t>="</a:t>
+            </a:r>
+            <a:r>
+              <a:rPr lang="de-CH" b="0" i="0" dirty="0" err="1">
+                <a:solidFill>
+                  <a:srgbClr val="444444"/>
+                </a:solidFill>
+                <a:effectLst/>
+                <a:latin typeface="SFMono-Regular"/>
+              </a:rPr>
+              <a:t>false|true</a:t>
+            </a:r>
+            <a:r>
+              <a:rPr lang="de-CH" b="0" i="0" dirty="0">
+                <a:solidFill>
+                  <a:srgbClr val="444444"/>
+                </a:solidFill>
+                <a:effectLst/>
+                <a:latin typeface="SFMono-Regular"/>
+              </a:rPr>
+              <a:t>"&gt; </a:t>
+            </a:r>
+            <a:r>
+              <a:rPr lang="de-CH" b="0" i="0" dirty="0">
+                <a:solidFill>
+                  <a:srgbClr val="444444"/>
+                </a:solidFill>
+                <a:effectLst/>
+                <a:highlight>
+                  <a:srgbClr val="FFFF00"/>
+                </a:highlight>
+                <a:latin typeface="SFMono-Regular"/>
+              </a:rPr>
+              <a:t>&lt;</a:t>
+            </a:r>
+            <a:r>
+              <a:rPr lang="de-CH" b="0" i="0" dirty="0" err="1">
+                <a:solidFill>
+                  <a:srgbClr val="444444"/>
+                </a:solidFill>
+                <a:effectLst/>
+                <a:highlight>
+                  <a:srgbClr val="FFFF00"/>
+                </a:highlight>
+                <a:latin typeface="SFMono-Regular"/>
+              </a:rPr>
+              <a:t>loopCardinality</a:t>
+            </a:r>
+            <a:r>
+              <a:rPr lang="de-CH" b="0" i="0" dirty="0">
+                <a:solidFill>
+                  <a:srgbClr val="444444"/>
+                </a:solidFill>
+                <a:effectLst/>
+                <a:highlight>
+                  <a:srgbClr val="FFFF00"/>
+                </a:highlight>
+                <a:latin typeface="SFMono-Regular"/>
+              </a:rPr>
+              <a:t>&gt;5&lt;/</a:t>
+            </a:r>
+            <a:r>
+              <a:rPr lang="de-CH" b="0" i="0" dirty="0" err="1">
+                <a:solidFill>
+                  <a:srgbClr val="444444"/>
+                </a:solidFill>
+                <a:effectLst/>
+                <a:highlight>
+                  <a:srgbClr val="FFFF00"/>
+                </a:highlight>
+                <a:latin typeface="SFMono-Regular"/>
+              </a:rPr>
+              <a:t>loopCardinality</a:t>
+            </a:r>
+            <a:r>
+              <a:rPr lang="de-CH" b="0" i="0" dirty="0">
+                <a:solidFill>
+                  <a:srgbClr val="444444"/>
+                </a:solidFill>
+                <a:effectLst/>
+                <a:highlight>
+                  <a:srgbClr val="FFFF00"/>
+                </a:highlight>
+                <a:latin typeface="SFMono-Regular"/>
+              </a:rPr>
+              <a:t>&gt; &lt;/</a:t>
+            </a:r>
+            <a:r>
+              <a:rPr lang="de-CH" b="0" i="0" dirty="0" err="1">
+                <a:solidFill>
+                  <a:srgbClr val="444444"/>
+                </a:solidFill>
+                <a:effectLst/>
+                <a:highlight>
+                  <a:srgbClr val="FFFF00"/>
+                </a:highlight>
+                <a:latin typeface="SFMono-Regular"/>
+              </a:rPr>
+              <a:t>multiInstanceLoopCharacteristics</a:t>
+            </a:r>
+            <a:r>
+              <a:rPr lang="de-CH" b="0" i="0" dirty="0">
+                <a:solidFill>
+                  <a:srgbClr val="444444"/>
+                </a:solidFill>
+                <a:effectLst/>
+                <a:highlight>
+                  <a:srgbClr val="FFFF00"/>
+                </a:highlight>
+                <a:latin typeface="SFMono-Regular"/>
+              </a:rPr>
+              <a:t>&gt;</a:t>
+            </a:r>
+            <a:endParaRPr lang="en-US" b="0" i="0" dirty="0">
+              <a:solidFill>
+                <a:srgbClr val="444444"/>
+              </a:solidFill>
+              <a:effectLst/>
+              <a:highlight>
+                <a:srgbClr val="FFFF00"/>
+              </a:highlight>
+              <a:latin typeface="SFMono-Regular"/>
+            </a:endParaRPr>
+          </a:p>
+          <a:p>
+            <a:pPr lvl="1"/>
+            <a:r>
+              <a:rPr lang="de-CH" b="0" i="0" dirty="0">
+                <a:solidFill>
+                  <a:srgbClr val="444444"/>
+                </a:solidFill>
+                <a:effectLst/>
+                <a:latin typeface="SFMono-Regular"/>
+              </a:rPr>
+              <a:t>&lt;</a:t>
+            </a:r>
+            <a:r>
+              <a:rPr lang="de-CH" b="0" i="0" dirty="0" err="1">
+                <a:solidFill>
+                  <a:srgbClr val="444444"/>
+                </a:solidFill>
+                <a:effectLst/>
+                <a:latin typeface="SFMono-Regular"/>
+              </a:rPr>
+              <a:t>multiInstanceLoopCharacteristics</a:t>
+            </a:r>
+            <a:r>
+              <a:rPr lang="de-CH" b="0" i="0" dirty="0">
+                <a:solidFill>
+                  <a:srgbClr val="444444"/>
+                </a:solidFill>
+                <a:effectLst/>
+                <a:latin typeface="SFMono-Regular"/>
+              </a:rPr>
+              <a:t> </a:t>
+            </a:r>
+            <a:r>
+              <a:rPr lang="de-CH" b="0" i="0" dirty="0" err="1">
+                <a:solidFill>
+                  <a:srgbClr val="444444"/>
+                </a:solidFill>
+                <a:effectLst/>
+                <a:latin typeface="SFMono-Regular"/>
+              </a:rPr>
+              <a:t>isSequential</a:t>
+            </a:r>
+            <a:r>
+              <a:rPr lang="de-CH" b="0" i="0" dirty="0">
+                <a:solidFill>
+                  <a:srgbClr val="444444"/>
+                </a:solidFill>
+                <a:effectLst/>
+                <a:latin typeface="SFMono-Regular"/>
+              </a:rPr>
+              <a:t>="</a:t>
+            </a:r>
+            <a:r>
+              <a:rPr lang="de-CH" b="0" i="0" dirty="0" err="1">
+                <a:solidFill>
+                  <a:srgbClr val="444444"/>
+                </a:solidFill>
+                <a:effectLst/>
+                <a:latin typeface="SFMono-Regular"/>
+              </a:rPr>
+              <a:t>false|true</a:t>
+            </a:r>
+            <a:r>
+              <a:rPr lang="de-CH" b="0" i="0" dirty="0">
+                <a:solidFill>
+                  <a:srgbClr val="444444"/>
+                </a:solidFill>
+                <a:effectLst/>
+                <a:latin typeface="SFMono-Regular"/>
+              </a:rPr>
+              <a:t>"&gt; </a:t>
+            </a:r>
+            <a:r>
+              <a:rPr lang="de-CH" b="0" i="0" dirty="0">
+                <a:solidFill>
+                  <a:srgbClr val="444444"/>
+                </a:solidFill>
+                <a:effectLst/>
+                <a:highlight>
+                  <a:srgbClr val="FFFF00"/>
+                </a:highlight>
+                <a:latin typeface="SFMono-Regular"/>
+              </a:rPr>
+              <a:t>&lt;</a:t>
+            </a:r>
+            <a:r>
+              <a:rPr lang="de-CH" b="0" i="0" dirty="0" err="1">
+                <a:solidFill>
+                  <a:srgbClr val="444444"/>
+                </a:solidFill>
+                <a:effectLst/>
+                <a:highlight>
+                  <a:srgbClr val="FFFF00"/>
+                </a:highlight>
+                <a:latin typeface="SFMono-Regular"/>
+              </a:rPr>
+              <a:t>loopCardinality</a:t>
+            </a:r>
+            <a:r>
+              <a:rPr lang="de-CH" b="0" i="0" dirty="0">
+                <a:solidFill>
+                  <a:srgbClr val="444444"/>
+                </a:solidFill>
+                <a:effectLst/>
+                <a:highlight>
+                  <a:srgbClr val="FFFF00"/>
+                </a:highlight>
+                <a:latin typeface="SFMono-Regular"/>
+              </a:rPr>
+              <a:t>&gt;${</a:t>
+            </a:r>
+            <a:r>
+              <a:rPr lang="de-CH" b="0" i="0" dirty="0" err="1">
+                <a:solidFill>
+                  <a:srgbClr val="444444"/>
+                </a:solidFill>
+                <a:effectLst/>
+                <a:highlight>
+                  <a:srgbClr val="FFFF00"/>
+                </a:highlight>
+                <a:latin typeface="SFMono-Regular"/>
+              </a:rPr>
+              <a:t>nrOfOrders-nrOfCancellations</a:t>
+            </a:r>
+            <a:r>
+              <a:rPr lang="de-CH" b="0" i="0" dirty="0">
+                <a:solidFill>
+                  <a:srgbClr val="444444"/>
+                </a:solidFill>
+                <a:effectLst/>
+                <a:highlight>
+                  <a:srgbClr val="FFFF00"/>
+                </a:highlight>
+                <a:latin typeface="SFMono-Regular"/>
+              </a:rPr>
+              <a:t>}&lt;/</a:t>
+            </a:r>
+            <a:r>
+              <a:rPr lang="de-CH" b="0" i="0" dirty="0" err="1">
+                <a:solidFill>
+                  <a:srgbClr val="444444"/>
+                </a:solidFill>
+                <a:effectLst/>
+                <a:highlight>
+                  <a:srgbClr val="FFFF00"/>
+                </a:highlight>
+                <a:latin typeface="SFMono-Regular"/>
+              </a:rPr>
+              <a:t>loopCardinality</a:t>
+            </a:r>
+            <a:r>
+              <a:rPr lang="de-CH" b="0" i="0" dirty="0">
+                <a:solidFill>
+                  <a:srgbClr val="444444"/>
+                </a:solidFill>
+                <a:effectLst/>
+                <a:highlight>
+                  <a:srgbClr val="FFFF00"/>
+                </a:highlight>
+                <a:latin typeface="SFMono-Regular"/>
+              </a:rPr>
+              <a:t>&gt; </a:t>
+            </a:r>
+            <a:r>
+              <a:rPr lang="de-CH" b="0" i="0" dirty="0">
+                <a:solidFill>
+                  <a:srgbClr val="444444"/>
+                </a:solidFill>
+                <a:effectLst/>
+                <a:latin typeface="SFMono-Regular"/>
+              </a:rPr>
+              <a:t>&lt;/</a:t>
+            </a:r>
+            <a:r>
+              <a:rPr lang="de-CH" b="0" i="0" dirty="0" err="1">
+                <a:solidFill>
+                  <a:srgbClr val="444444"/>
+                </a:solidFill>
+                <a:effectLst/>
+                <a:latin typeface="SFMono-Regular"/>
+              </a:rPr>
+              <a:t>multiInstanceLoopCharacteristics</a:t>
+            </a:r>
+            <a:r>
+              <a:rPr lang="de-CH" b="0" i="0" dirty="0">
+                <a:solidFill>
+                  <a:srgbClr val="444444"/>
+                </a:solidFill>
+                <a:effectLst/>
+                <a:latin typeface="SFMono-Regular"/>
+              </a:rPr>
+              <a:t>&gt;</a:t>
+            </a:r>
+            <a:endParaRPr lang="en-US" dirty="0">
+              <a:solidFill>
+                <a:srgbClr val="444444"/>
+              </a:solidFill>
+              <a:latin typeface="SFMono-Regular"/>
+            </a:endParaRPr>
+          </a:p>
+          <a:p>
+            <a:pPr lvl="1"/>
+            <a:r>
+              <a:rPr lang="de-CH" b="0" i="0" dirty="0">
+                <a:solidFill>
+                  <a:srgbClr val="444444"/>
+                </a:solidFill>
+                <a:effectLst/>
+                <a:latin typeface="SFMono-Regular"/>
+              </a:rPr>
+              <a:t>&lt;</a:t>
+            </a:r>
+            <a:r>
+              <a:rPr lang="de-CH" b="0" i="0" dirty="0" err="1">
+                <a:solidFill>
+                  <a:srgbClr val="444444"/>
+                </a:solidFill>
+                <a:effectLst/>
+                <a:latin typeface="SFMono-Regular"/>
+              </a:rPr>
+              <a:t>multiInstanceLoopCharacteristics</a:t>
+            </a:r>
+            <a:r>
+              <a:rPr lang="de-CH" b="0" i="0" dirty="0">
+                <a:solidFill>
+                  <a:srgbClr val="444444"/>
+                </a:solidFill>
+                <a:effectLst/>
+                <a:latin typeface="SFMono-Regular"/>
+              </a:rPr>
+              <a:t> </a:t>
+            </a:r>
+            <a:r>
+              <a:rPr lang="de-CH" b="0" i="0" dirty="0" err="1">
+                <a:solidFill>
+                  <a:srgbClr val="444444"/>
+                </a:solidFill>
+                <a:effectLst/>
+                <a:latin typeface="SFMono-Regular"/>
+              </a:rPr>
+              <a:t>isSequential</a:t>
+            </a:r>
+            <a:r>
+              <a:rPr lang="de-CH" b="0" i="0" dirty="0">
+                <a:solidFill>
+                  <a:srgbClr val="444444"/>
+                </a:solidFill>
+                <a:effectLst/>
+                <a:latin typeface="SFMono-Regular"/>
+              </a:rPr>
+              <a:t>="</a:t>
+            </a:r>
+            <a:r>
+              <a:rPr lang="de-CH" b="0" i="0" dirty="0" err="1">
+                <a:solidFill>
+                  <a:srgbClr val="444444"/>
+                </a:solidFill>
+                <a:effectLst/>
+                <a:latin typeface="SFMono-Regular"/>
+              </a:rPr>
+              <a:t>false</a:t>
+            </a:r>
+            <a:r>
+              <a:rPr lang="de-CH" b="0" i="0" dirty="0">
+                <a:solidFill>
+                  <a:srgbClr val="444444"/>
+                </a:solidFill>
+                <a:effectLst/>
+                <a:latin typeface="SFMono-Regular"/>
+              </a:rPr>
+              <a:t>" </a:t>
+            </a:r>
+            <a:r>
+              <a:rPr lang="de-CH" b="0" i="0" dirty="0" err="1">
+                <a:solidFill>
+                  <a:srgbClr val="444444"/>
+                </a:solidFill>
+                <a:effectLst/>
+                <a:highlight>
+                  <a:srgbClr val="FFFF00"/>
+                </a:highlight>
+                <a:latin typeface="SFMono-Regular"/>
+              </a:rPr>
+              <a:t>flowable:collection</a:t>
+            </a:r>
+            <a:r>
+              <a:rPr lang="de-CH" b="0" i="0" dirty="0">
+                <a:solidFill>
+                  <a:srgbClr val="444444"/>
+                </a:solidFill>
+                <a:effectLst/>
+                <a:highlight>
+                  <a:srgbClr val="FFFF00"/>
+                </a:highlight>
+                <a:latin typeface="SFMono-Regular"/>
+              </a:rPr>
+              <a:t>=«</a:t>
+            </a:r>
+            <a:r>
+              <a:rPr lang="de-CH" b="1" i="0" dirty="0" err="1">
+                <a:solidFill>
+                  <a:srgbClr val="444444"/>
+                </a:solidFill>
+                <a:effectLst/>
+                <a:highlight>
+                  <a:srgbClr val="FFFF00"/>
+                </a:highlight>
+                <a:latin typeface="SFMono-Regular"/>
+              </a:rPr>
+              <a:t>loopList</a:t>
+            </a:r>
+            <a:r>
+              <a:rPr lang="de-CH" b="0" i="0" dirty="0">
+                <a:solidFill>
+                  <a:srgbClr val="444444"/>
+                </a:solidFill>
+                <a:effectLst/>
+                <a:highlight>
+                  <a:srgbClr val="FFFF00"/>
+                </a:highlight>
+                <a:latin typeface="SFMono-Regular"/>
+              </a:rPr>
+              <a:t>" </a:t>
+            </a:r>
+            <a:r>
+              <a:rPr lang="de-CH" b="0" i="0" dirty="0" err="1">
+                <a:solidFill>
+                  <a:srgbClr val="444444"/>
+                </a:solidFill>
+                <a:effectLst/>
+                <a:highlight>
+                  <a:srgbClr val="FFFF00"/>
+                </a:highlight>
+                <a:latin typeface="SFMono-Regular"/>
+              </a:rPr>
+              <a:t>flowable:elementVariable</a:t>
+            </a:r>
+            <a:r>
+              <a:rPr lang="de-CH" b="0" i="0" dirty="0">
+                <a:solidFill>
+                  <a:srgbClr val="444444"/>
+                </a:solidFill>
+                <a:effectLst/>
+                <a:highlight>
+                  <a:srgbClr val="FFFF00"/>
+                </a:highlight>
+                <a:latin typeface="SFMono-Regular"/>
+              </a:rPr>
+              <a:t>=«</a:t>
+            </a:r>
+            <a:r>
+              <a:rPr lang="de-CH" b="1" i="0" dirty="0" err="1">
+                <a:solidFill>
+                  <a:srgbClr val="444444"/>
+                </a:solidFill>
+                <a:effectLst/>
+                <a:highlight>
+                  <a:srgbClr val="FFFF00"/>
+                </a:highlight>
+                <a:latin typeface="SFMono-Regular"/>
+              </a:rPr>
+              <a:t>listItem</a:t>
+            </a:r>
+            <a:r>
+              <a:rPr lang="de-CH" b="0" i="0" dirty="0">
+                <a:solidFill>
+                  <a:srgbClr val="444444"/>
+                </a:solidFill>
+                <a:effectLst/>
+                <a:highlight>
+                  <a:srgbClr val="FFFF00"/>
+                </a:highlight>
+                <a:latin typeface="SFMono-Regular"/>
+              </a:rPr>
+              <a:t>" &gt; </a:t>
+            </a:r>
+            <a:r>
+              <a:rPr lang="de-CH" b="0" i="0" dirty="0">
+                <a:solidFill>
+                  <a:srgbClr val="444444"/>
+                </a:solidFill>
+                <a:effectLst/>
+                <a:latin typeface="SFMono-Regular"/>
+              </a:rPr>
+              <a:t>&lt;/</a:t>
+            </a:r>
+            <a:r>
+              <a:rPr lang="de-CH" b="0" i="0" dirty="0" err="1">
+                <a:solidFill>
+                  <a:srgbClr val="444444"/>
+                </a:solidFill>
+                <a:effectLst/>
+                <a:latin typeface="SFMono-Regular"/>
+              </a:rPr>
+              <a:t>multiInstanceLoopCharacteristics</a:t>
+            </a:r>
+            <a:r>
+              <a:rPr lang="de-CH" b="0" i="0" dirty="0">
+                <a:solidFill>
+                  <a:srgbClr val="444444"/>
+                </a:solidFill>
+                <a:effectLst/>
+                <a:latin typeface="SFMono-Regular"/>
+              </a:rPr>
+              <a:t>&gt;</a:t>
+            </a:r>
+            <a:endParaRPr lang="en-CH" dirty="0"/>
+          </a:p>
+        </p:txBody>
+      </p:sp>
+    </p:spTree>
+    <p:extLst>
+      <p:ext uri="{BB962C8B-B14F-4D97-AF65-F5344CB8AC3E}">
+        <p14:creationId xmlns:p14="http://schemas.microsoft.com/office/powerpoint/2010/main" val="1634682293"/>
+      </p:ext>
+    </p:extLst>
+  </p:cSld>
+  <p:clrMapOvr>
+    <a:masterClrMapping/>
+  </p:clrMapOvr>
+</p:sld>
+</file>
+
+<file path=ppt/slides/slide16.xml><?xml version="1.0" encoding="utf-8"?>
+<p:sld xmlns:a="http://schemas.openxmlformats.org/drawingml/2006/main" xmlns:r="http://schemas.openxmlformats.org/officeDocument/2006/relationships" xmlns:p="http://schemas.openxmlformats.org/presentationml/2006/main">
+  <p:cSld>
+    <p:spTree>
+      <p:nvGrpSpPr>
+        <p:cNvPr id="1" name=""/>
+        <p:cNvGrpSpPr/>
+        <p:nvPr/>
+      </p:nvGrpSpPr>
+      <p:grpSpPr>
+        <a:xfrm>
+          <a:off x="0" y="0"/>
+          <a:ext cx="0" cy="0"/>
+          <a:chOff x="0" y="0"/>
+          <a:chExt cx="0" cy="0"/>
+        </a:xfrm>
+      </p:grpSpPr>
+      <p:sp>
+        <p:nvSpPr>
+          <p:cNvPr id="2" name="Title 1">
+            <a:extLst>
+              <a:ext uri="{FF2B5EF4-FFF2-40B4-BE49-F238E27FC236}">
+                <a16:creationId xmlns:a16="http://schemas.microsoft.com/office/drawing/2014/main" id="{03812D1F-F6DF-42A7-8DA2-1A5A8243FD15}"/>
+              </a:ext>
+            </a:extLst>
+          </p:cNvPr>
+          <p:cNvSpPr>
+            <a:spLocks noGrp="1"/>
+          </p:cNvSpPr>
+          <p:nvPr>
+            <p:ph type="title"/>
+          </p:nvPr>
+        </p:nvSpPr>
+        <p:spPr/>
+        <p:txBody>
+          <a:bodyPr/>
+          <a:lstStyle/>
+          <a:p>
+            <a:r>
+              <a:rPr lang="en-US" dirty="0"/>
               <a:t>Call Activities / Subprocesses (1/5)</a:t>
             </a:r>
             <a:endParaRPr lang="en-CH" dirty="0"/>
@@ -5451,6 +6443,45 @@
           </a:fontRef>
         </p:style>
       </p:cxnSp>
+      <p:sp>
+        <p:nvSpPr>
+          <p:cNvPr id="3" name="TextBox 2">
+            <a:extLst>
+              <a:ext uri="{FF2B5EF4-FFF2-40B4-BE49-F238E27FC236}">
+                <a16:creationId xmlns:a16="http://schemas.microsoft.com/office/drawing/2014/main" id="{E3B2CD88-1BB4-4845-84AE-4FF512A161F8}"/>
+              </a:ext>
+            </a:extLst>
+          </p:cNvPr>
+          <p:cNvSpPr txBox="1"/>
+          <p:nvPr/>
+        </p:nvSpPr>
+        <p:spPr>
+          <a:xfrm>
+            <a:off x="8090085" y="4414835"/>
+            <a:ext cx="2999678" cy="369332"/>
+          </a:xfrm>
+          <a:prstGeom prst="rect">
+            <a:avLst/>
+          </a:prstGeom>
+          <a:noFill/>
+        </p:spPr>
+        <p:txBody>
+          <a:bodyPr wrap="square" rtlCol="0">
+            <a:spAutoFit/>
+          </a:bodyPr>
+          <a:lstStyle/>
+          <a:p>
+            <a:r>
+              <a:rPr lang="de-CH" b="1" dirty="0">
+                <a:solidFill>
+                  <a:srgbClr val="FF0000"/>
+                </a:solidFill>
+              </a:rPr>
+              <a:t>Reference to external process</a:t>
+            </a:r>
+          </a:p>
+        </p:txBody>
+      </p:sp>
     </p:spTree>
     <p:extLst>
       <p:ext uri="{BB962C8B-B14F-4D97-AF65-F5344CB8AC3E}">
@@ -5464,7 +6495,7 @@
 </p:sld>
 </file>
 
-<file path=ppt/slides/slide14.xml><?xml version="1.0" encoding="utf-8"?>
+<file path=ppt/slides/slide17.xml><?xml version="1.0" encoding="utf-8"?>
 <p:sld xmlns:a="http://schemas.openxmlformats.org/drawingml/2006/main" xmlns:r="http://schemas.openxmlformats.org/officeDocument/2006/relationships" xmlns:p="http://schemas.openxmlformats.org/presentationml/2006/main">
   <p:cSld>
     <p:spTree>
@@ -5914,9 +6945,51 @@
                   <a:srgbClr val="444444"/>
                 </a:solidFill>
                 <a:effectLst/>
+                <a:highlight>
+                  <a:srgbClr val="FFFF00"/>
+                </a:highlight>
                 <a:latin typeface="SFMono-Regular"/>
               </a:rPr>
               <a:t>calledElement</a:t>
+            </a:r>
+            <a:r>
+              <a:rPr lang="en-US" i="0" dirty="0">
+                <a:solidFill>
+                  <a:srgbClr val="444444"/>
+                </a:solidFill>
+                <a:effectLst/>
+                <a:highlight>
+                  <a:srgbClr val="FFFF00"/>
+                </a:highlight>
+                <a:latin typeface="SFMono-Regular"/>
+              </a:rPr>
+              <a:t>="</a:t>
+            </a:r>
+            <a:r>
+              <a:rPr lang="en-US" i="0" dirty="0" err="1">
+                <a:solidFill>
+                  <a:srgbClr val="444444"/>
+                </a:solidFill>
+                <a:effectLst/>
+                <a:highlight>
+                  <a:srgbClr val="FFFF00"/>
+                </a:highlight>
+                <a:latin typeface="SFMono-Regular"/>
+              </a:rPr>
+              <a:t>checkCreditProcess</a:t>
+            </a:r>
+            <a:r>
+              <a:rPr lang="en-US" i="0" dirty="0">
+                <a:solidFill>
+                  <a:srgbClr val="444444"/>
+                </a:solidFill>
+                <a:effectLst/>
+                <a:highlight>
+                  <a:srgbClr val="FFFF00"/>
+                </a:highlight>
+                <a:latin typeface="SFMono-Regular"/>
+              </a:rPr>
+              <a:t>" </a:t>
             </a:r>
             <a:r>
               <a:rPr lang="en-US" i="0" dirty="0">
@@ -5926,27 +6999,7 @@
                 <a:effectLst/>
                 <a:latin typeface="SFMono-Regular"/>
               </a:rPr>
-              <a:t>="</a:t>
-            </a:r>
-            <a:r>
-              <a:rPr lang="en-US" i="0" dirty="0" err="1">
-                <a:solidFill>
-                  <a:srgbClr val="444444"/>
-                </a:solidFill>
-                <a:effectLst/>
-                <a:latin typeface="SFMono-Regular"/>
-              </a:rPr>
-              <a:t>checkCreditProcess</a:t>
-            </a:r>
-            <a:r>
-              <a:rPr lang="en-US" i="0" dirty="0">
-                <a:solidFill>
-                  <a:srgbClr val="444444"/>
-                </a:solidFill>
-                <a:effectLst/>
-                <a:latin typeface="SFMono-Regular"/>
-              </a:rPr>
-              <a:t>" /&gt;</a:t>
+              <a:t>/&gt;</a:t>
             </a:r>
             <a:endParaRPr lang="en-CH" dirty="0"/>
           </a:p>
@@ -5968,7 +7021,7 @@
 </p:sld>
 </file>
 
-<file path=ppt/slides/slide15.xml><?xml version="1.0" encoding="utf-8"?>
+<file path=ppt/slides/slide18.xml><?xml version="1.0" encoding="utf-8"?>
 <p:sld xmlns:a="http://schemas.openxmlformats.org/drawingml/2006/main" xmlns:r="http://schemas.openxmlformats.org/officeDocument/2006/relationships" xmlns:p="http://schemas.openxmlformats.org/presentationml/2006/main">
   <p:cSld>
     <p:spTree>
@@ -6056,7 +7109,7 @@
 </p:sld>
 </file>
 
-<file path=ppt/slides/slide16.xml><?xml version="1.0" encoding="utf-8"?>
+<file path=ppt/slides/slide19.xml><?xml version="1.0" encoding="utf-8"?>
 <p:sld xmlns:a="http://schemas.openxmlformats.org/drawingml/2006/main" xmlns:r="http://schemas.openxmlformats.org/officeDocument/2006/relationships" xmlns:p="http://schemas.openxmlformats.org/presentationml/2006/main">
   <p:cSld>
     <p:spTree>
@@ -6555,7 +7608,127 @@
 </p:sld>
 </file>
 
-<file path=ppt/slides/slide17.xml><?xml version="1.0" encoding="utf-8"?>
+<file path=ppt/slides/slide2.xml><?xml version="1.0" encoding="utf-8"?>
+<p:sld xmlns:a="http://schemas.openxmlformats.org/drawingml/2006/main" xmlns:r="http://schemas.openxmlformats.org/officeDocument/2006/relationships" xmlns:p="http://schemas.openxmlformats.org/presentationml/2006/main">
+  <p:cSld>
+    <p:spTree>
+      <p:nvGrpSpPr>
+        <p:cNvPr id="1" name=""/>
+        <p:cNvGrpSpPr/>
+        <p:nvPr/>
+      </p:nvGrpSpPr>
+      <p:grpSpPr>
+        <a:xfrm>
+          <a:off x="0" y="0"/>
+          <a:ext cx="0" cy="0"/>
+          <a:chOff x="0" y="0"/>
+          <a:chExt cx="0" cy="0"/>
+        </a:xfrm>
+      </p:grpSpPr>
+      <p:sp>
+        <p:nvSpPr>
+          <p:cNvPr id="2" name="Title 1">
+            <a:extLst>
+              <a:ext uri="{FF2B5EF4-FFF2-40B4-BE49-F238E27FC236}">
+                <a16:creationId xmlns:a16="http://schemas.microsoft.com/office/drawing/2014/main" id="{03812D1F-F6DF-42A7-8DA2-1A5A8243FD15}"/>
+              </a:ext>
+            </a:extLst>
+          </p:cNvPr>
+          <p:cNvSpPr>
+            <a:spLocks noGrp="1"/>
+          </p:cNvSpPr>
+          <p:nvPr>
+            <p:ph type="title"/>
+          </p:nvPr>
+        </p:nvSpPr>
+        <p:spPr/>
+        <p:txBody>
+          <a:bodyPr/>
+          <a:lstStyle/>
+          <a:p>
+            <a:r>
+              <a:rPr lang="en-US" dirty="0"/>
+              <a:t>Flowable</a:t>
+            </a:r>
+            <a:endParaRPr lang="en-CH" dirty="0"/>
+          </a:p>
+        </p:txBody>
+      </p:sp>
+      <p:sp>
+        <p:nvSpPr>
+          <p:cNvPr id="4" name="Content Placeholder 2">
+            <a:extLst>
+              <a:ext uri="{FF2B5EF4-FFF2-40B4-BE49-F238E27FC236}">
+                <a16:creationId xmlns:a16="http://schemas.microsoft.com/office/drawing/2014/main" id="{8036383B-55A6-4A81-A07F-FF3C1BA6A11F}"/>
+              </a:ext>
+            </a:extLst>
+          </p:cNvPr>
+          <p:cNvSpPr>
+            <a:spLocks noGrp="1"/>
+          </p:cNvSpPr>
+          <p:nvPr>
+            <p:ph idx="1"/>
+          </p:nvPr>
+        </p:nvSpPr>
+        <p:spPr>
+          <a:xfrm>
+            <a:off x="838200" y="1825625"/>
+            <a:ext cx="10515600" cy="4351338"/>
+          </a:xfrm>
+        </p:spPr>
+        <p:txBody>
+          <a:bodyPr/>
+          <a:lstStyle/>
+          <a:p>
+            <a:r>
+              <a:rPr lang="en-US" dirty="0"/>
+              <a:t>Flowable = Process Engine capable of handling business processes notated in BPMN 2.0 (</a:t>
+            </a:r>
+            <a:r>
+              <a:rPr lang="en-US" dirty="0">
+                <a:hlinkClick r:id="rId2"/>
+              </a:rPr>
+              <a:t>https://www.omg.org/</a:t>
+            </a:r>
+            <a:r>
+              <a:rPr lang="en-US" dirty="0"/>
+              <a:t>)</a:t>
+            </a:r>
+          </a:p>
+          <a:p>
+            <a:r>
+              <a:rPr lang="en-US" dirty="0"/>
+              <a:t>Forked from Activiti</a:t>
+            </a:r>
+          </a:p>
+          <a:p>
+            <a:r>
+              <a:rPr lang="en-US" dirty="0"/>
+              <a:t>Open Source</a:t>
+            </a:r>
+          </a:p>
+          <a:p>
+            <a:r>
+              <a:rPr lang="en-US" dirty="0"/>
+              <a:t>Alternatives: Camunda, Activiti and several others</a:t>
+            </a:r>
+          </a:p>
+        </p:txBody>
+      </p:sp>
+    </p:spTree>
+    <p:extLst>
+      <p:ext uri="{BB962C8B-B14F-4D97-AF65-F5344CB8AC3E}">
+        <p14:creationId xmlns:p14="http://schemas.microsoft.com/office/powerpoint/2010/main" val="926033395"/>
+      </p:ext>
+    </p:extLst>
+  </p:cSld>
+  <p:clrMapOvr>
+    <a:masterClrMapping/>
+  </p:clrMapOvr>
+</p:sld>
+</file>
+
+<file path=ppt/slides/slide20.xml><?xml version="1.0" encoding="utf-8"?>
 <p:sld xmlns:a="http://schemas.openxmlformats.org/drawingml/2006/main" xmlns:r="http://schemas.openxmlformats.org/officeDocument/2006/relationships" xmlns:p="http://schemas.openxmlformats.org/presentationml/2006/main">
   <p:cSld>
     <p:spTree>
@@ -7800,1118 +8973,6 @@
     <p:extLst>
       <p:ext uri="{BB962C8B-B14F-4D97-AF65-F5344CB8AC3E}">
         <p14:creationId xmlns:p14="http://schemas.microsoft.com/office/powerpoint/2010/main" val="2290336490"/>
-      </p:ext>
-    </p:extLst>
-  </p:cSld>
-  <p:clrMapOvr>
-    <a:masterClrMapping/>
-  </p:clrMapOvr>
-</p:sld>
-</file>
-
-<file path=ppt/slides/slide18.xml><?xml version="1.0" encoding="utf-8"?>
-<p:sld xmlns:a="http://schemas.openxmlformats.org/drawingml/2006/main" xmlns:r="http://schemas.openxmlformats.org/officeDocument/2006/relationships" xmlns:p="http://schemas.openxmlformats.org/presentationml/2006/main">
-  <p:cSld>
-    <p:spTree>
-      <p:nvGrpSpPr>
-        <p:cNvPr id="1" name=""/>
-        <p:cNvGrpSpPr/>
-        <p:nvPr/>
-      </p:nvGrpSpPr>
-      <p:grpSpPr>
-        <a:xfrm>
-          <a:off x="0" y="0"/>
-          <a:ext cx="0" cy="0"/>
-          <a:chOff x="0" y="0"/>
-          <a:chExt cx="0" cy="0"/>
-        </a:xfrm>
-      </p:grpSpPr>
-      <p:sp>
-        <p:nvSpPr>
-          <p:cNvPr id="2" name="Title 1">
-            <a:extLst>
-              <a:ext uri="{FF2B5EF4-FFF2-40B4-BE49-F238E27FC236}">
-                <a16:creationId xmlns:a16="http://schemas.microsoft.com/office/drawing/2014/main" id="{03812D1F-F6DF-42A7-8DA2-1A5A8243FD15}"/>
-              </a:ext>
-            </a:extLst>
-          </p:cNvPr>
-          <p:cNvSpPr>
-            <a:spLocks noGrp="1"/>
-          </p:cNvSpPr>
-          <p:nvPr>
-            <p:ph type="title"/>
-          </p:nvPr>
-        </p:nvSpPr>
-        <p:spPr/>
-        <p:txBody>
-          <a:bodyPr/>
-          <a:lstStyle/>
-          <a:p>
-            <a:r>
-              <a:rPr lang="en-US" dirty="0"/>
-              <a:t>Cardinality (1/3)</a:t>
-            </a:r>
-            <a:endParaRPr lang="en-CH" dirty="0"/>
-          </a:p>
-        </p:txBody>
-      </p:sp>
-      <p:sp>
-        <p:nvSpPr>
-          <p:cNvPr id="4" name="Content Placeholder 3">
-            <a:extLst>
-              <a:ext uri="{FF2B5EF4-FFF2-40B4-BE49-F238E27FC236}">
-                <a16:creationId xmlns:a16="http://schemas.microsoft.com/office/drawing/2014/main" id="{B1A9B8FC-91B4-4D04-97E4-215B657E8A81}"/>
-              </a:ext>
-            </a:extLst>
-          </p:cNvPr>
-          <p:cNvSpPr>
-            <a:spLocks noGrp="1"/>
-          </p:cNvSpPr>
-          <p:nvPr>
-            <p:ph idx="1"/>
-          </p:nvPr>
-        </p:nvSpPr>
-        <p:spPr/>
-        <p:txBody>
-          <a:bodyPr/>
-          <a:lstStyle/>
-          <a:p>
-            <a:r>
-              <a:rPr lang="en-US" dirty="0"/>
-              <a:t>Executing a specific activity multiple times without complex modelling</a:t>
-            </a:r>
-          </a:p>
-          <a:p>
-            <a:pPr lvl="1"/>
-            <a:r>
-              <a:rPr lang="en-US" dirty="0"/>
-              <a:t>Loop a fixed number of times</a:t>
-            </a:r>
-          </a:p>
-          <a:p>
-            <a:pPr lvl="1"/>
-            <a:r>
-              <a:rPr lang="en-US" dirty="0"/>
-              <a:t>Variable number of times (determined by process variables)</a:t>
-            </a:r>
-          </a:p>
-          <a:p>
-            <a:pPr lvl="1"/>
-            <a:r>
-              <a:rPr lang="en-US" dirty="0"/>
-              <a:t>Loop over a list</a:t>
-            </a:r>
-          </a:p>
-          <a:p>
-            <a:pPr lvl="1"/>
-            <a:r>
-              <a:rPr lang="en-US" dirty="0"/>
-              <a:t>Define a “completion condition”</a:t>
-            </a:r>
-          </a:p>
-          <a:p>
-            <a:r>
-              <a:rPr lang="en-US" dirty="0">
-                <a:hlinkClick r:id="rId3"/>
-              </a:rPr>
-              <a:t>https://www.flowable.com/open-source/docs/bpmn/ch07b-BPMN-Constructs#multi-instance-for-each</a:t>
-            </a:r>
-            <a:endParaRPr lang="en-US" dirty="0"/>
-          </a:p>
-        </p:txBody>
-      </p:sp>
-    </p:spTree>
-    <p:extLst>
-      <p:ext uri="{BB962C8B-B14F-4D97-AF65-F5344CB8AC3E}">
-        <p14:creationId xmlns:p14="http://schemas.microsoft.com/office/powerpoint/2010/main" val="620836971"/>
-      </p:ext>
-    </p:extLst>
-  </p:cSld>
-  <p:clrMapOvr>
-    <a:masterClrMapping/>
-  </p:clrMapOvr>
-</p:sld>
-</file>
-
-<file path=ppt/slides/slide19.xml><?xml version="1.0" encoding="utf-8"?>
-<p:sld xmlns:a="http://schemas.openxmlformats.org/drawingml/2006/main" xmlns:r="http://schemas.openxmlformats.org/officeDocument/2006/relationships" xmlns:p="http://schemas.openxmlformats.org/presentationml/2006/main">
-  <p:cSld>
-    <p:spTree>
-      <p:nvGrpSpPr>
-        <p:cNvPr id="1" name=""/>
-        <p:cNvGrpSpPr/>
-        <p:nvPr/>
-      </p:nvGrpSpPr>
-      <p:grpSpPr>
-        <a:xfrm>
-          <a:off x="0" y="0"/>
-          <a:ext cx="0" cy="0"/>
-          <a:chOff x="0" y="0"/>
-          <a:chExt cx="0" cy="0"/>
-        </a:xfrm>
-      </p:grpSpPr>
-      <p:sp>
-        <p:nvSpPr>
-          <p:cNvPr id="2" name="Title 1">
-            <a:extLst>
-              <a:ext uri="{FF2B5EF4-FFF2-40B4-BE49-F238E27FC236}">
-                <a16:creationId xmlns:a16="http://schemas.microsoft.com/office/drawing/2014/main" id="{03812D1F-F6DF-42A7-8DA2-1A5A8243FD15}"/>
-              </a:ext>
-            </a:extLst>
-          </p:cNvPr>
-          <p:cNvSpPr>
-            <a:spLocks noGrp="1"/>
-          </p:cNvSpPr>
-          <p:nvPr>
-            <p:ph type="title"/>
-          </p:nvPr>
-        </p:nvSpPr>
-        <p:spPr/>
-        <p:txBody>
-          <a:bodyPr/>
-          <a:lstStyle/>
-          <a:p>
-            <a:r>
-              <a:rPr lang="en-US" dirty="0"/>
-              <a:t>Cardinality (2/3)</a:t>
-            </a:r>
-            <a:endParaRPr lang="en-CH" dirty="0"/>
-          </a:p>
-        </p:txBody>
-      </p:sp>
-      <p:pic>
-        <p:nvPicPr>
-          <p:cNvPr id="9" name="Picture 8">
-            <a:extLst>
-              <a:ext uri="{FF2B5EF4-FFF2-40B4-BE49-F238E27FC236}">
-                <a16:creationId xmlns:a16="http://schemas.microsoft.com/office/drawing/2014/main" id="{C4DEC049-5711-464A-B3EB-98AD74A156DD}"/>
-              </a:ext>
-            </a:extLst>
-          </p:cNvPr>
-          <p:cNvPicPr>
-            <a:picLocks noChangeAspect="1"/>
-          </p:cNvPicPr>
-          <p:nvPr/>
-        </p:nvPicPr>
-        <p:blipFill>
-          <a:blip r:embed="rId3"/>
-          <a:stretch>
-            <a:fillRect/>
-          </a:stretch>
-        </p:blipFill>
-        <p:spPr>
-          <a:xfrm>
-            <a:off x="6961556" y="2238831"/>
-            <a:ext cx="3648611" cy="1671810"/>
-          </a:xfrm>
-          <a:prstGeom prst="rect">
-            <a:avLst/>
-          </a:prstGeom>
-        </p:spPr>
-      </p:pic>
-      <p:pic>
-        <p:nvPicPr>
-          <p:cNvPr id="11" name="Picture 10">
-            <a:extLst>
-              <a:ext uri="{FF2B5EF4-FFF2-40B4-BE49-F238E27FC236}">
-                <a16:creationId xmlns:a16="http://schemas.microsoft.com/office/drawing/2014/main" id="{75415781-E513-43B2-8ACB-7A54256AA994}"/>
-              </a:ext>
-            </a:extLst>
-          </p:cNvPr>
-          <p:cNvPicPr>
-            <a:picLocks noChangeAspect="1"/>
-          </p:cNvPicPr>
-          <p:nvPr/>
-        </p:nvPicPr>
-        <p:blipFill>
-          <a:blip r:embed="rId4"/>
-          <a:stretch>
-            <a:fillRect/>
-          </a:stretch>
-        </p:blipFill>
-        <p:spPr>
-          <a:xfrm>
-            <a:off x="838200" y="1884568"/>
-            <a:ext cx="4802436" cy="2380337"/>
-          </a:xfrm>
-          <a:prstGeom prst="rect">
-            <a:avLst/>
-          </a:prstGeom>
-        </p:spPr>
-      </p:pic>
-      <p:pic>
-        <p:nvPicPr>
-          <p:cNvPr id="13" name="Graphic 12" descr="Thumbs Down with solid fill">
-            <a:extLst>
-              <a:ext uri="{FF2B5EF4-FFF2-40B4-BE49-F238E27FC236}">
-                <a16:creationId xmlns:a16="http://schemas.microsoft.com/office/drawing/2014/main" id="{EA734CAC-E648-4DC7-816F-EAC3A2990A95}"/>
-              </a:ext>
-            </a:extLst>
-          </p:cNvPr>
-          <p:cNvPicPr>
-            <a:picLocks noChangeAspect="1"/>
-          </p:cNvPicPr>
-          <p:nvPr/>
-        </p:nvPicPr>
-        <p:blipFill>
-          <a:blip r:embed="rId5">
-            <a:extLst>
-              <a:ext uri="{28A0092B-C50C-407E-A947-70E740481C1C}">
-                <a14:useLocalDpi xmlns:a14="http://schemas.microsoft.com/office/drawing/2010/main" val="0"/>
-              </a:ext>
-              <a:ext uri="{96DAC541-7B7A-43D3-8B79-37D633B846F1}">
-                <asvg:svgBlip xmlns:asvg="http://schemas.microsoft.com/office/drawing/2016/SVG/main" r:embed="rId6"/>
-              </a:ext>
-            </a:extLst>
-          </a:blip>
-          <a:stretch>
-            <a:fillRect/>
-          </a:stretch>
-        </p:blipFill>
-        <p:spPr>
-          <a:xfrm>
-            <a:off x="2650016" y="4521867"/>
-            <a:ext cx="914400" cy="914400"/>
-          </a:xfrm>
-          <a:prstGeom prst="rect">
-            <a:avLst/>
-          </a:prstGeom>
-        </p:spPr>
-      </p:pic>
-      <p:pic>
-        <p:nvPicPr>
-          <p:cNvPr id="15" name="Graphic 14" descr="Thumbs up sign with solid fill">
-            <a:extLst>
-              <a:ext uri="{FF2B5EF4-FFF2-40B4-BE49-F238E27FC236}">
-                <a16:creationId xmlns:a16="http://schemas.microsoft.com/office/drawing/2014/main" id="{3EBA9A71-E888-488E-91DF-079D9542A1AA}"/>
-              </a:ext>
-            </a:extLst>
-          </p:cNvPr>
-          <p:cNvPicPr>
-            <a:picLocks noChangeAspect="1"/>
-          </p:cNvPicPr>
-          <p:nvPr/>
-        </p:nvPicPr>
-        <p:blipFill>
-          <a:blip r:embed="rId7">
-            <a:extLst>
-              <a:ext uri="{28A0092B-C50C-407E-A947-70E740481C1C}">
-                <a14:useLocalDpi xmlns:a14="http://schemas.microsoft.com/office/drawing/2010/main" val="0"/>
-              </a:ext>
-              <a:ext uri="{96DAC541-7B7A-43D3-8B79-37D633B846F1}">
-                <asvg:svgBlip xmlns:asvg="http://schemas.microsoft.com/office/drawing/2016/SVG/main" r:embed="rId8"/>
-              </a:ext>
-            </a:extLst>
-          </a:blip>
-          <a:stretch>
-            <a:fillRect/>
-          </a:stretch>
-        </p:blipFill>
-        <p:spPr>
-          <a:xfrm>
-            <a:off x="8170386" y="4521867"/>
-            <a:ext cx="914400" cy="914400"/>
-          </a:xfrm>
-          <a:prstGeom prst="rect">
-            <a:avLst/>
-          </a:prstGeom>
-        </p:spPr>
-      </p:pic>
-    </p:spTree>
-    <p:extLst>
-      <p:ext uri="{BB962C8B-B14F-4D97-AF65-F5344CB8AC3E}">
-        <p14:creationId xmlns:p14="http://schemas.microsoft.com/office/powerpoint/2010/main" val="3081153295"/>
-      </p:ext>
-    </p:extLst>
-  </p:cSld>
-  <p:clrMapOvr>
-    <a:masterClrMapping/>
-  </p:clrMapOvr>
-</p:sld>
-</file>
-
-<file path=ppt/slides/slide2.xml><?xml version="1.0" encoding="utf-8"?>
-<p:sld xmlns:a="http://schemas.openxmlformats.org/drawingml/2006/main" xmlns:r="http://schemas.openxmlformats.org/officeDocument/2006/relationships" xmlns:p="http://schemas.openxmlformats.org/presentationml/2006/main">
-  <p:cSld>
-    <p:spTree>
-      <p:nvGrpSpPr>
-        <p:cNvPr id="1" name=""/>
-        <p:cNvGrpSpPr/>
-        <p:nvPr/>
-      </p:nvGrpSpPr>
-      <p:grpSpPr>
-        <a:xfrm>
-          <a:off x="0" y="0"/>
-          <a:ext cx="0" cy="0"/>
-          <a:chOff x="0" y="0"/>
-          <a:chExt cx="0" cy="0"/>
-        </a:xfrm>
-      </p:grpSpPr>
-      <p:sp>
-        <p:nvSpPr>
-          <p:cNvPr id="2" name="Title 1">
-            <a:extLst>
-              <a:ext uri="{FF2B5EF4-FFF2-40B4-BE49-F238E27FC236}">
-                <a16:creationId xmlns:a16="http://schemas.microsoft.com/office/drawing/2014/main" id="{03812D1F-F6DF-42A7-8DA2-1A5A8243FD15}"/>
-              </a:ext>
-            </a:extLst>
-          </p:cNvPr>
-          <p:cNvSpPr>
-            <a:spLocks noGrp="1"/>
-          </p:cNvSpPr>
-          <p:nvPr>
-            <p:ph type="title"/>
-          </p:nvPr>
-        </p:nvSpPr>
-        <p:spPr/>
-        <p:txBody>
-          <a:bodyPr/>
-          <a:lstStyle/>
-          <a:p>
-            <a:r>
-              <a:rPr lang="en-US" dirty="0"/>
-              <a:t>Flowable</a:t>
-            </a:r>
-            <a:endParaRPr lang="en-CH" dirty="0"/>
-          </a:p>
-        </p:txBody>
-      </p:sp>
-      <p:sp>
-        <p:nvSpPr>
-          <p:cNvPr id="4" name="Content Placeholder 2">
-            <a:extLst>
-              <a:ext uri="{FF2B5EF4-FFF2-40B4-BE49-F238E27FC236}">
-                <a16:creationId xmlns:a16="http://schemas.microsoft.com/office/drawing/2014/main" id="{8036383B-55A6-4A81-A07F-FF3C1BA6A11F}"/>
-              </a:ext>
-            </a:extLst>
-          </p:cNvPr>
-          <p:cNvSpPr>
-            <a:spLocks noGrp="1"/>
-          </p:cNvSpPr>
-          <p:nvPr>
-            <p:ph idx="1"/>
-          </p:nvPr>
-        </p:nvSpPr>
-        <p:spPr>
-          <a:xfrm>
-            <a:off x="838200" y="1825625"/>
-            <a:ext cx="10515600" cy="4351338"/>
-          </a:xfrm>
-        </p:spPr>
-        <p:txBody>
-          <a:bodyPr/>
-          <a:lstStyle/>
-          <a:p>
-            <a:r>
-              <a:rPr lang="en-US" dirty="0"/>
-              <a:t>Flowable = Process Engine capable of handling business processes notated in BPMN 2.0 (</a:t>
-            </a:r>
-            <a:r>
-              <a:rPr lang="en-US" dirty="0">
-                <a:hlinkClick r:id="rId2"/>
-              </a:rPr>
-              <a:t>https://www.omg.org/</a:t>
-            </a:r>
-            <a:r>
-              <a:rPr lang="en-US" dirty="0"/>
-              <a:t>)</a:t>
-            </a:r>
-          </a:p>
-          <a:p>
-            <a:r>
-              <a:rPr lang="en-US" dirty="0"/>
-              <a:t>Forked from Activiti</a:t>
-            </a:r>
-          </a:p>
-          <a:p>
-            <a:r>
-              <a:rPr lang="en-US" dirty="0"/>
-              <a:t>Open Source</a:t>
-            </a:r>
-          </a:p>
-          <a:p>
-            <a:r>
-              <a:rPr lang="en-US" dirty="0"/>
-              <a:t>Alternatives: Camunda, Activiti and several others</a:t>
-            </a:r>
-          </a:p>
-        </p:txBody>
-      </p:sp>
-    </p:spTree>
-    <p:extLst>
-      <p:ext uri="{BB962C8B-B14F-4D97-AF65-F5344CB8AC3E}">
-        <p14:creationId xmlns:p14="http://schemas.microsoft.com/office/powerpoint/2010/main" val="926033395"/>
-      </p:ext>
-    </p:extLst>
-  </p:cSld>
-  <p:clrMapOvr>
-    <a:masterClrMapping/>
-  </p:clrMapOvr>
-</p:sld>
-</file>
-
-<file path=ppt/slides/slide20.xml><?xml version="1.0" encoding="utf-8"?>
-<p:sld xmlns:a="http://schemas.openxmlformats.org/drawingml/2006/main" xmlns:r="http://schemas.openxmlformats.org/officeDocument/2006/relationships" xmlns:p="http://schemas.openxmlformats.org/presentationml/2006/main">
-  <p:cSld>
-    <p:spTree>
-      <p:nvGrpSpPr>
-        <p:cNvPr id="1" name=""/>
-        <p:cNvGrpSpPr/>
-        <p:nvPr/>
-      </p:nvGrpSpPr>
-      <p:grpSpPr>
-        <a:xfrm>
-          <a:off x="0" y="0"/>
-          <a:ext cx="0" cy="0"/>
-          <a:chOff x="0" y="0"/>
-          <a:chExt cx="0" cy="0"/>
-        </a:xfrm>
-      </p:grpSpPr>
-      <p:sp>
-        <p:nvSpPr>
-          <p:cNvPr id="2" name="Title 1">
-            <a:extLst>
-              <a:ext uri="{FF2B5EF4-FFF2-40B4-BE49-F238E27FC236}">
-                <a16:creationId xmlns:a16="http://schemas.microsoft.com/office/drawing/2014/main" id="{03812D1F-F6DF-42A7-8DA2-1A5A8243FD15}"/>
-              </a:ext>
-            </a:extLst>
-          </p:cNvPr>
-          <p:cNvSpPr>
-            <a:spLocks noGrp="1"/>
-          </p:cNvSpPr>
-          <p:nvPr>
-            <p:ph type="title"/>
-          </p:nvPr>
-        </p:nvSpPr>
-        <p:spPr/>
-        <p:txBody>
-          <a:bodyPr/>
-          <a:lstStyle/>
-          <a:p>
-            <a:r>
-              <a:rPr lang="en-US" dirty="0"/>
-              <a:t>Cardinality (3/3)</a:t>
-            </a:r>
-            <a:endParaRPr lang="en-CH" dirty="0"/>
-          </a:p>
-        </p:txBody>
-      </p:sp>
-      <p:sp>
-        <p:nvSpPr>
-          <p:cNvPr id="5" name="Content Placeholder 4">
-            <a:extLst>
-              <a:ext uri="{FF2B5EF4-FFF2-40B4-BE49-F238E27FC236}">
-                <a16:creationId xmlns:a16="http://schemas.microsoft.com/office/drawing/2014/main" id="{3A5FB3D3-4BB6-451A-91DF-53D8A59B2AD4}"/>
-              </a:ext>
-            </a:extLst>
-          </p:cNvPr>
-          <p:cNvSpPr>
-            <a:spLocks noGrp="1"/>
-          </p:cNvSpPr>
-          <p:nvPr>
-            <p:ph idx="1"/>
-          </p:nvPr>
-        </p:nvSpPr>
-        <p:spPr/>
-        <p:txBody>
-          <a:bodyPr>
-            <a:normAutofit/>
-          </a:bodyPr>
-          <a:lstStyle/>
-          <a:p>
-            <a:r>
-              <a:rPr lang="en-US" dirty="0"/>
-              <a:t>Syntax</a:t>
-            </a:r>
-          </a:p>
-          <a:p>
-            <a:pPr lvl="1"/>
-            <a:r>
-              <a:rPr lang="de-CH" b="0" i="0" dirty="0">
-                <a:solidFill>
-                  <a:srgbClr val="444444"/>
-                </a:solidFill>
-                <a:effectLst/>
-                <a:latin typeface="SFMono-Regular"/>
-              </a:rPr>
-              <a:t>&lt;</a:t>
-            </a:r>
-            <a:r>
-              <a:rPr lang="de-CH" b="0" i="0" dirty="0" err="1">
-                <a:solidFill>
-                  <a:srgbClr val="444444"/>
-                </a:solidFill>
-                <a:effectLst/>
-                <a:latin typeface="SFMono-Regular"/>
-              </a:rPr>
-              <a:t>multiInstanceLoopCharacteristics</a:t>
-            </a:r>
-            <a:r>
-              <a:rPr lang="de-CH" b="0" i="0" dirty="0">
-                <a:solidFill>
-                  <a:srgbClr val="444444"/>
-                </a:solidFill>
-                <a:effectLst/>
-                <a:latin typeface="SFMono-Regular"/>
-              </a:rPr>
-              <a:t> </a:t>
-            </a:r>
-            <a:r>
-              <a:rPr lang="de-CH" b="0" i="0" dirty="0" err="1">
-                <a:solidFill>
-                  <a:srgbClr val="444444"/>
-                </a:solidFill>
-                <a:effectLst/>
-                <a:latin typeface="SFMono-Regular"/>
-              </a:rPr>
-              <a:t>isSequential</a:t>
-            </a:r>
-            <a:r>
-              <a:rPr lang="de-CH" b="0" i="0" dirty="0">
-                <a:solidFill>
-                  <a:srgbClr val="444444"/>
-                </a:solidFill>
-                <a:effectLst/>
-                <a:latin typeface="SFMono-Regular"/>
-              </a:rPr>
-              <a:t>="</a:t>
-            </a:r>
-            <a:r>
-              <a:rPr lang="de-CH" b="0" i="0" dirty="0" err="1">
-                <a:solidFill>
-                  <a:srgbClr val="444444"/>
-                </a:solidFill>
-                <a:effectLst/>
-                <a:latin typeface="SFMono-Regular"/>
-              </a:rPr>
-              <a:t>false|true</a:t>
-            </a:r>
-            <a:r>
-              <a:rPr lang="de-CH" b="0" i="0" dirty="0">
-                <a:solidFill>
-                  <a:srgbClr val="444444"/>
-                </a:solidFill>
-                <a:effectLst/>
-                <a:latin typeface="SFMono-Regular"/>
-              </a:rPr>
-              <a:t>"&gt; </a:t>
-            </a:r>
-            <a:r>
-              <a:rPr lang="de-CH" b="0" i="0" dirty="0">
-                <a:solidFill>
-                  <a:srgbClr val="444444"/>
-                </a:solidFill>
-                <a:effectLst/>
-                <a:highlight>
-                  <a:srgbClr val="FFFF00"/>
-                </a:highlight>
-                <a:latin typeface="SFMono-Regular"/>
-              </a:rPr>
-              <a:t>&lt;</a:t>
-            </a:r>
-            <a:r>
-              <a:rPr lang="de-CH" b="0" i="0" dirty="0" err="1">
-                <a:solidFill>
-                  <a:srgbClr val="444444"/>
-                </a:solidFill>
-                <a:effectLst/>
-                <a:highlight>
-                  <a:srgbClr val="FFFF00"/>
-                </a:highlight>
-                <a:latin typeface="SFMono-Regular"/>
-              </a:rPr>
-              <a:t>loopCardinality</a:t>
-            </a:r>
-            <a:r>
-              <a:rPr lang="de-CH" b="0" i="0" dirty="0">
-                <a:solidFill>
-                  <a:srgbClr val="444444"/>
-                </a:solidFill>
-                <a:effectLst/>
-                <a:highlight>
-                  <a:srgbClr val="FFFF00"/>
-                </a:highlight>
-                <a:latin typeface="SFMono-Regular"/>
-              </a:rPr>
-              <a:t>&gt;5&lt;/</a:t>
-            </a:r>
-            <a:r>
-              <a:rPr lang="de-CH" b="0" i="0" dirty="0" err="1">
-                <a:solidFill>
-                  <a:srgbClr val="444444"/>
-                </a:solidFill>
-                <a:effectLst/>
-                <a:highlight>
-                  <a:srgbClr val="FFFF00"/>
-                </a:highlight>
-                <a:latin typeface="SFMono-Regular"/>
-              </a:rPr>
-              <a:t>loopCardinality</a:t>
-            </a:r>
-            <a:r>
-              <a:rPr lang="de-CH" b="0" i="0" dirty="0">
-                <a:solidFill>
-                  <a:srgbClr val="444444"/>
-                </a:solidFill>
-                <a:effectLst/>
-                <a:highlight>
-                  <a:srgbClr val="FFFF00"/>
-                </a:highlight>
-                <a:latin typeface="SFMono-Regular"/>
-              </a:rPr>
-              <a:t>&gt; &lt;/</a:t>
-            </a:r>
-            <a:r>
-              <a:rPr lang="de-CH" b="0" i="0" dirty="0" err="1">
-                <a:solidFill>
-                  <a:srgbClr val="444444"/>
-                </a:solidFill>
-                <a:effectLst/>
-                <a:highlight>
-                  <a:srgbClr val="FFFF00"/>
-                </a:highlight>
-                <a:latin typeface="SFMono-Regular"/>
-              </a:rPr>
-              <a:t>multiInstanceLoopCharacteristics</a:t>
-            </a:r>
-            <a:r>
-              <a:rPr lang="de-CH" b="0" i="0" dirty="0">
-                <a:solidFill>
-                  <a:srgbClr val="444444"/>
-                </a:solidFill>
-                <a:effectLst/>
-                <a:highlight>
-                  <a:srgbClr val="FFFF00"/>
-                </a:highlight>
-                <a:latin typeface="SFMono-Regular"/>
-              </a:rPr>
-              <a:t>&gt;</a:t>
-            </a:r>
-            <a:endParaRPr lang="en-US" b="0" i="0" dirty="0">
-              <a:solidFill>
-                <a:srgbClr val="444444"/>
-              </a:solidFill>
-              <a:effectLst/>
-              <a:highlight>
-                <a:srgbClr val="FFFF00"/>
-              </a:highlight>
-              <a:latin typeface="SFMono-Regular"/>
-            </a:endParaRPr>
-          </a:p>
-          <a:p>
-            <a:pPr lvl="1"/>
-            <a:r>
-              <a:rPr lang="de-CH" b="0" i="0" dirty="0">
-                <a:solidFill>
-                  <a:srgbClr val="444444"/>
-                </a:solidFill>
-                <a:effectLst/>
-                <a:latin typeface="SFMono-Regular"/>
-              </a:rPr>
-              <a:t>&lt;</a:t>
-            </a:r>
-            <a:r>
-              <a:rPr lang="de-CH" b="0" i="0" dirty="0" err="1">
-                <a:solidFill>
-                  <a:srgbClr val="444444"/>
-                </a:solidFill>
-                <a:effectLst/>
-                <a:latin typeface="SFMono-Regular"/>
-              </a:rPr>
-              <a:t>multiInstanceLoopCharacteristics</a:t>
-            </a:r>
-            <a:r>
-              <a:rPr lang="de-CH" b="0" i="0" dirty="0">
-                <a:solidFill>
-                  <a:srgbClr val="444444"/>
-                </a:solidFill>
-                <a:effectLst/>
-                <a:latin typeface="SFMono-Regular"/>
-              </a:rPr>
-              <a:t> </a:t>
-            </a:r>
-            <a:r>
-              <a:rPr lang="de-CH" b="0" i="0" dirty="0" err="1">
-                <a:solidFill>
-                  <a:srgbClr val="444444"/>
-                </a:solidFill>
-                <a:effectLst/>
-                <a:latin typeface="SFMono-Regular"/>
-              </a:rPr>
-              <a:t>isSequential</a:t>
-            </a:r>
-            <a:r>
-              <a:rPr lang="de-CH" b="0" i="0" dirty="0">
-                <a:solidFill>
-                  <a:srgbClr val="444444"/>
-                </a:solidFill>
-                <a:effectLst/>
-                <a:latin typeface="SFMono-Regular"/>
-              </a:rPr>
-              <a:t>="</a:t>
-            </a:r>
-            <a:r>
-              <a:rPr lang="de-CH" b="0" i="0" dirty="0" err="1">
-                <a:solidFill>
-                  <a:srgbClr val="444444"/>
-                </a:solidFill>
-                <a:effectLst/>
-                <a:latin typeface="SFMono-Regular"/>
-              </a:rPr>
-              <a:t>false|true</a:t>
-            </a:r>
-            <a:r>
-              <a:rPr lang="de-CH" b="0" i="0" dirty="0">
-                <a:solidFill>
-                  <a:srgbClr val="444444"/>
-                </a:solidFill>
-                <a:effectLst/>
-                <a:latin typeface="SFMono-Regular"/>
-              </a:rPr>
-              <a:t>"&gt; </a:t>
-            </a:r>
-            <a:r>
-              <a:rPr lang="de-CH" b="0" i="0" dirty="0">
-                <a:solidFill>
-                  <a:srgbClr val="444444"/>
-                </a:solidFill>
-                <a:effectLst/>
-                <a:highlight>
-                  <a:srgbClr val="FFFF00"/>
-                </a:highlight>
-                <a:latin typeface="SFMono-Regular"/>
-              </a:rPr>
-              <a:t>&lt;</a:t>
-            </a:r>
-            <a:r>
-              <a:rPr lang="de-CH" b="0" i="0" dirty="0" err="1">
-                <a:solidFill>
-                  <a:srgbClr val="444444"/>
-                </a:solidFill>
-                <a:effectLst/>
-                <a:highlight>
-                  <a:srgbClr val="FFFF00"/>
-                </a:highlight>
-                <a:latin typeface="SFMono-Regular"/>
-              </a:rPr>
-              <a:t>loopCardinality</a:t>
-            </a:r>
-            <a:r>
-              <a:rPr lang="de-CH" b="0" i="0" dirty="0">
-                <a:solidFill>
-                  <a:srgbClr val="444444"/>
-                </a:solidFill>
-                <a:effectLst/>
-                <a:highlight>
-                  <a:srgbClr val="FFFF00"/>
-                </a:highlight>
-                <a:latin typeface="SFMono-Regular"/>
-              </a:rPr>
-              <a:t>&gt;${</a:t>
-            </a:r>
-            <a:r>
-              <a:rPr lang="de-CH" b="0" i="0" dirty="0" err="1">
-                <a:solidFill>
-                  <a:srgbClr val="444444"/>
-                </a:solidFill>
-                <a:effectLst/>
-                <a:highlight>
-                  <a:srgbClr val="FFFF00"/>
-                </a:highlight>
-                <a:latin typeface="SFMono-Regular"/>
-              </a:rPr>
-              <a:t>nrOfOrders-nrOfCancellations</a:t>
-            </a:r>
-            <a:r>
-              <a:rPr lang="de-CH" b="0" i="0" dirty="0">
-                <a:solidFill>
-                  <a:srgbClr val="444444"/>
-                </a:solidFill>
-                <a:effectLst/>
-                <a:highlight>
-                  <a:srgbClr val="FFFF00"/>
-                </a:highlight>
-                <a:latin typeface="SFMono-Regular"/>
-              </a:rPr>
-              <a:t>}&lt;/</a:t>
-            </a:r>
-            <a:r>
-              <a:rPr lang="de-CH" b="0" i="0" dirty="0" err="1">
-                <a:solidFill>
-                  <a:srgbClr val="444444"/>
-                </a:solidFill>
-                <a:effectLst/>
-                <a:highlight>
-                  <a:srgbClr val="FFFF00"/>
-                </a:highlight>
-                <a:latin typeface="SFMono-Regular"/>
-              </a:rPr>
-              <a:t>loopCardinality</a:t>
-            </a:r>
-            <a:r>
-              <a:rPr lang="de-CH" b="0" i="0" dirty="0">
-                <a:solidFill>
-                  <a:srgbClr val="444444"/>
-                </a:solidFill>
-                <a:effectLst/>
-                <a:highlight>
-                  <a:srgbClr val="FFFF00"/>
-                </a:highlight>
-                <a:latin typeface="SFMono-Regular"/>
-              </a:rPr>
-              <a:t>&gt; </a:t>
-            </a:r>
-            <a:r>
-              <a:rPr lang="de-CH" b="0" i="0" dirty="0">
-                <a:solidFill>
-                  <a:srgbClr val="444444"/>
-                </a:solidFill>
-                <a:effectLst/>
-                <a:latin typeface="SFMono-Regular"/>
-              </a:rPr>
-              <a:t>&lt;/</a:t>
-            </a:r>
-            <a:r>
-              <a:rPr lang="de-CH" b="0" i="0" dirty="0" err="1">
-                <a:solidFill>
-                  <a:srgbClr val="444444"/>
-                </a:solidFill>
-                <a:effectLst/>
-                <a:latin typeface="SFMono-Regular"/>
-              </a:rPr>
-              <a:t>multiInstanceLoopCharacteristics</a:t>
-            </a:r>
-            <a:r>
-              <a:rPr lang="de-CH" b="0" i="0" dirty="0">
-                <a:solidFill>
-                  <a:srgbClr val="444444"/>
-                </a:solidFill>
-                <a:effectLst/>
-                <a:latin typeface="SFMono-Regular"/>
-              </a:rPr>
-              <a:t>&gt;</a:t>
-            </a:r>
-            <a:endParaRPr lang="en-US" dirty="0">
-              <a:solidFill>
-                <a:srgbClr val="444444"/>
-              </a:solidFill>
-              <a:latin typeface="SFMono-Regular"/>
-            </a:endParaRPr>
-          </a:p>
-          <a:p>
-            <a:pPr lvl="1"/>
-            <a:r>
-              <a:rPr lang="de-CH" b="0" i="0" dirty="0">
-                <a:solidFill>
-                  <a:srgbClr val="444444"/>
-                </a:solidFill>
-                <a:effectLst/>
-                <a:latin typeface="SFMono-Regular"/>
-              </a:rPr>
-              <a:t>&lt;</a:t>
-            </a:r>
-            <a:r>
-              <a:rPr lang="de-CH" b="0" i="0" dirty="0" err="1">
-                <a:solidFill>
-                  <a:srgbClr val="444444"/>
-                </a:solidFill>
-                <a:effectLst/>
-                <a:latin typeface="SFMono-Regular"/>
-              </a:rPr>
-              <a:t>multiInstanceLoopCharacteristics</a:t>
-            </a:r>
-            <a:r>
-              <a:rPr lang="de-CH" b="0" i="0" dirty="0">
-                <a:solidFill>
-                  <a:srgbClr val="444444"/>
-                </a:solidFill>
-                <a:effectLst/>
-                <a:latin typeface="SFMono-Regular"/>
-              </a:rPr>
-              <a:t> </a:t>
-            </a:r>
-            <a:r>
-              <a:rPr lang="de-CH" b="0" i="0" dirty="0" err="1">
-                <a:solidFill>
-                  <a:srgbClr val="444444"/>
-                </a:solidFill>
-                <a:effectLst/>
-                <a:latin typeface="SFMono-Regular"/>
-              </a:rPr>
-              <a:t>isSequential</a:t>
-            </a:r>
-            <a:r>
-              <a:rPr lang="de-CH" b="0" i="0" dirty="0">
-                <a:solidFill>
-                  <a:srgbClr val="444444"/>
-                </a:solidFill>
-                <a:effectLst/>
-                <a:latin typeface="SFMono-Regular"/>
-              </a:rPr>
-              <a:t>="</a:t>
-            </a:r>
-            <a:r>
-              <a:rPr lang="de-CH" b="0" i="0" dirty="0" err="1">
-                <a:solidFill>
-                  <a:srgbClr val="444444"/>
-                </a:solidFill>
-                <a:effectLst/>
-                <a:latin typeface="SFMono-Regular"/>
-              </a:rPr>
-              <a:t>false</a:t>
-            </a:r>
-            <a:r>
-              <a:rPr lang="de-CH" b="0" i="0" dirty="0">
-                <a:solidFill>
-                  <a:srgbClr val="444444"/>
-                </a:solidFill>
-                <a:effectLst/>
-                <a:latin typeface="SFMono-Regular"/>
-              </a:rPr>
-              <a:t>" </a:t>
-            </a:r>
-            <a:r>
-              <a:rPr lang="de-CH" b="0" i="0" dirty="0" err="1">
-                <a:solidFill>
-                  <a:srgbClr val="444444"/>
-                </a:solidFill>
-                <a:effectLst/>
-                <a:highlight>
-                  <a:srgbClr val="FFFF00"/>
-                </a:highlight>
-                <a:latin typeface="SFMono-Regular"/>
-              </a:rPr>
-              <a:t>flowable:collection</a:t>
-            </a:r>
-            <a:r>
-              <a:rPr lang="de-CH" b="0" i="0" dirty="0">
-                <a:solidFill>
-                  <a:srgbClr val="444444"/>
-                </a:solidFill>
-                <a:effectLst/>
-                <a:highlight>
-                  <a:srgbClr val="FFFF00"/>
-                </a:highlight>
-                <a:latin typeface="SFMono-Regular"/>
-              </a:rPr>
-              <a:t>=«</a:t>
-            </a:r>
-            <a:r>
-              <a:rPr lang="de-CH" b="1" i="0" dirty="0" err="1">
-                <a:solidFill>
-                  <a:srgbClr val="444444"/>
-                </a:solidFill>
-                <a:effectLst/>
-                <a:highlight>
-                  <a:srgbClr val="FFFF00"/>
-                </a:highlight>
-                <a:latin typeface="SFMono-Regular"/>
-              </a:rPr>
-              <a:t>loopList</a:t>
-            </a:r>
-            <a:r>
-              <a:rPr lang="de-CH" b="0" i="0" dirty="0">
-                <a:solidFill>
-                  <a:srgbClr val="444444"/>
-                </a:solidFill>
-                <a:effectLst/>
-                <a:highlight>
-                  <a:srgbClr val="FFFF00"/>
-                </a:highlight>
-                <a:latin typeface="SFMono-Regular"/>
-              </a:rPr>
-              <a:t>" </a:t>
-            </a:r>
-            <a:r>
-              <a:rPr lang="de-CH" b="0" i="0" dirty="0" err="1">
-                <a:solidFill>
-                  <a:srgbClr val="444444"/>
-                </a:solidFill>
-                <a:effectLst/>
-                <a:highlight>
-                  <a:srgbClr val="FFFF00"/>
-                </a:highlight>
-                <a:latin typeface="SFMono-Regular"/>
-              </a:rPr>
-              <a:t>flowable:elementVariable</a:t>
-            </a:r>
-            <a:r>
-              <a:rPr lang="de-CH" b="0" i="0" dirty="0">
-                <a:solidFill>
-                  <a:srgbClr val="444444"/>
-                </a:solidFill>
-                <a:effectLst/>
-                <a:highlight>
-                  <a:srgbClr val="FFFF00"/>
-                </a:highlight>
-                <a:latin typeface="SFMono-Regular"/>
-              </a:rPr>
-              <a:t>=«</a:t>
-            </a:r>
-            <a:r>
-              <a:rPr lang="de-CH" b="1" i="0" dirty="0" err="1">
-                <a:solidFill>
-                  <a:srgbClr val="444444"/>
-                </a:solidFill>
-                <a:effectLst/>
-                <a:highlight>
-                  <a:srgbClr val="FFFF00"/>
-                </a:highlight>
-                <a:latin typeface="SFMono-Regular"/>
-              </a:rPr>
-              <a:t>listItem</a:t>
-            </a:r>
-            <a:r>
-              <a:rPr lang="de-CH" b="0" i="0" dirty="0">
-                <a:solidFill>
-                  <a:srgbClr val="444444"/>
-                </a:solidFill>
-                <a:effectLst/>
-                <a:highlight>
-                  <a:srgbClr val="FFFF00"/>
-                </a:highlight>
-                <a:latin typeface="SFMono-Regular"/>
-              </a:rPr>
-              <a:t>" &gt; </a:t>
-            </a:r>
-            <a:r>
-              <a:rPr lang="de-CH" b="0" i="0" dirty="0">
-                <a:solidFill>
-                  <a:srgbClr val="444444"/>
-                </a:solidFill>
-                <a:effectLst/>
-                <a:latin typeface="SFMono-Regular"/>
-              </a:rPr>
-              <a:t>&lt;/</a:t>
-            </a:r>
-            <a:r>
-              <a:rPr lang="de-CH" b="0" i="0" dirty="0" err="1">
-                <a:solidFill>
-                  <a:srgbClr val="444444"/>
-                </a:solidFill>
-                <a:effectLst/>
-                <a:latin typeface="SFMono-Regular"/>
-              </a:rPr>
-              <a:t>multiInstanceLoopCharacteristics</a:t>
-            </a:r>
-            <a:r>
-              <a:rPr lang="de-CH" b="0" i="0" dirty="0">
-                <a:solidFill>
-                  <a:srgbClr val="444444"/>
-                </a:solidFill>
-                <a:effectLst/>
-                <a:latin typeface="SFMono-Regular"/>
-              </a:rPr>
-              <a:t>&gt;</a:t>
-            </a:r>
-            <a:endParaRPr lang="en-CH" dirty="0"/>
-          </a:p>
-        </p:txBody>
-      </p:sp>
-    </p:spTree>
-    <p:extLst>
-      <p:ext uri="{BB962C8B-B14F-4D97-AF65-F5344CB8AC3E}">
-        <p14:creationId xmlns:p14="http://schemas.microsoft.com/office/powerpoint/2010/main" val="1634682293"/>
       </p:ext>
     </p:extLst>
   </p:cSld>
